--- a/lectures/lecture_02-elements-of-closed-loop-systems/elements_of_closed_loop_systems.pptx
+++ b/lectures/lecture_02-elements-of-closed-loop-systems/elements_of_closed_loop_systems.pptx
@@ -5,7 +5,7 @@
     <p:sldMasterId id="2147483648" r:id="rId1"/>
   </p:sldMasterIdLst>
   <p:notesMasterIdLst>
-    <p:notesMasterId r:id="rId13"/>
+    <p:notesMasterId r:id="rId14"/>
   </p:notesMasterIdLst>
   <p:sldIdLst>
     <p:sldId id="256" r:id="rId2"/>
@@ -18,14 +18,15 @@
     <p:sldId id="526" r:id="rId9"/>
     <p:sldId id="527" r:id="rId10"/>
     <p:sldId id="528" r:id="rId11"/>
-    <p:sldId id="529" r:id="rId12"/>
+    <p:sldId id="533" r:id="rId12"/>
+    <p:sldId id="529" r:id="rId13"/>
   </p:sldIdLst>
   <p:sldSz cx="9144000" cy="6858000" type="screen4x3"/>
   <p:notesSz cx="6858000" cy="9144000"/>
   <p:embeddedFontLst>
     <p:embeddedFont>
       <p:font typeface="Cambria Math" panose="02040503050406030204" pitchFamily="18" charset="0"/>
-      <p:regular r:id="rId14"/>
+      <p:regular r:id="rId15"/>
     </p:embeddedFont>
   </p:embeddedFontLst>
   <p:defaultTextStyle>
@@ -273,7 +274,7 @@
       </p15:sldGuideLst>
     </p:ext>
     <p:ext uri="http://customooxmlschemas.google.com/">
-      <go:slidesCustomData xmlns:go="http://customooxmlschemas.google.com/" xmlns:ahyp="http://schemas.microsoft.com/office/drawing/2018/hyperlinkcolor" xmlns:p15="http://schemas.microsoft.com/office/powerpoint/2012/main" xmlns:p14="http://schemas.microsoft.com/office/powerpoint/2010/main" xmlns:com="http://schemas.openxmlformats.org/drawingml/2006/compatibility" xmlns:pvml="urn:schemas-microsoft-com:office:powerpoint" xmlns:v="urn:schemas-microsoft-com:vml" xmlns:o="urn:schemas-microsoft-com:office:office" xmlns:dgm="http://schemas.openxmlformats.org/drawingml/2006/diagram" xmlns:c="http://schemas.openxmlformats.org/drawingml/2006/chart" xmlns:mv="urn:schemas-microsoft-com:mac:vml" xmlns:mc="http://schemas.openxmlformats.org/markup-compatibility/2006" xmlns="" r:id="rId43" roundtripDataSignature="AMtx7mgCuaoS/ao6GLJNkk1J/HieLCYVzQ=="/>
+      <go:slidesCustomData xmlns="" xmlns:mc="http://schemas.openxmlformats.org/markup-compatibility/2006" xmlns:mv="urn:schemas-microsoft-com:mac:vml" xmlns:c="http://schemas.openxmlformats.org/drawingml/2006/chart" xmlns:dgm="http://schemas.openxmlformats.org/drawingml/2006/diagram" xmlns:o="urn:schemas-microsoft-com:office:office" xmlns:v="urn:schemas-microsoft-com:vml" xmlns:pvml="urn:schemas-microsoft-com:office:powerpoint" xmlns:com="http://schemas.openxmlformats.org/drawingml/2006/compatibility" xmlns:p14="http://schemas.microsoft.com/office/powerpoint/2010/main" xmlns:p15="http://schemas.microsoft.com/office/powerpoint/2012/main" xmlns:ahyp="http://schemas.microsoft.com/office/drawing/2018/hyperlinkcolor" xmlns:go="http://customooxmlschemas.google.com/" r:id="rId43" roundtripDataSignature="AMtx7mgCuaoS/ao6GLJNkk1J/HieLCYVzQ=="/>
     </p:ext>
   </p:extLst>
 </p:presentation>
@@ -13874,8 +13875,8 @@
           </a:p>
         </p:txBody>
       </p:sp>
-      <mc:AlternateContent xmlns:mc="http://schemas.openxmlformats.org/markup-compatibility/2006">
-        <mc:Choice xmlns:a14="http://schemas.microsoft.com/office/drawing/2010/main" Requires="a14">
+      <mc:AlternateContent xmlns:mc="http://schemas.openxmlformats.org/markup-compatibility/2006" xmlns:a14="http://schemas.microsoft.com/office/drawing/2010/main">
+        <mc:Choice Requires="a14">
           <p:sp>
             <p:nvSpPr>
               <p:cNvPr id="22" name="Rectangle 21">
@@ -13971,7 +13972,7 @@
             </p:txBody>
           </p:sp>
         </mc:Choice>
-        <mc:Fallback>
+        <mc:Fallback xmlns="">
           <p:sp>
             <p:nvSpPr>
               <p:cNvPr id="22" name="Rectangle 21">
@@ -14016,8 +14017,8 @@
           </p:sp>
         </mc:Fallback>
       </mc:AlternateContent>
-      <mc:AlternateContent xmlns:mc="http://schemas.openxmlformats.org/markup-compatibility/2006">
-        <mc:Choice xmlns:a14="http://schemas.microsoft.com/office/drawing/2010/main" Requires="a14">
+      <mc:AlternateContent xmlns:mc="http://schemas.openxmlformats.org/markup-compatibility/2006" xmlns:a14="http://schemas.microsoft.com/office/drawing/2010/main">
+        <mc:Choice Requires="a14">
           <p:sp>
             <p:nvSpPr>
               <p:cNvPr id="23" name="Rectangle 22">
@@ -14102,7 +14103,7 @@
             </p:txBody>
           </p:sp>
         </mc:Choice>
-        <mc:Fallback>
+        <mc:Fallback xmlns="">
           <p:sp>
             <p:nvSpPr>
               <p:cNvPr id="23" name="Rectangle 22">
@@ -15096,8 +15097,8 @@
           </a:p>
         </p:txBody>
       </p:sp>
-      <mc:AlternateContent xmlns:mc="http://schemas.openxmlformats.org/markup-compatibility/2006">
-        <mc:Choice xmlns:a14="http://schemas.microsoft.com/office/drawing/2010/main" Requires="a14">
+      <mc:AlternateContent xmlns:mc="http://schemas.openxmlformats.org/markup-compatibility/2006" xmlns:a14="http://schemas.microsoft.com/office/drawing/2010/main">
+        <mc:Choice Requires="a14">
           <p:sp>
             <p:nvSpPr>
               <p:cNvPr id="58" name="Rectangle 57">
@@ -15198,7 +15199,7 @@
             </p:txBody>
           </p:sp>
         </mc:Choice>
-        <mc:Fallback>
+        <mc:Fallback xmlns="">
           <p:sp>
             <p:nvSpPr>
               <p:cNvPr id="58" name="Rectangle 57">
@@ -15248,8 +15249,8 @@
           </p:sp>
         </mc:Fallback>
       </mc:AlternateContent>
-      <mc:AlternateContent xmlns:mc="http://schemas.openxmlformats.org/markup-compatibility/2006">
-        <mc:Choice xmlns:a14="http://schemas.microsoft.com/office/drawing/2010/main" Requires="a14">
+      <mc:AlternateContent xmlns:mc="http://schemas.openxmlformats.org/markup-compatibility/2006" xmlns:a14="http://schemas.microsoft.com/office/drawing/2010/main">
+        <mc:Choice Requires="a14">
           <p:sp>
             <p:nvSpPr>
               <p:cNvPr id="59" name="Rectangle 58">
@@ -15339,7 +15340,7 @@
             </p:txBody>
           </p:sp>
         </mc:Choice>
-        <mc:Fallback>
+        <mc:Fallback xmlns="">
           <p:sp>
             <p:nvSpPr>
               <p:cNvPr id="59" name="Rectangle 58">
@@ -16040,8 +16041,8 @@
           </a:fontRef>
         </p:style>
       </p:cxnSp>
-      <mc:AlternateContent xmlns:mc="http://schemas.openxmlformats.org/markup-compatibility/2006">
-        <mc:Choice xmlns:a14="http://schemas.microsoft.com/office/drawing/2010/main" Requires="a14">
+      <mc:AlternateContent xmlns:mc="http://schemas.openxmlformats.org/markup-compatibility/2006" xmlns:a14="http://schemas.microsoft.com/office/drawing/2010/main">
+        <mc:Choice Requires="a14">
           <p:sp>
             <p:nvSpPr>
               <p:cNvPr id="70" name="Rectangle 69">
@@ -16141,7 +16142,7 @@
             </p:txBody>
           </p:sp>
         </mc:Choice>
-        <mc:Fallback>
+        <mc:Fallback xmlns="">
           <p:sp>
             <p:nvSpPr>
               <p:cNvPr id="70" name="Rectangle 69">
@@ -16191,8 +16192,8 @@
           </p:sp>
         </mc:Fallback>
       </mc:AlternateContent>
-      <mc:AlternateContent xmlns:mc="http://schemas.openxmlformats.org/markup-compatibility/2006">
-        <mc:Choice xmlns:a14="http://schemas.microsoft.com/office/drawing/2010/main" Requires="a14">
+      <mc:AlternateContent xmlns:mc="http://schemas.openxmlformats.org/markup-compatibility/2006" xmlns:a14="http://schemas.microsoft.com/office/drawing/2010/main">
+        <mc:Choice Requires="a14">
           <p:sp>
             <p:nvSpPr>
               <p:cNvPr id="71" name="Rectangle 70">
@@ -16282,7 +16283,7 @@
             </p:txBody>
           </p:sp>
         </mc:Choice>
-        <mc:Fallback>
+        <mc:Fallback xmlns="">
           <p:sp>
             <p:nvSpPr>
               <p:cNvPr id="71" name="Rectangle 70">
@@ -17802,6 +17803,2433 @@
   <p:cSld>
     <p:spTree>
       <p:nvGrpSpPr>
+        <p:cNvPr id="1" name="">
+          <a:extLst>
+            <a:ext uri="{FF2B5EF4-FFF2-40B4-BE49-F238E27FC236}">
+              <a16:creationId xmlns:a16="http://schemas.microsoft.com/office/drawing/2014/main" id="{977E6616-6DE5-D5B4-867C-DB18B304AF68}"/>
+            </a:ext>
+          </a:extLst>
+        </p:cNvPr>
+        <p:cNvGrpSpPr/>
+        <p:nvPr/>
+      </p:nvGrpSpPr>
+      <p:grpSpPr>
+        <a:xfrm>
+          <a:off x="0" y="0"/>
+          <a:ext cx="0" cy="0"/>
+          <a:chOff x="0" y="0"/>
+          <a:chExt cx="0" cy="0"/>
+        </a:xfrm>
+      </p:grpSpPr>
+      <p:sp>
+        <p:nvSpPr>
+          <p:cNvPr id="2" name="Title 1">
+            <a:extLst>
+              <a:ext uri="{FF2B5EF4-FFF2-40B4-BE49-F238E27FC236}">
+                <a16:creationId xmlns:a16="http://schemas.microsoft.com/office/drawing/2014/main" id="{EB434AB4-FAC6-B870-FC84-14B5D0F3CFEB}"/>
+              </a:ext>
+            </a:extLst>
+          </p:cNvPr>
+          <p:cNvSpPr>
+            <a:spLocks noGrp="1"/>
+          </p:cNvSpPr>
+          <p:nvPr>
+            <p:ph type="title"/>
+          </p:nvPr>
+        </p:nvSpPr>
+        <p:spPr>
+          <a:xfrm>
+            <a:off x="457200" y="228600"/>
+            <a:ext cx="4724400" cy="838200"/>
+          </a:xfrm>
+        </p:spPr>
+        <p:txBody>
+          <a:bodyPr/>
+          <a:lstStyle/>
+          <a:p>
+            <a:r>
+              <a:rPr lang="en-US" dirty="0"/>
+              <a:t>Common Controllers</a:t>
+            </a:r>
+          </a:p>
+        </p:txBody>
+      </p:sp>
+      <p:sp>
+        <p:nvSpPr>
+          <p:cNvPr id="3" name="Slide Number Placeholder 2">
+            <a:extLst>
+              <a:ext uri="{FF2B5EF4-FFF2-40B4-BE49-F238E27FC236}">
+                <a16:creationId xmlns:a16="http://schemas.microsoft.com/office/drawing/2014/main" id="{97A65CF7-786C-9AA2-FEC4-ADA334BEBC42}"/>
+              </a:ext>
+            </a:extLst>
+          </p:cNvPr>
+          <p:cNvSpPr>
+            <a:spLocks noGrp="1"/>
+          </p:cNvSpPr>
+          <p:nvPr>
+            <p:ph type="sldNum" idx="12"/>
+          </p:nvPr>
+        </p:nvSpPr>
+        <p:spPr/>
+        <p:txBody>
+          <a:bodyPr/>
+          <a:lstStyle/>
+          <a:p>
+            <a:pPr marL="0" lvl="0" indent="0" algn="l" rtl="0">
+              <a:spcBef>
+                <a:spcPts val="0"/>
+              </a:spcBef>
+              <a:spcAft>
+                <a:spcPts val="0"/>
+              </a:spcAft>
+              <a:buNone/>
+            </a:pPr>
+            <a:fld id="{00000000-1234-1234-1234-123412341234}" type="slidenum">
+              <a:rPr lang="en-US" smtClean="0"/>
+              <a:t>11</a:t>
+            </a:fld>
+            <a:endParaRPr lang="en-US"/>
+          </a:p>
+        </p:txBody>
+      </p:sp>
+      <mc:AlternateContent xmlns:mc="http://schemas.openxmlformats.org/markup-compatibility/2006">
+        <mc:Choice xmlns:a14="http://schemas.microsoft.com/office/drawing/2010/main" Requires="a14">
+          <p:sp>
+            <p:nvSpPr>
+              <p:cNvPr id="54" name="TextBox 53">
+                <a:extLst>
+                  <a:ext uri="{FF2B5EF4-FFF2-40B4-BE49-F238E27FC236}">
+                    <a16:creationId xmlns:a16="http://schemas.microsoft.com/office/drawing/2014/main" id="{17F86CEB-F539-DDAF-C775-84F74955A643}"/>
+                  </a:ext>
+                </a:extLst>
+              </p:cNvPr>
+              <p:cNvSpPr txBox="1"/>
+              <p:nvPr/>
+            </p:nvSpPr>
+            <p:spPr>
+              <a:xfrm>
+                <a:off x="3745931" y="3087090"/>
+                <a:ext cx="361125" cy="331437"/>
+              </a:xfrm>
+              <a:prstGeom prst="rect">
+                <a:avLst/>
+              </a:prstGeom>
+              <a:noFill/>
+            </p:spPr>
+            <p:txBody>
+              <a:bodyPr wrap="none" lIns="0" tIns="0" rIns="0" bIns="0" rtlCol="0">
+                <a:spAutoFit/>
+              </a:bodyPr>
+              <a:lstStyle/>
+              <a:p>
+                <a:pPr/>
+                <a14:m>
+                  <m:oMathPara xmlns:m="http://schemas.openxmlformats.org/officeDocument/2006/math">
+                    <m:oMathParaPr>
+                      <m:jc m:val="centerGroup"/>
+                    </m:oMathParaPr>
+                    <m:oMath xmlns:m="http://schemas.openxmlformats.org/officeDocument/2006/math">
+                      <m:sSub>
+                        <m:sSubPr>
+                          <m:ctrlPr>
+                            <a:rPr lang="en-US" sz="2000" b="0" i="1" smtClean="0">
+                              <a:solidFill>
+                                <a:schemeClr val="bg1"/>
+                              </a:solidFill>
+                              <a:latin typeface="Cambria Math" panose="02040503050406030204" pitchFamily="18" charset="0"/>
+                            </a:rPr>
+                          </m:ctrlPr>
+                        </m:sSubPr>
+                        <m:e>
+                          <m:r>
+                            <a:rPr lang="en-US" sz="2000" b="0" i="1" smtClean="0">
+                              <a:solidFill>
+                                <a:schemeClr val="bg1"/>
+                              </a:solidFill>
+                              <a:latin typeface="Cambria Math" panose="02040503050406030204" pitchFamily="18" charset="0"/>
+                            </a:rPr>
+                            <m:t>𝐾</m:t>
+                          </m:r>
+                        </m:e>
+                        <m:sub>
+                          <m:r>
+                            <a:rPr lang="en-US" sz="2000" b="0" i="1" smtClean="0">
+                              <a:solidFill>
+                                <a:schemeClr val="bg1"/>
+                              </a:solidFill>
+                              <a:latin typeface="Cambria Math" panose="02040503050406030204" pitchFamily="18" charset="0"/>
+                            </a:rPr>
+                            <m:t>𝑝</m:t>
+                          </m:r>
+                        </m:sub>
+                      </m:sSub>
+                    </m:oMath>
+                  </m:oMathPara>
+                </a14:m>
+                <a:endParaRPr lang="en-US" dirty="0">
+                  <a:solidFill>
+                    <a:schemeClr val="bg1"/>
+                  </a:solidFill>
+                </a:endParaRPr>
+              </a:p>
+            </p:txBody>
+          </p:sp>
+        </mc:Choice>
+        <mc:Fallback>
+          <p:sp>
+            <p:nvSpPr>
+              <p:cNvPr id="54" name="TextBox 53">
+                <a:extLst>
+                  <a:ext uri="{FF2B5EF4-FFF2-40B4-BE49-F238E27FC236}">
+                    <a16:creationId xmlns:a16="http://schemas.microsoft.com/office/drawing/2014/main" id="{17F86CEB-F539-DDAF-C775-84F74955A643}"/>
+                  </a:ext>
+                </a:extLst>
+              </p:cNvPr>
+              <p:cNvSpPr txBox="1">
+                <a:spLocks noRot="1" noChangeAspect="1" noMove="1" noResize="1" noEditPoints="1" noAdjustHandles="1" noChangeArrowheads="1" noChangeShapeType="1" noTextEdit="1"/>
+              </p:cNvSpPr>
+              <p:nvPr/>
+            </p:nvSpPr>
+            <p:spPr>
+              <a:xfrm>
+                <a:off x="3745931" y="3087090"/>
+                <a:ext cx="361125" cy="331437"/>
+              </a:xfrm>
+              <a:prstGeom prst="rect">
+                <a:avLst/>
+              </a:prstGeom>
+              <a:blipFill>
+                <a:blip r:embed="rId2"/>
+                <a:stretch>
+                  <a:fillRect l="-13333" r="-3333" b="-17857"/>
+                </a:stretch>
+              </a:blipFill>
+            </p:spPr>
+            <p:txBody>
+              <a:bodyPr/>
+              <a:lstStyle/>
+              <a:p>
+                <a:r>
+                  <a:rPr lang="en-US">
+                    <a:noFill/>
+                  </a:rPr>
+                  <a:t> </a:t>
+                </a:r>
+              </a:p>
+            </p:txBody>
+          </p:sp>
+        </mc:Fallback>
+      </mc:AlternateContent>
+      <p:cxnSp>
+        <p:nvCxnSpPr>
+          <p:cNvPr id="55" name="Straight Arrow Connector 54">
+            <a:extLst>
+              <a:ext uri="{FF2B5EF4-FFF2-40B4-BE49-F238E27FC236}">
+                <a16:creationId xmlns:a16="http://schemas.microsoft.com/office/drawing/2014/main" id="{82F9F1B0-303C-FC65-7C5B-559222571DD3}"/>
+              </a:ext>
+            </a:extLst>
+          </p:cNvPr>
+          <p:cNvCxnSpPr>
+            <a:cxnSpLocks/>
+            <a:stCxn id="58" idx="3"/>
+            <a:endCxn id="59" idx="1"/>
+          </p:cNvCxnSpPr>
+          <p:nvPr/>
+        </p:nvCxnSpPr>
+        <p:spPr>
+          <a:xfrm flipV="1">
+            <a:off x="2814122" y="3304010"/>
+            <a:ext cx="468265" cy="8334"/>
+          </a:xfrm>
+          <a:prstGeom prst="straightConnector1">
+            <a:avLst/>
+          </a:prstGeom>
+          <a:ln>
+            <a:solidFill>
+              <a:srgbClr val="FF0000"/>
+            </a:solidFill>
+            <a:tailEnd type="triangle" w="lg" len="lg"/>
+          </a:ln>
+          <a:effectLst>
+            <a:outerShdw dist="20000" sx="1000" sy="1000" rotWithShape="0">
+              <a:srgbClr val="000000"/>
+            </a:outerShdw>
+          </a:effectLst>
+        </p:spPr>
+        <p:style>
+          <a:lnRef idx="2">
+            <a:schemeClr val="accent1"/>
+          </a:lnRef>
+          <a:fillRef idx="0">
+            <a:schemeClr val="accent1"/>
+          </a:fillRef>
+          <a:effectRef idx="1">
+            <a:schemeClr val="accent1"/>
+          </a:effectRef>
+          <a:fontRef idx="minor">
+            <a:schemeClr val="tx1"/>
+          </a:fontRef>
+        </p:style>
+      </p:cxnSp>
+      <mc:AlternateContent xmlns:mc="http://schemas.openxmlformats.org/markup-compatibility/2006">
+        <mc:Choice xmlns:a14="http://schemas.microsoft.com/office/drawing/2010/main" Requires="a14">
+          <p:sp>
+            <p:nvSpPr>
+              <p:cNvPr id="56" name="Rectangle 55">
+                <a:extLst>
+                  <a:ext uri="{FF2B5EF4-FFF2-40B4-BE49-F238E27FC236}">
+                    <a16:creationId xmlns:a16="http://schemas.microsoft.com/office/drawing/2014/main" id="{EA55C27E-87FF-76A8-DA58-1917EF6C333F}"/>
+                  </a:ext>
+                </a:extLst>
+              </p:cNvPr>
+              <p:cNvSpPr/>
+              <p:nvPr/>
+            </p:nvSpPr>
+            <p:spPr>
+              <a:xfrm>
+                <a:off x="655113" y="2619666"/>
+                <a:ext cx="706347" cy="400110"/>
+              </a:xfrm>
+              <a:prstGeom prst="rect">
+                <a:avLst/>
+              </a:prstGeom>
+            </p:spPr>
+            <p:txBody>
+              <a:bodyPr wrap="none">
+                <a:spAutoFit/>
+              </a:bodyPr>
+              <a:lstStyle/>
+              <a:p>
+                <a:pPr/>
+                <a14:m>
+                  <m:oMathPara xmlns:m="http://schemas.openxmlformats.org/officeDocument/2006/math">
+                    <m:oMathParaPr>
+                      <m:jc m:val="centerGroup"/>
+                    </m:oMathParaPr>
+                    <m:oMath xmlns:m="http://schemas.openxmlformats.org/officeDocument/2006/math">
+                      <m:r>
+                        <a:rPr lang="en-US" sz="2000" b="0" i="1" smtClean="0">
+                          <a:solidFill>
+                            <a:schemeClr val="tx1"/>
+                          </a:solidFill>
+                          <a:latin typeface="Cambria Math" panose="02040503050406030204" pitchFamily="18" charset="0"/>
+                        </a:rPr>
+                        <m:t>𝑒</m:t>
+                      </m:r>
+                      <m:r>
+                        <a:rPr lang="en-US" sz="2000" b="0" i="1" smtClean="0">
+                          <a:solidFill>
+                            <a:schemeClr val="tx1"/>
+                          </a:solidFill>
+                          <a:latin typeface="Cambria Math" panose="02040503050406030204" pitchFamily="18" charset="0"/>
+                        </a:rPr>
+                        <m:t>(</m:t>
+                      </m:r>
+                      <m:r>
+                        <a:rPr lang="en-US" sz="2000" b="0" i="1" smtClean="0">
+                          <a:solidFill>
+                            <a:schemeClr val="tx1"/>
+                          </a:solidFill>
+                          <a:latin typeface="Cambria Math" panose="02040503050406030204" pitchFamily="18" charset="0"/>
+                        </a:rPr>
+                        <m:t>𝑡</m:t>
+                      </m:r>
+                      <m:r>
+                        <a:rPr lang="en-US" sz="2000" b="0" i="1" smtClean="0">
+                          <a:solidFill>
+                            <a:schemeClr val="tx1"/>
+                          </a:solidFill>
+                          <a:latin typeface="Cambria Math" panose="02040503050406030204" pitchFamily="18" charset="0"/>
+                        </a:rPr>
+                        <m:t>)</m:t>
+                      </m:r>
+                    </m:oMath>
+                  </m:oMathPara>
+                </a14:m>
+                <a:endParaRPr lang="en-US" sz="2000" dirty="0">
+                  <a:solidFill>
+                    <a:schemeClr val="tx1"/>
+                  </a:solidFill>
+                </a:endParaRPr>
+              </a:p>
+            </p:txBody>
+          </p:sp>
+        </mc:Choice>
+        <mc:Fallback>
+          <p:sp>
+            <p:nvSpPr>
+              <p:cNvPr id="56" name="Rectangle 55">
+                <a:extLst>
+                  <a:ext uri="{FF2B5EF4-FFF2-40B4-BE49-F238E27FC236}">
+                    <a16:creationId xmlns:a16="http://schemas.microsoft.com/office/drawing/2014/main" id="{EA55C27E-87FF-76A8-DA58-1917EF6C333F}"/>
+                  </a:ext>
+                </a:extLst>
+              </p:cNvPr>
+              <p:cNvSpPr>
+                <a:spLocks noRot="1" noChangeAspect="1" noMove="1" noResize="1" noEditPoints="1" noAdjustHandles="1" noChangeArrowheads="1" noChangeShapeType="1" noTextEdit="1"/>
+              </p:cNvSpPr>
+              <p:nvPr/>
+            </p:nvSpPr>
+            <p:spPr>
+              <a:xfrm>
+                <a:off x="655113" y="2619666"/>
+                <a:ext cx="706347" cy="400110"/>
+              </a:xfrm>
+              <a:prstGeom prst="rect">
+                <a:avLst/>
+              </a:prstGeom>
+              <a:blipFill>
+                <a:blip r:embed="rId3"/>
+                <a:stretch>
+                  <a:fillRect b="-12500"/>
+                </a:stretch>
+              </a:blipFill>
+            </p:spPr>
+            <p:txBody>
+              <a:bodyPr/>
+              <a:lstStyle/>
+              <a:p>
+                <a:r>
+                  <a:rPr lang="en-US">
+                    <a:noFill/>
+                  </a:rPr>
+                  <a:t> </a:t>
+                </a:r>
+              </a:p>
+            </p:txBody>
+          </p:sp>
+        </mc:Fallback>
+      </mc:AlternateContent>
+      <p:sp>
+        <p:nvSpPr>
+          <p:cNvPr id="57" name="Rectangle 56">
+            <a:extLst>
+              <a:ext uri="{FF2B5EF4-FFF2-40B4-BE49-F238E27FC236}">
+                <a16:creationId xmlns:a16="http://schemas.microsoft.com/office/drawing/2014/main" id="{68D233B5-3E28-4B31-90EE-BCC5DC9EE2D8}"/>
+              </a:ext>
+            </a:extLst>
+          </p:cNvPr>
+          <p:cNvSpPr/>
+          <p:nvPr/>
+        </p:nvSpPr>
+        <p:spPr>
+          <a:xfrm>
+            <a:off x="1459416" y="1866625"/>
+            <a:ext cx="3506423" cy="2936595"/>
+          </a:xfrm>
+          <a:prstGeom prst="rect">
+            <a:avLst/>
+          </a:prstGeom>
+          <a:noFill/>
+          <a:ln>
+            <a:solidFill>
+              <a:srgbClr val="0070C0"/>
+            </a:solidFill>
+            <a:prstDash val="dash"/>
+          </a:ln>
+        </p:spPr>
+        <p:style>
+          <a:lnRef idx="2">
+            <a:schemeClr val="accent1">
+              <a:shade val="50000"/>
+            </a:schemeClr>
+          </a:lnRef>
+          <a:fillRef idx="1">
+            <a:schemeClr val="accent1"/>
+          </a:fillRef>
+          <a:effectRef idx="0">
+            <a:schemeClr val="accent1"/>
+          </a:effectRef>
+          <a:fontRef idx="minor">
+            <a:schemeClr val="lt1"/>
+          </a:fontRef>
+        </p:style>
+        <p:txBody>
+          <a:bodyPr rtlCol="0" anchor="ctr"/>
+          <a:lstStyle/>
+          <a:p>
+            <a:pPr algn="ctr"/>
+            <a:endParaRPr lang="en-US"/>
+          </a:p>
+        </p:txBody>
+      </p:sp>
+      <mc:AlternateContent xmlns:mc="http://schemas.openxmlformats.org/markup-compatibility/2006">
+        <mc:Choice xmlns:a14="http://schemas.microsoft.com/office/drawing/2010/main" Requires="a14">
+          <p:sp>
+            <p:nvSpPr>
+              <p:cNvPr id="58" name="Rectangle 57">
+                <a:extLst>
+                  <a:ext uri="{FF2B5EF4-FFF2-40B4-BE49-F238E27FC236}">
+                    <a16:creationId xmlns:a16="http://schemas.microsoft.com/office/drawing/2014/main" id="{E489DADC-BFD8-9B84-0665-EAD2CAA0E564}"/>
+                  </a:ext>
+                </a:extLst>
+              </p:cNvPr>
+              <p:cNvSpPr>
+                <a:spLocks noChangeAspect="1"/>
+              </p:cNvSpPr>
+              <p:nvPr/>
+            </p:nvSpPr>
+            <p:spPr>
+              <a:xfrm>
+                <a:off x="2053789" y="2961962"/>
+                <a:ext cx="760333" cy="700764"/>
+              </a:xfrm>
+              <a:prstGeom prst="rect">
+                <a:avLst/>
+              </a:prstGeom>
+              <a:solidFill>
+                <a:srgbClr val="FF0000"/>
+              </a:solidFill>
+              <a:ln>
+                <a:solidFill>
+                  <a:srgbClr val="FF0000"/>
+                </a:solidFill>
+              </a:ln>
+            </p:spPr>
+            <p:style>
+              <a:lnRef idx="1">
+                <a:schemeClr val="accent1"/>
+              </a:lnRef>
+              <a:fillRef idx="3">
+                <a:schemeClr val="accent1"/>
+              </a:fillRef>
+              <a:effectRef idx="2">
+                <a:schemeClr val="accent1"/>
+              </a:effectRef>
+              <a:fontRef idx="minor">
+                <a:schemeClr val="lt1"/>
+              </a:fontRef>
+            </p:style>
+            <p:txBody>
+              <a:bodyPr rtlCol="0" anchor="ctr"/>
+              <a:lstStyle/>
+              <a:p>
+                <a:pPr algn="ctr"/>
+                <a:endParaRPr lang="en-US" sz="1600" i="1" dirty="0">
+                  <a:latin typeface="Cambria Math" panose="02040503050406030204" pitchFamily="18" charset="0"/>
+                </a:endParaRPr>
+              </a:p>
+              <a:p>
+                <a:pPr algn="ctr"/>
+                <a14:m>
+                  <m:oMathPara xmlns:m="http://schemas.openxmlformats.org/officeDocument/2006/math">
+                    <m:oMathParaPr>
+                      <m:jc m:val="centerGroup"/>
+                    </m:oMathParaPr>
+                    <m:oMath xmlns:m="http://schemas.openxmlformats.org/officeDocument/2006/math">
+                      <m:nary>
+                        <m:naryPr>
+                          <m:ctrlPr>
+                            <a:rPr lang="en-US" sz="1600" i="1" smtClean="0">
+                              <a:latin typeface="Cambria Math" panose="02040503050406030204" pitchFamily="18" charset="0"/>
+                            </a:rPr>
+                          </m:ctrlPr>
+                        </m:naryPr>
+                        <m:sub>
+                          <m:r>
+                            <a:rPr lang="en-US" sz="1600" i="1">
+                              <a:latin typeface="Cambria Math" panose="02040503050406030204" pitchFamily="18" charset="0"/>
+                            </a:rPr>
+                            <m:t>0</m:t>
+                          </m:r>
+                        </m:sub>
+                        <m:sup>
+                          <m:r>
+                            <a:rPr lang="en-US" sz="1600" i="1">
+                              <a:latin typeface="Cambria Math" panose="02040503050406030204" pitchFamily="18" charset="0"/>
+                            </a:rPr>
+                            <m:t>𝑡</m:t>
+                          </m:r>
+                        </m:sup>
+                        <m:e/>
+                      </m:nary>
+                    </m:oMath>
+                  </m:oMathPara>
+                </a14:m>
+                <a:endParaRPr lang="en-US" sz="1600" dirty="0"/>
+              </a:p>
+              <a:p>
+                <a:pPr algn="ctr"/>
+                <a:endParaRPr lang="en-US" sz="1600" dirty="0"/>
+              </a:p>
+            </p:txBody>
+          </p:sp>
+        </mc:Choice>
+        <mc:Fallback>
+          <p:sp>
+            <p:nvSpPr>
+              <p:cNvPr id="58" name="Rectangle 57">
+                <a:extLst>
+                  <a:ext uri="{FF2B5EF4-FFF2-40B4-BE49-F238E27FC236}">
+                    <a16:creationId xmlns:a16="http://schemas.microsoft.com/office/drawing/2014/main" id="{E489DADC-BFD8-9B84-0665-EAD2CAA0E564}"/>
+                  </a:ext>
+                </a:extLst>
+              </p:cNvPr>
+              <p:cNvSpPr>
+                <a:spLocks noRot="1" noChangeAspect="1" noMove="1" noResize="1" noEditPoints="1" noAdjustHandles="1" noChangeArrowheads="1" noChangeShapeType="1" noTextEdit="1"/>
+              </p:cNvSpPr>
+              <p:nvPr/>
+            </p:nvSpPr>
+            <p:spPr>
+              <a:xfrm>
+                <a:off x="2053789" y="2961962"/>
+                <a:ext cx="760333" cy="700764"/>
+              </a:xfrm>
+              <a:prstGeom prst="rect">
+                <a:avLst/>
+              </a:prstGeom>
+              <a:blipFill>
+                <a:blip r:embed="rId4"/>
+                <a:stretch>
+                  <a:fillRect/>
+                </a:stretch>
+              </a:blipFill>
+              <a:ln>
+                <a:solidFill>
+                  <a:srgbClr val="FF0000"/>
+                </a:solidFill>
+              </a:ln>
+            </p:spPr>
+            <p:txBody>
+              <a:bodyPr/>
+              <a:lstStyle/>
+              <a:p>
+                <a:r>
+                  <a:rPr lang="en-US">
+                    <a:noFill/>
+                  </a:rPr>
+                  <a:t> </a:t>
+                </a:r>
+              </a:p>
+            </p:txBody>
+          </p:sp>
+        </mc:Fallback>
+      </mc:AlternateContent>
+      <mc:AlternateContent xmlns:mc="http://schemas.openxmlformats.org/markup-compatibility/2006">
+        <mc:Choice xmlns:a14="http://schemas.microsoft.com/office/drawing/2010/main" Requires="a14">
+          <p:sp>
+            <p:nvSpPr>
+              <p:cNvPr id="59" name="Rectangle 58">
+                <a:extLst>
+                  <a:ext uri="{FF2B5EF4-FFF2-40B4-BE49-F238E27FC236}">
+                    <a16:creationId xmlns:a16="http://schemas.microsoft.com/office/drawing/2014/main" id="{E1F977BB-0B41-46B9-7A6B-7405431B6873}"/>
+                  </a:ext>
+                </a:extLst>
+              </p:cNvPr>
+              <p:cNvSpPr>
+                <a:spLocks noChangeAspect="1"/>
+              </p:cNvSpPr>
+              <p:nvPr/>
+            </p:nvSpPr>
+            <p:spPr>
+              <a:xfrm>
+                <a:off x="3282387" y="2953628"/>
+                <a:ext cx="760333" cy="700764"/>
+              </a:xfrm>
+              <a:prstGeom prst="rect">
+                <a:avLst/>
+              </a:prstGeom>
+              <a:solidFill>
+                <a:srgbClr val="FF0000"/>
+              </a:solidFill>
+              <a:ln>
+                <a:solidFill>
+                  <a:srgbClr val="FF0000"/>
+                </a:solidFill>
+              </a:ln>
+            </p:spPr>
+            <p:style>
+              <a:lnRef idx="1">
+                <a:schemeClr val="accent1"/>
+              </a:lnRef>
+              <a:fillRef idx="3">
+                <a:schemeClr val="accent1"/>
+              </a:fillRef>
+              <a:effectRef idx="2">
+                <a:schemeClr val="accent1"/>
+              </a:effectRef>
+              <a:fontRef idx="minor">
+                <a:schemeClr val="lt1"/>
+              </a:fontRef>
+            </p:style>
+            <p:txBody>
+              <a:bodyPr rtlCol="0" anchor="ctr"/>
+              <a:lstStyle/>
+              <a:p>
+                <a:pPr algn="ctr"/>
+                <a14:m>
+                  <m:oMathPara xmlns:m="http://schemas.openxmlformats.org/officeDocument/2006/math">
+                    <m:oMathParaPr>
+                      <m:jc m:val="centerGroup"/>
+                    </m:oMathParaPr>
+                    <m:oMath xmlns:m="http://schemas.openxmlformats.org/officeDocument/2006/math">
+                      <m:sSub>
+                        <m:sSubPr>
+                          <m:ctrlPr>
+                            <a:rPr lang="en-US" sz="1600" b="0" i="1" smtClean="0">
+                              <a:latin typeface="Cambria Math" panose="02040503050406030204" pitchFamily="18" charset="0"/>
+                            </a:rPr>
+                          </m:ctrlPr>
+                        </m:sSubPr>
+                        <m:e>
+                          <m:r>
+                            <a:rPr lang="en-US" sz="1600" b="0" i="1" smtClean="0">
+                              <a:latin typeface="Cambria Math" panose="02040503050406030204" pitchFamily="18" charset="0"/>
+                            </a:rPr>
+                            <m:t>𝑘</m:t>
+                          </m:r>
+                        </m:e>
+                        <m:sub>
+                          <m:r>
+                            <a:rPr lang="en-US" sz="1600" b="0" i="1" smtClean="0">
+                              <a:latin typeface="Cambria Math" panose="02040503050406030204" pitchFamily="18" charset="0"/>
+                            </a:rPr>
+                            <m:t>𝐼</m:t>
+                          </m:r>
+                        </m:sub>
+                      </m:sSub>
+                    </m:oMath>
+                  </m:oMathPara>
+                </a14:m>
+                <a:endParaRPr lang="en-US" sz="1600" dirty="0"/>
+              </a:p>
+            </p:txBody>
+          </p:sp>
+        </mc:Choice>
+        <mc:Fallback>
+          <p:sp>
+            <p:nvSpPr>
+              <p:cNvPr id="59" name="Rectangle 58">
+                <a:extLst>
+                  <a:ext uri="{FF2B5EF4-FFF2-40B4-BE49-F238E27FC236}">
+                    <a16:creationId xmlns:a16="http://schemas.microsoft.com/office/drawing/2014/main" id="{E1F977BB-0B41-46B9-7A6B-7405431B6873}"/>
+                  </a:ext>
+                </a:extLst>
+              </p:cNvPr>
+              <p:cNvSpPr>
+                <a:spLocks noRot="1" noChangeAspect="1" noMove="1" noResize="1" noEditPoints="1" noAdjustHandles="1" noChangeArrowheads="1" noChangeShapeType="1" noTextEdit="1"/>
+              </p:cNvSpPr>
+              <p:nvPr/>
+            </p:nvSpPr>
+            <p:spPr>
+              <a:xfrm>
+                <a:off x="3282387" y="2953628"/>
+                <a:ext cx="760333" cy="700764"/>
+              </a:xfrm>
+              <a:prstGeom prst="rect">
+                <a:avLst/>
+              </a:prstGeom>
+              <a:blipFill>
+                <a:blip r:embed="rId5"/>
+                <a:stretch>
+                  <a:fillRect/>
+                </a:stretch>
+              </a:blipFill>
+              <a:ln>
+                <a:solidFill>
+                  <a:srgbClr val="FF0000"/>
+                </a:solidFill>
+              </a:ln>
+            </p:spPr>
+            <p:txBody>
+              <a:bodyPr/>
+              <a:lstStyle/>
+              <a:p>
+                <a:r>
+                  <a:rPr lang="en-US">
+                    <a:noFill/>
+                  </a:rPr>
+                  <a:t> </a:t>
+                </a:r>
+              </a:p>
+            </p:txBody>
+          </p:sp>
+        </mc:Fallback>
+      </mc:AlternateContent>
+      <p:sp>
+        <p:nvSpPr>
+          <p:cNvPr id="60" name="Rectangle 59">
+            <a:extLst>
+              <a:ext uri="{FF2B5EF4-FFF2-40B4-BE49-F238E27FC236}">
+                <a16:creationId xmlns:a16="http://schemas.microsoft.com/office/drawing/2014/main" id="{6B7F90CF-C7CC-9AC3-9D99-1572DF4CE6AA}"/>
+              </a:ext>
+            </a:extLst>
+          </p:cNvPr>
+          <p:cNvSpPr>
+            <a:spLocks noChangeAspect="1"/>
+          </p:cNvSpPr>
+          <p:nvPr/>
+        </p:nvSpPr>
+        <p:spPr>
+          <a:xfrm>
+            <a:off x="2570932" y="1991276"/>
+            <a:ext cx="760333" cy="700764"/>
+          </a:xfrm>
+          <a:prstGeom prst="rect">
+            <a:avLst/>
+          </a:prstGeom>
+          <a:solidFill>
+            <a:srgbClr val="FF0000"/>
+          </a:solidFill>
+          <a:ln>
+            <a:solidFill>
+              <a:srgbClr val="FF0000"/>
+            </a:solidFill>
+          </a:ln>
+        </p:spPr>
+        <p:style>
+          <a:lnRef idx="1">
+            <a:schemeClr val="accent1"/>
+          </a:lnRef>
+          <a:fillRef idx="3">
+            <a:schemeClr val="accent1"/>
+          </a:fillRef>
+          <a:effectRef idx="2">
+            <a:schemeClr val="accent1"/>
+          </a:effectRef>
+          <a:fontRef idx="minor">
+            <a:schemeClr val="lt1"/>
+          </a:fontRef>
+        </p:style>
+        <p:txBody>
+          <a:bodyPr rtlCol="0" anchor="ctr"/>
+          <a:lstStyle/>
+          <a:p>
+            <a:pPr algn="ctr"/>
+            <a:endParaRPr lang="en-US" sz="1600" dirty="0"/>
+          </a:p>
+        </p:txBody>
+      </p:sp>
+      <mc:AlternateContent xmlns:mc="http://schemas.openxmlformats.org/markup-compatibility/2006">
+        <mc:Choice xmlns:a14="http://schemas.microsoft.com/office/drawing/2010/main" Requires="a14">
+          <p:sp>
+            <p:nvSpPr>
+              <p:cNvPr id="61" name="TextBox 60">
+                <a:extLst>
+                  <a:ext uri="{FF2B5EF4-FFF2-40B4-BE49-F238E27FC236}">
+                    <a16:creationId xmlns:a16="http://schemas.microsoft.com/office/drawing/2014/main" id="{EF4B63DD-CBC6-2867-2D3D-D63C6D47F9A7}"/>
+                  </a:ext>
+                </a:extLst>
+              </p:cNvPr>
+              <p:cNvSpPr txBox="1"/>
+              <p:nvPr/>
+            </p:nvSpPr>
+            <p:spPr>
+              <a:xfrm>
+                <a:off x="2801975" y="2163267"/>
+                <a:ext cx="348429" cy="307777"/>
+              </a:xfrm>
+              <a:prstGeom prst="rect">
+                <a:avLst/>
+              </a:prstGeom>
+              <a:noFill/>
+            </p:spPr>
+            <p:txBody>
+              <a:bodyPr wrap="none" lIns="0" tIns="0" rIns="0" bIns="0" rtlCol="0">
+                <a:spAutoFit/>
+              </a:bodyPr>
+              <a:lstStyle/>
+              <a:p>
+                <a:pPr/>
+                <a14:m>
+                  <m:oMathPara xmlns:m="http://schemas.openxmlformats.org/officeDocument/2006/math">
+                    <m:oMathParaPr>
+                      <m:jc m:val="centerGroup"/>
+                    </m:oMathParaPr>
+                    <m:oMath xmlns:m="http://schemas.openxmlformats.org/officeDocument/2006/math">
+                      <m:sSub>
+                        <m:sSubPr>
+                          <m:ctrlPr>
+                            <a:rPr lang="en-US" sz="2000" b="0" i="1" smtClean="0">
+                              <a:solidFill>
+                                <a:schemeClr val="bg1"/>
+                              </a:solidFill>
+                              <a:latin typeface="Cambria Math" panose="02040503050406030204" pitchFamily="18" charset="0"/>
+                            </a:rPr>
+                          </m:ctrlPr>
+                        </m:sSubPr>
+                        <m:e>
+                          <m:r>
+                            <a:rPr lang="en-US" sz="2000" b="0" i="1" smtClean="0">
+                              <a:solidFill>
+                                <a:schemeClr val="bg1"/>
+                              </a:solidFill>
+                              <a:latin typeface="Cambria Math" panose="02040503050406030204" pitchFamily="18" charset="0"/>
+                            </a:rPr>
+                            <m:t>𝑘</m:t>
+                          </m:r>
+                        </m:e>
+                        <m:sub>
+                          <m:r>
+                            <a:rPr lang="en-US" sz="2000" b="0" i="1" smtClean="0">
+                              <a:solidFill>
+                                <a:schemeClr val="bg1"/>
+                              </a:solidFill>
+                              <a:latin typeface="Cambria Math" panose="02040503050406030204" pitchFamily="18" charset="0"/>
+                            </a:rPr>
+                            <m:t>𝑃</m:t>
+                          </m:r>
+                        </m:sub>
+                      </m:sSub>
+                    </m:oMath>
+                  </m:oMathPara>
+                </a14:m>
+                <a:endParaRPr lang="en-US" dirty="0">
+                  <a:solidFill>
+                    <a:schemeClr val="bg1"/>
+                  </a:solidFill>
+                </a:endParaRPr>
+              </a:p>
+            </p:txBody>
+          </p:sp>
+        </mc:Choice>
+        <mc:Fallback>
+          <p:sp>
+            <p:nvSpPr>
+              <p:cNvPr id="61" name="TextBox 60">
+                <a:extLst>
+                  <a:ext uri="{FF2B5EF4-FFF2-40B4-BE49-F238E27FC236}">
+                    <a16:creationId xmlns:a16="http://schemas.microsoft.com/office/drawing/2014/main" id="{EF4B63DD-CBC6-2867-2D3D-D63C6D47F9A7}"/>
+                  </a:ext>
+                </a:extLst>
+              </p:cNvPr>
+              <p:cNvSpPr txBox="1">
+                <a:spLocks noRot="1" noChangeAspect="1" noMove="1" noResize="1" noEditPoints="1" noAdjustHandles="1" noChangeArrowheads="1" noChangeShapeType="1" noTextEdit="1"/>
+              </p:cNvSpPr>
+              <p:nvPr/>
+            </p:nvSpPr>
+            <p:spPr>
+              <a:xfrm>
+                <a:off x="2801975" y="2163267"/>
+                <a:ext cx="348429" cy="307777"/>
+              </a:xfrm>
+              <a:prstGeom prst="rect">
+                <a:avLst/>
+              </a:prstGeom>
+              <a:blipFill>
+                <a:blip r:embed="rId6"/>
+                <a:stretch>
+                  <a:fillRect l="-13793" b="-16000"/>
+                </a:stretch>
+              </a:blipFill>
+            </p:spPr>
+            <p:txBody>
+              <a:bodyPr/>
+              <a:lstStyle/>
+              <a:p>
+                <a:r>
+                  <a:rPr lang="en-US">
+                    <a:noFill/>
+                  </a:rPr>
+                  <a:t> </a:t>
+                </a:r>
+              </a:p>
+            </p:txBody>
+          </p:sp>
+        </mc:Fallback>
+      </mc:AlternateContent>
+      <p:sp>
+        <p:nvSpPr>
+          <p:cNvPr id="62" name="Oval 61">
+            <a:extLst>
+              <a:ext uri="{FF2B5EF4-FFF2-40B4-BE49-F238E27FC236}">
+                <a16:creationId xmlns:a16="http://schemas.microsoft.com/office/drawing/2014/main" id="{3CC11991-2D88-E34E-95F9-5D2733FDF385}"/>
+              </a:ext>
+            </a:extLst>
+          </p:cNvPr>
+          <p:cNvSpPr/>
+          <p:nvPr/>
+        </p:nvSpPr>
+        <p:spPr>
+          <a:xfrm>
+            <a:off x="4541898" y="3145750"/>
+            <a:ext cx="301841" cy="301840"/>
+          </a:xfrm>
+          <a:prstGeom prst="ellipse">
+            <a:avLst/>
+          </a:prstGeom>
+          <a:solidFill>
+            <a:srgbClr val="FF0000"/>
+          </a:solidFill>
+          <a:ln>
+            <a:solidFill>
+              <a:srgbClr val="FF0000"/>
+            </a:solidFill>
+          </a:ln>
+        </p:spPr>
+        <p:style>
+          <a:lnRef idx="1">
+            <a:schemeClr val="accent1"/>
+          </a:lnRef>
+          <a:fillRef idx="3">
+            <a:schemeClr val="accent1"/>
+          </a:fillRef>
+          <a:effectRef idx="2">
+            <a:schemeClr val="accent1"/>
+          </a:effectRef>
+          <a:fontRef idx="minor">
+            <a:schemeClr val="lt1"/>
+          </a:fontRef>
+        </p:style>
+        <p:txBody>
+          <a:bodyPr rtlCol="0" anchor="ctr"/>
+          <a:lstStyle/>
+          <a:p>
+            <a:pPr algn="ctr"/>
+            <a:r>
+              <a:rPr lang="en-US" dirty="0"/>
+              <a:t>+</a:t>
+            </a:r>
+          </a:p>
+        </p:txBody>
+      </p:sp>
+      <p:cxnSp>
+        <p:nvCxnSpPr>
+          <p:cNvPr id="63" name="Elbow Connector 62">
+            <a:extLst>
+              <a:ext uri="{FF2B5EF4-FFF2-40B4-BE49-F238E27FC236}">
+                <a16:creationId xmlns:a16="http://schemas.microsoft.com/office/drawing/2014/main" id="{1ABFE3B9-5945-A3C2-427D-BB9A71EEE7F9}"/>
+              </a:ext>
+            </a:extLst>
+          </p:cNvPr>
+          <p:cNvCxnSpPr>
+            <a:cxnSpLocks/>
+            <a:stCxn id="59" idx="3"/>
+            <a:endCxn id="62" idx="2"/>
+          </p:cNvCxnSpPr>
+          <p:nvPr/>
+        </p:nvCxnSpPr>
+        <p:spPr>
+          <a:xfrm flipV="1">
+            <a:off x="4042720" y="3296670"/>
+            <a:ext cx="499178" cy="7340"/>
+          </a:xfrm>
+          <a:prstGeom prst="bentConnector3">
+            <a:avLst>
+              <a:gd name="adj1" fmla="val 50000"/>
+            </a:avLst>
+          </a:prstGeom>
+          <a:ln w="28575">
+            <a:solidFill>
+              <a:srgbClr val="FF0000"/>
+            </a:solidFill>
+            <a:tailEnd type="triangle"/>
+          </a:ln>
+        </p:spPr>
+        <p:style>
+          <a:lnRef idx="1">
+            <a:schemeClr val="accent1"/>
+          </a:lnRef>
+          <a:fillRef idx="0">
+            <a:schemeClr val="accent1"/>
+          </a:fillRef>
+          <a:effectRef idx="0">
+            <a:schemeClr val="accent1"/>
+          </a:effectRef>
+          <a:fontRef idx="minor">
+            <a:schemeClr val="tx1"/>
+          </a:fontRef>
+        </p:style>
+      </p:cxnSp>
+      <p:cxnSp>
+        <p:nvCxnSpPr>
+          <p:cNvPr id="64" name="Elbow Connector 63">
+            <a:extLst>
+              <a:ext uri="{FF2B5EF4-FFF2-40B4-BE49-F238E27FC236}">
+                <a16:creationId xmlns:a16="http://schemas.microsoft.com/office/drawing/2014/main" id="{C5786AE1-CC78-AAED-28AE-2CAFFAEB60F5}"/>
+              </a:ext>
+            </a:extLst>
+          </p:cNvPr>
+          <p:cNvCxnSpPr>
+            <a:stCxn id="56" idx="3"/>
+            <a:endCxn id="58" idx="1"/>
+          </p:cNvCxnSpPr>
+          <p:nvPr/>
+        </p:nvCxnSpPr>
+        <p:spPr>
+          <a:xfrm>
+            <a:off x="1361460" y="2819721"/>
+            <a:ext cx="692329" cy="492623"/>
+          </a:xfrm>
+          <a:prstGeom prst="bentConnector3">
+            <a:avLst/>
+          </a:prstGeom>
+          <a:ln w="28575">
+            <a:solidFill>
+              <a:srgbClr val="FF0000"/>
+            </a:solidFill>
+            <a:tailEnd type="triangle"/>
+          </a:ln>
+        </p:spPr>
+        <p:style>
+          <a:lnRef idx="1">
+            <a:schemeClr val="accent1"/>
+          </a:lnRef>
+          <a:fillRef idx="0">
+            <a:schemeClr val="accent1"/>
+          </a:fillRef>
+          <a:effectRef idx="0">
+            <a:schemeClr val="accent1"/>
+          </a:effectRef>
+          <a:fontRef idx="minor">
+            <a:schemeClr val="tx1"/>
+          </a:fontRef>
+        </p:style>
+      </p:cxnSp>
+      <p:cxnSp>
+        <p:nvCxnSpPr>
+          <p:cNvPr id="65" name="Elbow Connector 64">
+            <a:extLst>
+              <a:ext uri="{FF2B5EF4-FFF2-40B4-BE49-F238E27FC236}">
+                <a16:creationId xmlns:a16="http://schemas.microsoft.com/office/drawing/2014/main" id="{F3FADDCE-623D-8CD3-7D0A-38735D3A16D7}"/>
+              </a:ext>
+            </a:extLst>
+          </p:cNvPr>
+          <p:cNvCxnSpPr>
+            <a:cxnSpLocks/>
+            <a:stCxn id="56" idx="3"/>
+            <a:endCxn id="60" idx="1"/>
+          </p:cNvCxnSpPr>
+          <p:nvPr/>
+        </p:nvCxnSpPr>
+        <p:spPr>
+          <a:xfrm flipV="1">
+            <a:off x="1361460" y="2341658"/>
+            <a:ext cx="1209472" cy="478063"/>
+          </a:xfrm>
+          <a:prstGeom prst="bentConnector3">
+            <a:avLst>
+              <a:gd name="adj1" fmla="val 50000"/>
+            </a:avLst>
+          </a:prstGeom>
+          <a:ln w="28575">
+            <a:solidFill>
+              <a:srgbClr val="FF0000"/>
+            </a:solidFill>
+            <a:tailEnd type="triangle"/>
+          </a:ln>
+        </p:spPr>
+        <p:style>
+          <a:lnRef idx="1">
+            <a:schemeClr val="accent1"/>
+          </a:lnRef>
+          <a:fillRef idx="0">
+            <a:schemeClr val="accent1"/>
+          </a:fillRef>
+          <a:effectRef idx="0">
+            <a:schemeClr val="accent1"/>
+          </a:effectRef>
+          <a:fontRef idx="minor">
+            <a:schemeClr val="tx1"/>
+          </a:fontRef>
+        </p:style>
+      </p:cxnSp>
+      <p:cxnSp>
+        <p:nvCxnSpPr>
+          <p:cNvPr id="66" name="Elbow Connector 65">
+            <a:extLst>
+              <a:ext uri="{FF2B5EF4-FFF2-40B4-BE49-F238E27FC236}">
+                <a16:creationId xmlns:a16="http://schemas.microsoft.com/office/drawing/2014/main" id="{8278B84C-2239-6F15-C3E8-617511F365BB}"/>
+              </a:ext>
+            </a:extLst>
+          </p:cNvPr>
+          <p:cNvCxnSpPr>
+            <a:cxnSpLocks/>
+            <a:stCxn id="60" idx="3"/>
+            <a:endCxn id="62" idx="0"/>
+          </p:cNvCxnSpPr>
+          <p:nvPr/>
+        </p:nvCxnSpPr>
+        <p:spPr>
+          <a:xfrm>
+            <a:off x="3331265" y="2341658"/>
+            <a:ext cx="1361554" cy="804092"/>
+          </a:xfrm>
+          <a:prstGeom prst="bentConnector2">
+            <a:avLst/>
+          </a:prstGeom>
+          <a:ln w="28575">
+            <a:solidFill>
+              <a:srgbClr val="FF0000"/>
+            </a:solidFill>
+            <a:tailEnd type="triangle"/>
+          </a:ln>
+        </p:spPr>
+        <p:style>
+          <a:lnRef idx="1">
+            <a:schemeClr val="accent1"/>
+          </a:lnRef>
+          <a:fillRef idx="0">
+            <a:schemeClr val="accent1"/>
+          </a:fillRef>
+          <a:effectRef idx="0">
+            <a:schemeClr val="accent1"/>
+          </a:effectRef>
+          <a:fontRef idx="minor">
+            <a:schemeClr val="tx1"/>
+          </a:fontRef>
+        </p:style>
+      </p:cxnSp>
+      <p:cxnSp>
+        <p:nvCxnSpPr>
+          <p:cNvPr id="67" name="Straight Arrow Connector 66">
+            <a:extLst>
+              <a:ext uri="{FF2B5EF4-FFF2-40B4-BE49-F238E27FC236}">
+                <a16:creationId xmlns:a16="http://schemas.microsoft.com/office/drawing/2014/main" id="{187D52D4-B9DD-C23D-A6B2-BB79B6C74CB0}"/>
+              </a:ext>
+            </a:extLst>
+          </p:cNvPr>
+          <p:cNvCxnSpPr>
+            <a:cxnSpLocks/>
+          </p:cNvCxnSpPr>
+          <p:nvPr/>
+        </p:nvCxnSpPr>
+        <p:spPr>
+          <a:xfrm>
+            <a:off x="4879083" y="3282167"/>
+            <a:ext cx="484101" cy="0"/>
+          </a:xfrm>
+          <a:prstGeom prst="straightConnector1">
+            <a:avLst/>
+          </a:prstGeom>
+          <a:ln>
+            <a:tailEnd type="triangle" w="lg" len="lg"/>
+          </a:ln>
+          <a:effectLst>
+            <a:outerShdw dist="20000" sx="1000" sy="1000" rotWithShape="0">
+              <a:srgbClr val="000000"/>
+            </a:outerShdw>
+          </a:effectLst>
+        </p:spPr>
+        <p:style>
+          <a:lnRef idx="2">
+            <a:schemeClr val="accent1"/>
+          </a:lnRef>
+          <a:fillRef idx="0">
+            <a:schemeClr val="accent1"/>
+          </a:fillRef>
+          <a:effectRef idx="1">
+            <a:schemeClr val="accent1"/>
+          </a:effectRef>
+          <a:fontRef idx="minor">
+            <a:schemeClr val="tx1"/>
+          </a:fontRef>
+        </p:style>
+      </p:cxnSp>
+      <mc:AlternateContent xmlns:mc="http://schemas.openxmlformats.org/markup-compatibility/2006">
+        <mc:Choice xmlns:a14="http://schemas.microsoft.com/office/drawing/2010/main" Requires="a14">
+          <p:sp>
+            <p:nvSpPr>
+              <p:cNvPr id="68" name="TextBox 67">
+                <a:extLst>
+                  <a:ext uri="{FF2B5EF4-FFF2-40B4-BE49-F238E27FC236}">
+                    <a16:creationId xmlns:a16="http://schemas.microsoft.com/office/drawing/2014/main" id="{113EF1E0-1E94-8FFB-588F-5D1360A9BD8E}"/>
+                  </a:ext>
+                </a:extLst>
+              </p:cNvPr>
+              <p:cNvSpPr txBox="1"/>
+              <p:nvPr/>
+            </p:nvSpPr>
+            <p:spPr>
+              <a:xfrm>
+                <a:off x="5030975" y="2865887"/>
+                <a:ext cx="362607" cy="400110"/>
+              </a:xfrm>
+              <a:prstGeom prst="rect">
+                <a:avLst/>
+              </a:prstGeom>
+              <a:noFill/>
+            </p:spPr>
+            <p:txBody>
+              <a:bodyPr wrap="square">
+                <a:spAutoFit/>
+              </a:bodyPr>
+              <a:lstStyle/>
+              <a:p>
+                <a:pPr/>
+                <a14:m>
+                  <m:oMathPara xmlns:m="http://schemas.openxmlformats.org/officeDocument/2006/math">
+                    <m:oMathParaPr>
+                      <m:jc m:val="centerGroup"/>
+                    </m:oMathParaPr>
+                    <m:oMath xmlns:m="http://schemas.openxmlformats.org/officeDocument/2006/math">
+                      <m:r>
+                        <a:rPr lang="en-US" sz="2000" b="0" i="1" smtClean="0">
+                          <a:solidFill>
+                            <a:schemeClr val="tx1"/>
+                          </a:solidFill>
+                          <a:latin typeface="Cambria Math" panose="02040503050406030204" pitchFamily="18" charset="0"/>
+                        </a:rPr>
+                        <m:t>𝑢</m:t>
+                      </m:r>
+                      <m:r>
+                        <a:rPr lang="en-US" sz="2000" b="0" i="1" smtClean="0">
+                          <a:solidFill>
+                            <a:schemeClr val="tx1"/>
+                          </a:solidFill>
+                          <a:latin typeface="Cambria Math" panose="02040503050406030204" pitchFamily="18" charset="0"/>
+                        </a:rPr>
+                        <m:t>(</m:t>
+                      </m:r>
+                      <m:r>
+                        <a:rPr lang="en-US" sz="2000" b="0" i="1" smtClean="0">
+                          <a:solidFill>
+                            <a:schemeClr val="tx1"/>
+                          </a:solidFill>
+                          <a:latin typeface="Cambria Math" panose="02040503050406030204" pitchFamily="18" charset="0"/>
+                        </a:rPr>
+                        <m:t>𝑡</m:t>
+                      </m:r>
+                      <m:r>
+                        <a:rPr lang="en-US" sz="2000" b="0" i="1" smtClean="0">
+                          <a:solidFill>
+                            <a:schemeClr val="tx1"/>
+                          </a:solidFill>
+                          <a:latin typeface="Cambria Math" panose="02040503050406030204" pitchFamily="18" charset="0"/>
+                        </a:rPr>
+                        <m:t>)</m:t>
+                      </m:r>
+                    </m:oMath>
+                  </m:oMathPara>
+                </a14:m>
+                <a:endParaRPr lang="en-US" sz="2000" dirty="0">
+                  <a:solidFill>
+                    <a:schemeClr val="tx1"/>
+                  </a:solidFill>
+                </a:endParaRPr>
+              </a:p>
+            </p:txBody>
+          </p:sp>
+        </mc:Choice>
+        <mc:Fallback>
+          <p:sp>
+            <p:nvSpPr>
+              <p:cNvPr id="68" name="TextBox 67">
+                <a:extLst>
+                  <a:ext uri="{FF2B5EF4-FFF2-40B4-BE49-F238E27FC236}">
+                    <a16:creationId xmlns:a16="http://schemas.microsoft.com/office/drawing/2014/main" id="{113EF1E0-1E94-8FFB-588F-5D1360A9BD8E}"/>
+                  </a:ext>
+                </a:extLst>
+              </p:cNvPr>
+              <p:cNvSpPr txBox="1">
+                <a:spLocks noRot="1" noChangeAspect="1" noMove="1" noResize="1" noEditPoints="1" noAdjustHandles="1" noChangeArrowheads="1" noChangeShapeType="1" noTextEdit="1"/>
+              </p:cNvSpPr>
+              <p:nvPr/>
+            </p:nvSpPr>
+            <p:spPr>
+              <a:xfrm>
+                <a:off x="5030975" y="2865887"/>
+                <a:ext cx="362607" cy="400110"/>
+              </a:xfrm>
+              <a:prstGeom prst="rect">
+                <a:avLst/>
+              </a:prstGeom>
+              <a:blipFill>
+                <a:blip r:embed="rId7"/>
+                <a:stretch>
+                  <a:fillRect r="-86207" b="-12121"/>
+                </a:stretch>
+              </a:blipFill>
+            </p:spPr>
+            <p:txBody>
+              <a:bodyPr/>
+              <a:lstStyle/>
+              <a:p>
+                <a:r>
+                  <a:rPr lang="en-US">
+                    <a:noFill/>
+                  </a:rPr>
+                  <a:t> </a:t>
+                </a:r>
+              </a:p>
+            </p:txBody>
+          </p:sp>
+        </mc:Fallback>
+      </mc:AlternateContent>
+      <p:cxnSp>
+        <p:nvCxnSpPr>
+          <p:cNvPr id="69" name="Straight Arrow Connector 68">
+            <a:extLst>
+              <a:ext uri="{FF2B5EF4-FFF2-40B4-BE49-F238E27FC236}">
+                <a16:creationId xmlns:a16="http://schemas.microsoft.com/office/drawing/2014/main" id="{36701D65-F552-C3CE-32CB-BE8EF021F471}"/>
+              </a:ext>
+            </a:extLst>
+          </p:cNvPr>
+          <p:cNvCxnSpPr>
+            <a:cxnSpLocks/>
+            <a:stCxn id="70" idx="3"/>
+            <a:endCxn id="71" idx="1"/>
+          </p:cNvCxnSpPr>
+          <p:nvPr/>
+        </p:nvCxnSpPr>
+        <p:spPr>
+          <a:xfrm flipV="1">
+            <a:off x="2871932" y="4328763"/>
+            <a:ext cx="468265" cy="8334"/>
+          </a:xfrm>
+          <a:prstGeom prst="straightConnector1">
+            <a:avLst/>
+          </a:prstGeom>
+          <a:ln>
+            <a:solidFill>
+              <a:srgbClr val="FF0000"/>
+            </a:solidFill>
+            <a:tailEnd type="triangle" w="lg" len="lg"/>
+          </a:ln>
+          <a:effectLst>
+            <a:outerShdw dist="20000" sx="1000" sy="1000" rotWithShape="0">
+              <a:srgbClr val="000000"/>
+            </a:outerShdw>
+          </a:effectLst>
+        </p:spPr>
+        <p:style>
+          <a:lnRef idx="2">
+            <a:schemeClr val="accent1"/>
+          </a:lnRef>
+          <a:fillRef idx="0">
+            <a:schemeClr val="accent1"/>
+          </a:fillRef>
+          <a:effectRef idx="1">
+            <a:schemeClr val="accent1"/>
+          </a:effectRef>
+          <a:fontRef idx="minor">
+            <a:schemeClr val="tx1"/>
+          </a:fontRef>
+        </p:style>
+      </p:cxnSp>
+      <mc:AlternateContent xmlns:mc="http://schemas.openxmlformats.org/markup-compatibility/2006">
+        <mc:Choice xmlns:a14="http://schemas.microsoft.com/office/drawing/2010/main" Requires="a14">
+          <p:sp>
+            <p:nvSpPr>
+              <p:cNvPr id="70" name="Rectangle 69">
+                <a:extLst>
+                  <a:ext uri="{FF2B5EF4-FFF2-40B4-BE49-F238E27FC236}">
+                    <a16:creationId xmlns:a16="http://schemas.microsoft.com/office/drawing/2014/main" id="{06F5E8A3-BF25-9246-0196-83DAD5ECD3B6}"/>
+                  </a:ext>
+                </a:extLst>
+              </p:cNvPr>
+              <p:cNvSpPr>
+                <a:spLocks noChangeAspect="1"/>
+              </p:cNvSpPr>
+              <p:nvPr/>
+            </p:nvSpPr>
+            <p:spPr>
+              <a:xfrm>
+                <a:off x="2111599" y="3986715"/>
+                <a:ext cx="760333" cy="700764"/>
+              </a:xfrm>
+              <a:prstGeom prst="rect">
+                <a:avLst/>
+              </a:prstGeom>
+              <a:solidFill>
+                <a:srgbClr val="FF0000"/>
+              </a:solidFill>
+              <a:ln>
+                <a:solidFill>
+                  <a:srgbClr val="FF0000"/>
+                </a:solidFill>
+              </a:ln>
+            </p:spPr>
+            <p:style>
+              <a:lnRef idx="1">
+                <a:schemeClr val="accent1"/>
+              </a:lnRef>
+              <a:fillRef idx="3">
+                <a:schemeClr val="accent1"/>
+              </a:fillRef>
+              <a:effectRef idx="2">
+                <a:schemeClr val="accent1"/>
+              </a:effectRef>
+              <a:fontRef idx="minor">
+                <a:schemeClr val="lt1"/>
+              </a:fontRef>
+            </p:style>
+            <p:txBody>
+              <a:bodyPr rtlCol="0" anchor="ctr"/>
+              <a:lstStyle/>
+              <a:p>
+                <a:pPr algn="ctr"/>
+                <a:endParaRPr lang="en-US" sz="1600" i="1" dirty="0">
+                  <a:latin typeface="Cambria Math" panose="02040503050406030204" pitchFamily="18" charset="0"/>
+                </a:endParaRPr>
+              </a:p>
+              <a:p>
+                <a:pPr algn="ctr"/>
+                <a14:m>
+                  <m:oMathPara xmlns:m="http://schemas.openxmlformats.org/officeDocument/2006/math">
+                    <m:oMathParaPr>
+                      <m:jc m:val="centerGroup"/>
+                    </m:oMathParaPr>
+                    <m:oMath xmlns:m="http://schemas.openxmlformats.org/officeDocument/2006/math">
+                      <m:f>
+                        <m:fPr>
+                          <m:ctrlPr>
+                            <a:rPr lang="en-US" sz="1600" b="0" i="1" smtClean="0">
+                              <a:latin typeface="Cambria Math" panose="02040503050406030204" pitchFamily="18" charset="0"/>
+                            </a:rPr>
+                          </m:ctrlPr>
+                        </m:fPr>
+                        <m:num>
+                          <m:r>
+                            <a:rPr lang="en-US" sz="1600" b="0" i="1" smtClean="0">
+                              <a:latin typeface="Cambria Math" panose="02040503050406030204" pitchFamily="18" charset="0"/>
+                            </a:rPr>
+                            <m:t>𝑑</m:t>
+                          </m:r>
+                        </m:num>
+                        <m:den>
+                          <m:r>
+                            <a:rPr lang="en-US" sz="1600" b="0" i="1" smtClean="0">
+                              <a:latin typeface="Cambria Math" panose="02040503050406030204" pitchFamily="18" charset="0"/>
+                            </a:rPr>
+                            <m:t>𝑑𝑡</m:t>
+                          </m:r>
+                        </m:den>
+                      </m:f>
+                    </m:oMath>
+                  </m:oMathPara>
+                </a14:m>
+                <a:endParaRPr lang="en-US" sz="1600" dirty="0"/>
+              </a:p>
+              <a:p>
+                <a:pPr algn="ctr"/>
+                <a:endParaRPr lang="en-US" sz="1600" dirty="0"/>
+              </a:p>
+            </p:txBody>
+          </p:sp>
+        </mc:Choice>
+        <mc:Fallback>
+          <p:sp>
+            <p:nvSpPr>
+              <p:cNvPr id="70" name="Rectangle 69">
+                <a:extLst>
+                  <a:ext uri="{FF2B5EF4-FFF2-40B4-BE49-F238E27FC236}">
+                    <a16:creationId xmlns:a16="http://schemas.microsoft.com/office/drawing/2014/main" id="{06F5E8A3-BF25-9246-0196-83DAD5ECD3B6}"/>
+                  </a:ext>
+                </a:extLst>
+              </p:cNvPr>
+              <p:cNvSpPr>
+                <a:spLocks noRot="1" noChangeAspect="1" noMove="1" noResize="1" noEditPoints="1" noAdjustHandles="1" noChangeArrowheads="1" noChangeShapeType="1" noTextEdit="1"/>
+              </p:cNvSpPr>
+              <p:nvPr/>
+            </p:nvSpPr>
+            <p:spPr>
+              <a:xfrm>
+                <a:off x="2111599" y="3986715"/>
+                <a:ext cx="760333" cy="700764"/>
+              </a:xfrm>
+              <a:prstGeom prst="rect">
+                <a:avLst/>
+              </a:prstGeom>
+              <a:blipFill>
+                <a:blip r:embed="rId8"/>
+                <a:stretch>
+                  <a:fillRect/>
+                </a:stretch>
+              </a:blipFill>
+              <a:ln>
+                <a:solidFill>
+                  <a:srgbClr val="FF0000"/>
+                </a:solidFill>
+              </a:ln>
+            </p:spPr>
+            <p:txBody>
+              <a:bodyPr/>
+              <a:lstStyle/>
+              <a:p>
+                <a:r>
+                  <a:rPr lang="en-US">
+                    <a:noFill/>
+                  </a:rPr>
+                  <a:t> </a:t>
+                </a:r>
+              </a:p>
+            </p:txBody>
+          </p:sp>
+        </mc:Fallback>
+      </mc:AlternateContent>
+      <mc:AlternateContent xmlns:mc="http://schemas.openxmlformats.org/markup-compatibility/2006">
+        <mc:Choice xmlns:a14="http://schemas.microsoft.com/office/drawing/2010/main" Requires="a14">
+          <p:sp>
+            <p:nvSpPr>
+              <p:cNvPr id="71" name="Rectangle 70">
+                <a:extLst>
+                  <a:ext uri="{FF2B5EF4-FFF2-40B4-BE49-F238E27FC236}">
+                    <a16:creationId xmlns:a16="http://schemas.microsoft.com/office/drawing/2014/main" id="{8DE02844-C259-2A07-59A3-976BA365331B}"/>
+                  </a:ext>
+                </a:extLst>
+              </p:cNvPr>
+              <p:cNvSpPr>
+                <a:spLocks noChangeAspect="1"/>
+              </p:cNvSpPr>
+              <p:nvPr/>
+            </p:nvSpPr>
+            <p:spPr>
+              <a:xfrm>
+                <a:off x="3340197" y="3978381"/>
+                <a:ext cx="760333" cy="700764"/>
+              </a:xfrm>
+              <a:prstGeom prst="rect">
+                <a:avLst/>
+              </a:prstGeom>
+              <a:solidFill>
+                <a:srgbClr val="FF0000"/>
+              </a:solidFill>
+              <a:ln>
+                <a:solidFill>
+                  <a:srgbClr val="FF0000"/>
+                </a:solidFill>
+              </a:ln>
+            </p:spPr>
+            <p:style>
+              <a:lnRef idx="1">
+                <a:schemeClr val="accent1"/>
+              </a:lnRef>
+              <a:fillRef idx="3">
+                <a:schemeClr val="accent1"/>
+              </a:fillRef>
+              <a:effectRef idx="2">
+                <a:schemeClr val="accent1"/>
+              </a:effectRef>
+              <a:fontRef idx="minor">
+                <a:schemeClr val="lt1"/>
+              </a:fontRef>
+            </p:style>
+            <p:txBody>
+              <a:bodyPr rtlCol="0" anchor="ctr"/>
+              <a:lstStyle/>
+              <a:p>
+                <a:pPr algn="ctr"/>
+                <a14:m>
+                  <m:oMathPara xmlns:m="http://schemas.openxmlformats.org/officeDocument/2006/math">
+                    <m:oMathParaPr>
+                      <m:jc m:val="centerGroup"/>
+                    </m:oMathParaPr>
+                    <m:oMath xmlns:m="http://schemas.openxmlformats.org/officeDocument/2006/math">
+                      <m:sSub>
+                        <m:sSubPr>
+                          <m:ctrlPr>
+                            <a:rPr lang="en-US" sz="1600" b="0" i="1" smtClean="0">
+                              <a:latin typeface="Cambria Math" panose="02040503050406030204" pitchFamily="18" charset="0"/>
+                            </a:rPr>
+                          </m:ctrlPr>
+                        </m:sSubPr>
+                        <m:e>
+                          <m:r>
+                            <a:rPr lang="en-US" sz="1600" b="0" i="1" smtClean="0">
+                              <a:latin typeface="Cambria Math" panose="02040503050406030204" pitchFamily="18" charset="0"/>
+                            </a:rPr>
+                            <m:t>𝑘</m:t>
+                          </m:r>
+                        </m:e>
+                        <m:sub>
+                          <m:r>
+                            <a:rPr lang="en-US" sz="1600" b="0" i="1" smtClean="0">
+                              <a:latin typeface="Cambria Math" panose="02040503050406030204" pitchFamily="18" charset="0"/>
+                            </a:rPr>
+                            <m:t>𝐷</m:t>
+                          </m:r>
+                        </m:sub>
+                      </m:sSub>
+                    </m:oMath>
+                  </m:oMathPara>
+                </a14:m>
+                <a:endParaRPr lang="en-US" sz="1600" dirty="0"/>
+              </a:p>
+            </p:txBody>
+          </p:sp>
+        </mc:Choice>
+        <mc:Fallback>
+          <p:sp>
+            <p:nvSpPr>
+              <p:cNvPr id="71" name="Rectangle 70">
+                <a:extLst>
+                  <a:ext uri="{FF2B5EF4-FFF2-40B4-BE49-F238E27FC236}">
+                    <a16:creationId xmlns:a16="http://schemas.microsoft.com/office/drawing/2014/main" id="{8DE02844-C259-2A07-59A3-976BA365331B}"/>
+                  </a:ext>
+                </a:extLst>
+              </p:cNvPr>
+              <p:cNvSpPr>
+                <a:spLocks noRot="1" noChangeAspect="1" noMove="1" noResize="1" noEditPoints="1" noAdjustHandles="1" noChangeArrowheads="1" noChangeShapeType="1" noTextEdit="1"/>
+              </p:cNvSpPr>
+              <p:nvPr/>
+            </p:nvSpPr>
+            <p:spPr>
+              <a:xfrm>
+                <a:off x="3340197" y="3978381"/>
+                <a:ext cx="760333" cy="700764"/>
+              </a:xfrm>
+              <a:prstGeom prst="rect">
+                <a:avLst/>
+              </a:prstGeom>
+              <a:blipFill>
+                <a:blip r:embed="rId9"/>
+                <a:stretch>
+                  <a:fillRect/>
+                </a:stretch>
+              </a:blipFill>
+              <a:ln>
+                <a:solidFill>
+                  <a:srgbClr val="FF0000"/>
+                </a:solidFill>
+              </a:ln>
+            </p:spPr>
+            <p:txBody>
+              <a:bodyPr/>
+              <a:lstStyle/>
+              <a:p>
+                <a:r>
+                  <a:rPr lang="en-US">
+                    <a:noFill/>
+                  </a:rPr>
+                  <a:t> </a:t>
+                </a:r>
+              </a:p>
+            </p:txBody>
+          </p:sp>
+        </mc:Fallback>
+      </mc:AlternateContent>
+      <p:cxnSp>
+        <p:nvCxnSpPr>
+          <p:cNvPr id="72" name="Elbow Connector 71">
+            <a:extLst>
+              <a:ext uri="{FF2B5EF4-FFF2-40B4-BE49-F238E27FC236}">
+                <a16:creationId xmlns:a16="http://schemas.microsoft.com/office/drawing/2014/main" id="{5B36B23A-A9DC-A7D5-6494-0F8C9189B28C}"/>
+              </a:ext>
+            </a:extLst>
+          </p:cNvPr>
+          <p:cNvCxnSpPr>
+            <a:cxnSpLocks/>
+            <a:stCxn id="71" idx="3"/>
+            <a:endCxn id="62" idx="4"/>
+          </p:cNvCxnSpPr>
+          <p:nvPr/>
+        </p:nvCxnSpPr>
+        <p:spPr>
+          <a:xfrm flipV="1">
+            <a:off x="4100530" y="3447590"/>
+            <a:ext cx="592289" cy="881173"/>
+          </a:xfrm>
+          <a:prstGeom prst="bentConnector2">
+            <a:avLst/>
+          </a:prstGeom>
+          <a:ln w="28575">
+            <a:solidFill>
+              <a:srgbClr val="FF0000"/>
+            </a:solidFill>
+            <a:tailEnd type="triangle"/>
+          </a:ln>
+        </p:spPr>
+        <p:style>
+          <a:lnRef idx="1">
+            <a:schemeClr val="accent1"/>
+          </a:lnRef>
+          <a:fillRef idx="0">
+            <a:schemeClr val="accent1"/>
+          </a:fillRef>
+          <a:effectRef idx="0">
+            <a:schemeClr val="accent1"/>
+          </a:effectRef>
+          <a:fontRef idx="minor">
+            <a:schemeClr val="tx1"/>
+          </a:fontRef>
+        </p:style>
+      </p:cxnSp>
+      <p:cxnSp>
+        <p:nvCxnSpPr>
+          <p:cNvPr id="73" name="Elbow Connector 72">
+            <a:extLst>
+              <a:ext uri="{FF2B5EF4-FFF2-40B4-BE49-F238E27FC236}">
+                <a16:creationId xmlns:a16="http://schemas.microsoft.com/office/drawing/2014/main" id="{640B7AA1-A09E-E9BD-95B7-9E871DA81814}"/>
+              </a:ext>
+            </a:extLst>
+          </p:cNvPr>
+          <p:cNvCxnSpPr>
+            <a:cxnSpLocks/>
+            <a:stCxn id="56" idx="3"/>
+            <a:endCxn id="70" idx="1"/>
+          </p:cNvCxnSpPr>
+          <p:nvPr/>
+        </p:nvCxnSpPr>
+        <p:spPr>
+          <a:xfrm>
+            <a:off x="1361460" y="2819721"/>
+            <a:ext cx="750139" cy="1517376"/>
+          </a:xfrm>
+          <a:prstGeom prst="bentConnector3">
+            <a:avLst/>
+          </a:prstGeom>
+          <a:ln w="28575">
+            <a:solidFill>
+              <a:srgbClr val="FF0000"/>
+            </a:solidFill>
+            <a:tailEnd type="triangle"/>
+          </a:ln>
+        </p:spPr>
+        <p:style>
+          <a:lnRef idx="1">
+            <a:schemeClr val="accent1"/>
+          </a:lnRef>
+          <a:fillRef idx="0">
+            <a:schemeClr val="accent1"/>
+          </a:fillRef>
+          <a:effectRef idx="0">
+            <a:schemeClr val="accent1"/>
+          </a:effectRef>
+          <a:fontRef idx="minor">
+            <a:schemeClr val="tx1"/>
+          </a:fontRef>
+        </p:style>
+      </p:cxnSp>
+      <p:pic>
+        <p:nvPicPr>
+          <p:cNvPr id="4" name="Picture 3">
+            <a:extLst>
+              <a:ext uri="{FF2B5EF4-FFF2-40B4-BE49-F238E27FC236}">
+                <a16:creationId xmlns:a16="http://schemas.microsoft.com/office/drawing/2014/main" id="{6E23892D-DCE9-5E20-7145-CCB1B62E09BD}"/>
+              </a:ext>
+            </a:extLst>
+          </p:cNvPr>
+          <p:cNvPicPr>
+            <a:picLocks noChangeAspect="1"/>
+          </p:cNvPicPr>
+          <p:nvPr/>
+        </p:nvPicPr>
+        <p:blipFill>
+          <a:blip r:embed="rId10"/>
+          <a:stretch>
+            <a:fillRect/>
+          </a:stretch>
+        </p:blipFill>
+        <p:spPr>
+          <a:xfrm>
+            <a:off x="5612942" y="265216"/>
+            <a:ext cx="3073858" cy="879045"/>
+          </a:xfrm>
+          <a:prstGeom prst="rect">
+            <a:avLst/>
+          </a:prstGeom>
+        </p:spPr>
+      </p:pic>
+    </p:spTree>
+    <p:extLst>
+      <p:ext uri="{BB962C8B-B14F-4D97-AF65-F5344CB8AC3E}">
+        <p14:creationId xmlns:p14="http://schemas.microsoft.com/office/powerpoint/2010/main" val="2753274633"/>
+      </p:ext>
+    </p:extLst>
+  </p:cSld>
+  <p:clrMapOvr>
+    <a:masterClrMapping/>
+  </p:clrMapOvr>
+  <p:timing>
+    <p:tnLst>
+      <p:par>
+        <p:cTn id="1" dur="indefinite" restart="never" nodeType="tmRoot">
+          <p:childTnLst>
+            <p:seq concurrent="1" nextAc="seek">
+              <p:cTn id="2" dur="indefinite" nodeType="mainSeq">
+                <p:childTnLst>
+                  <p:par>
+                    <p:cTn id="3" fill="hold">
+                      <p:stCondLst>
+                        <p:cond delay="indefinite"/>
+                      </p:stCondLst>
+                      <p:childTnLst>
+                        <p:par>
+                          <p:cTn id="4" fill="hold">
+                            <p:stCondLst>
+                              <p:cond delay="0"/>
+                            </p:stCondLst>
+                            <p:childTnLst>
+                              <p:par>
+                                <p:cTn id="5" presetID="1" presetClass="entr" presetSubtype="0" fill="hold" grpId="0" nodeType="clickEffect">
+                                  <p:stCondLst>
+                                    <p:cond delay="0"/>
+                                  </p:stCondLst>
+                                  <p:childTnLst>
+                                    <p:set>
+                                      <p:cBhvr>
+                                        <p:cTn id="6" dur="1" fill="hold">
+                                          <p:stCondLst>
+                                            <p:cond delay="0"/>
+                                          </p:stCondLst>
+                                        </p:cTn>
+                                        <p:tgtEl>
+                                          <p:spTgt spid="54"/>
+                                        </p:tgtEl>
+                                        <p:attrNameLst>
+                                          <p:attrName>style.visibility</p:attrName>
+                                        </p:attrNameLst>
+                                      </p:cBhvr>
+                                      <p:to>
+                                        <p:strVal val="visible"/>
+                                      </p:to>
+                                    </p:set>
+                                  </p:childTnLst>
+                                </p:cTn>
+                              </p:par>
+                              <p:par>
+                                <p:cTn id="7" presetID="1" presetClass="entr" presetSubtype="0" fill="hold" nodeType="withEffect">
+                                  <p:stCondLst>
+                                    <p:cond delay="0"/>
+                                  </p:stCondLst>
+                                  <p:childTnLst>
+                                    <p:set>
+                                      <p:cBhvr>
+                                        <p:cTn id="8" dur="1" fill="hold">
+                                          <p:stCondLst>
+                                            <p:cond delay="0"/>
+                                          </p:stCondLst>
+                                        </p:cTn>
+                                        <p:tgtEl>
+                                          <p:spTgt spid="55"/>
+                                        </p:tgtEl>
+                                        <p:attrNameLst>
+                                          <p:attrName>style.visibility</p:attrName>
+                                        </p:attrNameLst>
+                                      </p:cBhvr>
+                                      <p:to>
+                                        <p:strVal val="visible"/>
+                                      </p:to>
+                                    </p:set>
+                                  </p:childTnLst>
+                                </p:cTn>
+                              </p:par>
+                              <p:par>
+                                <p:cTn id="9" presetID="1" presetClass="entr" presetSubtype="0" fill="hold" grpId="0" nodeType="withEffect">
+                                  <p:stCondLst>
+                                    <p:cond delay="0"/>
+                                  </p:stCondLst>
+                                  <p:childTnLst>
+                                    <p:set>
+                                      <p:cBhvr>
+                                        <p:cTn id="10" dur="1" fill="hold">
+                                          <p:stCondLst>
+                                            <p:cond delay="0"/>
+                                          </p:stCondLst>
+                                        </p:cTn>
+                                        <p:tgtEl>
+                                          <p:spTgt spid="56"/>
+                                        </p:tgtEl>
+                                        <p:attrNameLst>
+                                          <p:attrName>style.visibility</p:attrName>
+                                        </p:attrNameLst>
+                                      </p:cBhvr>
+                                      <p:to>
+                                        <p:strVal val="visible"/>
+                                      </p:to>
+                                    </p:set>
+                                  </p:childTnLst>
+                                </p:cTn>
+                              </p:par>
+                              <p:par>
+                                <p:cTn id="11" presetID="1" presetClass="entr" presetSubtype="0" fill="hold" grpId="0" nodeType="withEffect">
+                                  <p:stCondLst>
+                                    <p:cond delay="0"/>
+                                  </p:stCondLst>
+                                  <p:childTnLst>
+                                    <p:set>
+                                      <p:cBhvr>
+                                        <p:cTn id="12" dur="1" fill="hold">
+                                          <p:stCondLst>
+                                            <p:cond delay="0"/>
+                                          </p:stCondLst>
+                                        </p:cTn>
+                                        <p:tgtEl>
+                                          <p:spTgt spid="57"/>
+                                        </p:tgtEl>
+                                        <p:attrNameLst>
+                                          <p:attrName>style.visibility</p:attrName>
+                                        </p:attrNameLst>
+                                      </p:cBhvr>
+                                      <p:to>
+                                        <p:strVal val="visible"/>
+                                      </p:to>
+                                    </p:set>
+                                  </p:childTnLst>
+                                </p:cTn>
+                              </p:par>
+                              <p:par>
+                                <p:cTn id="13" presetID="1" presetClass="entr" presetSubtype="0" fill="hold" grpId="0" nodeType="withEffect">
+                                  <p:stCondLst>
+                                    <p:cond delay="0"/>
+                                  </p:stCondLst>
+                                  <p:childTnLst>
+                                    <p:set>
+                                      <p:cBhvr>
+                                        <p:cTn id="14" dur="1" fill="hold">
+                                          <p:stCondLst>
+                                            <p:cond delay="0"/>
+                                          </p:stCondLst>
+                                        </p:cTn>
+                                        <p:tgtEl>
+                                          <p:spTgt spid="58"/>
+                                        </p:tgtEl>
+                                        <p:attrNameLst>
+                                          <p:attrName>style.visibility</p:attrName>
+                                        </p:attrNameLst>
+                                      </p:cBhvr>
+                                      <p:to>
+                                        <p:strVal val="visible"/>
+                                      </p:to>
+                                    </p:set>
+                                  </p:childTnLst>
+                                </p:cTn>
+                              </p:par>
+                              <p:par>
+                                <p:cTn id="15" presetID="1" presetClass="entr" presetSubtype="0" fill="hold" grpId="0" nodeType="withEffect">
+                                  <p:stCondLst>
+                                    <p:cond delay="0"/>
+                                  </p:stCondLst>
+                                  <p:childTnLst>
+                                    <p:set>
+                                      <p:cBhvr>
+                                        <p:cTn id="16" dur="1" fill="hold">
+                                          <p:stCondLst>
+                                            <p:cond delay="0"/>
+                                          </p:stCondLst>
+                                        </p:cTn>
+                                        <p:tgtEl>
+                                          <p:spTgt spid="59"/>
+                                        </p:tgtEl>
+                                        <p:attrNameLst>
+                                          <p:attrName>style.visibility</p:attrName>
+                                        </p:attrNameLst>
+                                      </p:cBhvr>
+                                      <p:to>
+                                        <p:strVal val="visible"/>
+                                      </p:to>
+                                    </p:set>
+                                  </p:childTnLst>
+                                </p:cTn>
+                              </p:par>
+                              <p:par>
+                                <p:cTn id="17" presetID="1" presetClass="entr" presetSubtype="0" fill="hold" grpId="0" nodeType="withEffect">
+                                  <p:stCondLst>
+                                    <p:cond delay="0"/>
+                                  </p:stCondLst>
+                                  <p:childTnLst>
+                                    <p:set>
+                                      <p:cBhvr>
+                                        <p:cTn id="18" dur="1" fill="hold">
+                                          <p:stCondLst>
+                                            <p:cond delay="0"/>
+                                          </p:stCondLst>
+                                        </p:cTn>
+                                        <p:tgtEl>
+                                          <p:spTgt spid="60"/>
+                                        </p:tgtEl>
+                                        <p:attrNameLst>
+                                          <p:attrName>style.visibility</p:attrName>
+                                        </p:attrNameLst>
+                                      </p:cBhvr>
+                                      <p:to>
+                                        <p:strVal val="visible"/>
+                                      </p:to>
+                                    </p:set>
+                                  </p:childTnLst>
+                                </p:cTn>
+                              </p:par>
+                              <p:par>
+                                <p:cTn id="19" presetID="1" presetClass="entr" presetSubtype="0" fill="hold" grpId="0" nodeType="withEffect">
+                                  <p:stCondLst>
+                                    <p:cond delay="0"/>
+                                  </p:stCondLst>
+                                  <p:childTnLst>
+                                    <p:set>
+                                      <p:cBhvr>
+                                        <p:cTn id="20" dur="1" fill="hold">
+                                          <p:stCondLst>
+                                            <p:cond delay="0"/>
+                                          </p:stCondLst>
+                                        </p:cTn>
+                                        <p:tgtEl>
+                                          <p:spTgt spid="61"/>
+                                        </p:tgtEl>
+                                        <p:attrNameLst>
+                                          <p:attrName>style.visibility</p:attrName>
+                                        </p:attrNameLst>
+                                      </p:cBhvr>
+                                      <p:to>
+                                        <p:strVal val="visible"/>
+                                      </p:to>
+                                    </p:set>
+                                  </p:childTnLst>
+                                </p:cTn>
+                              </p:par>
+                              <p:par>
+                                <p:cTn id="21" presetID="1" presetClass="entr" presetSubtype="0" fill="hold" grpId="0" nodeType="withEffect">
+                                  <p:stCondLst>
+                                    <p:cond delay="0"/>
+                                  </p:stCondLst>
+                                  <p:childTnLst>
+                                    <p:set>
+                                      <p:cBhvr>
+                                        <p:cTn id="22" dur="1" fill="hold">
+                                          <p:stCondLst>
+                                            <p:cond delay="0"/>
+                                          </p:stCondLst>
+                                        </p:cTn>
+                                        <p:tgtEl>
+                                          <p:spTgt spid="62"/>
+                                        </p:tgtEl>
+                                        <p:attrNameLst>
+                                          <p:attrName>style.visibility</p:attrName>
+                                        </p:attrNameLst>
+                                      </p:cBhvr>
+                                      <p:to>
+                                        <p:strVal val="visible"/>
+                                      </p:to>
+                                    </p:set>
+                                  </p:childTnLst>
+                                </p:cTn>
+                              </p:par>
+                              <p:par>
+                                <p:cTn id="23" presetID="1" presetClass="entr" presetSubtype="0" fill="hold" nodeType="withEffect">
+                                  <p:stCondLst>
+                                    <p:cond delay="0"/>
+                                  </p:stCondLst>
+                                  <p:childTnLst>
+                                    <p:set>
+                                      <p:cBhvr>
+                                        <p:cTn id="24" dur="1" fill="hold">
+                                          <p:stCondLst>
+                                            <p:cond delay="0"/>
+                                          </p:stCondLst>
+                                        </p:cTn>
+                                        <p:tgtEl>
+                                          <p:spTgt spid="63"/>
+                                        </p:tgtEl>
+                                        <p:attrNameLst>
+                                          <p:attrName>style.visibility</p:attrName>
+                                        </p:attrNameLst>
+                                      </p:cBhvr>
+                                      <p:to>
+                                        <p:strVal val="visible"/>
+                                      </p:to>
+                                    </p:set>
+                                  </p:childTnLst>
+                                </p:cTn>
+                              </p:par>
+                              <p:par>
+                                <p:cTn id="25" presetID="1" presetClass="entr" presetSubtype="0" fill="hold" nodeType="withEffect">
+                                  <p:stCondLst>
+                                    <p:cond delay="0"/>
+                                  </p:stCondLst>
+                                  <p:childTnLst>
+                                    <p:set>
+                                      <p:cBhvr>
+                                        <p:cTn id="26" dur="1" fill="hold">
+                                          <p:stCondLst>
+                                            <p:cond delay="0"/>
+                                          </p:stCondLst>
+                                        </p:cTn>
+                                        <p:tgtEl>
+                                          <p:spTgt spid="64"/>
+                                        </p:tgtEl>
+                                        <p:attrNameLst>
+                                          <p:attrName>style.visibility</p:attrName>
+                                        </p:attrNameLst>
+                                      </p:cBhvr>
+                                      <p:to>
+                                        <p:strVal val="visible"/>
+                                      </p:to>
+                                    </p:set>
+                                  </p:childTnLst>
+                                </p:cTn>
+                              </p:par>
+                              <p:par>
+                                <p:cTn id="27" presetID="1" presetClass="entr" presetSubtype="0" fill="hold" nodeType="withEffect">
+                                  <p:stCondLst>
+                                    <p:cond delay="0"/>
+                                  </p:stCondLst>
+                                  <p:childTnLst>
+                                    <p:set>
+                                      <p:cBhvr>
+                                        <p:cTn id="28" dur="1" fill="hold">
+                                          <p:stCondLst>
+                                            <p:cond delay="0"/>
+                                          </p:stCondLst>
+                                        </p:cTn>
+                                        <p:tgtEl>
+                                          <p:spTgt spid="65"/>
+                                        </p:tgtEl>
+                                        <p:attrNameLst>
+                                          <p:attrName>style.visibility</p:attrName>
+                                        </p:attrNameLst>
+                                      </p:cBhvr>
+                                      <p:to>
+                                        <p:strVal val="visible"/>
+                                      </p:to>
+                                    </p:set>
+                                  </p:childTnLst>
+                                </p:cTn>
+                              </p:par>
+                              <p:par>
+                                <p:cTn id="29" presetID="1" presetClass="entr" presetSubtype="0" fill="hold" nodeType="withEffect">
+                                  <p:stCondLst>
+                                    <p:cond delay="0"/>
+                                  </p:stCondLst>
+                                  <p:childTnLst>
+                                    <p:set>
+                                      <p:cBhvr>
+                                        <p:cTn id="30" dur="1" fill="hold">
+                                          <p:stCondLst>
+                                            <p:cond delay="0"/>
+                                          </p:stCondLst>
+                                        </p:cTn>
+                                        <p:tgtEl>
+                                          <p:spTgt spid="66"/>
+                                        </p:tgtEl>
+                                        <p:attrNameLst>
+                                          <p:attrName>style.visibility</p:attrName>
+                                        </p:attrNameLst>
+                                      </p:cBhvr>
+                                      <p:to>
+                                        <p:strVal val="visible"/>
+                                      </p:to>
+                                    </p:set>
+                                  </p:childTnLst>
+                                </p:cTn>
+                              </p:par>
+                              <p:par>
+                                <p:cTn id="31" presetID="1" presetClass="entr" presetSubtype="0" fill="hold" nodeType="withEffect">
+                                  <p:stCondLst>
+                                    <p:cond delay="0"/>
+                                  </p:stCondLst>
+                                  <p:childTnLst>
+                                    <p:set>
+                                      <p:cBhvr>
+                                        <p:cTn id="32" dur="1" fill="hold">
+                                          <p:stCondLst>
+                                            <p:cond delay="0"/>
+                                          </p:stCondLst>
+                                        </p:cTn>
+                                        <p:tgtEl>
+                                          <p:spTgt spid="67"/>
+                                        </p:tgtEl>
+                                        <p:attrNameLst>
+                                          <p:attrName>style.visibility</p:attrName>
+                                        </p:attrNameLst>
+                                      </p:cBhvr>
+                                      <p:to>
+                                        <p:strVal val="visible"/>
+                                      </p:to>
+                                    </p:set>
+                                  </p:childTnLst>
+                                </p:cTn>
+                              </p:par>
+                              <p:par>
+                                <p:cTn id="33" presetID="1" presetClass="entr" presetSubtype="0" fill="hold" grpId="0" nodeType="withEffect">
+                                  <p:stCondLst>
+                                    <p:cond delay="0"/>
+                                  </p:stCondLst>
+                                  <p:childTnLst>
+                                    <p:set>
+                                      <p:cBhvr>
+                                        <p:cTn id="34" dur="1" fill="hold">
+                                          <p:stCondLst>
+                                            <p:cond delay="0"/>
+                                          </p:stCondLst>
+                                        </p:cTn>
+                                        <p:tgtEl>
+                                          <p:spTgt spid="68"/>
+                                        </p:tgtEl>
+                                        <p:attrNameLst>
+                                          <p:attrName>style.visibility</p:attrName>
+                                        </p:attrNameLst>
+                                      </p:cBhvr>
+                                      <p:to>
+                                        <p:strVal val="visible"/>
+                                      </p:to>
+                                    </p:set>
+                                  </p:childTnLst>
+                                </p:cTn>
+                              </p:par>
+                              <p:par>
+                                <p:cTn id="35" presetID="1" presetClass="entr" presetSubtype="0" fill="hold" nodeType="withEffect">
+                                  <p:stCondLst>
+                                    <p:cond delay="0"/>
+                                  </p:stCondLst>
+                                  <p:childTnLst>
+                                    <p:set>
+                                      <p:cBhvr>
+                                        <p:cTn id="36" dur="1" fill="hold">
+                                          <p:stCondLst>
+                                            <p:cond delay="0"/>
+                                          </p:stCondLst>
+                                        </p:cTn>
+                                        <p:tgtEl>
+                                          <p:spTgt spid="69"/>
+                                        </p:tgtEl>
+                                        <p:attrNameLst>
+                                          <p:attrName>style.visibility</p:attrName>
+                                        </p:attrNameLst>
+                                      </p:cBhvr>
+                                      <p:to>
+                                        <p:strVal val="visible"/>
+                                      </p:to>
+                                    </p:set>
+                                  </p:childTnLst>
+                                </p:cTn>
+                              </p:par>
+                              <p:par>
+                                <p:cTn id="37" presetID="1" presetClass="entr" presetSubtype="0" fill="hold" grpId="0" nodeType="withEffect">
+                                  <p:stCondLst>
+                                    <p:cond delay="0"/>
+                                  </p:stCondLst>
+                                  <p:childTnLst>
+                                    <p:set>
+                                      <p:cBhvr>
+                                        <p:cTn id="38" dur="1" fill="hold">
+                                          <p:stCondLst>
+                                            <p:cond delay="0"/>
+                                          </p:stCondLst>
+                                        </p:cTn>
+                                        <p:tgtEl>
+                                          <p:spTgt spid="70"/>
+                                        </p:tgtEl>
+                                        <p:attrNameLst>
+                                          <p:attrName>style.visibility</p:attrName>
+                                        </p:attrNameLst>
+                                      </p:cBhvr>
+                                      <p:to>
+                                        <p:strVal val="visible"/>
+                                      </p:to>
+                                    </p:set>
+                                  </p:childTnLst>
+                                </p:cTn>
+                              </p:par>
+                              <p:par>
+                                <p:cTn id="39" presetID="1" presetClass="entr" presetSubtype="0" fill="hold" grpId="0" nodeType="withEffect">
+                                  <p:stCondLst>
+                                    <p:cond delay="0"/>
+                                  </p:stCondLst>
+                                  <p:childTnLst>
+                                    <p:set>
+                                      <p:cBhvr>
+                                        <p:cTn id="40" dur="1" fill="hold">
+                                          <p:stCondLst>
+                                            <p:cond delay="0"/>
+                                          </p:stCondLst>
+                                        </p:cTn>
+                                        <p:tgtEl>
+                                          <p:spTgt spid="71"/>
+                                        </p:tgtEl>
+                                        <p:attrNameLst>
+                                          <p:attrName>style.visibility</p:attrName>
+                                        </p:attrNameLst>
+                                      </p:cBhvr>
+                                      <p:to>
+                                        <p:strVal val="visible"/>
+                                      </p:to>
+                                    </p:set>
+                                  </p:childTnLst>
+                                </p:cTn>
+                              </p:par>
+                              <p:par>
+                                <p:cTn id="41" presetID="1" presetClass="entr" presetSubtype="0" fill="hold" nodeType="withEffect">
+                                  <p:stCondLst>
+                                    <p:cond delay="0"/>
+                                  </p:stCondLst>
+                                  <p:childTnLst>
+                                    <p:set>
+                                      <p:cBhvr>
+                                        <p:cTn id="42" dur="1" fill="hold">
+                                          <p:stCondLst>
+                                            <p:cond delay="0"/>
+                                          </p:stCondLst>
+                                        </p:cTn>
+                                        <p:tgtEl>
+                                          <p:spTgt spid="72"/>
+                                        </p:tgtEl>
+                                        <p:attrNameLst>
+                                          <p:attrName>style.visibility</p:attrName>
+                                        </p:attrNameLst>
+                                      </p:cBhvr>
+                                      <p:to>
+                                        <p:strVal val="visible"/>
+                                      </p:to>
+                                    </p:set>
+                                  </p:childTnLst>
+                                </p:cTn>
+                              </p:par>
+                              <p:par>
+                                <p:cTn id="43" presetID="1" presetClass="entr" presetSubtype="0" fill="hold" nodeType="withEffect">
+                                  <p:stCondLst>
+                                    <p:cond delay="0"/>
+                                  </p:stCondLst>
+                                  <p:childTnLst>
+                                    <p:set>
+                                      <p:cBhvr>
+                                        <p:cTn id="44" dur="1" fill="hold">
+                                          <p:stCondLst>
+                                            <p:cond delay="0"/>
+                                          </p:stCondLst>
+                                        </p:cTn>
+                                        <p:tgtEl>
+                                          <p:spTgt spid="73"/>
+                                        </p:tgtEl>
+                                        <p:attrNameLst>
+                                          <p:attrName>style.visibility</p:attrName>
+                                        </p:attrNameLst>
+                                      </p:cBhvr>
+                                      <p:to>
+                                        <p:strVal val="visible"/>
+                                      </p:to>
+                                    </p:set>
+                                  </p:childTnLst>
+                                </p:cTn>
+                              </p:par>
+                            </p:childTnLst>
+                          </p:cTn>
+                        </p:par>
+                      </p:childTnLst>
+                    </p:cTn>
+                  </p:par>
+                </p:childTnLst>
+              </p:cTn>
+              <p:prevCondLst>
+                <p:cond evt="onPrev" delay="0">
+                  <p:tgtEl>
+                    <p:sldTgt/>
+                  </p:tgtEl>
+                </p:cond>
+              </p:prevCondLst>
+              <p:nextCondLst>
+                <p:cond evt="onNext" delay="0">
+                  <p:tgtEl>
+                    <p:sldTgt/>
+                  </p:tgtEl>
+                </p:cond>
+              </p:nextCondLst>
+            </p:seq>
+          </p:childTnLst>
+        </p:cTn>
+      </p:par>
+    </p:tnLst>
+    <p:bldLst>
+      <p:bldP spid="54" grpId="0"/>
+      <p:bldP spid="56" grpId="0"/>
+      <p:bldP spid="57" grpId="0" animBg="1"/>
+      <p:bldP spid="58" grpId="0" animBg="1"/>
+      <p:bldP spid="59" grpId="0" animBg="1"/>
+      <p:bldP spid="60" grpId="0" animBg="1"/>
+      <p:bldP spid="61" grpId="0"/>
+      <p:bldP spid="62" grpId="0" animBg="1"/>
+      <p:bldP spid="68" grpId="0"/>
+      <p:bldP spid="70" grpId="0" animBg="1"/>
+      <p:bldP spid="71" grpId="0" animBg="1"/>
+    </p:bldLst>
+  </p:timing>
+</p:sld>
+</file>
+
+<file path=ppt/slides/slide12.xml><?xml version="1.0" encoding="utf-8"?>
+<p:sld xmlns:a="http://schemas.openxmlformats.org/drawingml/2006/main" xmlns:r="http://schemas.openxmlformats.org/officeDocument/2006/relationships" xmlns:p="http://schemas.openxmlformats.org/presentationml/2006/main">
+  <p:cSld>
+    <p:spTree>
+      <p:nvGrpSpPr>
         <p:cNvPr id="1" name=""/>
         <p:cNvGrpSpPr/>
         <p:nvPr/>
@@ -17874,7 +20302,7 @@
             </a:pPr>
             <a:fld id="{00000000-1234-1234-1234-123412341234}" type="slidenum">
               <a:rPr lang="en-US" smtClean="0"/>
-              <a:t>11</a:t>
+              <a:t>12</a:t>
             </a:fld>
             <a:endParaRPr lang="en-US"/>
           </a:p>
@@ -21501,8 +23929,8 @@
           </a:fontRef>
         </p:style>
       </p:cxnSp>
-      <mc:AlternateContent xmlns:mc="http://schemas.openxmlformats.org/markup-compatibility/2006">
-        <mc:Choice xmlns:a14="http://schemas.microsoft.com/office/drawing/2010/main" Requires="a14">
+      <mc:AlternateContent xmlns:mc="http://schemas.openxmlformats.org/markup-compatibility/2006" xmlns:a14="http://schemas.microsoft.com/office/drawing/2010/main">
+        <mc:Choice Requires="a14">
           <p:sp>
             <p:nvSpPr>
               <p:cNvPr id="14" name="Rectangle 13">
@@ -21558,7 +23986,7 @@
             </p:txBody>
           </p:sp>
         </mc:Choice>
-        <mc:Fallback>
+        <mc:Fallback xmlns="">
           <p:sp>
             <p:nvSpPr>
               <p:cNvPr id="14" name="Rectangle 13">
@@ -21847,8 +24275,8 @@
           </a:fontRef>
         </p:style>
       </p:cxnSp>
-      <mc:AlternateContent xmlns:mc="http://schemas.openxmlformats.org/markup-compatibility/2006">
-        <mc:Choice xmlns:a14="http://schemas.microsoft.com/office/drawing/2010/main" Requires="a14">
+      <mc:AlternateContent xmlns:mc="http://schemas.openxmlformats.org/markup-compatibility/2006" xmlns:a14="http://schemas.microsoft.com/office/drawing/2010/main">
+        <mc:Choice Requires="a14">
           <p:sp>
             <p:nvSpPr>
               <p:cNvPr id="20" name="TextBox 19">
@@ -21898,7 +24326,7 @@
             </p:txBody>
           </p:sp>
         </mc:Choice>
-        <mc:Fallback>
+        <mc:Fallback xmlns="">
           <p:sp>
             <p:nvSpPr>
               <p:cNvPr id="20" name="TextBox 19">
@@ -21943,8 +24371,8 @@
           </p:sp>
         </mc:Fallback>
       </mc:AlternateContent>
-      <mc:AlternateContent xmlns:mc="http://schemas.openxmlformats.org/markup-compatibility/2006">
-        <mc:Choice xmlns:a14="http://schemas.microsoft.com/office/drawing/2010/main" Requires="a14">
+      <mc:AlternateContent xmlns:mc="http://schemas.openxmlformats.org/markup-compatibility/2006" xmlns:a14="http://schemas.microsoft.com/office/drawing/2010/main">
+        <mc:Choice Requires="a14">
           <p:sp>
             <p:nvSpPr>
               <p:cNvPr id="21" name="Rectangle 20">
@@ -22027,7 +24455,7 @@
             </p:txBody>
           </p:sp>
         </mc:Choice>
-        <mc:Fallback>
+        <mc:Fallback xmlns="">
           <p:sp>
             <p:nvSpPr>
               <p:cNvPr id="21" name="Rectangle 20">
@@ -22072,8 +24500,8 @@
           </p:sp>
         </mc:Fallback>
       </mc:AlternateContent>
-      <mc:AlternateContent xmlns:mc="http://schemas.openxmlformats.org/markup-compatibility/2006">
-        <mc:Choice xmlns:a14="http://schemas.microsoft.com/office/drawing/2010/main" Requires="a14">
+      <mc:AlternateContent xmlns:mc="http://schemas.openxmlformats.org/markup-compatibility/2006" xmlns:a14="http://schemas.microsoft.com/office/drawing/2010/main">
+        <mc:Choice Requires="a14">
           <p:sp>
             <p:nvSpPr>
               <p:cNvPr id="22" name="Rectangle 21">
@@ -22156,7 +24584,7 @@
             </p:txBody>
           </p:sp>
         </mc:Choice>
-        <mc:Fallback>
+        <mc:Fallback xmlns="">
           <p:sp>
             <p:nvSpPr>
               <p:cNvPr id="22" name="Rectangle 21">
@@ -22201,8 +24629,8 @@
           </p:sp>
         </mc:Fallback>
       </mc:AlternateContent>
-      <mc:AlternateContent xmlns:mc="http://schemas.openxmlformats.org/markup-compatibility/2006">
-        <mc:Choice xmlns:a14="http://schemas.microsoft.com/office/drawing/2010/main" Requires="a14">
+      <mc:AlternateContent xmlns:mc="http://schemas.openxmlformats.org/markup-compatibility/2006" xmlns:a14="http://schemas.microsoft.com/office/drawing/2010/main">
+        <mc:Choice Requires="a14">
           <p:sp>
             <p:nvSpPr>
               <p:cNvPr id="23" name="Rectangle 22">
@@ -22285,7 +24713,7 @@
             </p:txBody>
           </p:sp>
         </mc:Choice>
-        <mc:Fallback>
+        <mc:Fallback xmlns="">
           <p:sp>
             <p:nvSpPr>
               <p:cNvPr id="23" name="Rectangle 22">
@@ -22330,8 +24758,8 @@
           </p:sp>
         </mc:Fallback>
       </mc:AlternateContent>
-      <mc:AlternateContent xmlns:mc="http://schemas.openxmlformats.org/markup-compatibility/2006">
-        <mc:Choice xmlns:a14="http://schemas.microsoft.com/office/drawing/2010/main" Requires="a14">
+      <mc:AlternateContent xmlns:mc="http://schemas.openxmlformats.org/markup-compatibility/2006" xmlns:a14="http://schemas.microsoft.com/office/drawing/2010/main">
+        <mc:Choice Requires="a14">
           <p:sp>
             <p:nvSpPr>
               <p:cNvPr id="24" name="Rectangle 23">
@@ -22414,7 +24842,7 @@
             </p:txBody>
           </p:sp>
         </mc:Choice>
-        <mc:Fallback>
+        <mc:Fallback xmlns="">
           <p:sp>
             <p:nvSpPr>
               <p:cNvPr id="24" name="Rectangle 23">
@@ -22643,8 +25071,8 @@
           </a:p>
         </p:txBody>
       </p:sp>
-      <mc:AlternateContent xmlns:mc="http://schemas.openxmlformats.org/markup-compatibility/2006">
-        <mc:Choice xmlns:a14="http://schemas.microsoft.com/office/drawing/2010/main" Requires="a14">
+      <mc:AlternateContent xmlns:mc="http://schemas.openxmlformats.org/markup-compatibility/2006" xmlns:a14="http://schemas.microsoft.com/office/drawing/2010/main">
+        <mc:Choice Requires="a14">
           <p:sp>
             <p:nvSpPr>
               <p:cNvPr id="29" name="Rectangle 28">
@@ -22723,7 +25151,7 @@
             </p:txBody>
           </p:sp>
         </mc:Choice>
-        <mc:Fallback>
+        <mc:Fallback xmlns="">
           <p:sp>
             <p:nvSpPr>
               <p:cNvPr id="29" name="Rectangle 28">
@@ -23004,8 +25432,8 @@
           </a:p>
         </p:txBody>
       </p:sp>
-      <mc:AlternateContent xmlns:mc="http://schemas.openxmlformats.org/markup-compatibility/2006">
-        <mc:Choice xmlns:a14="http://schemas.microsoft.com/office/drawing/2010/main" Requires="a14">
+      <mc:AlternateContent xmlns:mc="http://schemas.openxmlformats.org/markup-compatibility/2006" xmlns:a14="http://schemas.microsoft.com/office/drawing/2010/main">
+        <mc:Choice Requires="a14">
           <p:sp>
             <p:nvSpPr>
               <p:cNvPr id="35" name="Rectangle 34">
@@ -23081,7 +25509,7 @@
             </p:txBody>
           </p:sp>
         </mc:Choice>
-        <mc:Fallback>
+        <mc:Fallback xmlns="">
           <p:sp>
             <p:nvSpPr>
               <p:cNvPr id="35" name="Rectangle 34">
@@ -23126,8 +25554,8 @@
           </p:sp>
         </mc:Fallback>
       </mc:AlternateContent>
-      <mc:AlternateContent xmlns:mc="http://schemas.openxmlformats.org/markup-compatibility/2006">
-        <mc:Choice xmlns:a14="http://schemas.microsoft.com/office/drawing/2010/main" Requires="a14">
+      <mc:AlternateContent xmlns:mc="http://schemas.openxmlformats.org/markup-compatibility/2006" xmlns:a14="http://schemas.microsoft.com/office/drawing/2010/main">
+        <mc:Choice Requires="a14">
           <p:sp>
             <p:nvSpPr>
               <p:cNvPr id="36" name="Rectangle 35">
@@ -23203,7 +25631,7 @@
             </p:txBody>
           </p:sp>
         </mc:Choice>
-        <mc:Fallback>
+        <mc:Fallback xmlns="">
           <p:sp>
             <p:nvSpPr>
               <p:cNvPr id="36" name="Rectangle 35">
@@ -23248,8 +25676,8 @@
           </p:sp>
         </mc:Fallback>
       </mc:AlternateContent>
-      <mc:AlternateContent xmlns:mc="http://schemas.openxmlformats.org/markup-compatibility/2006">
-        <mc:Choice xmlns:a14="http://schemas.microsoft.com/office/drawing/2010/main" Requires="a14">
+      <mc:AlternateContent xmlns:mc="http://schemas.openxmlformats.org/markup-compatibility/2006" xmlns:a14="http://schemas.microsoft.com/office/drawing/2010/main">
+        <mc:Choice Requires="a14">
           <p:sp>
             <p:nvSpPr>
               <p:cNvPr id="38" name="Rectangle 37">
@@ -23325,7 +25753,7 @@
             </p:txBody>
           </p:sp>
         </mc:Choice>
-        <mc:Fallback>
+        <mc:Fallback xmlns="">
           <p:sp>
             <p:nvSpPr>
               <p:cNvPr id="38" name="Rectangle 37">
@@ -23370,8 +25798,8 @@
           </p:sp>
         </mc:Fallback>
       </mc:AlternateContent>
-      <mc:AlternateContent xmlns:mc="http://schemas.openxmlformats.org/markup-compatibility/2006">
-        <mc:Choice xmlns:a14="http://schemas.microsoft.com/office/drawing/2010/main" Requires="a14">
+      <mc:AlternateContent xmlns:mc="http://schemas.openxmlformats.org/markup-compatibility/2006" xmlns:a14="http://schemas.microsoft.com/office/drawing/2010/main">
+        <mc:Choice Requires="a14">
           <p:sp>
             <p:nvSpPr>
               <p:cNvPr id="40" name="Rectangle 39">
@@ -23454,7 +25882,7 @@
             </p:txBody>
           </p:sp>
         </mc:Choice>
-        <mc:Fallback>
+        <mc:Fallback xmlns="">
           <p:sp>
             <p:nvSpPr>
               <p:cNvPr id="40" name="Rectangle 39">
@@ -23499,8 +25927,8 @@
           </p:sp>
         </mc:Fallback>
       </mc:AlternateContent>
-      <mc:AlternateContent xmlns:mc="http://schemas.openxmlformats.org/markup-compatibility/2006">
-        <mc:Choice xmlns:a14="http://schemas.microsoft.com/office/drawing/2010/main" Requires="a14">
+      <mc:AlternateContent xmlns:mc="http://schemas.openxmlformats.org/markup-compatibility/2006" xmlns:a14="http://schemas.microsoft.com/office/drawing/2010/main">
+        <mc:Choice Requires="a14">
           <p:sp>
             <p:nvSpPr>
               <p:cNvPr id="52" name="Rectangle 51">
@@ -23583,7 +26011,7 @@
             </p:txBody>
           </p:sp>
         </mc:Choice>
-        <mc:Fallback>
+        <mc:Fallback xmlns="">
           <p:sp>
             <p:nvSpPr>
               <p:cNvPr id="52" name="Rectangle 51">
@@ -23922,8 +26350,8 @@
           </a:fontRef>
         </p:style>
       </p:cxnSp>
-      <mc:AlternateContent xmlns:mc="http://schemas.openxmlformats.org/markup-compatibility/2006">
-        <mc:Choice xmlns:a14="http://schemas.microsoft.com/office/drawing/2010/main" Requires="a14">
+      <mc:AlternateContent xmlns:mc="http://schemas.openxmlformats.org/markup-compatibility/2006" xmlns:a14="http://schemas.microsoft.com/office/drawing/2010/main">
+        <mc:Choice Requires="a14">
           <p:sp>
             <p:nvSpPr>
               <p:cNvPr id="44" name="Rectangle 43">
@@ -23979,7 +26407,7 @@
             </p:txBody>
           </p:sp>
         </mc:Choice>
-        <mc:Fallback>
+        <mc:Fallback xmlns="">
           <p:sp>
             <p:nvSpPr>
               <p:cNvPr id="44" name="Rectangle 43">
@@ -24751,8 +27179,8 @@
           </p:sp>
         </mc:Fallback>
       </mc:AlternateContent>
-      <mc:AlternateContent xmlns:mc="http://schemas.openxmlformats.org/markup-compatibility/2006">
-        <mc:Choice xmlns:a14="http://schemas.microsoft.com/office/drawing/2010/main" Requires="a14">
+      <mc:AlternateContent xmlns:mc="http://schemas.openxmlformats.org/markup-compatibility/2006" xmlns:a14="http://schemas.microsoft.com/office/drawing/2010/main">
+        <mc:Choice Requires="a14">
           <p:sp>
             <p:nvSpPr>
               <p:cNvPr id="57" name="Rectangle 56">
@@ -24835,7 +27263,7 @@
             </p:txBody>
           </p:sp>
         </mc:Choice>
-        <mc:Fallback>
+        <mc:Fallback xmlns="">
           <p:sp>
             <p:nvSpPr>
               <p:cNvPr id="57" name="Rectangle 56">
@@ -25064,8 +27492,8 @@
           </a:p>
         </p:txBody>
       </p:sp>
-      <mc:AlternateContent xmlns:mc="http://schemas.openxmlformats.org/markup-compatibility/2006">
-        <mc:Choice xmlns:a14="http://schemas.microsoft.com/office/drawing/2010/main" Requires="a14">
+      <mc:AlternateContent xmlns:mc="http://schemas.openxmlformats.org/markup-compatibility/2006" xmlns:a14="http://schemas.microsoft.com/office/drawing/2010/main">
+        <mc:Choice Requires="a14">
           <p:sp>
             <p:nvSpPr>
               <p:cNvPr id="63" name="Rectangle 62">
@@ -25144,7 +27572,7 @@
             </p:txBody>
           </p:sp>
         </mc:Choice>
-        <mc:Fallback>
+        <mc:Fallback xmlns="">
           <p:sp>
             <p:nvSpPr>
               <p:cNvPr id="63" name="Rectangle 62">
@@ -25547,8 +27975,8 @@
           </p:sp>
         </mc:Fallback>
       </mc:AlternateContent>
-      <mc:AlternateContent xmlns:mc="http://schemas.openxmlformats.org/markup-compatibility/2006">
-        <mc:Choice xmlns:a14="http://schemas.microsoft.com/office/drawing/2010/main" Requires="a14">
+      <mc:AlternateContent xmlns:mc="http://schemas.openxmlformats.org/markup-compatibility/2006" xmlns:a14="http://schemas.microsoft.com/office/drawing/2010/main">
+        <mc:Choice Requires="a14">
           <p:sp>
             <p:nvSpPr>
               <p:cNvPr id="5" name="Rectangle 4">
@@ -25624,7 +28052,7 @@
             </p:txBody>
           </p:sp>
         </mc:Choice>
-        <mc:Fallback>
+        <mc:Fallback xmlns="">
           <p:sp>
             <p:nvSpPr>
               <p:cNvPr id="5" name="Rectangle 4">
@@ -25669,8 +28097,8 @@
           </p:sp>
         </mc:Fallback>
       </mc:AlternateContent>
-      <mc:AlternateContent xmlns:mc="http://schemas.openxmlformats.org/markup-compatibility/2006">
-        <mc:Choice xmlns:a14="http://schemas.microsoft.com/office/drawing/2010/main" Requires="a14">
+      <mc:AlternateContent xmlns:mc="http://schemas.openxmlformats.org/markup-compatibility/2006" xmlns:a14="http://schemas.microsoft.com/office/drawing/2010/main">
+        <mc:Choice Requires="a14">
           <p:sp>
             <p:nvSpPr>
               <p:cNvPr id="6" name="Rectangle 5">
@@ -25746,7 +28174,7 @@
             </p:txBody>
           </p:sp>
         </mc:Choice>
-        <mc:Fallback>
+        <mc:Fallback xmlns="">
           <p:sp>
             <p:nvSpPr>
               <p:cNvPr id="6" name="Rectangle 5">
@@ -25911,8 +28339,8 @@
           </p:sp>
         </mc:Fallback>
       </mc:AlternateContent>
-      <mc:AlternateContent xmlns:mc="http://schemas.openxmlformats.org/markup-compatibility/2006">
-        <mc:Choice xmlns:a14="http://schemas.microsoft.com/office/drawing/2010/main" Requires="a14">
+      <mc:AlternateContent xmlns:mc="http://schemas.openxmlformats.org/markup-compatibility/2006" xmlns:a14="http://schemas.microsoft.com/office/drawing/2010/main">
+        <mc:Choice Requires="a14">
           <p:sp>
             <p:nvSpPr>
               <p:cNvPr id="8" name="Rectangle 7">
@@ -25986,7 +28414,7 @@
             </p:txBody>
           </p:sp>
         </mc:Choice>
-        <mc:Fallback>
+        <mc:Fallback xmlns="">
           <p:sp>
             <p:nvSpPr>
               <p:cNvPr id="8" name="Rectangle 7">
@@ -26325,8 +28753,8 @@
           </a:fontRef>
         </p:style>
       </p:cxnSp>
-      <mc:AlternateContent xmlns:mc="http://schemas.openxmlformats.org/markup-compatibility/2006">
-        <mc:Choice xmlns:a14="http://schemas.microsoft.com/office/drawing/2010/main" Requires="a14">
+      <mc:AlternateContent xmlns:mc="http://schemas.openxmlformats.org/markup-compatibility/2006" xmlns:a14="http://schemas.microsoft.com/office/drawing/2010/main">
+        <mc:Choice Requires="a14">
           <p:sp>
             <p:nvSpPr>
               <p:cNvPr id="12" name="Rectangle 11">
@@ -26382,7 +28810,7 @@
             </p:txBody>
           </p:sp>
         </mc:Choice>
-        <mc:Fallback>
+        <mc:Fallback xmlns="">
           <p:sp>
             <p:nvSpPr>
               <p:cNvPr id="12" name="Rectangle 11">
@@ -26671,8 +29099,8 @@
           </a:fontRef>
         </p:style>
       </p:cxnSp>
-      <mc:AlternateContent xmlns:mc="http://schemas.openxmlformats.org/markup-compatibility/2006">
-        <mc:Choice xmlns:a14="http://schemas.microsoft.com/office/drawing/2010/main" Requires="a14">
+      <mc:AlternateContent xmlns:mc="http://schemas.openxmlformats.org/markup-compatibility/2006" xmlns:a14="http://schemas.microsoft.com/office/drawing/2010/main">
+        <mc:Choice Requires="a14">
           <p:sp>
             <p:nvSpPr>
               <p:cNvPr id="18" name="TextBox 17">
@@ -26722,7 +29150,7 @@
             </p:txBody>
           </p:sp>
         </mc:Choice>
-        <mc:Fallback>
+        <mc:Fallback xmlns="">
           <p:sp>
             <p:nvSpPr>
               <p:cNvPr id="18" name="TextBox 17">
@@ -26767,8 +29195,8 @@
           </p:sp>
         </mc:Fallback>
       </mc:AlternateContent>
-      <mc:AlternateContent xmlns:mc="http://schemas.openxmlformats.org/markup-compatibility/2006">
-        <mc:Choice xmlns:a14="http://schemas.microsoft.com/office/drawing/2010/main" Requires="a14">
+      <mc:AlternateContent xmlns:mc="http://schemas.openxmlformats.org/markup-compatibility/2006" xmlns:a14="http://schemas.microsoft.com/office/drawing/2010/main">
+        <mc:Choice Requires="a14">
           <p:sp>
             <p:nvSpPr>
               <p:cNvPr id="19" name="Rectangle 18">
@@ -26796,7 +29224,6 @@
               </a:bodyPr>
               <a:lstStyle/>
               <a:p>
-                <a:pPr/>
                 <a:r>
                   <a:rPr lang="en-US" sz="1600" b="0" dirty="0">
                     <a:solidFill>
@@ -26845,7 +29272,7 @@
             </p:txBody>
           </p:sp>
         </mc:Choice>
-        <mc:Fallback>
+        <mc:Fallback xmlns="">
           <p:sp>
             <p:nvSpPr>
               <p:cNvPr id="19" name="Rectangle 18">
@@ -26890,8 +29317,8 @@
           </p:sp>
         </mc:Fallback>
       </mc:AlternateContent>
-      <mc:AlternateContent xmlns:mc="http://schemas.openxmlformats.org/markup-compatibility/2006">
-        <mc:Choice xmlns:a14="http://schemas.microsoft.com/office/drawing/2010/main" Requires="a14">
+      <mc:AlternateContent xmlns:mc="http://schemas.openxmlformats.org/markup-compatibility/2006" xmlns:a14="http://schemas.microsoft.com/office/drawing/2010/main">
+        <mc:Choice Requires="a14">
           <p:sp>
             <p:nvSpPr>
               <p:cNvPr id="20" name="Rectangle 19">
@@ -26974,7 +29401,7 @@
             </p:txBody>
           </p:sp>
         </mc:Choice>
-        <mc:Fallback>
+        <mc:Fallback xmlns="">
           <p:sp>
             <p:nvSpPr>
               <p:cNvPr id="20" name="Rectangle 19">
@@ -27019,8 +29446,8 @@
           </p:sp>
         </mc:Fallback>
       </mc:AlternateContent>
-      <mc:AlternateContent xmlns:mc="http://schemas.openxmlformats.org/markup-compatibility/2006">
-        <mc:Choice xmlns:a14="http://schemas.microsoft.com/office/drawing/2010/main" Requires="a14">
+      <mc:AlternateContent xmlns:mc="http://schemas.openxmlformats.org/markup-compatibility/2006" xmlns:a14="http://schemas.microsoft.com/office/drawing/2010/main">
+        <mc:Choice Requires="a14">
           <p:sp>
             <p:nvSpPr>
               <p:cNvPr id="21" name="Rectangle 20">
@@ -27103,7 +29530,7 @@
             </p:txBody>
           </p:sp>
         </mc:Choice>
-        <mc:Fallback>
+        <mc:Fallback xmlns="">
           <p:sp>
             <p:nvSpPr>
               <p:cNvPr id="21" name="Rectangle 20">
@@ -27148,8 +29575,8 @@
           </p:sp>
         </mc:Fallback>
       </mc:AlternateContent>
-      <mc:AlternateContent xmlns:mc="http://schemas.openxmlformats.org/markup-compatibility/2006">
-        <mc:Choice xmlns:a14="http://schemas.microsoft.com/office/drawing/2010/main" Requires="a14">
+      <mc:AlternateContent xmlns:mc="http://schemas.openxmlformats.org/markup-compatibility/2006" xmlns:a14="http://schemas.microsoft.com/office/drawing/2010/main">
+        <mc:Choice Requires="a14">
           <p:sp>
             <p:nvSpPr>
               <p:cNvPr id="22" name="Rectangle 21">
@@ -27232,7 +29659,7 @@
             </p:txBody>
           </p:sp>
         </mc:Choice>
-        <mc:Fallback>
+        <mc:Fallback xmlns="">
           <p:sp>
             <p:nvSpPr>
               <p:cNvPr id="22" name="Rectangle 21">
@@ -27461,8 +29888,8 @@
           </a:p>
         </p:txBody>
       </p:sp>
-      <mc:AlternateContent xmlns:mc="http://schemas.openxmlformats.org/markup-compatibility/2006">
-        <mc:Choice xmlns:a14="http://schemas.microsoft.com/office/drawing/2010/main" Requires="a14">
+      <mc:AlternateContent xmlns:mc="http://schemas.openxmlformats.org/markup-compatibility/2006" xmlns:a14="http://schemas.microsoft.com/office/drawing/2010/main">
+        <mc:Choice Requires="a14">
           <p:sp>
             <p:nvSpPr>
               <p:cNvPr id="27" name="Rectangle 26">
@@ -27541,7 +29968,7 @@
             </p:txBody>
           </p:sp>
         </mc:Choice>
-        <mc:Fallback>
+        <mc:Fallback xmlns="">
           <p:sp>
             <p:nvSpPr>
               <p:cNvPr id="27" name="Rectangle 26">
@@ -27822,8 +30249,8 @@
           </a:p>
         </p:txBody>
       </p:sp>
-      <mc:AlternateContent xmlns:mc="http://schemas.openxmlformats.org/markup-compatibility/2006">
-        <mc:Choice xmlns:a14="http://schemas.microsoft.com/office/drawing/2010/main" Requires="a14">
+      <mc:AlternateContent xmlns:mc="http://schemas.openxmlformats.org/markup-compatibility/2006" xmlns:a14="http://schemas.microsoft.com/office/drawing/2010/main">
+        <mc:Choice Requires="a14">
           <p:sp>
             <p:nvSpPr>
               <p:cNvPr id="33" name="Rectangle 32">
@@ -27899,7 +30326,7 @@
             </p:txBody>
           </p:sp>
         </mc:Choice>
-        <mc:Fallback>
+        <mc:Fallback xmlns="">
           <p:sp>
             <p:nvSpPr>
               <p:cNvPr id="33" name="Rectangle 32">
@@ -27944,8 +30371,8 @@
           </p:sp>
         </mc:Fallback>
       </mc:AlternateContent>
-      <mc:AlternateContent xmlns:mc="http://schemas.openxmlformats.org/markup-compatibility/2006">
-        <mc:Choice xmlns:a14="http://schemas.microsoft.com/office/drawing/2010/main" Requires="a14">
+      <mc:AlternateContent xmlns:mc="http://schemas.openxmlformats.org/markup-compatibility/2006" xmlns:a14="http://schemas.microsoft.com/office/drawing/2010/main">
+        <mc:Choice Requires="a14">
           <p:sp>
             <p:nvSpPr>
               <p:cNvPr id="34" name="Rectangle 33">
@@ -28021,7 +30448,7 @@
             </p:txBody>
           </p:sp>
         </mc:Choice>
-        <mc:Fallback>
+        <mc:Fallback xmlns="">
           <p:sp>
             <p:nvSpPr>
               <p:cNvPr id="34" name="Rectangle 33">
@@ -28066,8 +30493,8 @@
           </p:sp>
         </mc:Fallback>
       </mc:AlternateContent>
-      <mc:AlternateContent xmlns:mc="http://schemas.openxmlformats.org/markup-compatibility/2006">
-        <mc:Choice xmlns:a14="http://schemas.microsoft.com/office/drawing/2010/main" Requires="a14">
+      <mc:AlternateContent xmlns:mc="http://schemas.openxmlformats.org/markup-compatibility/2006" xmlns:a14="http://schemas.microsoft.com/office/drawing/2010/main">
+        <mc:Choice Requires="a14">
           <p:sp>
             <p:nvSpPr>
               <p:cNvPr id="35" name="Rectangle 34">
@@ -28143,7 +30570,7 @@
             </p:txBody>
           </p:sp>
         </mc:Choice>
-        <mc:Fallback>
+        <mc:Fallback xmlns="">
           <p:sp>
             <p:nvSpPr>
               <p:cNvPr id="35" name="Rectangle 34">
@@ -28188,8 +30615,8 @@
           </p:sp>
         </mc:Fallback>
       </mc:AlternateContent>
-      <mc:AlternateContent xmlns:mc="http://schemas.openxmlformats.org/markup-compatibility/2006">
-        <mc:Choice xmlns:a14="http://schemas.microsoft.com/office/drawing/2010/main" Requires="a14">
+      <mc:AlternateContent xmlns:mc="http://schemas.openxmlformats.org/markup-compatibility/2006" xmlns:a14="http://schemas.microsoft.com/office/drawing/2010/main">
+        <mc:Choice Requires="a14">
           <p:sp>
             <p:nvSpPr>
               <p:cNvPr id="36" name="Rectangle 35">
@@ -28217,7 +30644,6 @@
               </a:bodyPr>
               <a:lstStyle/>
               <a:p>
-                <a:pPr/>
                 <a:r>
                   <a:rPr lang="en-US" sz="1600" b="0" dirty="0">
                     <a:solidFill>
@@ -28266,7 +30692,7 @@
             </p:txBody>
           </p:sp>
         </mc:Choice>
-        <mc:Fallback>
+        <mc:Fallback xmlns="">
           <p:sp>
             <p:nvSpPr>
               <p:cNvPr id="36" name="Rectangle 35">
@@ -28311,8 +30737,8 @@
           </p:sp>
         </mc:Fallback>
       </mc:AlternateContent>
-      <mc:AlternateContent xmlns:mc="http://schemas.openxmlformats.org/markup-compatibility/2006">
-        <mc:Choice xmlns:a14="http://schemas.microsoft.com/office/drawing/2010/main" Requires="a14">
+      <mc:AlternateContent xmlns:mc="http://schemas.openxmlformats.org/markup-compatibility/2006" xmlns:a14="http://schemas.microsoft.com/office/drawing/2010/main">
+        <mc:Choice Requires="a14">
           <p:sp>
             <p:nvSpPr>
               <p:cNvPr id="38" name="Rectangle 37">
@@ -28395,7 +30821,7 @@
             </p:txBody>
           </p:sp>
         </mc:Choice>
-        <mc:Fallback>
+        <mc:Fallback xmlns="">
           <p:sp>
             <p:nvSpPr>
               <p:cNvPr id="38" name="Rectangle 37">
@@ -28898,8 +31324,8 @@
             </a:fontRef>
           </p:style>
         </p:cxnSp>
-        <mc:AlternateContent xmlns:mc="http://schemas.openxmlformats.org/markup-compatibility/2006">
-          <mc:Choice xmlns:a14="http://schemas.microsoft.com/office/drawing/2010/main" Requires="a14">
+        <mc:AlternateContent xmlns:mc="http://schemas.openxmlformats.org/markup-compatibility/2006" xmlns:a14="http://schemas.microsoft.com/office/drawing/2010/main">
+          <mc:Choice Requires="a14">
             <p:sp>
               <p:nvSpPr>
                 <p:cNvPr id="46" name="Rectangle 45">
@@ -28955,7 +31381,7 @@
               </p:txBody>
             </p:sp>
           </mc:Choice>
-          <mc:Fallback>
+          <mc:Fallback xmlns="">
             <p:sp>
               <p:nvSpPr>
                 <p:cNvPr id="46" name="Rectangle 45">
@@ -29196,8 +31622,8 @@
             </a:fontRef>
           </p:style>
         </p:cxnSp>
-        <mc:AlternateContent xmlns:mc="http://schemas.openxmlformats.org/markup-compatibility/2006">
-          <mc:Choice xmlns:a14="http://schemas.microsoft.com/office/drawing/2010/main" Requires="a14">
+        <mc:AlternateContent xmlns:mc="http://schemas.openxmlformats.org/markup-compatibility/2006" xmlns:a14="http://schemas.microsoft.com/office/drawing/2010/main">
+          <mc:Choice Requires="a14">
             <p:sp>
               <p:nvSpPr>
                 <p:cNvPr id="52" name="TextBox 51">
@@ -29247,7 +31673,7 @@
               </p:txBody>
             </p:sp>
           </mc:Choice>
-          <mc:Fallback>
+          <mc:Fallback xmlns="">
             <p:sp>
               <p:nvSpPr>
                 <p:cNvPr id="52" name="TextBox 51">
@@ -29292,8 +31718,8 @@
             </p:sp>
           </mc:Fallback>
         </mc:AlternateContent>
-        <mc:AlternateContent xmlns:mc="http://schemas.openxmlformats.org/markup-compatibility/2006">
-          <mc:Choice xmlns:a14="http://schemas.microsoft.com/office/drawing/2010/main" Requires="a14">
+        <mc:AlternateContent xmlns:mc="http://schemas.openxmlformats.org/markup-compatibility/2006" xmlns:a14="http://schemas.microsoft.com/office/drawing/2010/main">
+          <mc:Choice Requires="a14">
             <p:sp>
               <p:nvSpPr>
                 <p:cNvPr id="53" name="Rectangle 52">
@@ -29376,7 +31802,7 @@
               </p:txBody>
             </p:sp>
           </mc:Choice>
-          <mc:Fallback>
+          <mc:Fallback xmlns="">
             <p:sp>
               <p:nvSpPr>
                 <p:cNvPr id="53" name="Rectangle 52">
@@ -29421,8 +31847,8 @@
             </p:sp>
           </mc:Fallback>
         </mc:AlternateContent>
-        <mc:AlternateContent xmlns:mc="http://schemas.openxmlformats.org/markup-compatibility/2006">
-          <mc:Choice xmlns:a14="http://schemas.microsoft.com/office/drawing/2010/main" Requires="a14">
+        <mc:AlternateContent xmlns:mc="http://schemas.openxmlformats.org/markup-compatibility/2006" xmlns:a14="http://schemas.microsoft.com/office/drawing/2010/main">
+          <mc:Choice Requires="a14">
             <p:sp>
               <p:nvSpPr>
                 <p:cNvPr id="54" name="Rectangle 53">
@@ -29505,7 +31931,7 @@
               </p:txBody>
             </p:sp>
           </mc:Choice>
-          <mc:Fallback>
+          <mc:Fallback xmlns="">
             <p:sp>
               <p:nvSpPr>
                 <p:cNvPr id="54" name="Rectangle 53">
@@ -29550,8 +31976,8 @@
             </p:sp>
           </mc:Fallback>
         </mc:AlternateContent>
-        <mc:AlternateContent xmlns:mc="http://schemas.openxmlformats.org/markup-compatibility/2006">
-          <mc:Choice xmlns:a14="http://schemas.microsoft.com/office/drawing/2010/main" Requires="a14">
+        <mc:AlternateContent xmlns:mc="http://schemas.openxmlformats.org/markup-compatibility/2006" xmlns:a14="http://schemas.microsoft.com/office/drawing/2010/main">
+          <mc:Choice Requires="a14">
             <p:sp>
               <p:nvSpPr>
                 <p:cNvPr id="55" name="Rectangle 54">
@@ -29634,7 +32060,7 @@
               </p:txBody>
             </p:sp>
           </mc:Choice>
-          <mc:Fallback>
+          <mc:Fallback xmlns="">
             <p:sp>
               <p:nvSpPr>
                 <p:cNvPr id="55" name="Rectangle 54">
@@ -29679,8 +32105,8 @@
             </p:sp>
           </mc:Fallback>
         </mc:AlternateContent>
-        <mc:AlternateContent xmlns:mc="http://schemas.openxmlformats.org/markup-compatibility/2006">
-          <mc:Choice xmlns:a14="http://schemas.microsoft.com/office/drawing/2010/main" Requires="a14">
+        <mc:AlternateContent xmlns:mc="http://schemas.openxmlformats.org/markup-compatibility/2006" xmlns:a14="http://schemas.microsoft.com/office/drawing/2010/main">
+          <mc:Choice Requires="a14">
             <p:sp>
               <p:nvSpPr>
                 <p:cNvPr id="56" name="Rectangle 55">
@@ -29763,7 +32189,7 @@
               </p:txBody>
             </p:sp>
           </mc:Choice>
-          <mc:Fallback>
+          <mc:Fallback xmlns="">
             <p:sp>
               <p:nvSpPr>
                 <p:cNvPr id="56" name="Rectangle 55">
@@ -32230,8 +34656,8 @@
             </a:p>
           </p:txBody>
         </p:sp>
-        <mc:AlternateContent xmlns:mc="http://schemas.openxmlformats.org/markup-compatibility/2006">
-          <mc:Choice xmlns:a14="http://schemas.microsoft.com/office/drawing/2010/main" Requires="a14">
+        <mc:AlternateContent xmlns:mc="http://schemas.openxmlformats.org/markup-compatibility/2006" xmlns:a14="http://schemas.microsoft.com/office/drawing/2010/main">
+          <mc:Choice Requires="a14">
             <p:sp>
               <p:nvSpPr>
                 <p:cNvPr id="37" name="Rectangle 36">
@@ -32330,7 +34756,7 @@
               </p:txBody>
             </p:sp>
           </mc:Choice>
-          <mc:Fallback>
+          <mc:Fallback xmlns="">
             <p:sp>
               <p:nvSpPr>
                 <p:cNvPr id="37" name="Rectangle 36">
@@ -32378,8 +34804,8 @@
             </p:sp>
           </mc:Fallback>
         </mc:AlternateContent>
-        <mc:AlternateContent xmlns:mc="http://schemas.openxmlformats.org/markup-compatibility/2006">
-          <mc:Choice xmlns:a14="http://schemas.microsoft.com/office/drawing/2010/main" Requires="a14">
+        <mc:AlternateContent xmlns:mc="http://schemas.openxmlformats.org/markup-compatibility/2006" xmlns:a14="http://schemas.microsoft.com/office/drawing/2010/main">
+          <mc:Choice Requires="a14">
             <p:sp>
               <p:nvSpPr>
                 <p:cNvPr id="39" name="Rectangle 38">
@@ -32467,7 +34893,7 @@
               </p:txBody>
             </p:sp>
           </mc:Choice>
-          <mc:Fallback>
+          <mc:Fallback xmlns="">
             <p:sp>
               <p:nvSpPr>
                 <p:cNvPr id="39" name="Rectangle 38">
@@ -33652,8 +36078,8 @@
           </a:p>
         </p:txBody>
       </p:sp>
-      <mc:AlternateContent xmlns:mc="http://schemas.openxmlformats.org/markup-compatibility/2006">
-        <mc:Choice xmlns:a14="http://schemas.microsoft.com/office/drawing/2010/main" Requires="a14">
+      <mc:AlternateContent xmlns:mc="http://schemas.openxmlformats.org/markup-compatibility/2006" xmlns:a14="http://schemas.microsoft.com/office/drawing/2010/main">
+        <mc:Choice Requires="a14">
           <p:sp>
             <p:nvSpPr>
               <p:cNvPr id="15" name="Rectangle 14">
@@ -33743,7 +36169,7 @@
             </p:txBody>
           </p:sp>
         </mc:Choice>
-        <mc:Fallback>
+        <mc:Fallback xmlns="">
           <p:sp>
             <p:nvSpPr>
               <p:cNvPr id="15" name="Rectangle 14">
@@ -33793,8 +36219,8 @@
           </p:sp>
         </mc:Fallback>
       </mc:AlternateContent>
-      <mc:AlternateContent xmlns:mc="http://schemas.openxmlformats.org/markup-compatibility/2006">
-        <mc:Choice xmlns:a14="http://schemas.microsoft.com/office/drawing/2010/main" Requires="a14">
+      <mc:AlternateContent xmlns:mc="http://schemas.openxmlformats.org/markup-compatibility/2006" xmlns:a14="http://schemas.microsoft.com/office/drawing/2010/main">
+        <mc:Choice Requires="a14">
           <p:sp>
             <p:nvSpPr>
               <p:cNvPr id="16" name="Rectangle 15">
@@ -33884,7 +36310,7 @@
             </p:txBody>
           </p:sp>
         </mc:Choice>
-        <mc:Fallback>
+        <mc:Fallback xmlns="">
           <p:sp>
             <p:nvSpPr>
               <p:cNvPr id="16" name="Rectangle 15">

--- a/lectures/lecture_02-elements-of-closed-loop-systems/elements_of_closed_loop_systems.pptx
+++ b/lectures/lecture_02-elements-of-closed-loop-systems/elements_of_closed_loop_systems.pptx
@@ -5,7 +5,7 @@
     <p:sldMasterId id="2147483648" r:id="rId1"/>
   </p:sldMasterIdLst>
   <p:notesMasterIdLst>
-    <p:notesMasterId r:id="rId14"/>
+    <p:notesMasterId r:id="rId15"/>
   </p:notesMasterIdLst>
   <p:sldIdLst>
     <p:sldId id="256" r:id="rId2"/>
@@ -13,20 +13,21 @@
     <p:sldId id="523" r:id="rId4"/>
     <p:sldId id="531" r:id="rId5"/>
     <p:sldId id="532" r:id="rId6"/>
-    <p:sldId id="524" r:id="rId7"/>
-    <p:sldId id="525" r:id="rId8"/>
-    <p:sldId id="526" r:id="rId9"/>
-    <p:sldId id="527" r:id="rId10"/>
-    <p:sldId id="528" r:id="rId11"/>
-    <p:sldId id="533" r:id="rId12"/>
-    <p:sldId id="529" r:id="rId13"/>
+    <p:sldId id="534" r:id="rId7"/>
+    <p:sldId id="524" r:id="rId8"/>
+    <p:sldId id="525" r:id="rId9"/>
+    <p:sldId id="526" r:id="rId10"/>
+    <p:sldId id="527" r:id="rId11"/>
+    <p:sldId id="528" r:id="rId12"/>
+    <p:sldId id="533" r:id="rId13"/>
+    <p:sldId id="529" r:id="rId14"/>
   </p:sldIdLst>
   <p:sldSz cx="9144000" cy="6858000" type="screen4x3"/>
   <p:notesSz cx="6858000" cy="9144000"/>
   <p:embeddedFontLst>
     <p:embeddedFont>
       <p:font typeface="Cambria Math" panose="02040503050406030204" pitchFamily="18" charset="0"/>
-      <p:regular r:id="rId15"/>
+      <p:regular r:id="rId16"/>
     </p:embeddedFont>
   </p:embeddedFontLst>
   <p:defaultTextStyle>
@@ -274,7 +275,7 @@
       </p15:sldGuideLst>
     </p:ext>
     <p:ext uri="http://customooxmlschemas.google.com/">
-      <go:slidesCustomData xmlns="" xmlns:mc="http://schemas.openxmlformats.org/markup-compatibility/2006" xmlns:mv="urn:schemas-microsoft-com:mac:vml" xmlns:c="http://schemas.openxmlformats.org/drawingml/2006/chart" xmlns:dgm="http://schemas.openxmlformats.org/drawingml/2006/diagram" xmlns:o="urn:schemas-microsoft-com:office:office" xmlns:v="urn:schemas-microsoft-com:vml" xmlns:pvml="urn:schemas-microsoft-com:office:powerpoint" xmlns:com="http://schemas.openxmlformats.org/drawingml/2006/compatibility" xmlns:p14="http://schemas.microsoft.com/office/powerpoint/2010/main" xmlns:p15="http://schemas.microsoft.com/office/powerpoint/2012/main" xmlns:ahyp="http://schemas.microsoft.com/office/drawing/2018/hyperlinkcolor" xmlns:go="http://customooxmlschemas.google.com/" r:id="rId43" roundtripDataSignature="AMtx7mgCuaoS/ao6GLJNkk1J/HieLCYVzQ=="/>
+      <go:slidesCustomData xmlns:go="http://customooxmlschemas.google.com/" xmlns:ahyp="http://schemas.microsoft.com/office/drawing/2018/hyperlinkcolor" xmlns:p15="http://schemas.microsoft.com/office/powerpoint/2012/main" xmlns:p14="http://schemas.microsoft.com/office/powerpoint/2010/main" xmlns:com="http://schemas.openxmlformats.org/drawingml/2006/compatibility" xmlns:pvml="urn:schemas-microsoft-com:office:powerpoint" xmlns:v="urn:schemas-microsoft-com:vml" xmlns:o="urn:schemas-microsoft-com:office:office" xmlns:dgm="http://schemas.openxmlformats.org/drawingml/2006/diagram" xmlns:c="http://schemas.openxmlformats.org/drawingml/2006/chart" xmlns:mv="urn:schemas-microsoft-com:mac:vml" xmlns:mc="http://schemas.openxmlformats.org/markup-compatibility/2006" xmlns="" r:id="rId43" roundtripDataSignature="AMtx7mgCuaoS/ao6GLJNkk1J/HieLCYVzQ=="/>
     </p:ext>
   </p:extLst>
 </p:presentation>
@@ -2015,6 +2016,99 @@
     <p:extLst>
       <p:ext uri="{BB962C8B-B14F-4D97-AF65-F5344CB8AC3E}">
         <p14:creationId xmlns:p14="http://schemas.microsoft.com/office/powerpoint/2010/main" val="2365769814"/>
+      </p:ext>
+    </p:extLst>
+  </p:cSld>
+  <p:clrMapOvr>
+    <a:masterClrMapping/>
+  </p:clrMapOvr>
+</p:notes>
+</file>
+
+<file path=ppt/notesSlides/notesSlide6.xml><?xml version="1.0" encoding="utf-8"?>
+<p:notes xmlns:a="http://schemas.openxmlformats.org/drawingml/2006/main" xmlns:r="http://schemas.openxmlformats.org/officeDocument/2006/relationships" xmlns:p="http://schemas.openxmlformats.org/presentationml/2006/main">
+  <p:cSld>
+    <p:spTree>
+      <p:nvGrpSpPr>
+        <p:cNvPr id="1" name=""/>
+        <p:cNvGrpSpPr/>
+        <p:nvPr/>
+      </p:nvGrpSpPr>
+      <p:grpSpPr>
+        <a:xfrm>
+          <a:off x="0" y="0"/>
+          <a:ext cx="0" cy="0"/>
+          <a:chOff x="0" y="0"/>
+          <a:chExt cx="0" cy="0"/>
+        </a:xfrm>
+      </p:grpSpPr>
+      <p:sp>
+        <p:nvSpPr>
+          <p:cNvPr id="2" name="Slide Image Placeholder 1"/>
+          <p:cNvSpPr>
+            <a:spLocks noGrp="1" noRot="1" noChangeAspect="1"/>
+          </p:cNvSpPr>
+          <p:nvPr>
+            <p:ph type="sldImg"/>
+          </p:nvPr>
+        </p:nvSpPr>
+        <p:spPr/>
+      </p:sp>
+      <p:sp>
+        <p:nvSpPr>
+          <p:cNvPr id="3" name="Notes Placeholder 2"/>
+          <p:cNvSpPr>
+            <a:spLocks noGrp="1"/>
+          </p:cNvSpPr>
+          <p:nvPr>
+            <p:ph type="body" idx="1"/>
+          </p:nvPr>
+        </p:nvSpPr>
+        <p:spPr/>
+        <p:txBody>
+          <a:bodyPr/>
+          <a:lstStyle/>
+          <a:p>
+            <a:r>
+              <a:rPr lang="en-US" dirty="0"/>
+              <a:t>Why doesn’t a filter help with measurement noise? Verify transfer functions.</a:t>
+            </a:r>
+          </a:p>
+        </p:txBody>
+      </p:sp>
+      <p:sp>
+        <p:nvSpPr>
+          <p:cNvPr id="4" name="Slide Number Placeholder 3"/>
+          <p:cNvSpPr>
+            <a:spLocks noGrp="1"/>
+          </p:cNvSpPr>
+          <p:nvPr>
+            <p:ph type="sldNum" sz="quarter" idx="5"/>
+          </p:nvPr>
+        </p:nvSpPr>
+        <p:spPr/>
+        <p:txBody>
+          <a:bodyPr/>
+          <a:lstStyle/>
+          <a:p>
+            <a:pPr>
+              <a:defRPr/>
+            </a:pPr>
+            <a:fld id="{1E3608CA-DBCA-4E8F-8DAB-6E1AFAF19782}" type="slidenum">
+              <a:rPr lang="en-US" altLang="x-none" smtClean="0"/>
+              <a:pPr>
+                <a:defRPr/>
+              </a:pPr>
+              <a:t>6</a:t>
+            </a:fld>
+            <a:endParaRPr lang="en-US" altLang="x-none"/>
+          </a:p>
+        </p:txBody>
+      </p:sp>
+    </p:spTree>
+    <p:extLst>
+      <p:ext uri="{BB962C8B-B14F-4D97-AF65-F5344CB8AC3E}">
+        <p14:creationId xmlns:p14="http://schemas.microsoft.com/office/powerpoint/2010/main" val="2046330154"/>
       </p:ext>
     </p:extLst>
   </p:cSld>
@@ -12895,6 +12989,1424 @@
           <p:cNvPr id="2" name="Title 1">
             <a:extLst>
               <a:ext uri="{FF2B5EF4-FFF2-40B4-BE49-F238E27FC236}">
+                <a16:creationId xmlns:a16="http://schemas.microsoft.com/office/drawing/2014/main" id="{6FCE01FA-EFC2-2165-29CA-F96D5D05C56F}"/>
+              </a:ext>
+            </a:extLst>
+          </p:cNvPr>
+          <p:cNvSpPr>
+            <a:spLocks noGrp="1"/>
+          </p:cNvSpPr>
+          <p:nvPr>
+            <p:ph type="title"/>
+          </p:nvPr>
+        </p:nvSpPr>
+        <p:spPr>
+          <a:xfrm>
+            <a:off x="457200" y="228600"/>
+            <a:ext cx="5470635" cy="838200"/>
+          </a:xfrm>
+        </p:spPr>
+        <p:txBody>
+          <a:bodyPr/>
+          <a:lstStyle/>
+          <a:p>
+            <a:r>
+              <a:rPr lang="en-US" dirty="0"/>
+              <a:t>Differential Control</a:t>
+            </a:r>
+          </a:p>
+        </p:txBody>
+      </p:sp>
+      <p:sp>
+        <p:nvSpPr>
+          <p:cNvPr id="3" name="Slide Number Placeholder 2">
+            <a:extLst>
+              <a:ext uri="{FF2B5EF4-FFF2-40B4-BE49-F238E27FC236}">
+                <a16:creationId xmlns:a16="http://schemas.microsoft.com/office/drawing/2014/main" id="{3767CEF4-628D-4B8C-0130-5B1E31C097A0}"/>
+              </a:ext>
+            </a:extLst>
+          </p:cNvPr>
+          <p:cNvSpPr>
+            <a:spLocks noGrp="1"/>
+          </p:cNvSpPr>
+          <p:nvPr>
+            <p:ph type="sldNum" idx="12"/>
+          </p:nvPr>
+        </p:nvSpPr>
+        <p:spPr/>
+        <p:txBody>
+          <a:bodyPr/>
+          <a:lstStyle/>
+          <a:p>
+            <a:pPr marL="0" lvl="0" indent="0" algn="l" rtl="0">
+              <a:spcBef>
+                <a:spcPts val="0"/>
+              </a:spcBef>
+              <a:spcAft>
+                <a:spcPts val="0"/>
+              </a:spcAft>
+              <a:buNone/>
+            </a:pPr>
+            <a:fld id="{00000000-1234-1234-1234-123412341234}" type="slidenum">
+              <a:rPr lang="en-US" smtClean="0"/>
+              <a:t>10</a:t>
+            </a:fld>
+            <a:endParaRPr lang="en-US"/>
+          </a:p>
+        </p:txBody>
+      </p:sp>
+      <mc:AlternateContent xmlns:mc="http://schemas.openxmlformats.org/markup-compatibility/2006" xmlns:a14="http://schemas.microsoft.com/office/drawing/2010/main">
+        <mc:Choice Requires="a14">
+          <p:sp>
+            <p:nvSpPr>
+              <p:cNvPr id="25" name="TextBox 24">
+                <a:extLst>
+                  <a:ext uri="{FF2B5EF4-FFF2-40B4-BE49-F238E27FC236}">
+                    <a16:creationId xmlns:a16="http://schemas.microsoft.com/office/drawing/2014/main" id="{FA4E9837-E0A1-9CF5-9C2A-63E09F187349}"/>
+                  </a:ext>
+                </a:extLst>
+              </p:cNvPr>
+              <p:cNvSpPr txBox="1"/>
+              <p:nvPr/>
+            </p:nvSpPr>
+            <p:spPr>
+              <a:xfrm>
+                <a:off x="1196200" y="1337177"/>
+                <a:ext cx="2135579" cy="615553"/>
+              </a:xfrm>
+              <a:prstGeom prst="rect">
+                <a:avLst/>
+              </a:prstGeom>
+              <a:noFill/>
+            </p:spPr>
+            <p:txBody>
+              <a:bodyPr wrap="square" lIns="0" tIns="0" rIns="0" bIns="0" rtlCol="0">
+                <a:spAutoFit/>
+              </a:bodyPr>
+              <a:lstStyle/>
+              <a:p>
+                <a:pPr/>
+                <a14:m>
+                  <m:oMathPara xmlns:m="http://schemas.openxmlformats.org/officeDocument/2006/math">
+                    <m:oMathParaPr>
+                      <m:jc m:val="centerGroup"/>
+                    </m:oMathParaPr>
+                    <m:oMath xmlns:m="http://schemas.openxmlformats.org/officeDocument/2006/math">
+                      <m:r>
+                        <a:rPr lang="en-US" sz="2000" b="0" i="1" smtClean="0">
+                          <a:latin typeface="Cambria Math" panose="02040503050406030204" pitchFamily="18" charset="0"/>
+                        </a:rPr>
+                        <m:t>𝑢</m:t>
+                      </m:r>
+                      <m:d>
+                        <m:dPr>
+                          <m:ctrlPr>
+                            <a:rPr lang="en-US" sz="2000" b="0" i="1" smtClean="0">
+                              <a:latin typeface="Cambria Math" panose="02040503050406030204" pitchFamily="18" charset="0"/>
+                            </a:rPr>
+                          </m:ctrlPr>
+                        </m:dPr>
+                        <m:e>
+                          <m:r>
+                            <a:rPr lang="en-US" sz="2000" b="0" i="1" smtClean="0">
+                              <a:latin typeface="Cambria Math" panose="02040503050406030204" pitchFamily="18" charset="0"/>
+                            </a:rPr>
+                            <m:t>𝑡</m:t>
+                          </m:r>
+                        </m:e>
+                      </m:d>
+                      <m:r>
+                        <a:rPr lang="en-US" sz="2000" b="0" i="1" smtClean="0">
+                          <a:latin typeface="Cambria Math" panose="02040503050406030204" pitchFamily="18" charset="0"/>
+                        </a:rPr>
+                        <m:t>=</m:t>
+                      </m:r>
+                      <m:acc>
+                        <m:accPr>
+                          <m:chr m:val="̇"/>
+                          <m:ctrlPr>
+                            <a:rPr lang="en-US" sz="2000" i="1">
+                              <a:latin typeface="Cambria Math" panose="02040503050406030204" pitchFamily="18" charset="0"/>
+                            </a:rPr>
+                          </m:ctrlPr>
+                        </m:accPr>
+                        <m:e>
+                          <m:r>
+                            <a:rPr lang="en-US" sz="2000" i="1">
+                              <a:latin typeface="Cambria Math" panose="02040503050406030204" pitchFamily="18" charset="0"/>
+                            </a:rPr>
+                            <m:t>𝑒</m:t>
+                          </m:r>
+                        </m:e>
+                      </m:acc>
+                      <m:d>
+                        <m:dPr>
+                          <m:ctrlPr>
+                            <a:rPr lang="en-US" sz="2000" i="1">
+                              <a:latin typeface="Cambria Math" panose="02040503050406030204" pitchFamily="18" charset="0"/>
+                            </a:rPr>
+                          </m:ctrlPr>
+                        </m:dPr>
+                        <m:e>
+                          <m:r>
+                            <a:rPr lang="en-US" sz="2000" i="1">
+                              <a:latin typeface="Cambria Math" panose="02040503050406030204" pitchFamily="18" charset="0"/>
+                            </a:rPr>
+                            <m:t>𝑡</m:t>
+                          </m:r>
+                        </m:e>
+                      </m:d>
+                      <m:sSub>
+                        <m:sSubPr>
+                          <m:ctrlPr>
+                            <a:rPr lang="en-US" sz="2000" b="0" i="1" smtClean="0">
+                              <a:latin typeface="Cambria Math" panose="02040503050406030204" pitchFamily="18" charset="0"/>
+                            </a:rPr>
+                          </m:ctrlPr>
+                        </m:sSubPr>
+                        <m:e>
+                          <m:r>
+                            <a:rPr lang="en-US" sz="2000" b="0" i="1" smtClean="0">
+                              <a:latin typeface="Cambria Math" panose="02040503050406030204" pitchFamily="18" charset="0"/>
+                            </a:rPr>
+                            <m:t>𝑘</m:t>
+                          </m:r>
+                        </m:e>
+                        <m:sub>
+                          <m:r>
+                            <a:rPr lang="en-US" sz="2000" b="0" i="1" smtClean="0">
+                              <a:latin typeface="Cambria Math" panose="02040503050406030204" pitchFamily="18" charset="0"/>
+                            </a:rPr>
+                            <m:t>𝐷</m:t>
+                          </m:r>
+                        </m:sub>
+                      </m:sSub>
+                    </m:oMath>
+                  </m:oMathPara>
+                </a14:m>
+                <a:endParaRPr lang="en-US" sz="2000" b="0" i="1" dirty="0">
+                  <a:latin typeface="Cambria Math" panose="02040503050406030204" pitchFamily="18" charset="0"/>
+                </a:endParaRPr>
+              </a:p>
+              <a:p>
+                <a:endParaRPr lang="en-US" sz="2000" dirty="0"/>
+              </a:p>
+            </p:txBody>
+          </p:sp>
+        </mc:Choice>
+        <mc:Fallback xmlns="">
+          <p:sp>
+            <p:nvSpPr>
+              <p:cNvPr id="25" name="TextBox 24">
+                <a:extLst>
+                  <a:ext uri="{FF2B5EF4-FFF2-40B4-BE49-F238E27FC236}">
+                    <a16:creationId xmlns:a16="http://schemas.microsoft.com/office/drawing/2014/main" id="{FA4E9837-E0A1-9CF5-9C2A-63E09F187349}"/>
+                  </a:ext>
+                </a:extLst>
+              </p:cNvPr>
+              <p:cNvSpPr txBox="1">
+                <a:spLocks noRot="1" noChangeAspect="1" noMove="1" noResize="1" noEditPoints="1" noAdjustHandles="1" noChangeArrowheads="1" noChangeShapeType="1" noTextEdit="1"/>
+              </p:cNvSpPr>
+              <p:nvPr/>
+            </p:nvSpPr>
+            <p:spPr>
+              <a:xfrm>
+                <a:off x="1196200" y="1337177"/>
+                <a:ext cx="2135579" cy="615553"/>
+              </a:xfrm>
+              <a:prstGeom prst="rect">
+                <a:avLst/>
+              </a:prstGeom>
+              <a:blipFill>
+                <a:blip r:embed="rId2"/>
+                <a:stretch>
+                  <a:fillRect/>
+                </a:stretch>
+              </a:blipFill>
+            </p:spPr>
+            <p:txBody>
+              <a:bodyPr/>
+              <a:lstStyle/>
+              <a:p>
+                <a:r>
+                  <a:rPr lang="en-US">
+                    <a:noFill/>
+                  </a:rPr>
+                  <a:t> </a:t>
+                </a:r>
+              </a:p>
+            </p:txBody>
+          </p:sp>
+        </mc:Fallback>
+      </mc:AlternateContent>
+      <p:sp>
+        <p:nvSpPr>
+          <p:cNvPr id="33" name="TextBox 32">
+            <a:extLst>
+              <a:ext uri="{FF2B5EF4-FFF2-40B4-BE49-F238E27FC236}">
+                <a16:creationId xmlns:a16="http://schemas.microsoft.com/office/drawing/2014/main" id="{11B8E1E3-EE10-E785-657F-2A659626BDD6}"/>
+              </a:ext>
+            </a:extLst>
+          </p:cNvPr>
+          <p:cNvSpPr txBox="1"/>
+          <p:nvPr/>
+        </p:nvSpPr>
+        <p:spPr>
+          <a:xfrm>
+            <a:off x="1311024" y="3657600"/>
+            <a:ext cx="3873176" cy="400110"/>
+          </a:xfrm>
+          <a:prstGeom prst="rect">
+            <a:avLst/>
+          </a:prstGeom>
+          <a:noFill/>
+        </p:spPr>
+        <p:txBody>
+          <a:bodyPr wrap="none" rtlCol="0">
+            <a:spAutoFit/>
+          </a:bodyPr>
+          <a:lstStyle/>
+          <a:p>
+            <a:r>
+              <a:rPr lang="en-US" sz="2000" dirty="0"/>
+              <a:t>Senses change in control errors.</a:t>
+            </a:r>
+          </a:p>
+        </p:txBody>
+      </p:sp>
+      <p:sp>
+        <p:nvSpPr>
+          <p:cNvPr id="34" name="TextBox 33">
+            <a:extLst>
+              <a:ext uri="{FF2B5EF4-FFF2-40B4-BE49-F238E27FC236}">
+                <a16:creationId xmlns:a16="http://schemas.microsoft.com/office/drawing/2014/main" id="{8E5347DB-2067-BDB9-F735-7474A836F75C}"/>
+              </a:ext>
+            </a:extLst>
+          </p:cNvPr>
+          <p:cNvSpPr txBox="1"/>
+          <p:nvPr/>
+        </p:nvSpPr>
+        <p:spPr>
+          <a:xfrm>
+            <a:off x="1311024" y="4309477"/>
+            <a:ext cx="3485249" cy="707886"/>
+          </a:xfrm>
+          <a:prstGeom prst="rect">
+            <a:avLst/>
+          </a:prstGeom>
+          <a:noFill/>
+        </p:spPr>
+        <p:txBody>
+          <a:bodyPr wrap="none" rtlCol="0">
+            <a:spAutoFit/>
+          </a:bodyPr>
+          <a:lstStyle/>
+          <a:p>
+            <a:r>
+              <a:rPr lang="en-US" sz="2000" dirty="0"/>
+              <a:t>Appeal</a:t>
+            </a:r>
+          </a:p>
+          <a:p>
+            <a:r>
+              <a:rPr lang="en-US" sz="2000" dirty="0"/>
+              <a:t>    Fast response to changes.</a:t>
+            </a:r>
+          </a:p>
+        </p:txBody>
+      </p:sp>
+      <p:sp>
+        <p:nvSpPr>
+          <p:cNvPr id="35" name="TextBox 34">
+            <a:extLst>
+              <a:ext uri="{FF2B5EF4-FFF2-40B4-BE49-F238E27FC236}">
+                <a16:creationId xmlns:a16="http://schemas.microsoft.com/office/drawing/2014/main" id="{27AF62F8-DC06-B5D1-77C2-76D1E7D24C2E}"/>
+              </a:ext>
+            </a:extLst>
+          </p:cNvPr>
+          <p:cNvSpPr txBox="1"/>
+          <p:nvPr/>
+        </p:nvSpPr>
+        <p:spPr>
+          <a:xfrm>
+            <a:off x="1311024" y="5269129"/>
+            <a:ext cx="3244799" cy="707886"/>
+          </a:xfrm>
+          <a:prstGeom prst="rect">
+            <a:avLst/>
+          </a:prstGeom>
+          <a:noFill/>
+        </p:spPr>
+        <p:txBody>
+          <a:bodyPr wrap="none" rtlCol="0">
+            <a:spAutoFit/>
+          </a:bodyPr>
+          <a:lstStyle/>
+          <a:p>
+            <a:r>
+              <a:rPr lang="en-US" sz="2000" dirty="0"/>
+              <a:t>Issues</a:t>
+            </a:r>
+          </a:p>
+          <a:p>
+            <a:r>
+              <a:rPr lang="en-US" sz="2000" dirty="0"/>
+              <a:t>    Works poorly with noise.</a:t>
+            </a:r>
+          </a:p>
+        </p:txBody>
+      </p:sp>
+      <mc:AlternateContent xmlns:mc="http://schemas.openxmlformats.org/markup-compatibility/2006" xmlns:a14="http://schemas.microsoft.com/office/drawing/2010/main">
+        <mc:Choice Requires="a14">
+          <p:sp>
+            <p:nvSpPr>
+              <p:cNvPr id="8" name="TextBox 7">
+                <a:extLst>
+                  <a:ext uri="{FF2B5EF4-FFF2-40B4-BE49-F238E27FC236}">
+                    <a16:creationId xmlns:a16="http://schemas.microsoft.com/office/drawing/2014/main" id="{7F68BFFE-5DCD-4255-DE10-FB949E33FA0F}"/>
+                  </a:ext>
+                </a:extLst>
+              </p:cNvPr>
+              <p:cNvSpPr txBox="1"/>
+              <p:nvPr/>
+            </p:nvSpPr>
+            <p:spPr>
+              <a:xfrm>
+                <a:off x="3502085" y="2415025"/>
+                <a:ext cx="361125" cy="331437"/>
+              </a:xfrm>
+              <a:prstGeom prst="rect">
+                <a:avLst/>
+              </a:prstGeom>
+              <a:noFill/>
+            </p:spPr>
+            <p:txBody>
+              <a:bodyPr wrap="none" lIns="0" tIns="0" rIns="0" bIns="0" rtlCol="0">
+                <a:spAutoFit/>
+              </a:bodyPr>
+              <a:lstStyle/>
+              <a:p>
+                <a:pPr/>
+                <a14:m>
+                  <m:oMathPara xmlns:m="http://schemas.openxmlformats.org/officeDocument/2006/math">
+                    <m:oMathParaPr>
+                      <m:jc m:val="centerGroup"/>
+                    </m:oMathParaPr>
+                    <m:oMath xmlns:m="http://schemas.openxmlformats.org/officeDocument/2006/math">
+                      <m:sSub>
+                        <m:sSubPr>
+                          <m:ctrlPr>
+                            <a:rPr lang="en-US" sz="2000" b="0" i="1" smtClean="0">
+                              <a:solidFill>
+                                <a:schemeClr val="bg1"/>
+                              </a:solidFill>
+                              <a:latin typeface="Cambria Math" panose="02040503050406030204" pitchFamily="18" charset="0"/>
+                            </a:rPr>
+                          </m:ctrlPr>
+                        </m:sSubPr>
+                        <m:e>
+                          <m:r>
+                            <a:rPr lang="en-US" sz="2000" b="0" i="1" smtClean="0">
+                              <a:solidFill>
+                                <a:schemeClr val="bg1"/>
+                              </a:solidFill>
+                              <a:latin typeface="Cambria Math" panose="02040503050406030204" pitchFamily="18" charset="0"/>
+                            </a:rPr>
+                            <m:t>𝐾</m:t>
+                          </m:r>
+                        </m:e>
+                        <m:sub>
+                          <m:r>
+                            <a:rPr lang="en-US" sz="2000" b="0" i="1" smtClean="0">
+                              <a:solidFill>
+                                <a:schemeClr val="bg1"/>
+                              </a:solidFill>
+                              <a:latin typeface="Cambria Math" panose="02040503050406030204" pitchFamily="18" charset="0"/>
+                            </a:rPr>
+                            <m:t>𝑝</m:t>
+                          </m:r>
+                        </m:sub>
+                      </m:sSub>
+                    </m:oMath>
+                  </m:oMathPara>
+                </a14:m>
+                <a:endParaRPr lang="en-US" dirty="0">
+                  <a:solidFill>
+                    <a:schemeClr val="bg1"/>
+                  </a:solidFill>
+                </a:endParaRPr>
+              </a:p>
+            </p:txBody>
+          </p:sp>
+        </mc:Choice>
+        <mc:Fallback xmlns="">
+          <p:sp>
+            <p:nvSpPr>
+              <p:cNvPr id="8" name="TextBox 7">
+                <a:extLst>
+                  <a:ext uri="{FF2B5EF4-FFF2-40B4-BE49-F238E27FC236}">
+                    <a16:creationId xmlns:a16="http://schemas.microsoft.com/office/drawing/2014/main" id="{7F68BFFE-5DCD-4255-DE10-FB949E33FA0F}"/>
+                  </a:ext>
+                </a:extLst>
+              </p:cNvPr>
+              <p:cNvSpPr txBox="1">
+                <a:spLocks noRot="1" noChangeAspect="1" noMove="1" noResize="1" noEditPoints="1" noAdjustHandles="1" noChangeArrowheads="1" noChangeShapeType="1" noTextEdit="1"/>
+              </p:cNvSpPr>
+              <p:nvPr/>
+            </p:nvSpPr>
+            <p:spPr>
+              <a:xfrm>
+                <a:off x="3502085" y="2415025"/>
+                <a:ext cx="361125" cy="331437"/>
+              </a:xfrm>
+              <a:prstGeom prst="rect">
+                <a:avLst/>
+              </a:prstGeom>
+              <a:blipFill>
+                <a:blip r:embed="rId3"/>
+                <a:stretch>
+                  <a:fillRect l="-13333" r="-3333" b="-18519"/>
+                </a:stretch>
+              </a:blipFill>
+            </p:spPr>
+            <p:txBody>
+              <a:bodyPr/>
+              <a:lstStyle/>
+              <a:p>
+                <a:r>
+                  <a:rPr lang="en-US">
+                    <a:noFill/>
+                  </a:rPr>
+                  <a:t> </a:t>
+                </a:r>
+              </a:p>
+            </p:txBody>
+          </p:sp>
+        </mc:Fallback>
+      </mc:AlternateContent>
+      <p:cxnSp>
+        <p:nvCxnSpPr>
+          <p:cNvPr id="9" name="Straight Arrow Connector 8">
+            <a:extLst>
+              <a:ext uri="{FF2B5EF4-FFF2-40B4-BE49-F238E27FC236}">
+                <a16:creationId xmlns:a16="http://schemas.microsoft.com/office/drawing/2014/main" id="{8D646EEF-E30E-7D91-A47C-BD049988A075}"/>
+              </a:ext>
+            </a:extLst>
+          </p:cNvPr>
+          <p:cNvCxnSpPr>
+            <a:cxnSpLocks/>
+          </p:cNvCxnSpPr>
+          <p:nvPr/>
+        </p:nvCxnSpPr>
+        <p:spPr>
+          <a:xfrm flipV="1">
+            <a:off x="2618146" y="2623574"/>
+            <a:ext cx="389660" cy="8371"/>
+          </a:xfrm>
+          <a:prstGeom prst="straightConnector1">
+            <a:avLst/>
+          </a:prstGeom>
+          <a:ln>
+            <a:solidFill>
+              <a:srgbClr val="FF0000"/>
+            </a:solidFill>
+            <a:tailEnd type="triangle" w="lg" len="lg"/>
+          </a:ln>
+          <a:effectLst>
+            <a:outerShdw dist="20000" sx="1000" sy="1000" rotWithShape="0">
+              <a:srgbClr val="000000"/>
+            </a:outerShdw>
+          </a:effectLst>
+        </p:spPr>
+        <p:style>
+          <a:lnRef idx="2">
+            <a:schemeClr val="accent1"/>
+          </a:lnRef>
+          <a:fillRef idx="0">
+            <a:schemeClr val="accent1"/>
+          </a:fillRef>
+          <a:effectRef idx="1">
+            <a:schemeClr val="accent1"/>
+          </a:effectRef>
+          <a:fontRef idx="minor">
+            <a:schemeClr val="tx1"/>
+          </a:fontRef>
+        </p:style>
+      </p:cxnSp>
+      <p:cxnSp>
+        <p:nvCxnSpPr>
+          <p:cNvPr id="10" name="Straight Arrow Connector 9">
+            <a:extLst>
+              <a:ext uri="{FF2B5EF4-FFF2-40B4-BE49-F238E27FC236}">
+                <a16:creationId xmlns:a16="http://schemas.microsoft.com/office/drawing/2014/main" id="{86142977-CE08-22C8-2869-93F99B64BE75}"/>
+              </a:ext>
+            </a:extLst>
+          </p:cNvPr>
+          <p:cNvCxnSpPr>
+            <a:cxnSpLocks/>
+          </p:cNvCxnSpPr>
+          <p:nvPr/>
+        </p:nvCxnSpPr>
+        <p:spPr>
+          <a:xfrm>
+            <a:off x="3996462" y="2591253"/>
+            <a:ext cx="390817" cy="0"/>
+          </a:xfrm>
+          <a:prstGeom prst="straightConnector1">
+            <a:avLst/>
+          </a:prstGeom>
+          <a:ln>
+            <a:tailEnd type="triangle" w="lg" len="lg"/>
+          </a:ln>
+          <a:effectLst>
+            <a:outerShdw dist="20000" sx="1000" sy="1000" rotWithShape="0">
+              <a:srgbClr val="000000"/>
+            </a:outerShdw>
+          </a:effectLst>
+        </p:spPr>
+        <p:style>
+          <a:lnRef idx="2">
+            <a:schemeClr val="accent1"/>
+          </a:lnRef>
+          <a:fillRef idx="0">
+            <a:schemeClr val="accent1"/>
+          </a:fillRef>
+          <a:effectRef idx="1">
+            <a:schemeClr val="accent1"/>
+          </a:effectRef>
+          <a:fontRef idx="minor">
+            <a:schemeClr val="tx1"/>
+          </a:fontRef>
+        </p:style>
+      </p:cxnSp>
+      <mc:AlternateContent xmlns:mc="http://schemas.openxmlformats.org/markup-compatibility/2006" xmlns:a14="http://schemas.microsoft.com/office/drawing/2010/main">
+        <mc:Choice Requires="a14">
+          <p:sp>
+            <p:nvSpPr>
+              <p:cNvPr id="11" name="Rectangle 10">
+                <a:extLst>
+                  <a:ext uri="{FF2B5EF4-FFF2-40B4-BE49-F238E27FC236}">
+                    <a16:creationId xmlns:a16="http://schemas.microsoft.com/office/drawing/2014/main" id="{0BEC8D71-2417-3C43-363F-356424DB994D}"/>
+                  </a:ext>
+                </a:extLst>
+              </p:cNvPr>
+              <p:cNvSpPr/>
+              <p:nvPr/>
+            </p:nvSpPr>
+            <p:spPr>
+              <a:xfrm>
+                <a:off x="3971127" y="2057495"/>
+                <a:ext cx="728084" cy="400110"/>
+              </a:xfrm>
+              <a:prstGeom prst="rect">
+                <a:avLst/>
+              </a:prstGeom>
+            </p:spPr>
+            <p:txBody>
+              <a:bodyPr wrap="none">
+                <a:spAutoFit/>
+              </a:bodyPr>
+              <a:lstStyle/>
+              <a:p>
+                <a:pPr/>
+                <a14:m>
+                  <m:oMathPara xmlns:m="http://schemas.openxmlformats.org/officeDocument/2006/math">
+                    <m:oMathParaPr>
+                      <m:jc m:val="centerGroup"/>
+                    </m:oMathParaPr>
+                    <m:oMath xmlns:m="http://schemas.openxmlformats.org/officeDocument/2006/math">
+                      <m:r>
+                        <a:rPr lang="en-US" sz="2000" b="0" i="1" smtClean="0">
+                          <a:solidFill>
+                            <a:schemeClr val="tx1"/>
+                          </a:solidFill>
+                          <a:latin typeface="Cambria Math" panose="02040503050406030204" pitchFamily="18" charset="0"/>
+                        </a:rPr>
+                        <m:t>𝑢</m:t>
+                      </m:r>
+                      <m:r>
+                        <a:rPr lang="en-US" sz="2000" b="0" i="1" smtClean="0">
+                          <a:solidFill>
+                            <a:schemeClr val="tx1"/>
+                          </a:solidFill>
+                          <a:latin typeface="Cambria Math" panose="02040503050406030204" pitchFamily="18" charset="0"/>
+                        </a:rPr>
+                        <m:t>(</m:t>
+                      </m:r>
+                      <m:r>
+                        <a:rPr lang="en-US" sz="2000" b="0" i="1" smtClean="0">
+                          <a:solidFill>
+                            <a:schemeClr val="tx1"/>
+                          </a:solidFill>
+                          <a:latin typeface="Cambria Math" panose="02040503050406030204" pitchFamily="18" charset="0"/>
+                        </a:rPr>
+                        <m:t>𝑡</m:t>
+                      </m:r>
+                      <m:r>
+                        <a:rPr lang="en-US" sz="2000" b="0" i="1" smtClean="0">
+                          <a:solidFill>
+                            <a:schemeClr val="tx1"/>
+                          </a:solidFill>
+                          <a:latin typeface="Cambria Math" panose="02040503050406030204" pitchFamily="18" charset="0"/>
+                        </a:rPr>
+                        <m:t>)</m:t>
+                      </m:r>
+                    </m:oMath>
+                  </m:oMathPara>
+                </a14:m>
+                <a:endParaRPr lang="en-US" sz="2000" dirty="0">
+                  <a:solidFill>
+                    <a:schemeClr val="tx1"/>
+                  </a:solidFill>
+                </a:endParaRPr>
+              </a:p>
+            </p:txBody>
+          </p:sp>
+        </mc:Choice>
+        <mc:Fallback xmlns="">
+          <p:sp>
+            <p:nvSpPr>
+              <p:cNvPr id="11" name="Rectangle 10">
+                <a:extLst>
+                  <a:ext uri="{FF2B5EF4-FFF2-40B4-BE49-F238E27FC236}">
+                    <a16:creationId xmlns:a16="http://schemas.microsoft.com/office/drawing/2014/main" id="{0BEC8D71-2417-3C43-363F-356424DB994D}"/>
+                  </a:ext>
+                </a:extLst>
+              </p:cNvPr>
+              <p:cNvSpPr>
+                <a:spLocks noRot="1" noChangeAspect="1" noMove="1" noResize="1" noEditPoints="1" noAdjustHandles="1" noChangeArrowheads="1" noChangeShapeType="1" noTextEdit="1"/>
+              </p:cNvSpPr>
+              <p:nvPr/>
+            </p:nvSpPr>
+            <p:spPr>
+              <a:xfrm>
+                <a:off x="3971127" y="2057495"/>
+                <a:ext cx="728084" cy="400110"/>
+              </a:xfrm>
+              <a:prstGeom prst="rect">
+                <a:avLst/>
+              </a:prstGeom>
+              <a:blipFill>
+                <a:blip r:embed="rId4"/>
+                <a:stretch>
+                  <a:fillRect b="-12500"/>
+                </a:stretch>
+              </a:blipFill>
+            </p:spPr>
+            <p:txBody>
+              <a:bodyPr/>
+              <a:lstStyle/>
+              <a:p>
+                <a:r>
+                  <a:rPr lang="en-US">
+                    <a:noFill/>
+                  </a:rPr>
+                  <a:t> </a:t>
+                </a:r>
+              </a:p>
+            </p:txBody>
+          </p:sp>
+        </mc:Fallback>
+      </mc:AlternateContent>
+      <p:cxnSp>
+        <p:nvCxnSpPr>
+          <p:cNvPr id="12" name="Straight Arrow Connector 11">
+            <a:extLst>
+              <a:ext uri="{FF2B5EF4-FFF2-40B4-BE49-F238E27FC236}">
+                <a16:creationId xmlns:a16="http://schemas.microsoft.com/office/drawing/2014/main" id="{ED6A64C9-BFCE-82A3-15A7-9235E9B083BC}"/>
+              </a:ext>
+            </a:extLst>
+          </p:cNvPr>
+          <p:cNvCxnSpPr>
+            <a:cxnSpLocks/>
+          </p:cNvCxnSpPr>
+          <p:nvPr/>
+        </p:nvCxnSpPr>
+        <p:spPr>
+          <a:xfrm flipV="1">
+            <a:off x="1196200" y="2664264"/>
+            <a:ext cx="389660" cy="8371"/>
+          </a:xfrm>
+          <a:prstGeom prst="straightConnector1">
+            <a:avLst/>
+          </a:prstGeom>
+          <a:ln>
+            <a:tailEnd type="triangle" w="lg" len="lg"/>
+          </a:ln>
+          <a:effectLst>
+            <a:outerShdw dist="20000" sx="1000" sy="1000" rotWithShape="0">
+              <a:srgbClr val="000000"/>
+            </a:outerShdw>
+          </a:effectLst>
+        </p:spPr>
+        <p:style>
+          <a:lnRef idx="2">
+            <a:schemeClr val="accent1"/>
+          </a:lnRef>
+          <a:fillRef idx="0">
+            <a:schemeClr val="accent1"/>
+          </a:fillRef>
+          <a:effectRef idx="1">
+            <a:schemeClr val="accent1"/>
+          </a:effectRef>
+          <a:fontRef idx="minor">
+            <a:schemeClr val="tx1"/>
+          </a:fontRef>
+        </p:style>
+      </p:cxnSp>
+      <mc:AlternateContent xmlns:mc="http://schemas.openxmlformats.org/markup-compatibility/2006" xmlns:a14="http://schemas.microsoft.com/office/drawing/2010/main">
+        <mc:Choice Requires="a14">
+          <p:sp>
+            <p:nvSpPr>
+              <p:cNvPr id="13" name="Rectangle 12">
+                <a:extLst>
+                  <a:ext uri="{FF2B5EF4-FFF2-40B4-BE49-F238E27FC236}">
+                    <a16:creationId xmlns:a16="http://schemas.microsoft.com/office/drawing/2014/main" id="{44576B56-2851-A667-CEF4-F8CD413E1F0C}"/>
+                  </a:ext>
+                </a:extLst>
+              </p:cNvPr>
+              <p:cNvSpPr/>
+              <p:nvPr/>
+            </p:nvSpPr>
+            <p:spPr>
+              <a:xfrm>
+                <a:off x="952074" y="2146063"/>
+                <a:ext cx="706347" cy="400110"/>
+              </a:xfrm>
+              <a:prstGeom prst="rect">
+                <a:avLst/>
+              </a:prstGeom>
+            </p:spPr>
+            <p:txBody>
+              <a:bodyPr wrap="none">
+                <a:spAutoFit/>
+              </a:bodyPr>
+              <a:lstStyle/>
+              <a:p>
+                <a:pPr/>
+                <a14:m>
+                  <m:oMathPara xmlns:m="http://schemas.openxmlformats.org/officeDocument/2006/math">
+                    <m:oMathParaPr>
+                      <m:jc m:val="centerGroup"/>
+                    </m:oMathParaPr>
+                    <m:oMath xmlns:m="http://schemas.openxmlformats.org/officeDocument/2006/math">
+                      <m:r>
+                        <a:rPr lang="en-US" sz="2000" b="0" i="1" smtClean="0">
+                          <a:solidFill>
+                            <a:schemeClr val="tx1"/>
+                          </a:solidFill>
+                          <a:latin typeface="Cambria Math" panose="02040503050406030204" pitchFamily="18" charset="0"/>
+                        </a:rPr>
+                        <m:t>𝑒</m:t>
+                      </m:r>
+                      <m:r>
+                        <a:rPr lang="en-US" sz="2000" b="0" i="1" smtClean="0">
+                          <a:solidFill>
+                            <a:schemeClr val="tx1"/>
+                          </a:solidFill>
+                          <a:latin typeface="Cambria Math" panose="02040503050406030204" pitchFamily="18" charset="0"/>
+                        </a:rPr>
+                        <m:t>(</m:t>
+                      </m:r>
+                      <m:r>
+                        <a:rPr lang="en-US" sz="2000" b="0" i="1" smtClean="0">
+                          <a:solidFill>
+                            <a:schemeClr val="tx1"/>
+                          </a:solidFill>
+                          <a:latin typeface="Cambria Math" panose="02040503050406030204" pitchFamily="18" charset="0"/>
+                        </a:rPr>
+                        <m:t>𝑡</m:t>
+                      </m:r>
+                      <m:r>
+                        <a:rPr lang="en-US" sz="2000" b="0" i="1" smtClean="0">
+                          <a:solidFill>
+                            <a:schemeClr val="tx1"/>
+                          </a:solidFill>
+                          <a:latin typeface="Cambria Math" panose="02040503050406030204" pitchFamily="18" charset="0"/>
+                        </a:rPr>
+                        <m:t>)</m:t>
+                      </m:r>
+                    </m:oMath>
+                  </m:oMathPara>
+                </a14:m>
+                <a:endParaRPr lang="en-US" sz="2000" dirty="0">
+                  <a:solidFill>
+                    <a:schemeClr val="tx1"/>
+                  </a:solidFill>
+                </a:endParaRPr>
+              </a:p>
+            </p:txBody>
+          </p:sp>
+        </mc:Choice>
+        <mc:Fallback xmlns="">
+          <p:sp>
+            <p:nvSpPr>
+              <p:cNvPr id="13" name="Rectangle 12">
+                <a:extLst>
+                  <a:ext uri="{FF2B5EF4-FFF2-40B4-BE49-F238E27FC236}">
+                    <a16:creationId xmlns:a16="http://schemas.microsoft.com/office/drawing/2014/main" id="{44576B56-2851-A667-CEF4-F8CD413E1F0C}"/>
+                  </a:ext>
+                </a:extLst>
+              </p:cNvPr>
+              <p:cNvSpPr>
+                <a:spLocks noRot="1" noChangeAspect="1" noMove="1" noResize="1" noEditPoints="1" noAdjustHandles="1" noChangeArrowheads="1" noChangeShapeType="1" noTextEdit="1"/>
+              </p:cNvSpPr>
+              <p:nvPr/>
+            </p:nvSpPr>
+            <p:spPr>
+              <a:xfrm>
+                <a:off x="952074" y="2146063"/>
+                <a:ext cx="706347" cy="400110"/>
+              </a:xfrm>
+              <a:prstGeom prst="rect">
+                <a:avLst/>
+              </a:prstGeom>
+              <a:blipFill>
+                <a:blip r:embed="rId5"/>
+                <a:stretch>
+                  <a:fillRect b="-12121"/>
+                </a:stretch>
+              </a:blipFill>
+            </p:spPr>
+            <p:txBody>
+              <a:bodyPr/>
+              <a:lstStyle/>
+              <a:p>
+                <a:r>
+                  <a:rPr lang="en-US">
+                    <a:noFill/>
+                  </a:rPr>
+                  <a:t> </a:t>
+                </a:r>
+              </a:p>
+            </p:txBody>
+          </p:sp>
+        </mc:Fallback>
+      </mc:AlternateContent>
+      <p:sp>
+        <p:nvSpPr>
+          <p:cNvPr id="14" name="Rectangle 13">
+            <a:extLst>
+              <a:ext uri="{FF2B5EF4-FFF2-40B4-BE49-F238E27FC236}">
+                <a16:creationId xmlns:a16="http://schemas.microsoft.com/office/drawing/2014/main" id="{F4535ABD-4C8E-5ACC-E2CB-09E0C339E3ED}"/>
+              </a:ext>
+            </a:extLst>
+          </p:cNvPr>
+          <p:cNvSpPr/>
+          <p:nvPr/>
+        </p:nvSpPr>
+        <p:spPr>
+          <a:xfrm>
+            <a:off x="1627781" y="2105987"/>
+            <a:ext cx="2333879" cy="1037731"/>
+          </a:xfrm>
+          <a:prstGeom prst="rect">
+            <a:avLst/>
+          </a:prstGeom>
+          <a:noFill/>
+          <a:ln>
+            <a:solidFill>
+              <a:srgbClr val="FF0000"/>
+            </a:solidFill>
+            <a:prstDash val="dash"/>
+          </a:ln>
+        </p:spPr>
+        <p:style>
+          <a:lnRef idx="2">
+            <a:schemeClr val="accent1">
+              <a:shade val="50000"/>
+            </a:schemeClr>
+          </a:lnRef>
+          <a:fillRef idx="1">
+            <a:schemeClr val="accent1"/>
+          </a:fillRef>
+          <a:effectRef idx="0">
+            <a:schemeClr val="accent1"/>
+          </a:effectRef>
+          <a:fontRef idx="minor">
+            <a:schemeClr val="lt1"/>
+          </a:fontRef>
+        </p:style>
+        <p:txBody>
+          <a:bodyPr rtlCol="0" anchor="ctr"/>
+          <a:lstStyle/>
+          <a:p>
+            <a:pPr algn="ctr"/>
+            <a:endParaRPr lang="en-US"/>
+          </a:p>
+        </p:txBody>
+      </p:sp>
+      <mc:AlternateContent xmlns:mc="http://schemas.openxmlformats.org/markup-compatibility/2006" xmlns:a14="http://schemas.microsoft.com/office/drawing/2010/main">
+        <mc:Choice Requires="a14">
+          <p:sp>
+            <p:nvSpPr>
+              <p:cNvPr id="15" name="Rectangle 14">
+                <a:extLst>
+                  <a:ext uri="{FF2B5EF4-FFF2-40B4-BE49-F238E27FC236}">
+                    <a16:creationId xmlns:a16="http://schemas.microsoft.com/office/drawing/2014/main" id="{118EF449-BCD4-85A9-F047-3C854782ABE9}"/>
+                  </a:ext>
+                </a:extLst>
+              </p:cNvPr>
+              <p:cNvSpPr>
+                <a:spLocks noChangeAspect="1"/>
+              </p:cNvSpPr>
+              <p:nvPr/>
+            </p:nvSpPr>
+            <p:spPr>
+              <a:xfrm>
+                <a:off x="1809943" y="2289897"/>
+                <a:ext cx="760333" cy="700764"/>
+              </a:xfrm>
+              <a:prstGeom prst="rect">
+                <a:avLst/>
+              </a:prstGeom>
+              <a:solidFill>
+                <a:srgbClr val="FF0000"/>
+              </a:solidFill>
+              <a:ln>
+                <a:solidFill>
+                  <a:srgbClr val="FF0000"/>
+                </a:solidFill>
+              </a:ln>
+            </p:spPr>
+            <p:style>
+              <a:lnRef idx="1">
+                <a:schemeClr val="accent1"/>
+              </a:lnRef>
+              <a:fillRef idx="3">
+                <a:schemeClr val="accent1"/>
+              </a:fillRef>
+              <a:effectRef idx="2">
+                <a:schemeClr val="accent1"/>
+              </a:effectRef>
+              <a:fontRef idx="minor">
+                <a:schemeClr val="lt1"/>
+              </a:fontRef>
+            </p:style>
+            <p:txBody>
+              <a:bodyPr rtlCol="0" anchor="ctr"/>
+              <a:lstStyle/>
+              <a:p>
+                <a:pPr algn="ctr"/>
+                <a14:m>
+                  <m:oMathPara xmlns:m="http://schemas.openxmlformats.org/officeDocument/2006/math">
+                    <m:oMathParaPr>
+                      <m:jc m:val="centerGroup"/>
+                    </m:oMathParaPr>
+                    <m:oMath xmlns:m="http://schemas.openxmlformats.org/officeDocument/2006/math">
+                      <m:f>
+                        <m:fPr>
+                          <m:ctrlPr>
+                            <a:rPr lang="en-US" sz="1600" b="0" i="1" smtClean="0">
+                              <a:latin typeface="Cambria Math" panose="02040503050406030204" pitchFamily="18" charset="0"/>
+                            </a:rPr>
+                          </m:ctrlPr>
+                        </m:fPr>
+                        <m:num>
+                          <m:r>
+                            <a:rPr lang="en-US" sz="1600" b="0" i="1" smtClean="0">
+                              <a:latin typeface="Cambria Math" panose="02040503050406030204" pitchFamily="18" charset="0"/>
+                            </a:rPr>
+                            <m:t>𝑑</m:t>
+                          </m:r>
+                        </m:num>
+                        <m:den>
+                          <m:r>
+                            <a:rPr lang="en-US" sz="1600" b="0" i="1" smtClean="0">
+                              <a:latin typeface="Cambria Math" panose="02040503050406030204" pitchFamily="18" charset="0"/>
+                            </a:rPr>
+                            <m:t>𝑑𝑡</m:t>
+                          </m:r>
+                        </m:den>
+                      </m:f>
+                    </m:oMath>
+                  </m:oMathPara>
+                </a14:m>
+                <a:endParaRPr lang="en-US" sz="1600" dirty="0"/>
+              </a:p>
+            </p:txBody>
+          </p:sp>
+        </mc:Choice>
+        <mc:Fallback xmlns="">
+          <p:sp>
+            <p:nvSpPr>
+              <p:cNvPr id="15" name="Rectangle 14">
+                <a:extLst>
+                  <a:ext uri="{FF2B5EF4-FFF2-40B4-BE49-F238E27FC236}">
+                    <a16:creationId xmlns:a16="http://schemas.microsoft.com/office/drawing/2014/main" id="{118EF449-BCD4-85A9-F047-3C854782ABE9}"/>
+                  </a:ext>
+                </a:extLst>
+              </p:cNvPr>
+              <p:cNvSpPr>
+                <a:spLocks noRot="1" noChangeAspect="1" noMove="1" noResize="1" noEditPoints="1" noAdjustHandles="1" noChangeArrowheads="1" noChangeShapeType="1" noTextEdit="1"/>
+              </p:cNvSpPr>
+              <p:nvPr/>
+            </p:nvSpPr>
+            <p:spPr>
+              <a:xfrm>
+                <a:off x="1809943" y="2289897"/>
+                <a:ext cx="760333" cy="700764"/>
+              </a:xfrm>
+              <a:prstGeom prst="rect">
+                <a:avLst/>
+              </a:prstGeom>
+              <a:blipFill>
+                <a:blip r:embed="rId6"/>
+                <a:stretch>
+                  <a:fillRect/>
+                </a:stretch>
+              </a:blipFill>
+              <a:ln>
+                <a:solidFill>
+                  <a:srgbClr val="FF0000"/>
+                </a:solidFill>
+              </a:ln>
+            </p:spPr>
+            <p:txBody>
+              <a:bodyPr/>
+              <a:lstStyle/>
+              <a:p>
+                <a:r>
+                  <a:rPr lang="en-US">
+                    <a:noFill/>
+                  </a:rPr>
+                  <a:t> </a:t>
+                </a:r>
+              </a:p>
+            </p:txBody>
+          </p:sp>
+        </mc:Fallback>
+      </mc:AlternateContent>
+      <mc:AlternateContent xmlns:mc="http://schemas.openxmlformats.org/markup-compatibility/2006" xmlns:a14="http://schemas.microsoft.com/office/drawing/2010/main">
+        <mc:Choice Requires="a14">
+          <p:sp>
+            <p:nvSpPr>
+              <p:cNvPr id="16" name="Rectangle 15">
+                <a:extLst>
+                  <a:ext uri="{FF2B5EF4-FFF2-40B4-BE49-F238E27FC236}">
+                    <a16:creationId xmlns:a16="http://schemas.microsoft.com/office/drawing/2014/main" id="{EB07E124-0FDA-3CAB-4CA3-029ADFFAAA0C}"/>
+                  </a:ext>
+                </a:extLst>
+              </p:cNvPr>
+              <p:cNvSpPr>
+                <a:spLocks noChangeAspect="1"/>
+              </p:cNvSpPr>
+              <p:nvPr/>
+            </p:nvSpPr>
+            <p:spPr>
+              <a:xfrm>
+                <a:off x="3038541" y="2281563"/>
+                <a:ext cx="760333" cy="700764"/>
+              </a:xfrm>
+              <a:prstGeom prst="rect">
+                <a:avLst/>
+              </a:prstGeom>
+              <a:solidFill>
+                <a:srgbClr val="FF0000"/>
+              </a:solidFill>
+              <a:ln>
+                <a:solidFill>
+                  <a:srgbClr val="FF0000"/>
+                </a:solidFill>
+              </a:ln>
+            </p:spPr>
+            <p:style>
+              <a:lnRef idx="1">
+                <a:schemeClr val="accent1"/>
+              </a:lnRef>
+              <a:fillRef idx="3">
+                <a:schemeClr val="accent1"/>
+              </a:fillRef>
+              <a:effectRef idx="2">
+                <a:schemeClr val="accent1"/>
+              </a:effectRef>
+              <a:fontRef idx="minor">
+                <a:schemeClr val="lt1"/>
+              </a:fontRef>
+            </p:style>
+            <p:txBody>
+              <a:bodyPr rtlCol="0" anchor="ctr"/>
+              <a:lstStyle/>
+              <a:p>
+                <a:pPr algn="ctr"/>
+                <a14:m>
+                  <m:oMathPara xmlns:m="http://schemas.openxmlformats.org/officeDocument/2006/math">
+                    <m:oMathParaPr>
+                      <m:jc m:val="centerGroup"/>
+                    </m:oMathParaPr>
+                    <m:oMath xmlns:m="http://schemas.openxmlformats.org/officeDocument/2006/math">
+                      <m:sSub>
+                        <m:sSubPr>
+                          <m:ctrlPr>
+                            <a:rPr lang="en-US" sz="1600" b="0" i="1" smtClean="0">
+                              <a:latin typeface="Cambria Math" panose="02040503050406030204" pitchFamily="18" charset="0"/>
+                            </a:rPr>
+                          </m:ctrlPr>
+                        </m:sSubPr>
+                        <m:e>
+                          <m:r>
+                            <a:rPr lang="en-US" sz="1600" b="0" i="1" smtClean="0">
+                              <a:latin typeface="Cambria Math" panose="02040503050406030204" pitchFamily="18" charset="0"/>
+                            </a:rPr>
+                            <m:t>𝑘</m:t>
+                          </m:r>
+                        </m:e>
+                        <m:sub>
+                          <m:r>
+                            <a:rPr lang="en-US" sz="1600" b="0" i="1" smtClean="0">
+                              <a:latin typeface="Cambria Math" panose="02040503050406030204" pitchFamily="18" charset="0"/>
+                            </a:rPr>
+                            <m:t>𝐷</m:t>
+                          </m:r>
+                        </m:sub>
+                      </m:sSub>
+                    </m:oMath>
+                  </m:oMathPara>
+                </a14:m>
+                <a:endParaRPr lang="en-US" sz="1600" dirty="0"/>
+              </a:p>
+            </p:txBody>
+          </p:sp>
+        </mc:Choice>
+        <mc:Fallback xmlns="">
+          <p:sp>
+            <p:nvSpPr>
+              <p:cNvPr id="16" name="Rectangle 15">
+                <a:extLst>
+                  <a:ext uri="{FF2B5EF4-FFF2-40B4-BE49-F238E27FC236}">
+                    <a16:creationId xmlns:a16="http://schemas.microsoft.com/office/drawing/2014/main" id="{EB07E124-0FDA-3CAB-4CA3-029ADFFAAA0C}"/>
+                  </a:ext>
+                </a:extLst>
+              </p:cNvPr>
+              <p:cNvSpPr>
+                <a:spLocks noRot="1" noChangeAspect="1" noMove="1" noResize="1" noEditPoints="1" noAdjustHandles="1" noChangeArrowheads="1" noChangeShapeType="1" noTextEdit="1"/>
+              </p:cNvSpPr>
+              <p:nvPr/>
+            </p:nvSpPr>
+            <p:spPr>
+              <a:xfrm>
+                <a:off x="3038541" y="2281563"/>
+                <a:ext cx="760333" cy="700764"/>
+              </a:xfrm>
+              <a:prstGeom prst="rect">
+                <a:avLst/>
+              </a:prstGeom>
+              <a:blipFill>
+                <a:blip r:embed="rId7"/>
+                <a:stretch>
+                  <a:fillRect/>
+                </a:stretch>
+              </a:blipFill>
+              <a:ln>
+                <a:solidFill>
+                  <a:srgbClr val="FF0000"/>
+                </a:solidFill>
+              </a:ln>
+            </p:spPr>
+            <p:txBody>
+              <a:bodyPr/>
+              <a:lstStyle/>
+              <a:p>
+                <a:r>
+                  <a:rPr lang="en-US">
+                    <a:noFill/>
+                  </a:rPr>
+                  <a:t> </a:t>
+                </a:r>
+              </a:p>
+            </p:txBody>
+          </p:sp>
+        </mc:Fallback>
+      </mc:AlternateContent>
+      <p:pic>
+        <p:nvPicPr>
+          <p:cNvPr id="4" name="Picture 3">
+            <a:extLst>
+              <a:ext uri="{FF2B5EF4-FFF2-40B4-BE49-F238E27FC236}">
+                <a16:creationId xmlns:a16="http://schemas.microsoft.com/office/drawing/2014/main" id="{E1929481-AEEF-E212-89C8-40D8C7CF1FE1}"/>
+              </a:ext>
+            </a:extLst>
+          </p:cNvPr>
+          <p:cNvPicPr>
+            <a:picLocks noChangeAspect="1"/>
+          </p:cNvPicPr>
+          <p:nvPr/>
+        </p:nvPicPr>
+        <p:blipFill>
+          <a:blip r:embed="rId8"/>
+          <a:stretch>
+            <a:fillRect/>
+          </a:stretch>
+        </p:blipFill>
+        <p:spPr>
+          <a:xfrm>
+            <a:off x="5612942" y="401851"/>
+            <a:ext cx="3073858" cy="879045"/>
+          </a:xfrm>
+          <a:prstGeom prst="rect">
+            <a:avLst/>
+          </a:prstGeom>
+        </p:spPr>
+      </p:pic>
+    </p:spTree>
+    <p:extLst>
+      <p:ext uri="{BB962C8B-B14F-4D97-AF65-F5344CB8AC3E}">
+        <p14:creationId xmlns:p14="http://schemas.microsoft.com/office/powerpoint/2010/main" val="2576595843"/>
+      </p:ext>
+    </p:extLst>
+  </p:cSld>
+  <p:clrMapOvr>
+    <a:masterClrMapping/>
+  </p:clrMapOvr>
+  <p:timing>
+    <p:tnLst>
+      <p:par>
+        <p:cTn id="1" dur="indefinite" restart="never" nodeType="tmRoot">
+          <p:childTnLst>
+            <p:seq concurrent="1" nextAc="seek">
+              <p:cTn id="2" dur="indefinite" nodeType="mainSeq">
+                <p:childTnLst>
+                  <p:par>
+                    <p:cTn id="3" fill="hold">
+                      <p:stCondLst>
+                        <p:cond delay="indefinite"/>
+                      </p:stCondLst>
+                      <p:childTnLst>
+                        <p:par>
+                          <p:cTn id="4" fill="hold">
+                            <p:stCondLst>
+                              <p:cond delay="0"/>
+                            </p:stCondLst>
+                            <p:childTnLst>
+                              <p:par>
+                                <p:cTn id="5" presetID="1" presetClass="entr" presetSubtype="0" fill="hold" grpId="0" nodeType="clickEffect">
+                                  <p:stCondLst>
+                                    <p:cond delay="0"/>
+                                  </p:stCondLst>
+                                  <p:childTnLst>
+                                    <p:set>
+                                      <p:cBhvr>
+                                        <p:cTn id="6" dur="1" fill="hold">
+                                          <p:stCondLst>
+                                            <p:cond delay="0"/>
+                                          </p:stCondLst>
+                                        </p:cTn>
+                                        <p:tgtEl>
+                                          <p:spTgt spid="34"/>
+                                        </p:tgtEl>
+                                        <p:attrNameLst>
+                                          <p:attrName>style.visibility</p:attrName>
+                                        </p:attrNameLst>
+                                      </p:cBhvr>
+                                      <p:to>
+                                        <p:strVal val="visible"/>
+                                      </p:to>
+                                    </p:set>
+                                  </p:childTnLst>
+                                </p:cTn>
+                              </p:par>
+                            </p:childTnLst>
+                          </p:cTn>
+                        </p:par>
+                      </p:childTnLst>
+                    </p:cTn>
+                  </p:par>
+                  <p:par>
+                    <p:cTn id="7" fill="hold">
+                      <p:stCondLst>
+                        <p:cond delay="indefinite"/>
+                      </p:stCondLst>
+                      <p:childTnLst>
+                        <p:par>
+                          <p:cTn id="8" fill="hold">
+                            <p:stCondLst>
+                              <p:cond delay="0"/>
+                            </p:stCondLst>
+                            <p:childTnLst>
+                              <p:par>
+                                <p:cTn id="9" presetID="1" presetClass="entr" presetSubtype="0" fill="hold" grpId="0" nodeType="clickEffect">
+                                  <p:stCondLst>
+                                    <p:cond delay="0"/>
+                                  </p:stCondLst>
+                                  <p:childTnLst>
+                                    <p:set>
+                                      <p:cBhvr>
+                                        <p:cTn id="10" dur="1" fill="hold">
+                                          <p:stCondLst>
+                                            <p:cond delay="0"/>
+                                          </p:stCondLst>
+                                        </p:cTn>
+                                        <p:tgtEl>
+                                          <p:spTgt spid="35"/>
+                                        </p:tgtEl>
+                                        <p:attrNameLst>
+                                          <p:attrName>style.visibility</p:attrName>
+                                        </p:attrNameLst>
+                                      </p:cBhvr>
+                                      <p:to>
+                                        <p:strVal val="visible"/>
+                                      </p:to>
+                                    </p:set>
+                                  </p:childTnLst>
+                                </p:cTn>
+                              </p:par>
+                            </p:childTnLst>
+                          </p:cTn>
+                        </p:par>
+                      </p:childTnLst>
+                    </p:cTn>
+                  </p:par>
+                </p:childTnLst>
+              </p:cTn>
+              <p:prevCondLst>
+                <p:cond evt="onPrev" delay="0">
+                  <p:tgtEl>
+                    <p:sldTgt/>
+                  </p:tgtEl>
+                </p:cond>
+              </p:prevCondLst>
+              <p:nextCondLst>
+                <p:cond evt="onNext" delay="0">
+                  <p:tgtEl>
+                    <p:sldTgt/>
+                  </p:tgtEl>
+                </p:cond>
+              </p:nextCondLst>
+            </p:seq>
+          </p:childTnLst>
+        </p:cTn>
+      </p:par>
+    </p:tnLst>
+    <p:bldLst>
+      <p:bldP spid="34" grpId="0"/>
+      <p:bldP spid="35" grpId="0"/>
+    </p:bldLst>
+  </p:timing>
+</p:sld>
+</file>
+
+<file path=ppt/slides/slide11.xml><?xml version="1.0" encoding="utf-8"?>
+<p:sld xmlns:a="http://schemas.openxmlformats.org/drawingml/2006/main" xmlns:r="http://schemas.openxmlformats.org/officeDocument/2006/relationships" xmlns:p="http://schemas.openxmlformats.org/presentationml/2006/main">
+  <p:cSld>
+    <p:spTree>
+      <p:nvGrpSpPr>
+        <p:cNvPr id="1" name=""/>
+        <p:cNvGrpSpPr/>
+        <p:nvPr/>
+      </p:nvGrpSpPr>
+      <p:grpSpPr>
+        <a:xfrm>
+          <a:off x="0" y="0"/>
+          <a:ext cx="0" cy="0"/>
+          <a:chOff x="0" y="0"/>
+          <a:chExt cx="0" cy="0"/>
+        </a:xfrm>
+      </p:grpSpPr>
+      <p:sp>
+        <p:nvSpPr>
+          <p:cNvPr id="2" name="Title 1">
+            <a:extLst>
+              <a:ext uri="{FF2B5EF4-FFF2-40B4-BE49-F238E27FC236}">
                 <a16:creationId xmlns:a16="http://schemas.microsoft.com/office/drawing/2014/main" id="{13F7D139-C3EF-C568-000F-32FB1D14ED8B}"/>
               </a:ext>
             </a:extLst>
@@ -12955,7 +14467,7 @@
             </a:pPr>
             <a:fld id="{00000000-1234-1234-1234-123412341234}" type="slidenum">
               <a:rPr lang="en-US" smtClean="0"/>
-              <a:t>10</a:t>
+              <a:t>11</a:t>
             </a:fld>
             <a:endParaRPr lang="en-US"/>
           </a:p>
@@ -17798,7 +19310,7 @@
 </p:sld>
 </file>
 
-<file path=ppt/slides/slide11.xml><?xml version="1.0" encoding="utf-8"?>
+<file path=ppt/slides/slide12.xml><?xml version="1.0" encoding="utf-8"?>
 <p:sld xmlns:a="http://schemas.openxmlformats.org/drawingml/2006/main" xmlns:r="http://schemas.openxmlformats.org/officeDocument/2006/relationships" xmlns:p="http://schemas.openxmlformats.org/presentationml/2006/main">
   <p:cSld>
     <p:spTree>
@@ -17886,14 +19398,14 @@
             </a:pPr>
             <a:fld id="{00000000-1234-1234-1234-123412341234}" type="slidenum">
               <a:rPr lang="en-US" smtClean="0"/>
-              <a:t>11</a:t>
+              <a:t>12</a:t>
             </a:fld>
             <a:endParaRPr lang="en-US"/>
           </a:p>
         </p:txBody>
       </p:sp>
-      <mc:AlternateContent xmlns:mc="http://schemas.openxmlformats.org/markup-compatibility/2006">
-        <mc:Choice xmlns:a14="http://schemas.microsoft.com/office/drawing/2010/main" Requires="a14">
+      <mc:AlternateContent xmlns:mc="http://schemas.openxmlformats.org/markup-compatibility/2006" xmlns:a14="http://schemas.microsoft.com/office/drawing/2010/main">
+        <mc:Choice Requires="a14">
           <p:sp>
             <p:nvSpPr>
               <p:cNvPr id="54" name="TextBox 53">
@@ -17975,7 +19487,7 @@
             </p:txBody>
           </p:sp>
         </mc:Choice>
-        <mc:Fallback>
+        <mc:Fallback xmlns="">
           <p:sp>
             <p:nvSpPr>
               <p:cNvPr id="54" name="TextBox 53">
@@ -18071,8 +19583,8 @@
           </a:fontRef>
         </p:style>
       </p:cxnSp>
-      <mc:AlternateContent xmlns:mc="http://schemas.openxmlformats.org/markup-compatibility/2006">
-        <mc:Choice xmlns:a14="http://schemas.microsoft.com/office/drawing/2010/main" Requires="a14">
+      <mc:AlternateContent xmlns:mc="http://schemas.openxmlformats.org/markup-compatibility/2006" xmlns:a14="http://schemas.microsoft.com/office/drawing/2010/main">
+        <mc:Choice Requires="a14">
           <p:sp>
             <p:nvSpPr>
               <p:cNvPr id="56" name="Rectangle 55">
@@ -18155,7 +19667,7 @@
             </p:txBody>
           </p:sp>
         </mc:Choice>
-        <mc:Fallback>
+        <mc:Fallback xmlns="">
           <p:sp>
             <p:nvSpPr>
               <p:cNvPr id="56" name="Rectangle 55">
@@ -18253,8 +19765,8 @@
           </a:p>
         </p:txBody>
       </p:sp>
-      <mc:AlternateContent xmlns:mc="http://schemas.openxmlformats.org/markup-compatibility/2006">
-        <mc:Choice xmlns:a14="http://schemas.microsoft.com/office/drawing/2010/main" Requires="a14">
+      <mc:AlternateContent xmlns:mc="http://schemas.openxmlformats.org/markup-compatibility/2006" xmlns:a14="http://schemas.microsoft.com/office/drawing/2010/main">
+        <mc:Choice Requires="a14">
           <p:sp>
             <p:nvSpPr>
               <p:cNvPr id="58" name="Rectangle 57">
@@ -18355,7 +19867,7 @@
             </p:txBody>
           </p:sp>
         </mc:Choice>
-        <mc:Fallback>
+        <mc:Fallback xmlns="">
           <p:sp>
             <p:nvSpPr>
               <p:cNvPr id="58" name="Rectangle 57">
@@ -18405,8 +19917,8 @@
           </p:sp>
         </mc:Fallback>
       </mc:AlternateContent>
-      <mc:AlternateContent xmlns:mc="http://schemas.openxmlformats.org/markup-compatibility/2006">
-        <mc:Choice xmlns:a14="http://schemas.microsoft.com/office/drawing/2010/main" Requires="a14">
+      <mc:AlternateContent xmlns:mc="http://schemas.openxmlformats.org/markup-compatibility/2006" xmlns:a14="http://schemas.microsoft.com/office/drawing/2010/main">
+        <mc:Choice Requires="a14">
           <p:sp>
             <p:nvSpPr>
               <p:cNvPr id="59" name="Rectangle 58">
@@ -18496,7 +20008,7 @@
             </p:txBody>
           </p:sp>
         </mc:Choice>
-        <mc:Fallback>
+        <mc:Fallback xmlns="">
           <p:sp>
             <p:nvSpPr>
               <p:cNvPr id="59" name="Rectangle 58">
@@ -18600,8 +20112,8 @@
           </a:p>
         </p:txBody>
       </p:sp>
-      <mc:AlternateContent xmlns:mc="http://schemas.openxmlformats.org/markup-compatibility/2006">
-        <mc:Choice xmlns:a14="http://schemas.microsoft.com/office/drawing/2010/main" Requires="a14">
+      <mc:AlternateContent xmlns:mc="http://schemas.openxmlformats.org/markup-compatibility/2006" xmlns:a14="http://schemas.microsoft.com/office/drawing/2010/main">
+        <mc:Choice Requires="a14">
           <p:sp>
             <p:nvSpPr>
               <p:cNvPr id="61" name="TextBox 60">
@@ -18683,7 +20195,7 @@
             </p:txBody>
           </p:sp>
         </mc:Choice>
-        <mc:Fallback>
+        <mc:Fallback xmlns="">
           <p:sp>
             <p:nvSpPr>
               <p:cNvPr id="61" name="TextBox 60">
@@ -19016,8 +20528,8 @@
           </a:fontRef>
         </p:style>
       </p:cxnSp>
-      <mc:AlternateContent xmlns:mc="http://schemas.openxmlformats.org/markup-compatibility/2006">
-        <mc:Choice xmlns:a14="http://schemas.microsoft.com/office/drawing/2010/main" Requires="a14">
+      <mc:AlternateContent xmlns:mc="http://schemas.openxmlformats.org/markup-compatibility/2006" xmlns:a14="http://schemas.microsoft.com/office/drawing/2010/main">
+        <mc:Choice Requires="a14">
           <p:sp>
             <p:nvSpPr>
               <p:cNvPr id="68" name="TextBox 67">
@@ -19101,7 +20613,7 @@
             </p:txBody>
           </p:sp>
         </mc:Choice>
-        <mc:Fallback>
+        <mc:Fallback xmlns="">
           <p:sp>
             <p:nvSpPr>
               <p:cNvPr id="68" name="TextBox 67">
@@ -19197,8 +20709,8 @@
           </a:fontRef>
         </p:style>
       </p:cxnSp>
-      <mc:AlternateContent xmlns:mc="http://schemas.openxmlformats.org/markup-compatibility/2006">
-        <mc:Choice xmlns:a14="http://schemas.microsoft.com/office/drawing/2010/main" Requires="a14">
+      <mc:AlternateContent xmlns:mc="http://schemas.openxmlformats.org/markup-compatibility/2006" xmlns:a14="http://schemas.microsoft.com/office/drawing/2010/main">
+        <mc:Choice Requires="a14">
           <p:sp>
             <p:nvSpPr>
               <p:cNvPr id="70" name="Rectangle 69">
@@ -19298,7 +20810,7 @@
             </p:txBody>
           </p:sp>
         </mc:Choice>
-        <mc:Fallback>
+        <mc:Fallback xmlns="">
           <p:sp>
             <p:nvSpPr>
               <p:cNvPr id="70" name="Rectangle 69">
@@ -19348,8 +20860,8 @@
           </p:sp>
         </mc:Fallback>
       </mc:AlternateContent>
-      <mc:AlternateContent xmlns:mc="http://schemas.openxmlformats.org/markup-compatibility/2006">
-        <mc:Choice xmlns:a14="http://schemas.microsoft.com/office/drawing/2010/main" Requires="a14">
+      <mc:AlternateContent xmlns:mc="http://schemas.openxmlformats.org/markup-compatibility/2006" xmlns:a14="http://schemas.microsoft.com/office/drawing/2010/main">
+        <mc:Choice Requires="a14">
           <p:sp>
             <p:nvSpPr>
               <p:cNvPr id="71" name="Rectangle 70">
@@ -19439,7 +20951,7 @@
             </p:txBody>
           </p:sp>
         </mc:Choice>
-        <mc:Fallback>
+        <mc:Fallback xmlns="">
           <p:sp>
             <p:nvSpPr>
               <p:cNvPr id="71" name="Rectangle 70">
@@ -20225,7 +21737,7 @@
 </p:sld>
 </file>
 
-<file path=ppt/slides/slide12.xml><?xml version="1.0" encoding="utf-8"?>
+<file path=ppt/slides/slide13.xml><?xml version="1.0" encoding="utf-8"?>
 <p:sld xmlns:a="http://schemas.openxmlformats.org/drawingml/2006/main" xmlns:r="http://schemas.openxmlformats.org/officeDocument/2006/relationships" xmlns:p="http://schemas.openxmlformats.org/presentationml/2006/main">
   <p:cSld>
     <p:spTree>
@@ -20302,7 +21814,7 @@
             </a:pPr>
             <a:fld id="{00000000-1234-1234-1234-123412341234}" type="slidenum">
               <a:rPr lang="en-US" smtClean="0"/>
-              <a:t>12</a:t>
+              <a:t>13</a:t>
             </a:fld>
             <a:endParaRPr lang="en-US"/>
           </a:p>
@@ -30956,6 +32468,1003 @@
           <p:cNvPr id="2" name="Title 1">
             <a:extLst>
               <a:ext uri="{FF2B5EF4-FFF2-40B4-BE49-F238E27FC236}">
+                <a16:creationId xmlns:a16="http://schemas.microsoft.com/office/drawing/2014/main" id="{6CF811BA-8C43-DB43-9A58-7F630C6185FD}"/>
+              </a:ext>
+            </a:extLst>
+          </p:cNvPr>
+          <p:cNvSpPr>
+            <a:spLocks noGrp="1"/>
+          </p:cNvSpPr>
+          <p:nvPr>
+            <p:ph type="title"/>
+          </p:nvPr>
+        </p:nvSpPr>
+        <p:spPr/>
+        <p:txBody>
+          <a:bodyPr/>
+          <a:lstStyle/>
+          <a:p>
+            <a:r>
+              <a:rPr lang="en-US" dirty="0"/>
+              <a:t>Control Architecture Without </a:t>
+            </a:r>
+            <a:r>
+              <a:rPr lang="en-US" i="1" dirty="0"/>
+              <a:t>r(t), d(t)</a:t>
+            </a:r>
+          </a:p>
+        </p:txBody>
+      </p:sp>
+      <p:sp>
+        <p:nvSpPr>
+          <p:cNvPr id="3" name="Slide Number Placeholder 2">
+            <a:extLst>
+              <a:ext uri="{FF2B5EF4-FFF2-40B4-BE49-F238E27FC236}">
+                <a16:creationId xmlns:a16="http://schemas.microsoft.com/office/drawing/2014/main" id="{BF0E0FF1-290E-6F42-9F42-6FFE9B7272B7}"/>
+              </a:ext>
+            </a:extLst>
+          </p:cNvPr>
+          <p:cNvSpPr>
+            <a:spLocks noGrp="1"/>
+          </p:cNvSpPr>
+          <p:nvPr>
+            <p:ph type="sldNum" sz="quarter" idx="11"/>
+          </p:nvPr>
+        </p:nvSpPr>
+        <p:spPr/>
+        <p:txBody>
+          <a:bodyPr/>
+          <a:lstStyle/>
+          <a:p>
+            <a:pPr>
+              <a:defRPr/>
+            </a:pPr>
+            <a:fld id="{2E4304A7-0FB2-4094-BC1E-DB17183AD0C1}" type="slidenum">
+              <a:rPr lang="en-US" altLang="x-none" smtClean="0"/>
+              <a:pPr>
+                <a:defRPr/>
+              </a:pPr>
+              <a:t>6</a:t>
+            </a:fld>
+            <a:endParaRPr lang="en-US" altLang="x-none"/>
+          </a:p>
+        </p:txBody>
+      </p:sp>
+      <p:cxnSp>
+        <p:nvCxnSpPr>
+          <p:cNvPr id="10" name="Straight Arrow Connector 9">
+            <a:extLst>
+              <a:ext uri="{FF2B5EF4-FFF2-40B4-BE49-F238E27FC236}">
+                <a16:creationId xmlns:a16="http://schemas.microsoft.com/office/drawing/2014/main" id="{58602D91-09D1-1178-62BD-1B740A95FB00}"/>
+              </a:ext>
+            </a:extLst>
+          </p:cNvPr>
+          <p:cNvCxnSpPr>
+            <a:cxnSpLocks/>
+          </p:cNvCxnSpPr>
+          <p:nvPr/>
+        </p:nvCxnSpPr>
+        <p:spPr>
+          <a:xfrm>
+            <a:off x="3008157" y="2241497"/>
+            <a:ext cx="842609" cy="9527"/>
+          </a:xfrm>
+          <a:prstGeom prst="straightConnector1">
+            <a:avLst/>
+          </a:prstGeom>
+          <a:ln>
+            <a:tailEnd type="triangle" w="lg" len="lg"/>
+          </a:ln>
+          <a:effectLst>
+            <a:outerShdw dist="20000" sx="1000" sy="1000" rotWithShape="0">
+              <a:srgbClr val="000000"/>
+            </a:outerShdw>
+          </a:effectLst>
+        </p:spPr>
+        <p:style>
+          <a:lnRef idx="2">
+            <a:schemeClr val="accent1"/>
+          </a:lnRef>
+          <a:fillRef idx="0">
+            <a:schemeClr val="accent1"/>
+          </a:fillRef>
+          <a:effectRef idx="1">
+            <a:schemeClr val="accent1"/>
+          </a:effectRef>
+          <a:fontRef idx="minor">
+            <a:schemeClr val="tx1"/>
+          </a:fontRef>
+        </p:style>
+      </p:cxnSp>
+      <p:cxnSp>
+        <p:nvCxnSpPr>
+          <p:cNvPr id="11" name="Straight Arrow Connector 10">
+            <a:extLst>
+              <a:ext uri="{FF2B5EF4-FFF2-40B4-BE49-F238E27FC236}">
+                <a16:creationId xmlns:a16="http://schemas.microsoft.com/office/drawing/2014/main" id="{1B036680-8B68-78F8-42C1-CA79DB1402E3}"/>
+              </a:ext>
+            </a:extLst>
+          </p:cNvPr>
+          <p:cNvCxnSpPr>
+            <a:cxnSpLocks/>
+          </p:cNvCxnSpPr>
+          <p:nvPr/>
+        </p:nvCxnSpPr>
+        <p:spPr>
+          <a:xfrm flipV="1">
+            <a:off x="4694780" y="2248307"/>
+            <a:ext cx="401262" cy="5434"/>
+          </a:xfrm>
+          <a:prstGeom prst="straightConnector1">
+            <a:avLst/>
+          </a:prstGeom>
+          <a:ln>
+            <a:tailEnd type="triangle" w="lg" len="lg"/>
+          </a:ln>
+          <a:effectLst>
+            <a:outerShdw dist="20000" sx="1000" sy="1000" rotWithShape="0">
+              <a:srgbClr val="000000"/>
+            </a:outerShdw>
+          </a:effectLst>
+        </p:spPr>
+        <p:style>
+          <a:lnRef idx="2">
+            <a:schemeClr val="accent1"/>
+          </a:lnRef>
+          <a:fillRef idx="0">
+            <a:schemeClr val="accent1"/>
+          </a:fillRef>
+          <a:effectRef idx="1">
+            <a:schemeClr val="accent1"/>
+          </a:effectRef>
+          <a:fontRef idx="minor">
+            <a:schemeClr val="tx1"/>
+          </a:fontRef>
+        </p:style>
+      </p:cxnSp>
+      <p:sp>
+        <p:nvSpPr>
+          <p:cNvPr id="13" name="Rectangle 12">
+            <a:extLst>
+              <a:ext uri="{FF2B5EF4-FFF2-40B4-BE49-F238E27FC236}">
+                <a16:creationId xmlns:a16="http://schemas.microsoft.com/office/drawing/2014/main" id="{8866EDAD-F8C5-A727-6EC9-ACD412EA71F0}"/>
+              </a:ext>
+            </a:extLst>
+          </p:cNvPr>
+          <p:cNvSpPr>
+            <a:spLocks noChangeAspect="1"/>
+          </p:cNvSpPr>
+          <p:nvPr/>
+        </p:nvSpPr>
+        <p:spPr>
+          <a:xfrm>
+            <a:off x="1886266" y="2021012"/>
+            <a:ext cx="1121891" cy="460024"/>
+          </a:xfrm>
+          <a:prstGeom prst="rect">
+            <a:avLst/>
+          </a:prstGeom>
+          <a:solidFill>
+            <a:srgbClr val="FF0000"/>
+          </a:solidFill>
+          <a:ln>
+            <a:noFill/>
+          </a:ln>
+        </p:spPr>
+        <p:style>
+          <a:lnRef idx="1">
+            <a:schemeClr val="accent1"/>
+          </a:lnRef>
+          <a:fillRef idx="3">
+            <a:schemeClr val="accent1"/>
+          </a:fillRef>
+          <a:effectRef idx="2">
+            <a:schemeClr val="accent1"/>
+          </a:effectRef>
+          <a:fontRef idx="minor">
+            <a:schemeClr val="lt1"/>
+          </a:fontRef>
+        </p:style>
+        <p:txBody>
+          <a:bodyPr rtlCol="0" anchor="ctr"/>
+          <a:lstStyle/>
+          <a:p>
+            <a:pPr algn="ctr"/>
+            <a:r>
+              <a:rPr lang="en-US" sz="1600" dirty="0"/>
+              <a:t>Controller</a:t>
+            </a:r>
+          </a:p>
+        </p:txBody>
+      </p:sp>
+      <p:cxnSp>
+        <p:nvCxnSpPr>
+          <p:cNvPr id="14" name="Straight Arrow Connector 13">
+            <a:extLst>
+              <a:ext uri="{FF2B5EF4-FFF2-40B4-BE49-F238E27FC236}">
+                <a16:creationId xmlns:a16="http://schemas.microsoft.com/office/drawing/2014/main" id="{ED4AE3CB-E9ED-DE25-BD04-B502F8650803}"/>
+              </a:ext>
+            </a:extLst>
+          </p:cNvPr>
+          <p:cNvCxnSpPr>
+            <a:cxnSpLocks/>
+          </p:cNvCxnSpPr>
+          <p:nvPr/>
+        </p:nvCxnSpPr>
+        <p:spPr>
+          <a:xfrm flipV="1">
+            <a:off x="530655" y="2249121"/>
+            <a:ext cx="644896" cy="3806"/>
+          </a:xfrm>
+          <a:prstGeom prst="straightConnector1">
+            <a:avLst/>
+          </a:prstGeom>
+          <a:ln>
+            <a:tailEnd type="triangle" w="lg" len="lg"/>
+          </a:ln>
+          <a:effectLst>
+            <a:outerShdw dist="20000" sx="1000" sy="1000" rotWithShape="0">
+              <a:srgbClr val="000000"/>
+            </a:outerShdw>
+          </a:effectLst>
+        </p:spPr>
+        <p:style>
+          <a:lnRef idx="2">
+            <a:schemeClr val="accent1"/>
+          </a:lnRef>
+          <a:fillRef idx="0">
+            <a:schemeClr val="accent1"/>
+          </a:fillRef>
+          <a:effectRef idx="1">
+            <a:schemeClr val="accent1"/>
+          </a:effectRef>
+          <a:fontRef idx="minor">
+            <a:schemeClr val="tx1"/>
+          </a:fontRef>
+        </p:style>
+      </p:cxnSp>
+      <p:sp>
+        <p:nvSpPr>
+          <p:cNvPr id="15" name="Oval 14">
+            <a:extLst>
+              <a:ext uri="{FF2B5EF4-FFF2-40B4-BE49-F238E27FC236}">
+                <a16:creationId xmlns:a16="http://schemas.microsoft.com/office/drawing/2014/main" id="{00AF0B01-A51A-CB0A-9C56-718AD675657E}"/>
+              </a:ext>
+            </a:extLst>
+          </p:cNvPr>
+          <p:cNvSpPr/>
+          <p:nvPr/>
+        </p:nvSpPr>
+        <p:spPr>
+          <a:xfrm>
+            <a:off x="1194765" y="2100104"/>
+            <a:ext cx="301841" cy="301840"/>
+          </a:xfrm>
+          <a:prstGeom prst="ellipse">
+            <a:avLst/>
+          </a:prstGeom>
+        </p:spPr>
+        <p:style>
+          <a:lnRef idx="1">
+            <a:schemeClr val="accent1"/>
+          </a:lnRef>
+          <a:fillRef idx="3">
+            <a:schemeClr val="accent1"/>
+          </a:fillRef>
+          <a:effectRef idx="2">
+            <a:schemeClr val="accent1"/>
+          </a:effectRef>
+          <a:fontRef idx="minor">
+            <a:schemeClr val="lt1"/>
+          </a:fontRef>
+        </p:style>
+        <p:txBody>
+          <a:bodyPr rtlCol="0" anchor="ctr"/>
+          <a:lstStyle/>
+          <a:p>
+            <a:pPr algn="ctr"/>
+            <a:r>
+              <a:rPr lang="en-US" dirty="0"/>
+              <a:t>+</a:t>
+            </a:r>
+          </a:p>
+        </p:txBody>
+      </p:sp>
+      <p:cxnSp>
+        <p:nvCxnSpPr>
+          <p:cNvPr id="16" name="Elbow Connector 15">
+            <a:extLst>
+              <a:ext uri="{FF2B5EF4-FFF2-40B4-BE49-F238E27FC236}">
+                <a16:creationId xmlns:a16="http://schemas.microsoft.com/office/drawing/2014/main" id="{1482900F-9EF7-8413-2526-895B9A08DDF3}"/>
+              </a:ext>
+            </a:extLst>
+          </p:cNvPr>
+          <p:cNvCxnSpPr>
+            <a:cxnSpLocks/>
+            <a:stCxn id="27" idx="1"/>
+            <a:endCxn id="15" idx="4"/>
+          </p:cNvCxnSpPr>
+          <p:nvPr/>
+        </p:nvCxnSpPr>
+        <p:spPr>
+          <a:xfrm rot="10800000">
+            <a:off x="1345687" y="2401944"/>
+            <a:ext cx="1665793" cy="378230"/>
+          </a:xfrm>
+          <a:prstGeom prst="bentConnector2">
+            <a:avLst/>
+          </a:prstGeom>
+          <a:ln w="19050">
+            <a:tailEnd type="triangle" w="lg" len="lg"/>
+          </a:ln>
+          <a:effectLst>
+            <a:outerShdw dist="20000" sx="1000" sy="1000" rotWithShape="0">
+              <a:srgbClr val="000000"/>
+            </a:outerShdw>
+          </a:effectLst>
+        </p:spPr>
+        <p:style>
+          <a:lnRef idx="2">
+            <a:schemeClr val="accent1"/>
+          </a:lnRef>
+          <a:fillRef idx="0">
+            <a:schemeClr val="accent1"/>
+          </a:fillRef>
+          <a:effectRef idx="1">
+            <a:schemeClr val="accent1"/>
+          </a:effectRef>
+          <a:fontRef idx="minor">
+            <a:schemeClr val="tx1"/>
+          </a:fontRef>
+        </p:style>
+      </p:cxnSp>
+      <p:cxnSp>
+        <p:nvCxnSpPr>
+          <p:cNvPr id="17" name="Straight Arrow Connector 16">
+            <a:extLst>
+              <a:ext uri="{FF2B5EF4-FFF2-40B4-BE49-F238E27FC236}">
+                <a16:creationId xmlns:a16="http://schemas.microsoft.com/office/drawing/2014/main" id="{17008CAF-3B48-F950-82EF-E832521153B9}"/>
+              </a:ext>
+            </a:extLst>
+          </p:cNvPr>
+          <p:cNvCxnSpPr>
+            <a:cxnSpLocks/>
+          </p:cNvCxnSpPr>
+          <p:nvPr/>
+        </p:nvCxnSpPr>
+        <p:spPr>
+          <a:xfrm flipV="1">
+            <a:off x="1496606" y="2248263"/>
+            <a:ext cx="389660" cy="9528"/>
+          </a:xfrm>
+          <a:prstGeom prst="straightConnector1">
+            <a:avLst/>
+          </a:prstGeom>
+          <a:ln>
+            <a:tailEnd type="triangle" w="lg" len="lg"/>
+          </a:ln>
+          <a:effectLst>
+            <a:outerShdw dist="20000" sx="1000" sy="1000" rotWithShape="0">
+              <a:srgbClr val="000000"/>
+            </a:outerShdw>
+          </a:effectLst>
+        </p:spPr>
+        <p:style>
+          <a:lnRef idx="2">
+            <a:schemeClr val="accent1"/>
+          </a:lnRef>
+          <a:fillRef idx="0">
+            <a:schemeClr val="accent1"/>
+          </a:fillRef>
+          <a:effectRef idx="1">
+            <a:schemeClr val="accent1"/>
+          </a:effectRef>
+          <a:fontRef idx="minor">
+            <a:schemeClr val="tx1"/>
+          </a:fontRef>
+        </p:style>
+      </p:cxnSp>
+      <mc:AlternateContent xmlns:mc="http://schemas.openxmlformats.org/markup-compatibility/2006" xmlns:a14="http://schemas.microsoft.com/office/drawing/2010/main">
+        <mc:Choice Requires="a14">
+          <p:sp>
+            <p:nvSpPr>
+              <p:cNvPr id="18" name="TextBox 17">
+                <a:extLst>
+                  <a:ext uri="{FF2B5EF4-FFF2-40B4-BE49-F238E27FC236}">
+                    <a16:creationId xmlns:a16="http://schemas.microsoft.com/office/drawing/2014/main" id="{C72437C1-12AF-7B64-F32D-A280FD99A461}"/>
+                  </a:ext>
+                </a:extLst>
+              </p:cNvPr>
+              <p:cNvSpPr txBox="1"/>
+              <p:nvPr/>
+            </p:nvSpPr>
+            <p:spPr>
+              <a:xfrm>
+                <a:off x="1078176" y="2558637"/>
+                <a:ext cx="237244" cy="276999"/>
+              </a:xfrm>
+              <a:prstGeom prst="rect">
+                <a:avLst/>
+              </a:prstGeom>
+              <a:noFill/>
+            </p:spPr>
+            <p:txBody>
+              <a:bodyPr wrap="none" lIns="0" tIns="0" rIns="0" bIns="0" rtlCol="0">
+                <a:spAutoFit/>
+              </a:bodyPr>
+              <a:lstStyle/>
+              <a:p>
+                <a:pPr/>
+                <a14:m>
+                  <m:oMathPara xmlns:m="http://schemas.openxmlformats.org/officeDocument/2006/math">
+                    <m:oMathParaPr>
+                      <m:jc m:val="centerGroup"/>
+                    </m:oMathParaPr>
+                    <m:oMath xmlns:m="http://schemas.openxmlformats.org/officeDocument/2006/math">
+                      <m:r>
+                        <a:rPr lang="en-US" b="0" i="1" smtClean="0">
+                          <a:latin typeface="Cambria Math" panose="02040503050406030204" pitchFamily="18" charset="0"/>
+                        </a:rPr>
+                        <m:t>−</m:t>
+                      </m:r>
+                    </m:oMath>
+                  </m:oMathPara>
+                </a14:m>
+                <a:endParaRPr lang="en-US" dirty="0"/>
+              </a:p>
+            </p:txBody>
+          </p:sp>
+        </mc:Choice>
+        <mc:Fallback xmlns="">
+          <p:sp>
+            <p:nvSpPr>
+              <p:cNvPr id="18" name="TextBox 17">
+                <a:extLst>
+                  <a:ext uri="{FF2B5EF4-FFF2-40B4-BE49-F238E27FC236}">
+                    <a16:creationId xmlns:a16="http://schemas.microsoft.com/office/drawing/2014/main" id="{C72437C1-12AF-7B64-F32D-A280FD99A461}"/>
+                  </a:ext>
+                </a:extLst>
+              </p:cNvPr>
+              <p:cNvSpPr txBox="1">
+                <a:spLocks noRot="1" noChangeAspect="1" noMove="1" noResize="1" noEditPoints="1" noAdjustHandles="1" noChangeArrowheads="1" noChangeShapeType="1" noTextEdit="1"/>
+              </p:cNvSpPr>
+              <p:nvPr/>
+            </p:nvSpPr>
+            <p:spPr>
+              <a:xfrm>
+                <a:off x="1078176" y="2558637"/>
+                <a:ext cx="237244" cy="276999"/>
+              </a:xfrm>
+              <a:prstGeom prst="rect">
+                <a:avLst/>
+              </a:prstGeom>
+              <a:blipFill>
+                <a:blip r:embed="rId4"/>
+                <a:stretch>
+                  <a:fillRect/>
+                </a:stretch>
+              </a:blipFill>
+            </p:spPr>
+            <p:txBody>
+              <a:bodyPr/>
+              <a:lstStyle/>
+              <a:p>
+                <a:r>
+                  <a:rPr lang="en-US">
+                    <a:noFill/>
+                  </a:rPr>
+                  <a:t> </a:t>
+                </a:r>
+              </a:p>
+            </p:txBody>
+          </p:sp>
+        </mc:Fallback>
+      </mc:AlternateContent>
+      <mc:AlternateContent xmlns:mc="http://schemas.openxmlformats.org/markup-compatibility/2006">
+        <mc:Choice xmlns:a14="http://schemas.microsoft.com/office/drawing/2010/main" Requires="a14">
+          <p:sp>
+            <p:nvSpPr>
+              <p:cNvPr id="27" name="Rectangle 26">
+                <a:extLst>
+                  <a:ext uri="{FF2B5EF4-FFF2-40B4-BE49-F238E27FC236}">
+                    <a16:creationId xmlns:a16="http://schemas.microsoft.com/office/drawing/2014/main" id="{B1373E17-86DC-4C6A-7C9B-B5EECF957542}"/>
+                  </a:ext>
+                </a:extLst>
+              </p:cNvPr>
+              <p:cNvSpPr>
+                <a:spLocks noChangeAspect="1"/>
+              </p:cNvSpPr>
+              <p:nvPr/>
+            </p:nvSpPr>
+            <p:spPr>
+              <a:xfrm>
+                <a:off x="3011479" y="2593899"/>
+                <a:ext cx="643565" cy="372550"/>
+              </a:xfrm>
+              <a:prstGeom prst="rect">
+                <a:avLst/>
+              </a:prstGeom>
+              <a:solidFill>
+                <a:srgbClr val="FF0000"/>
+              </a:solidFill>
+              <a:ln>
+                <a:noFill/>
+              </a:ln>
+            </p:spPr>
+            <p:style>
+              <a:lnRef idx="1">
+                <a:schemeClr val="accent1"/>
+              </a:lnRef>
+              <a:fillRef idx="3">
+                <a:schemeClr val="accent1"/>
+              </a:fillRef>
+              <a:effectRef idx="2">
+                <a:schemeClr val="accent1"/>
+              </a:effectRef>
+              <a:fontRef idx="minor">
+                <a:schemeClr val="lt1"/>
+              </a:fontRef>
+            </p:style>
+            <p:txBody>
+              <a:bodyPr rtlCol="0" anchor="ctr"/>
+              <a:lstStyle/>
+              <a:p>
+                <a:pPr algn="ctr"/>
+                <a14:m>
+                  <m:oMathPara xmlns:m="http://schemas.openxmlformats.org/officeDocument/2006/math">
+                    <m:oMathParaPr>
+                      <m:jc m:val="centerGroup"/>
+                    </m:oMathParaPr>
+                    <m:oMath xmlns:m="http://schemas.openxmlformats.org/officeDocument/2006/math">
+                      <m:r>
+                        <m:rPr>
+                          <m:sty m:val="p"/>
+                        </m:rPr>
+                        <a:rPr lang="en-US" sz="1600" b="0" i="0" smtClean="0">
+                          <a:solidFill>
+                            <a:schemeClr val="bg1"/>
+                          </a:solidFill>
+                        </a:rPr>
+                        <m:t>Filter</m:t>
+                      </m:r>
+                    </m:oMath>
+                  </m:oMathPara>
+                </a14:m>
+                <a:endParaRPr lang="en-US" sz="1600" dirty="0">
+                  <a:solidFill>
+                    <a:schemeClr val="bg1"/>
+                  </a:solidFill>
+                </a:endParaRPr>
+              </a:p>
+            </p:txBody>
+          </p:sp>
+        </mc:Choice>
+        <mc:Fallback>
+          <p:sp>
+            <p:nvSpPr>
+              <p:cNvPr id="27" name="Rectangle 26">
+                <a:extLst>
+                  <a:ext uri="{FF2B5EF4-FFF2-40B4-BE49-F238E27FC236}">
+                    <a16:creationId xmlns:a16="http://schemas.microsoft.com/office/drawing/2014/main" id="{B1373E17-86DC-4C6A-7C9B-B5EECF957542}"/>
+                  </a:ext>
+                </a:extLst>
+              </p:cNvPr>
+              <p:cNvSpPr>
+                <a:spLocks noRot="1" noChangeAspect="1" noMove="1" noResize="1" noEditPoints="1" noAdjustHandles="1" noChangeArrowheads="1" noChangeShapeType="1" noTextEdit="1"/>
+              </p:cNvSpPr>
+              <p:nvPr/>
+            </p:nvSpPr>
+            <p:spPr>
+              <a:xfrm>
+                <a:off x="3011479" y="2593899"/>
+                <a:ext cx="643565" cy="372550"/>
+              </a:xfrm>
+              <a:prstGeom prst="rect">
+                <a:avLst/>
+              </a:prstGeom>
+              <a:blipFill>
+                <a:blip r:embed="rId5"/>
+                <a:stretch>
+                  <a:fillRect/>
+                </a:stretch>
+              </a:blipFill>
+              <a:ln>
+                <a:noFill/>
+              </a:ln>
+            </p:spPr>
+            <p:txBody>
+              <a:bodyPr/>
+              <a:lstStyle/>
+              <a:p>
+                <a:r>
+                  <a:rPr lang="en-US">
+                    <a:noFill/>
+                  </a:rPr>
+                  <a:t> </a:t>
+                </a:r>
+              </a:p>
+            </p:txBody>
+          </p:sp>
+        </mc:Fallback>
+      </mc:AlternateContent>
+      <p:cxnSp>
+        <p:nvCxnSpPr>
+          <p:cNvPr id="28" name="Elbow Connector 27">
+            <a:extLst>
+              <a:ext uri="{FF2B5EF4-FFF2-40B4-BE49-F238E27FC236}">
+                <a16:creationId xmlns:a16="http://schemas.microsoft.com/office/drawing/2014/main" id="{2DF9DBBE-87ED-0161-8BC4-9FC9515B0B10}"/>
+              </a:ext>
+            </a:extLst>
+          </p:cNvPr>
+          <p:cNvCxnSpPr>
+            <a:cxnSpLocks/>
+            <a:endCxn id="27" idx="3"/>
+          </p:cNvCxnSpPr>
+          <p:nvPr/>
+        </p:nvCxnSpPr>
+        <p:spPr>
+          <a:xfrm rot="10800000" flipV="1">
+            <a:off x="3655044" y="2261984"/>
+            <a:ext cx="1358390" cy="518190"/>
+          </a:xfrm>
+          <a:prstGeom prst="bentConnector3">
+            <a:avLst>
+              <a:gd name="adj1" fmla="val 14408"/>
+            </a:avLst>
+          </a:prstGeom>
+          <a:ln w="19050">
+            <a:tailEnd type="triangle" w="lg" len="lg"/>
+          </a:ln>
+          <a:effectLst>
+            <a:outerShdw dist="20000" sx="1000" sy="1000" rotWithShape="0">
+              <a:srgbClr val="000000"/>
+            </a:outerShdw>
+          </a:effectLst>
+        </p:spPr>
+        <p:style>
+          <a:lnRef idx="2">
+            <a:schemeClr val="accent1"/>
+          </a:lnRef>
+          <a:fillRef idx="0">
+            <a:schemeClr val="accent1"/>
+          </a:fillRef>
+          <a:effectRef idx="1">
+            <a:schemeClr val="accent1"/>
+          </a:effectRef>
+          <a:fontRef idx="minor">
+            <a:schemeClr val="tx1"/>
+          </a:fontRef>
+        </p:style>
+      </p:cxnSp>
+      <p:grpSp>
+        <p:nvGrpSpPr>
+          <p:cNvPr id="47" name="Group 46">
+            <a:extLst>
+              <a:ext uri="{FF2B5EF4-FFF2-40B4-BE49-F238E27FC236}">
+                <a16:creationId xmlns:a16="http://schemas.microsoft.com/office/drawing/2014/main" id="{8EE2654C-5855-0701-C97F-E4867234FBA1}"/>
+              </a:ext>
+            </a:extLst>
+          </p:cNvPr>
+          <p:cNvGrpSpPr/>
+          <p:nvPr/>
+        </p:nvGrpSpPr>
+        <p:grpSpPr>
+          <a:xfrm>
+            <a:off x="3850766" y="2021012"/>
+            <a:ext cx="910336" cy="460025"/>
+            <a:chOff x="3850766" y="2093599"/>
+            <a:chExt cx="910336" cy="460025"/>
+          </a:xfrm>
+        </p:grpSpPr>
+        <p:sp>
+          <p:nvSpPr>
+            <p:cNvPr id="9" name="Rectangle 8">
+              <a:extLst>
+                <a:ext uri="{FF2B5EF4-FFF2-40B4-BE49-F238E27FC236}">
+                  <a16:creationId xmlns:a16="http://schemas.microsoft.com/office/drawing/2014/main" id="{1C081882-D455-3B3F-4CA6-EF39C653D10D}"/>
+                </a:ext>
+              </a:extLst>
+            </p:cNvPr>
+            <p:cNvSpPr>
+              <a:spLocks noChangeAspect="1"/>
+            </p:cNvSpPr>
+            <p:nvPr/>
+          </p:nvSpPr>
+          <p:spPr>
+            <a:xfrm>
+              <a:off x="4188798" y="2093599"/>
+              <a:ext cx="505982" cy="460025"/>
+            </a:xfrm>
+            <a:prstGeom prst="rect">
+              <a:avLst/>
+            </a:prstGeom>
+          </p:spPr>
+          <p:style>
+            <a:lnRef idx="1">
+              <a:schemeClr val="accent1"/>
+            </a:lnRef>
+            <a:fillRef idx="3">
+              <a:schemeClr val="accent1"/>
+            </a:fillRef>
+            <a:effectRef idx="2">
+              <a:schemeClr val="accent1"/>
+            </a:effectRef>
+            <a:fontRef idx="minor">
+              <a:schemeClr val="lt1"/>
+            </a:fontRef>
+          </p:style>
+          <p:txBody>
+            <a:bodyPr rtlCol="0" anchor="ctr"/>
+            <a:lstStyle/>
+            <a:p>
+              <a:pPr algn="ctr"/>
+              <a:endParaRPr lang="en-US" sz="1600" dirty="0"/>
+            </a:p>
+          </p:txBody>
+        </p:sp>
+        <mc:AlternateContent xmlns:mc="http://schemas.openxmlformats.org/markup-compatibility/2006">
+          <mc:Choice xmlns:a14="http://schemas.microsoft.com/office/drawing/2010/main" Requires="a14">
+            <p:sp>
+              <p:nvSpPr>
+                <p:cNvPr id="12" name="Rectangle 11">
+                  <a:extLst>
+                    <a:ext uri="{FF2B5EF4-FFF2-40B4-BE49-F238E27FC236}">
+                      <a16:creationId xmlns:a16="http://schemas.microsoft.com/office/drawing/2014/main" id="{2C330FB3-A1EE-8B25-05B0-CC77B290AE74}"/>
+                    </a:ext>
+                  </a:extLst>
+                </p:cNvPr>
+                <p:cNvSpPr/>
+                <p:nvPr/>
+              </p:nvSpPr>
+              <p:spPr>
+                <a:xfrm>
+                  <a:off x="4049048" y="2155969"/>
+                  <a:ext cx="712054" cy="307777"/>
+                </a:xfrm>
+                <a:prstGeom prst="rect">
+                  <a:avLst/>
+                </a:prstGeom>
+              </p:spPr>
+              <p:txBody>
+                <a:bodyPr wrap="square">
+                  <a:spAutoFit/>
+                </a:bodyPr>
+                <a:lstStyle/>
+                <a:p>
+                  <a:pPr/>
+                  <a14:m>
+                    <m:oMathPara xmlns:m="http://schemas.openxmlformats.org/officeDocument/2006/math">
+                      <m:oMathParaPr>
+                        <m:jc m:val="centerGroup"/>
+                      </m:oMathParaPr>
+                      <m:oMath xmlns:m="http://schemas.openxmlformats.org/officeDocument/2006/math">
+                        <m:r>
+                          <a:rPr lang="en-US" b="1" i="1" smtClean="0">
+                            <a:solidFill>
+                              <a:schemeClr val="bg1"/>
+                            </a:solidFill>
+                            <a:latin typeface="Cambria Math" panose="02040503050406030204" pitchFamily="18" charset="0"/>
+                          </a:rPr>
+                          <m:t>𝑶𝑳𝑺</m:t>
+                        </m:r>
+                      </m:oMath>
+                    </m:oMathPara>
+                  </a14:m>
+                  <a:endParaRPr lang="en-US" b="1" dirty="0">
+                    <a:solidFill>
+                      <a:schemeClr val="bg1"/>
+                    </a:solidFill>
+                  </a:endParaRPr>
+                </a:p>
+              </p:txBody>
+            </p:sp>
+          </mc:Choice>
+          <mc:Fallback>
+            <p:sp>
+              <p:nvSpPr>
+                <p:cNvPr id="12" name="Rectangle 11">
+                  <a:extLst>
+                    <a:ext uri="{FF2B5EF4-FFF2-40B4-BE49-F238E27FC236}">
+                      <a16:creationId xmlns:a16="http://schemas.microsoft.com/office/drawing/2014/main" id="{2C330FB3-A1EE-8B25-05B0-CC77B290AE74}"/>
+                    </a:ext>
+                  </a:extLst>
+                </p:cNvPr>
+                <p:cNvSpPr>
+                  <a:spLocks noRot="1" noChangeAspect="1" noMove="1" noResize="1" noEditPoints="1" noAdjustHandles="1" noChangeArrowheads="1" noChangeShapeType="1" noTextEdit="1"/>
+                </p:cNvSpPr>
+                <p:nvPr/>
+              </p:nvSpPr>
+              <p:spPr>
+                <a:xfrm>
+                  <a:off x="4049048" y="2155969"/>
+                  <a:ext cx="712054" cy="307777"/>
+                </a:xfrm>
+                <a:prstGeom prst="rect">
+                  <a:avLst/>
+                </a:prstGeom>
+                <a:blipFill>
+                  <a:blip r:embed="rId6"/>
+                  <a:stretch>
+                    <a:fillRect/>
+                  </a:stretch>
+                </a:blipFill>
+              </p:spPr>
+              <p:txBody>
+                <a:bodyPr/>
+                <a:lstStyle/>
+                <a:p>
+                  <a:r>
+                    <a:rPr lang="en-US">
+                      <a:noFill/>
+                    </a:rPr>
+                    <a:t> </a:t>
+                  </a:r>
+                </a:p>
+              </p:txBody>
+            </p:sp>
+          </mc:Fallback>
+        </mc:AlternateContent>
+        <p:sp>
+          <p:nvSpPr>
+            <p:cNvPr id="40" name="Rectangle 39">
+              <a:extLst>
+                <a:ext uri="{FF2B5EF4-FFF2-40B4-BE49-F238E27FC236}">
+                  <a16:creationId xmlns:a16="http://schemas.microsoft.com/office/drawing/2014/main" id="{579809EF-2565-F9DD-D489-854392E9B0DD}"/>
+                </a:ext>
+              </a:extLst>
+            </p:cNvPr>
+            <p:cNvSpPr>
+              <a:spLocks noChangeAspect="1"/>
+            </p:cNvSpPr>
+            <p:nvPr/>
+          </p:nvSpPr>
+          <p:spPr>
+            <a:xfrm>
+              <a:off x="3850766" y="2093599"/>
+              <a:ext cx="321220" cy="460024"/>
+            </a:xfrm>
+            <a:prstGeom prst="rect">
+              <a:avLst/>
+            </a:prstGeom>
+            <a:solidFill>
+              <a:srgbClr val="FF0000"/>
+            </a:solidFill>
+            <a:ln>
+              <a:noFill/>
+            </a:ln>
+          </p:spPr>
+          <p:style>
+            <a:lnRef idx="1">
+              <a:schemeClr val="accent1"/>
+            </a:lnRef>
+            <a:fillRef idx="3">
+              <a:schemeClr val="accent1"/>
+            </a:fillRef>
+            <a:effectRef idx="2">
+              <a:schemeClr val="accent1"/>
+            </a:effectRef>
+            <a:fontRef idx="minor">
+              <a:schemeClr val="lt1"/>
+            </a:fontRef>
+          </p:style>
+          <p:txBody>
+            <a:bodyPr rtlCol="0" anchor="ctr"/>
+            <a:lstStyle/>
+            <a:p>
+              <a:pPr algn="ctr"/>
+              <a:r>
+                <a:rPr lang="en-US" sz="1600" dirty="0"/>
+                <a:t>C</a:t>
+              </a:r>
+            </a:p>
+          </p:txBody>
+        </p:sp>
+      </p:grpSp>
+      <p:sp>
+        <p:nvSpPr>
+          <p:cNvPr id="56" name="TextBox 55">
+            <a:extLst>
+              <a:ext uri="{FF2B5EF4-FFF2-40B4-BE49-F238E27FC236}">
+                <a16:creationId xmlns:a16="http://schemas.microsoft.com/office/drawing/2014/main" id="{84104E68-3DB6-9B4F-F726-7A24F7CBCF7D}"/>
+              </a:ext>
+            </a:extLst>
+          </p:cNvPr>
+          <p:cNvSpPr txBox="1"/>
+          <p:nvPr/>
+        </p:nvSpPr>
+        <p:spPr>
+          <a:xfrm>
+            <a:off x="236485" y="1912881"/>
+            <a:ext cx="811441" cy="307777"/>
+          </a:xfrm>
+          <a:prstGeom prst="rect">
+            <a:avLst/>
+          </a:prstGeom>
+          <a:noFill/>
+        </p:spPr>
+        <p:txBody>
+          <a:bodyPr wrap="none" rtlCol="0">
+            <a:spAutoFit/>
+          </a:bodyPr>
+          <a:lstStyle/>
+          <a:p>
+            <a:r>
+              <a:rPr lang="en-US" dirty="0"/>
+              <a:t>setpoint</a:t>
+            </a:r>
+          </a:p>
+        </p:txBody>
+      </p:sp>
+      <p:sp>
+        <p:nvSpPr>
+          <p:cNvPr id="57" name="TextBox 56">
+            <a:extLst>
+              <a:ext uri="{FF2B5EF4-FFF2-40B4-BE49-F238E27FC236}">
+                <a16:creationId xmlns:a16="http://schemas.microsoft.com/office/drawing/2014/main" id="{FF6A3A8B-C0DB-8B57-29C8-41F767EB0FE4}"/>
+              </a:ext>
+            </a:extLst>
+          </p:cNvPr>
+          <p:cNvSpPr txBox="1"/>
+          <p:nvPr/>
+        </p:nvSpPr>
+        <p:spPr>
+          <a:xfrm>
+            <a:off x="4889135" y="1908144"/>
+            <a:ext cx="681597" cy="307777"/>
+          </a:xfrm>
+          <a:prstGeom prst="rect">
+            <a:avLst/>
+          </a:prstGeom>
+          <a:noFill/>
+        </p:spPr>
+        <p:txBody>
+          <a:bodyPr wrap="none" rtlCol="0">
+            <a:spAutoFit/>
+          </a:bodyPr>
+          <a:lstStyle/>
+          <a:p>
+            <a:r>
+              <a:rPr lang="en-US" dirty="0"/>
+              <a:t>output</a:t>
+            </a:r>
+          </a:p>
+        </p:txBody>
+      </p:sp>
+    </p:spTree>
+    <p:extLst>
+      <p:ext uri="{BB962C8B-B14F-4D97-AF65-F5344CB8AC3E}">
+        <p14:creationId xmlns:p14="http://schemas.microsoft.com/office/powerpoint/2010/main" val="3661739639"/>
+      </p:ext>
+    </p:extLst>
+  </p:cSld>
+  <p:clrMapOvr>
+    <a:masterClrMapping/>
+  </p:clrMapOvr>
+</p:sld>
+</file>
+
+<file path=ppt/slides/slide7.xml><?xml version="1.0" encoding="utf-8"?>
+<p:sld xmlns:a="http://schemas.openxmlformats.org/drawingml/2006/main" xmlns:r="http://schemas.openxmlformats.org/officeDocument/2006/relationships" xmlns:p="http://schemas.openxmlformats.org/presentationml/2006/main">
+  <p:cSld>
+    <p:spTree>
+      <p:nvGrpSpPr>
+        <p:cNvPr id="1" name=""/>
+        <p:cNvGrpSpPr/>
+        <p:nvPr/>
+      </p:nvGrpSpPr>
+      <p:grpSpPr>
+        <a:xfrm>
+          <a:off x="0" y="0"/>
+          <a:ext cx="0" cy="0"/>
+          <a:chOff x="0" y="0"/>
+          <a:chExt cx="0" cy="0"/>
+        </a:xfrm>
+      </p:grpSpPr>
+      <p:sp>
+        <p:nvSpPr>
+          <p:cNvPr id="2" name="Title 1">
+            <a:extLst>
+              <a:ext uri="{FF2B5EF4-FFF2-40B4-BE49-F238E27FC236}">
                 <a16:creationId xmlns:a16="http://schemas.microsoft.com/office/drawing/2014/main" id="{62E67C39-9B4A-A780-05E3-40D890C86594}"/>
               </a:ext>
             </a:extLst>
@@ -31016,7 +33525,7 @@
             </a:pPr>
             <a:fld id="{00000000-1234-1234-1234-123412341234}" type="slidenum">
               <a:rPr lang="en-US" smtClean="0"/>
-              <a:t>6</a:t>
+              <a:t>7</a:t>
             </a:fld>
             <a:endParaRPr lang="en-US"/>
           </a:p>
@@ -32562,7 +35071,7 @@
 </p:sld>
 </file>
 
-<file path=ppt/slides/slide7.xml><?xml version="1.0" encoding="utf-8"?>
+<file path=ppt/slides/slide8.xml><?xml version="1.0" encoding="utf-8"?>
 <p:sld xmlns:a="http://schemas.openxmlformats.org/drawingml/2006/main" xmlns:r="http://schemas.openxmlformats.org/officeDocument/2006/relationships" xmlns:p="http://schemas.openxmlformats.org/presentationml/2006/main">
   <p:cSld>
     <p:spTree>
@@ -32644,7 +35153,7 @@
             </a:pPr>
             <a:fld id="{00000000-1234-1234-1234-123412341234}" type="slidenum">
               <a:rPr lang="en-US" smtClean="0"/>
-              <a:t>7</a:t>
+              <a:t>8</a:t>
             </a:fld>
             <a:endParaRPr lang="en-US"/>
           </a:p>
@@ -33640,7 +36149,7 @@
 </p:sld>
 </file>
 
-<file path=ppt/slides/slide8.xml><?xml version="1.0" encoding="utf-8"?>
+<file path=ppt/slides/slide9.xml><?xml version="1.0" encoding="utf-8"?>
 <p:sld xmlns:a="http://schemas.openxmlformats.org/drawingml/2006/main" xmlns:r="http://schemas.openxmlformats.org/officeDocument/2006/relationships" xmlns:p="http://schemas.openxmlformats.org/presentationml/2006/main">
   <p:cSld>
     <p:spTree>
@@ -33722,7 +36231,7 @@
             </a:pPr>
             <a:fld id="{00000000-1234-1234-1234-123412341234}" type="slidenum">
               <a:rPr lang="en-US" smtClean="0"/>
-              <a:t>8</a:t>
+              <a:t>9</a:t>
             </a:fld>
             <a:endParaRPr lang="en-US"/>
           </a:p>
@@ -35109,1424 +37618,6 @@
 </p:sld>
 </file>
 
-<file path=ppt/slides/slide9.xml><?xml version="1.0" encoding="utf-8"?>
-<p:sld xmlns:a="http://schemas.openxmlformats.org/drawingml/2006/main" xmlns:r="http://schemas.openxmlformats.org/officeDocument/2006/relationships" xmlns:p="http://schemas.openxmlformats.org/presentationml/2006/main">
-  <p:cSld>
-    <p:spTree>
-      <p:nvGrpSpPr>
-        <p:cNvPr id="1" name=""/>
-        <p:cNvGrpSpPr/>
-        <p:nvPr/>
-      </p:nvGrpSpPr>
-      <p:grpSpPr>
-        <a:xfrm>
-          <a:off x="0" y="0"/>
-          <a:ext cx="0" cy="0"/>
-          <a:chOff x="0" y="0"/>
-          <a:chExt cx="0" cy="0"/>
-        </a:xfrm>
-      </p:grpSpPr>
-      <p:sp>
-        <p:nvSpPr>
-          <p:cNvPr id="2" name="Title 1">
-            <a:extLst>
-              <a:ext uri="{FF2B5EF4-FFF2-40B4-BE49-F238E27FC236}">
-                <a16:creationId xmlns:a16="http://schemas.microsoft.com/office/drawing/2014/main" id="{6FCE01FA-EFC2-2165-29CA-F96D5D05C56F}"/>
-              </a:ext>
-            </a:extLst>
-          </p:cNvPr>
-          <p:cNvSpPr>
-            <a:spLocks noGrp="1"/>
-          </p:cNvSpPr>
-          <p:nvPr>
-            <p:ph type="title"/>
-          </p:nvPr>
-        </p:nvSpPr>
-        <p:spPr>
-          <a:xfrm>
-            <a:off x="457200" y="228600"/>
-            <a:ext cx="5470635" cy="838200"/>
-          </a:xfrm>
-        </p:spPr>
-        <p:txBody>
-          <a:bodyPr/>
-          <a:lstStyle/>
-          <a:p>
-            <a:r>
-              <a:rPr lang="en-US" dirty="0"/>
-              <a:t>Differential Control</a:t>
-            </a:r>
-          </a:p>
-        </p:txBody>
-      </p:sp>
-      <p:sp>
-        <p:nvSpPr>
-          <p:cNvPr id="3" name="Slide Number Placeholder 2">
-            <a:extLst>
-              <a:ext uri="{FF2B5EF4-FFF2-40B4-BE49-F238E27FC236}">
-                <a16:creationId xmlns:a16="http://schemas.microsoft.com/office/drawing/2014/main" id="{3767CEF4-628D-4B8C-0130-5B1E31C097A0}"/>
-              </a:ext>
-            </a:extLst>
-          </p:cNvPr>
-          <p:cNvSpPr>
-            <a:spLocks noGrp="1"/>
-          </p:cNvSpPr>
-          <p:nvPr>
-            <p:ph type="sldNum" idx="12"/>
-          </p:nvPr>
-        </p:nvSpPr>
-        <p:spPr/>
-        <p:txBody>
-          <a:bodyPr/>
-          <a:lstStyle/>
-          <a:p>
-            <a:pPr marL="0" lvl="0" indent="0" algn="l" rtl="0">
-              <a:spcBef>
-                <a:spcPts val="0"/>
-              </a:spcBef>
-              <a:spcAft>
-                <a:spcPts val="0"/>
-              </a:spcAft>
-              <a:buNone/>
-            </a:pPr>
-            <a:fld id="{00000000-1234-1234-1234-123412341234}" type="slidenum">
-              <a:rPr lang="en-US" smtClean="0"/>
-              <a:t>9</a:t>
-            </a:fld>
-            <a:endParaRPr lang="en-US"/>
-          </a:p>
-        </p:txBody>
-      </p:sp>
-      <mc:AlternateContent xmlns:mc="http://schemas.openxmlformats.org/markup-compatibility/2006" xmlns:a14="http://schemas.microsoft.com/office/drawing/2010/main">
-        <mc:Choice Requires="a14">
-          <p:sp>
-            <p:nvSpPr>
-              <p:cNvPr id="25" name="TextBox 24">
-                <a:extLst>
-                  <a:ext uri="{FF2B5EF4-FFF2-40B4-BE49-F238E27FC236}">
-                    <a16:creationId xmlns:a16="http://schemas.microsoft.com/office/drawing/2014/main" id="{FA4E9837-E0A1-9CF5-9C2A-63E09F187349}"/>
-                  </a:ext>
-                </a:extLst>
-              </p:cNvPr>
-              <p:cNvSpPr txBox="1"/>
-              <p:nvPr/>
-            </p:nvSpPr>
-            <p:spPr>
-              <a:xfrm>
-                <a:off x="1196200" y="1337177"/>
-                <a:ext cx="2135579" cy="615553"/>
-              </a:xfrm>
-              <a:prstGeom prst="rect">
-                <a:avLst/>
-              </a:prstGeom>
-              <a:noFill/>
-            </p:spPr>
-            <p:txBody>
-              <a:bodyPr wrap="square" lIns="0" tIns="0" rIns="0" bIns="0" rtlCol="0">
-                <a:spAutoFit/>
-              </a:bodyPr>
-              <a:lstStyle/>
-              <a:p>
-                <a:pPr/>
-                <a14:m>
-                  <m:oMathPara xmlns:m="http://schemas.openxmlformats.org/officeDocument/2006/math">
-                    <m:oMathParaPr>
-                      <m:jc m:val="centerGroup"/>
-                    </m:oMathParaPr>
-                    <m:oMath xmlns:m="http://schemas.openxmlformats.org/officeDocument/2006/math">
-                      <m:r>
-                        <a:rPr lang="en-US" sz="2000" b="0" i="1" smtClean="0">
-                          <a:latin typeface="Cambria Math" panose="02040503050406030204" pitchFamily="18" charset="0"/>
-                        </a:rPr>
-                        <m:t>𝑢</m:t>
-                      </m:r>
-                      <m:d>
-                        <m:dPr>
-                          <m:ctrlPr>
-                            <a:rPr lang="en-US" sz="2000" b="0" i="1" smtClean="0">
-                              <a:latin typeface="Cambria Math" panose="02040503050406030204" pitchFamily="18" charset="0"/>
-                            </a:rPr>
-                          </m:ctrlPr>
-                        </m:dPr>
-                        <m:e>
-                          <m:r>
-                            <a:rPr lang="en-US" sz="2000" b="0" i="1" smtClean="0">
-                              <a:latin typeface="Cambria Math" panose="02040503050406030204" pitchFamily="18" charset="0"/>
-                            </a:rPr>
-                            <m:t>𝑡</m:t>
-                          </m:r>
-                        </m:e>
-                      </m:d>
-                      <m:r>
-                        <a:rPr lang="en-US" sz="2000" b="0" i="1" smtClean="0">
-                          <a:latin typeface="Cambria Math" panose="02040503050406030204" pitchFamily="18" charset="0"/>
-                        </a:rPr>
-                        <m:t>=</m:t>
-                      </m:r>
-                      <m:acc>
-                        <m:accPr>
-                          <m:chr m:val="̇"/>
-                          <m:ctrlPr>
-                            <a:rPr lang="en-US" sz="2000" i="1">
-                              <a:latin typeface="Cambria Math" panose="02040503050406030204" pitchFamily="18" charset="0"/>
-                            </a:rPr>
-                          </m:ctrlPr>
-                        </m:accPr>
-                        <m:e>
-                          <m:r>
-                            <a:rPr lang="en-US" sz="2000" i="1">
-                              <a:latin typeface="Cambria Math" panose="02040503050406030204" pitchFamily="18" charset="0"/>
-                            </a:rPr>
-                            <m:t>𝑒</m:t>
-                          </m:r>
-                        </m:e>
-                      </m:acc>
-                      <m:d>
-                        <m:dPr>
-                          <m:ctrlPr>
-                            <a:rPr lang="en-US" sz="2000" i="1">
-                              <a:latin typeface="Cambria Math" panose="02040503050406030204" pitchFamily="18" charset="0"/>
-                            </a:rPr>
-                          </m:ctrlPr>
-                        </m:dPr>
-                        <m:e>
-                          <m:r>
-                            <a:rPr lang="en-US" sz="2000" i="1">
-                              <a:latin typeface="Cambria Math" panose="02040503050406030204" pitchFamily="18" charset="0"/>
-                            </a:rPr>
-                            <m:t>𝑡</m:t>
-                          </m:r>
-                        </m:e>
-                      </m:d>
-                      <m:sSub>
-                        <m:sSubPr>
-                          <m:ctrlPr>
-                            <a:rPr lang="en-US" sz="2000" b="0" i="1" smtClean="0">
-                              <a:latin typeface="Cambria Math" panose="02040503050406030204" pitchFamily="18" charset="0"/>
-                            </a:rPr>
-                          </m:ctrlPr>
-                        </m:sSubPr>
-                        <m:e>
-                          <m:r>
-                            <a:rPr lang="en-US" sz="2000" b="0" i="1" smtClean="0">
-                              <a:latin typeface="Cambria Math" panose="02040503050406030204" pitchFamily="18" charset="0"/>
-                            </a:rPr>
-                            <m:t>𝑘</m:t>
-                          </m:r>
-                        </m:e>
-                        <m:sub>
-                          <m:r>
-                            <a:rPr lang="en-US" sz="2000" b="0" i="1" smtClean="0">
-                              <a:latin typeface="Cambria Math" panose="02040503050406030204" pitchFamily="18" charset="0"/>
-                            </a:rPr>
-                            <m:t>𝐷</m:t>
-                          </m:r>
-                        </m:sub>
-                      </m:sSub>
-                    </m:oMath>
-                  </m:oMathPara>
-                </a14:m>
-                <a:endParaRPr lang="en-US" sz="2000" b="0" i="1" dirty="0">
-                  <a:latin typeface="Cambria Math" panose="02040503050406030204" pitchFamily="18" charset="0"/>
-                </a:endParaRPr>
-              </a:p>
-              <a:p>
-                <a:endParaRPr lang="en-US" sz="2000" dirty="0"/>
-              </a:p>
-            </p:txBody>
-          </p:sp>
-        </mc:Choice>
-        <mc:Fallback xmlns="">
-          <p:sp>
-            <p:nvSpPr>
-              <p:cNvPr id="25" name="TextBox 24">
-                <a:extLst>
-                  <a:ext uri="{FF2B5EF4-FFF2-40B4-BE49-F238E27FC236}">
-                    <a16:creationId xmlns:a16="http://schemas.microsoft.com/office/drawing/2014/main" id="{FA4E9837-E0A1-9CF5-9C2A-63E09F187349}"/>
-                  </a:ext>
-                </a:extLst>
-              </p:cNvPr>
-              <p:cNvSpPr txBox="1">
-                <a:spLocks noRot="1" noChangeAspect="1" noMove="1" noResize="1" noEditPoints="1" noAdjustHandles="1" noChangeArrowheads="1" noChangeShapeType="1" noTextEdit="1"/>
-              </p:cNvSpPr>
-              <p:nvPr/>
-            </p:nvSpPr>
-            <p:spPr>
-              <a:xfrm>
-                <a:off x="1196200" y="1337177"/>
-                <a:ext cx="2135579" cy="615553"/>
-              </a:xfrm>
-              <a:prstGeom prst="rect">
-                <a:avLst/>
-              </a:prstGeom>
-              <a:blipFill>
-                <a:blip r:embed="rId2"/>
-                <a:stretch>
-                  <a:fillRect/>
-                </a:stretch>
-              </a:blipFill>
-            </p:spPr>
-            <p:txBody>
-              <a:bodyPr/>
-              <a:lstStyle/>
-              <a:p>
-                <a:r>
-                  <a:rPr lang="en-US">
-                    <a:noFill/>
-                  </a:rPr>
-                  <a:t> </a:t>
-                </a:r>
-              </a:p>
-            </p:txBody>
-          </p:sp>
-        </mc:Fallback>
-      </mc:AlternateContent>
-      <p:sp>
-        <p:nvSpPr>
-          <p:cNvPr id="33" name="TextBox 32">
-            <a:extLst>
-              <a:ext uri="{FF2B5EF4-FFF2-40B4-BE49-F238E27FC236}">
-                <a16:creationId xmlns:a16="http://schemas.microsoft.com/office/drawing/2014/main" id="{11B8E1E3-EE10-E785-657F-2A659626BDD6}"/>
-              </a:ext>
-            </a:extLst>
-          </p:cNvPr>
-          <p:cNvSpPr txBox="1"/>
-          <p:nvPr/>
-        </p:nvSpPr>
-        <p:spPr>
-          <a:xfrm>
-            <a:off x="1311024" y="3657600"/>
-            <a:ext cx="3873176" cy="400110"/>
-          </a:xfrm>
-          <a:prstGeom prst="rect">
-            <a:avLst/>
-          </a:prstGeom>
-          <a:noFill/>
-        </p:spPr>
-        <p:txBody>
-          <a:bodyPr wrap="none" rtlCol="0">
-            <a:spAutoFit/>
-          </a:bodyPr>
-          <a:lstStyle/>
-          <a:p>
-            <a:r>
-              <a:rPr lang="en-US" sz="2000" dirty="0"/>
-              <a:t>Senses change in control errors.</a:t>
-            </a:r>
-          </a:p>
-        </p:txBody>
-      </p:sp>
-      <p:sp>
-        <p:nvSpPr>
-          <p:cNvPr id="34" name="TextBox 33">
-            <a:extLst>
-              <a:ext uri="{FF2B5EF4-FFF2-40B4-BE49-F238E27FC236}">
-                <a16:creationId xmlns:a16="http://schemas.microsoft.com/office/drawing/2014/main" id="{8E5347DB-2067-BDB9-F735-7474A836F75C}"/>
-              </a:ext>
-            </a:extLst>
-          </p:cNvPr>
-          <p:cNvSpPr txBox="1"/>
-          <p:nvPr/>
-        </p:nvSpPr>
-        <p:spPr>
-          <a:xfrm>
-            <a:off x="1311024" y="4309477"/>
-            <a:ext cx="3485249" cy="707886"/>
-          </a:xfrm>
-          <a:prstGeom prst="rect">
-            <a:avLst/>
-          </a:prstGeom>
-          <a:noFill/>
-        </p:spPr>
-        <p:txBody>
-          <a:bodyPr wrap="none" rtlCol="0">
-            <a:spAutoFit/>
-          </a:bodyPr>
-          <a:lstStyle/>
-          <a:p>
-            <a:r>
-              <a:rPr lang="en-US" sz="2000" dirty="0"/>
-              <a:t>Appeal</a:t>
-            </a:r>
-          </a:p>
-          <a:p>
-            <a:r>
-              <a:rPr lang="en-US" sz="2000" dirty="0"/>
-              <a:t>    Fast response to changes.</a:t>
-            </a:r>
-          </a:p>
-        </p:txBody>
-      </p:sp>
-      <p:sp>
-        <p:nvSpPr>
-          <p:cNvPr id="35" name="TextBox 34">
-            <a:extLst>
-              <a:ext uri="{FF2B5EF4-FFF2-40B4-BE49-F238E27FC236}">
-                <a16:creationId xmlns:a16="http://schemas.microsoft.com/office/drawing/2014/main" id="{27AF62F8-DC06-B5D1-77C2-76D1E7D24C2E}"/>
-              </a:ext>
-            </a:extLst>
-          </p:cNvPr>
-          <p:cNvSpPr txBox="1"/>
-          <p:nvPr/>
-        </p:nvSpPr>
-        <p:spPr>
-          <a:xfrm>
-            <a:off x="1311024" y="5269129"/>
-            <a:ext cx="3244799" cy="707886"/>
-          </a:xfrm>
-          <a:prstGeom prst="rect">
-            <a:avLst/>
-          </a:prstGeom>
-          <a:noFill/>
-        </p:spPr>
-        <p:txBody>
-          <a:bodyPr wrap="none" rtlCol="0">
-            <a:spAutoFit/>
-          </a:bodyPr>
-          <a:lstStyle/>
-          <a:p>
-            <a:r>
-              <a:rPr lang="en-US" sz="2000" dirty="0"/>
-              <a:t>Issues</a:t>
-            </a:r>
-          </a:p>
-          <a:p>
-            <a:r>
-              <a:rPr lang="en-US" sz="2000" dirty="0"/>
-              <a:t>    Works poorly with noise.</a:t>
-            </a:r>
-          </a:p>
-        </p:txBody>
-      </p:sp>
-      <mc:AlternateContent xmlns:mc="http://schemas.openxmlformats.org/markup-compatibility/2006" xmlns:a14="http://schemas.microsoft.com/office/drawing/2010/main">
-        <mc:Choice Requires="a14">
-          <p:sp>
-            <p:nvSpPr>
-              <p:cNvPr id="8" name="TextBox 7">
-                <a:extLst>
-                  <a:ext uri="{FF2B5EF4-FFF2-40B4-BE49-F238E27FC236}">
-                    <a16:creationId xmlns:a16="http://schemas.microsoft.com/office/drawing/2014/main" id="{7F68BFFE-5DCD-4255-DE10-FB949E33FA0F}"/>
-                  </a:ext>
-                </a:extLst>
-              </p:cNvPr>
-              <p:cNvSpPr txBox="1"/>
-              <p:nvPr/>
-            </p:nvSpPr>
-            <p:spPr>
-              <a:xfrm>
-                <a:off x="3502085" y="2415025"/>
-                <a:ext cx="361125" cy="331437"/>
-              </a:xfrm>
-              <a:prstGeom prst="rect">
-                <a:avLst/>
-              </a:prstGeom>
-              <a:noFill/>
-            </p:spPr>
-            <p:txBody>
-              <a:bodyPr wrap="none" lIns="0" tIns="0" rIns="0" bIns="0" rtlCol="0">
-                <a:spAutoFit/>
-              </a:bodyPr>
-              <a:lstStyle/>
-              <a:p>
-                <a:pPr/>
-                <a14:m>
-                  <m:oMathPara xmlns:m="http://schemas.openxmlformats.org/officeDocument/2006/math">
-                    <m:oMathParaPr>
-                      <m:jc m:val="centerGroup"/>
-                    </m:oMathParaPr>
-                    <m:oMath xmlns:m="http://schemas.openxmlformats.org/officeDocument/2006/math">
-                      <m:sSub>
-                        <m:sSubPr>
-                          <m:ctrlPr>
-                            <a:rPr lang="en-US" sz="2000" b="0" i="1" smtClean="0">
-                              <a:solidFill>
-                                <a:schemeClr val="bg1"/>
-                              </a:solidFill>
-                              <a:latin typeface="Cambria Math" panose="02040503050406030204" pitchFamily="18" charset="0"/>
-                            </a:rPr>
-                          </m:ctrlPr>
-                        </m:sSubPr>
-                        <m:e>
-                          <m:r>
-                            <a:rPr lang="en-US" sz="2000" b="0" i="1" smtClean="0">
-                              <a:solidFill>
-                                <a:schemeClr val="bg1"/>
-                              </a:solidFill>
-                              <a:latin typeface="Cambria Math" panose="02040503050406030204" pitchFamily="18" charset="0"/>
-                            </a:rPr>
-                            <m:t>𝐾</m:t>
-                          </m:r>
-                        </m:e>
-                        <m:sub>
-                          <m:r>
-                            <a:rPr lang="en-US" sz="2000" b="0" i="1" smtClean="0">
-                              <a:solidFill>
-                                <a:schemeClr val="bg1"/>
-                              </a:solidFill>
-                              <a:latin typeface="Cambria Math" panose="02040503050406030204" pitchFamily="18" charset="0"/>
-                            </a:rPr>
-                            <m:t>𝑝</m:t>
-                          </m:r>
-                        </m:sub>
-                      </m:sSub>
-                    </m:oMath>
-                  </m:oMathPara>
-                </a14:m>
-                <a:endParaRPr lang="en-US" dirty="0">
-                  <a:solidFill>
-                    <a:schemeClr val="bg1"/>
-                  </a:solidFill>
-                </a:endParaRPr>
-              </a:p>
-            </p:txBody>
-          </p:sp>
-        </mc:Choice>
-        <mc:Fallback xmlns="">
-          <p:sp>
-            <p:nvSpPr>
-              <p:cNvPr id="8" name="TextBox 7">
-                <a:extLst>
-                  <a:ext uri="{FF2B5EF4-FFF2-40B4-BE49-F238E27FC236}">
-                    <a16:creationId xmlns:a16="http://schemas.microsoft.com/office/drawing/2014/main" id="{7F68BFFE-5DCD-4255-DE10-FB949E33FA0F}"/>
-                  </a:ext>
-                </a:extLst>
-              </p:cNvPr>
-              <p:cNvSpPr txBox="1">
-                <a:spLocks noRot="1" noChangeAspect="1" noMove="1" noResize="1" noEditPoints="1" noAdjustHandles="1" noChangeArrowheads="1" noChangeShapeType="1" noTextEdit="1"/>
-              </p:cNvSpPr>
-              <p:nvPr/>
-            </p:nvSpPr>
-            <p:spPr>
-              <a:xfrm>
-                <a:off x="3502085" y="2415025"/>
-                <a:ext cx="361125" cy="331437"/>
-              </a:xfrm>
-              <a:prstGeom prst="rect">
-                <a:avLst/>
-              </a:prstGeom>
-              <a:blipFill>
-                <a:blip r:embed="rId3"/>
-                <a:stretch>
-                  <a:fillRect l="-13333" r="-3333" b="-18519"/>
-                </a:stretch>
-              </a:blipFill>
-            </p:spPr>
-            <p:txBody>
-              <a:bodyPr/>
-              <a:lstStyle/>
-              <a:p>
-                <a:r>
-                  <a:rPr lang="en-US">
-                    <a:noFill/>
-                  </a:rPr>
-                  <a:t> </a:t>
-                </a:r>
-              </a:p>
-            </p:txBody>
-          </p:sp>
-        </mc:Fallback>
-      </mc:AlternateContent>
-      <p:cxnSp>
-        <p:nvCxnSpPr>
-          <p:cNvPr id="9" name="Straight Arrow Connector 8">
-            <a:extLst>
-              <a:ext uri="{FF2B5EF4-FFF2-40B4-BE49-F238E27FC236}">
-                <a16:creationId xmlns:a16="http://schemas.microsoft.com/office/drawing/2014/main" id="{8D646EEF-E30E-7D91-A47C-BD049988A075}"/>
-              </a:ext>
-            </a:extLst>
-          </p:cNvPr>
-          <p:cNvCxnSpPr>
-            <a:cxnSpLocks/>
-          </p:cNvCxnSpPr>
-          <p:nvPr/>
-        </p:nvCxnSpPr>
-        <p:spPr>
-          <a:xfrm flipV="1">
-            <a:off x="2618146" y="2623574"/>
-            <a:ext cx="389660" cy="8371"/>
-          </a:xfrm>
-          <a:prstGeom prst="straightConnector1">
-            <a:avLst/>
-          </a:prstGeom>
-          <a:ln>
-            <a:solidFill>
-              <a:srgbClr val="FF0000"/>
-            </a:solidFill>
-            <a:tailEnd type="triangle" w="lg" len="lg"/>
-          </a:ln>
-          <a:effectLst>
-            <a:outerShdw dist="20000" sx="1000" sy="1000" rotWithShape="0">
-              <a:srgbClr val="000000"/>
-            </a:outerShdw>
-          </a:effectLst>
-        </p:spPr>
-        <p:style>
-          <a:lnRef idx="2">
-            <a:schemeClr val="accent1"/>
-          </a:lnRef>
-          <a:fillRef idx="0">
-            <a:schemeClr val="accent1"/>
-          </a:fillRef>
-          <a:effectRef idx="1">
-            <a:schemeClr val="accent1"/>
-          </a:effectRef>
-          <a:fontRef idx="minor">
-            <a:schemeClr val="tx1"/>
-          </a:fontRef>
-        </p:style>
-      </p:cxnSp>
-      <p:cxnSp>
-        <p:nvCxnSpPr>
-          <p:cNvPr id="10" name="Straight Arrow Connector 9">
-            <a:extLst>
-              <a:ext uri="{FF2B5EF4-FFF2-40B4-BE49-F238E27FC236}">
-                <a16:creationId xmlns:a16="http://schemas.microsoft.com/office/drawing/2014/main" id="{86142977-CE08-22C8-2869-93F99B64BE75}"/>
-              </a:ext>
-            </a:extLst>
-          </p:cNvPr>
-          <p:cNvCxnSpPr>
-            <a:cxnSpLocks/>
-          </p:cNvCxnSpPr>
-          <p:nvPr/>
-        </p:nvCxnSpPr>
-        <p:spPr>
-          <a:xfrm>
-            <a:off x="3996462" y="2591253"/>
-            <a:ext cx="390817" cy="0"/>
-          </a:xfrm>
-          <a:prstGeom prst="straightConnector1">
-            <a:avLst/>
-          </a:prstGeom>
-          <a:ln>
-            <a:tailEnd type="triangle" w="lg" len="lg"/>
-          </a:ln>
-          <a:effectLst>
-            <a:outerShdw dist="20000" sx="1000" sy="1000" rotWithShape="0">
-              <a:srgbClr val="000000"/>
-            </a:outerShdw>
-          </a:effectLst>
-        </p:spPr>
-        <p:style>
-          <a:lnRef idx="2">
-            <a:schemeClr val="accent1"/>
-          </a:lnRef>
-          <a:fillRef idx="0">
-            <a:schemeClr val="accent1"/>
-          </a:fillRef>
-          <a:effectRef idx="1">
-            <a:schemeClr val="accent1"/>
-          </a:effectRef>
-          <a:fontRef idx="minor">
-            <a:schemeClr val="tx1"/>
-          </a:fontRef>
-        </p:style>
-      </p:cxnSp>
-      <mc:AlternateContent xmlns:mc="http://schemas.openxmlformats.org/markup-compatibility/2006" xmlns:a14="http://schemas.microsoft.com/office/drawing/2010/main">
-        <mc:Choice Requires="a14">
-          <p:sp>
-            <p:nvSpPr>
-              <p:cNvPr id="11" name="Rectangle 10">
-                <a:extLst>
-                  <a:ext uri="{FF2B5EF4-FFF2-40B4-BE49-F238E27FC236}">
-                    <a16:creationId xmlns:a16="http://schemas.microsoft.com/office/drawing/2014/main" id="{0BEC8D71-2417-3C43-363F-356424DB994D}"/>
-                  </a:ext>
-                </a:extLst>
-              </p:cNvPr>
-              <p:cNvSpPr/>
-              <p:nvPr/>
-            </p:nvSpPr>
-            <p:spPr>
-              <a:xfrm>
-                <a:off x="3971127" y="2057495"/>
-                <a:ext cx="728084" cy="400110"/>
-              </a:xfrm>
-              <a:prstGeom prst="rect">
-                <a:avLst/>
-              </a:prstGeom>
-            </p:spPr>
-            <p:txBody>
-              <a:bodyPr wrap="none">
-                <a:spAutoFit/>
-              </a:bodyPr>
-              <a:lstStyle/>
-              <a:p>
-                <a:pPr/>
-                <a14:m>
-                  <m:oMathPara xmlns:m="http://schemas.openxmlformats.org/officeDocument/2006/math">
-                    <m:oMathParaPr>
-                      <m:jc m:val="centerGroup"/>
-                    </m:oMathParaPr>
-                    <m:oMath xmlns:m="http://schemas.openxmlformats.org/officeDocument/2006/math">
-                      <m:r>
-                        <a:rPr lang="en-US" sz="2000" b="0" i="1" smtClean="0">
-                          <a:solidFill>
-                            <a:schemeClr val="tx1"/>
-                          </a:solidFill>
-                          <a:latin typeface="Cambria Math" panose="02040503050406030204" pitchFamily="18" charset="0"/>
-                        </a:rPr>
-                        <m:t>𝑢</m:t>
-                      </m:r>
-                      <m:r>
-                        <a:rPr lang="en-US" sz="2000" b="0" i="1" smtClean="0">
-                          <a:solidFill>
-                            <a:schemeClr val="tx1"/>
-                          </a:solidFill>
-                          <a:latin typeface="Cambria Math" panose="02040503050406030204" pitchFamily="18" charset="0"/>
-                        </a:rPr>
-                        <m:t>(</m:t>
-                      </m:r>
-                      <m:r>
-                        <a:rPr lang="en-US" sz="2000" b="0" i="1" smtClean="0">
-                          <a:solidFill>
-                            <a:schemeClr val="tx1"/>
-                          </a:solidFill>
-                          <a:latin typeface="Cambria Math" panose="02040503050406030204" pitchFamily="18" charset="0"/>
-                        </a:rPr>
-                        <m:t>𝑡</m:t>
-                      </m:r>
-                      <m:r>
-                        <a:rPr lang="en-US" sz="2000" b="0" i="1" smtClean="0">
-                          <a:solidFill>
-                            <a:schemeClr val="tx1"/>
-                          </a:solidFill>
-                          <a:latin typeface="Cambria Math" panose="02040503050406030204" pitchFamily="18" charset="0"/>
-                        </a:rPr>
-                        <m:t>)</m:t>
-                      </m:r>
-                    </m:oMath>
-                  </m:oMathPara>
-                </a14:m>
-                <a:endParaRPr lang="en-US" sz="2000" dirty="0">
-                  <a:solidFill>
-                    <a:schemeClr val="tx1"/>
-                  </a:solidFill>
-                </a:endParaRPr>
-              </a:p>
-            </p:txBody>
-          </p:sp>
-        </mc:Choice>
-        <mc:Fallback xmlns="">
-          <p:sp>
-            <p:nvSpPr>
-              <p:cNvPr id="11" name="Rectangle 10">
-                <a:extLst>
-                  <a:ext uri="{FF2B5EF4-FFF2-40B4-BE49-F238E27FC236}">
-                    <a16:creationId xmlns:a16="http://schemas.microsoft.com/office/drawing/2014/main" id="{0BEC8D71-2417-3C43-363F-356424DB994D}"/>
-                  </a:ext>
-                </a:extLst>
-              </p:cNvPr>
-              <p:cNvSpPr>
-                <a:spLocks noRot="1" noChangeAspect="1" noMove="1" noResize="1" noEditPoints="1" noAdjustHandles="1" noChangeArrowheads="1" noChangeShapeType="1" noTextEdit="1"/>
-              </p:cNvSpPr>
-              <p:nvPr/>
-            </p:nvSpPr>
-            <p:spPr>
-              <a:xfrm>
-                <a:off x="3971127" y="2057495"/>
-                <a:ext cx="728084" cy="400110"/>
-              </a:xfrm>
-              <a:prstGeom prst="rect">
-                <a:avLst/>
-              </a:prstGeom>
-              <a:blipFill>
-                <a:blip r:embed="rId4"/>
-                <a:stretch>
-                  <a:fillRect b="-12500"/>
-                </a:stretch>
-              </a:blipFill>
-            </p:spPr>
-            <p:txBody>
-              <a:bodyPr/>
-              <a:lstStyle/>
-              <a:p>
-                <a:r>
-                  <a:rPr lang="en-US">
-                    <a:noFill/>
-                  </a:rPr>
-                  <a:t> </a:t>
-                </a:r>
-              </a:p>
-            </p:txBody>
-          </p:sp>
-        </mc:Fallback>
-      </mc:AlternateContent>
-      <p:cxnSp>
-        <p:nvCxnSpPr>
-          <p:cNvPr id="12" name="Straight Arrow Connector 11">
-            <a:extLst>
-              <a:ext uri="{FF2B5EF4-FFF2-40B4-BE49-F238E27FC236}">
-                <a16:creationId xmlns:a16="http://schemas.microsoft.com/office/drawing/2014/main" id="{ED6A64C9-BFCE-82A3-15A7-9235E9B083BC}"/>
-              </a:ext>
-            </a:extLst>
-          </p:cNvPr>
-          <p:cNvCxnSpPr>
-            <a:cxnSpLocks/>
-          </p:cNvCxnSpPr>
-          <p:nvPr/>
-        </p:nvCxnSpPr>
-        <p:spPr>
-          <a:xfrm flipV="1">
-            <a:off x="1196200" y="2664264"/>
-            <a:ext cx="389660" cy="8371"/>
-          </a:xfrm>
-          <a:prstGeom prst="straightConnector1">
-            <a:avLst/>
-          </a:prstGeom>
-          <a:ln>
-            <a:tailEnd type="triangle" w="lg" len="lg"/>
-          </a:ln>
-          <a:effectLst>
-            <a:outerShdw dist="20000" sx="1000" sy="1000" rotWithShape="0">
-              <a:srgbClr val="000000"/>
-            </a:outerShdw>
-          </a:effectLst>
-        </p:spPr>
-        <p:style>
-          <a:lnRef idx="2">
-            <a:schemeClr val="accent1"/>
-          </a:lnRef>
-          <a:fillRef idx="0">
-            <a:schemeClr val="accent1"/>
-          </a:fillRef>
-          <a:effectRef idx="1">
-            <a:schemeClr val="accent1"/>
-          </a:effectRef>
-          <a:fontRef idx="minor">
-            <a:schemeClr val="tx1"/>
-          </a:fontRef>
-        </p:style>
-      </p:cxnSp>
-      <mc:AlternateContent xmlns:mc="http://schemas.openxmlformats.org/markup-compatibility/2006" xmlns:a14="http://schemas.microsoft.com/office/drawing/2010/main">
-        <mc:Choice Requires="a14">
-          <p:sp>
-            <p:nvSpPr>
-              <p:cNvPr id="13" name="Rectangle 12">
-                <a:extLst>
-                  <a:ext uri="{FF2B5EF4-FFF2-40B4-BE49-F238E27FC236}">
-                    <a16:creationId xmlns:a16="http://schemas.microsoft.com/office/drawing/2014/main" id="{44576B56-2851-A667-CEF4-F8CD413E1F0C}"/>
-                  </a:ext>
-                </a:extLst>
-              </p:cNvPr>
-              <p:cNvSpPr/>
-              <p:nvPr/>
-            </p:nvSpPr>
-            <p:spPr>
-              <a:xfrm>
-                <a:off x="952074" y="2146063"/>
-                <a:ext cx="706347" cy="400110"/>
-              </a:xfrm>
-              <a:prstGeom prst="rect">
-                <a:avLst/>
-              </a:prstGeom>
-            </p:spPr>
-            <p:txBody>
-              <a:bodyPr wrap="none">
-                <a:spAutoFit/>
-              </a:bodyPr>
-              <a:lstStyle/>
-              <a:p>
-                <a:pPr/>
-                <a14:m>
-                  <m:oMathPara xmlns:m="http://schemas.openxmlformats.org/officeDocument/2006/math">
-                    <m:oMathParaPr>
-                      <m:jc m:val="centerGroup"/>
-                    </m:oMathParaPr>
-                    <m:oMath xmlns:m="http://schemas.openxmlformats.org/officeDocument/2006/math">
-                      <m:r>
-                        <a:rPr lang="en-US" sz="2000" b="0" i="1" smtClean="0">
-                          <a:solidFill>
-                            <a:schemeClr val="tx1"/>
-                          </a:solidFill>
-                          <a:latin typeface="Cambria Math" panose="02040503050406030204" pitchFamily="18" charset="0"/>
-                        </a:rPr>
-                        <m:t>𝑒</m:t>
-                      </m:r>
-                      <m:r>
-                        <a:rPr lang="en-US" sz="2000" b="0" i="1" smtClean="0">
-                          <a:solidFill>
-                            <a:schemeClr val="tx1"/>
-                          </a:solidFill>
-                          <a:latin typeface="Cambria Math" panose="02040503050406030204" pitchFamily="18" charset="0"/>
-                        </a:rPr>
-                        <m:t>(</m:t>
-                      </m:r>
-                      <m:r>
-                        <a:rPr lang="en-US" sz="2000" b="0" i="1" smtClean="0">
-                          <a:solidFill>
-                            <a:schemeClr val="tx1"/>
-                          </a:solidFill>
-                          <a:latin typeface="Cambria Math" panose="02040503050406030204" pitchFamily="18" charset="0"/>
-                        </a:rPr>
-                        <m:t>𝑡</m:t>
-                      </m:r>
-                      <m:r>
-                        <a:rPr lang="en-US" sz="2000" b="0" i="1" smtClean="0">
-                          <a:solidFill>
-                            <a:schemeClr val="tx1"/>
-                          </a:solidFill>
-                          <a:latin typeface="Cambria Math" panose="02040503050406030204" pitchFamily="18" charset="0"/>
-                        </a:rPr>
-                        <m:t>)</m:t>
-                      </m:r>
-                    </m:oMath>
-                  </m:oMathPara>
-                </a14:m>
-                <a:endParaRPr lang="en-US" sz="2000" dirty="0">
-                  <a:solidFill>
-                    <a:schemeClr val="tx1"/>
-                  </a:solidFill>
-                </a:endParaRPr>
-              </a:p>
-            </p:txBody>
-          </p:sp>
-        </mc:Choice>
-        <mc:Fallback xmlns="">
-          <p:sp>
-            <p:nvSpPr>
-              <p:cNvPr id="13" name="Rectangle 12">
-                <a:extLst>
-                  <a:ext uri="{FF2B5EF4-FFF2-40B4-BE49-F238E27FC236}">
-                    <a16:creationId xmlns:a16="http://schemas.microsoft.com/office/drawing/2014/main" id="{44576B56-2851-A667-CEF4-F8CD413E1F0C}"/>
-                  </a:ext>
-                </a:extLst>
-              </p:cNvPr>
-              <p:cNvSpPr>
-                <a:spLocks noRot="1" noChangeAspect="1" noMove="1" noResize="1" noEditPoints="1" noAdjustHandles="1" noChangeArrowheads="1" noChangeShapeType="1" noTextEdit="1"/>
-              </p:cNvSpPr>
-              <p:nvPr/>
-            </p:nvSpPr>
-            <p:spPr>
-              <a:xfrm>
-                <a:off x="952074" y="2146063"/>
-                <a:ext cx="706347" cy="400110"/>
-              </a:xfrm>
-              <a:prstGeom prst="rect">
-                <a:avLst/>
-              </a:prstGeom>
-              <a:blipFill>
-                <a:blip r:embed="rId5"/>
-                <a:stretch>
-                  <a:fillRect b="-12121"/>
-                </a:stretch>
-              </a:blipFill>
-            </p:spPr>
-            <p:txBody>
-              <a:bodyPr/>
-              <a:lstStyle/>
-              <a:p>
-                <a:r>
-                  <a:rPr lang="en-US">
-                    <a:noFill/>
-                  </a:rPr>
-                  <a:t> </a:t>
-                </a:r>
-              </a:p>
-            </p:txBody>
-          </p:sp>
-        </mc:Fallback>
-      </mc:AlternateContent>
-      <p:sp>
-        <p:nvSpPr>
-          <p:cNvPr id="14" name="Rectangle 13">
-            <a:extLst>
-              <a:ext uri="{FF2B5EF4-FFF2-40B4-BE49-F238E27FC236}">
-                <a16:creationId xmlns:a16="http://schemas.microsoft.com/office/drawing/2014/main" id="{F4535ABD-4C8E-5ACC-E2CB-09E0C339E3ED}"/>
-              </a:ext>
-            </a:extLst>
-          </p:cNvPr>
-          <p:cNvSpPr/>
-          <p:nvPr/>
-        </p:nvSpPr>
-        <p:spPr>
-          <a:xfrm>
-            <a:off x="1627781" y="2105987"/>
-            <a:ext cx="2333879" cy="1037731"/>
-          </a:xfrm>
-          <a:prstGeom prst="rect">
-            <a:avLst/>
-          </a:prstGeom>
-          <a:noFill/>
-          <a:ln>
-            <a:solidFill>
-              <a:srgbClr val="FF0000"/>
-            </a:solidFill>
-            <a:prstDash val="dash"/>
-          </a:ln>
-        </p:spPr>
-        <p:style>
-          <a:lnRef idx="2">
-            <a:schemeClr val="accent1">
-              <a:shade val="50000"/>
-            </a:schemeClr>
-          </a:lnRef>
-          <a:fillRef idx="1">
-            <a:schemeClr val="accent1"/>
-          </a:fillRef>
-          <a:effectRef idx="0">
-            <a:schemeClr val="accent1"/>
-          </a:effectRef>
-          <a:fontRef idx="minor">
-            <a:schemeClr val="lt1"/>
-          </a:fontRef>
-        </p:style>
-        <p:txBody>
-          <a:bodyPr rtlCol="0" anchor="ctr"/>
-          <a:lstStyle/>
-          <a:p>
-            <a:pPr algn="ctr"/>
-            <a:endParaRPr lang="en-US"/>
-          </a:p>
-        </p:txBody>
-      </p:sp>
-      <mc:AlternateContent xmlns:mc="http://schemas.openxmlformats.org/markup-compatibility/2006" xmlns:a14="http://schemas.microsoft.com/office/drawing/2010/main">
-        <mc:Choice Requires="a14">
-          <p:sp>
-            <p:nvSpPr>
-              <p:cNvPr id="15" name="Rectangle 14">
-                <a:extLst>
-                  <a:ext uri="{FF2B5EF4-FFF2-40B4-BE49-F238E27FC236}">
-                    <a16:creationId xmlns:a16="http://schemas.microsoft.com/office/drawing/2014/main" id="{118EF449-BCD4-85A9-F047-3C854782ABE9}"/>
-                  </a:ext>
-                </a:extLst>
-              </p:cNvPr>
-              <p:cNvSpPr>
-                <a:spLocks noChangeAspect="1"/>
-              </p:cNvSpPr>
-              <p:nvPr/>
-            </p:nvSpPr>
-            <p:spPr>
-              <a:xfrm>
-                <a:off x="1809943" y="2289897"/>
-                <a:ext cx="760333" cy="700764"/>
-              </a:xfrm>
-              <a:prstGeom prst="rect">
-                <a:avLst/>
-              </a:prstGeom>
-              <a:solidFill>
-                <a:srgbClr val="FF0000"/>
-              </a:solidFill>
-              <a:ln>
-                <a:solidFill>
-                  <a:srgbClr val="FF0000"/>
-                </a:solidFill>
-              </a:ln>
-            </p:spPr>
-            <p:style>
-              <a:lnRef idx="1">
-                <a:schemeClr val="accent1"/>
-              </a:lnRef>
-              <a:fillRef idx="3">
-                <a:schemeClr val="accent1"/>
-              </a:fillRef>
-              <a:effectRef idx="2">
-                <a:schemeClr val="accent1"/>
-              </a:effectRef>
-              <a:fontRef idx="minor">
-                <a:schemeClr val="lt1"/>
-              </a:fontRef>
-            </p:style>
-            <p:txBody>
-              <a:bodyPr rtlCol="0" anchor="ctr"/>
-              <a:lstStyle/>
-              <a:p>
-                <a:pPr algn="ctr"/>
-                <a14:m>
-                  <m:oMathPara xmlns:m="http://schemas.openxmlformats.org/officeDocument/2006/math">
-                    <m:oMathParaPr>
-                      <m:jc m:val="centerGroup"/>
-                    </m:oMathParaPr>
-                    <m:oMath xmlns:m="http://schemas.openxmlformats.org/officeDocument/2006/math">
-                      <m:f>
-                        <m:fPr>
-                          <m:ctrlPr>
-                            <a:rPr lang="en-US" sz="1600" b="0" i="1" smtClean="0">
-                              <a:latin typeface="Cambria Math" panose="02040503050406030204" pitchFamily="18" charset="0"/>
-                            </a:rPr>
-                          </m:ctrlPr>
-                        </m:fPr>
-                        <m:num>
-                          <m:r>
-                            <a:rPr lang="en-US" sz="1600" b="0" i="1" smtClean="0">
-                              <a:latin typeface="Cambria Math" panose="02040503050406030204" pitchFamily="18" charset="0"/>
-                            </a:rPr>
-                            <m:t>𝑑</m:t>
-                          </m:r>
-                        </m:num>
-                        <m:den>
-                          <m:r>
-                            <a:rPr lang="en-US" sz="1600" b="0" i="1" smtClean="0">
-                              <a:latin typeface="Cambria Math" panose="02040503050406030204" pitchFamily="18" charset="0"/>
-                            </a:rPr>
-                            <m:t>𝑑𝑡</m:t>
-                          </m:r>
-                        </m:den>
-                      </m:f>
-                    </m:oMath>
-                  </m:oMathPara>
-                </a14:m>
-                <a:endParaRPr lang="en-US" sz="1600" dirty="0"/>
-              </a:p>
-            </p:txBody>
-          </p:sp>
-        </mc:Choice>
-        <mc:Fallback xmlns="">
-          <p:sp>
-            <p:nvSpPr>
-              <p:cNvPr id="15" name="Rectangle 14">
-                <a:extLst>
-                  <a:ext uri="{FF2B5EF4-FFF2-40B4-BE49-F238E27FC236}">
-                    <a16:creationId xmlns:a16="http://schemas.microsoft.com/office/drawing/2014/main" id="{118EF449-BCD4-85A9-F047-3C854782ABE9}"/>
-                  </a:ext>
-                </a:extLst>
-              </p:cNvPr>
-              <p:cNvSpPr>
-                <a:spLocks noRot="1" noChangeAspect="1" noMove="1" noResize="1" noEditPoints="1" noAdjustHandles="1" noChangeArrowheads="1" noChangeShapeType="1" noTextEdit="1"/>
-              </p:cNvSpPr>
-              <p:nvPr/>
-            </p:nvSpPr>
-            <p:spPr>
-              <a:xfrm>
-                <a:off x="1809943" y="2289897"/>
-                <a:ext cx="760333" cy="700764"/>
-              </a:xfrm>
-              <a:prstGeom prst="rect">
-                <a:avLst/>
-              </a:prstGeom>
-              <a:blipFill>
-                <a:blip r:embed="rId6"/>
-                <a:stretch>
-                  <a:fillRect/>
-                </a:stretch>
-              </a:blipFill>
-              <a:ln>
-                <a:solidFill>
-                  <a:srgbClr val="FF0000"/>
-                </a:solidFill>
-              </a:ln>
-            </p:spPr>
-            <p:txBody>
-              <a:bodyPr/>
-              <a:lstStyle/>
-              <a:p>
-                <a:r>
-                  <a:rPr lang="en-US">
-                    <a:noFill/>
-                  </a:rPr>
-                  <a:t> </a:t>
-                </a:r>
-              </a:p>
-            </p:txBody>
-          </p:sp>
-        </mc:Fallback>
-      </mc:AlternateContent>
-      <mc:AlternateContent xmlns:mc="http://schemas.openxmlformats.org/markup-compatibility/2006" xmlns:a14="http://schemas.microsoft.com/office/drawing/2010/main">
-        <mc:Choice Requires="a14">
-          <p:sp>
-            <p:nvSpPr>
-              <p:cNvPr id="16" name="Rectangle 15">
-                <a:extLst>
-                  <a:ext uri="{FF2B5EF4-FFF2-40B4-BE49-F238E27FC236}">
-                    <a16:creationId xmlns:a16="http://schemas.microsoft.com/office/drawing/2014/main" id="{EB07E124-0FDA-3CAB-4CA3-029ADFFAAA0C}"/>
-                  </a:ext>
-                </a:extLst>
-              </p:cNvPr>
-              <p:cNvSpPr>
-                <a:spLocks noChangeAspect="1"/>
-              </p:cNvSpPr>
-              <p:nvPr/>
-            </p:nvSpPr>
-            <p:spPr>
-              <a:xfrm>
-                <a:off x="3038541" y="2281563"/>
-                <a:ext cx="760333" cy="700764"/>
-              </a:xfrm>
-              <a:prstGeom prst="rect">
-                <a:avLst/>
-              </a:prstGeom>
-              <a:solidFill>
-                <a:srgbClr val="FF0000"/>
-              </a:solidFill>
-              <a:ln>
-                <a:solidFill>
-                  <a:srgbClr val="FF0000"/>
-                </a:solidFill>
-              </a:ln>
-            </p:spPr>
-            <p:style>
-              <a:lnRef idx="1">
-                <a:schemeClr val="accent1"/>
-              </a:lnRef>
-              <a:fillRef idx="3">
-                <a:schemeClr val="accent1"/>
-              </a:fillRef>
-              <a:effectRef idx="2">
-                <a:schemeClr val="accent1"/>
-              </a:effectRef>
-              <a:fontRef idx="minor">
-                <a:schemeClr val="lt1"/>
-              </a:fontRef>
-            </p:style>
-            <p:txBody>
-              <a:bodyPr rtlCol="0" anchor="ctr"/>
-              <a:lstStyle/>
-              <a:p>
-                <a:pPr algn="ctr"/>
-                <a14:m>
-                  <m:oMathPara xmlns:m="http://schemas.openxmlformats.org/officeDocument/2006/math">
-                    <m:oMathParaPr>
-                      <m:jc m:val="centerGroup"/>
-                    </m:oMathParaPr>
-                    <m:oMath xmlns:m="http://schemas.openxmlformats.org/officeDocument/2006/math">
-                      <m:sSub>
-                        <m:sSubPr>
-                          <m:ctrlPr>
-                            <a:rPr lang="en-US" sz="1600" b="0" i="1" smtClean="0">
-                              <a:latin typeface="Cambria Math" panose="02040503050406030204" pitchFamily="18" charset="0"/>
-                            </a:rPr>
-                          </m:ctrlPr>
-                        </m:sSubPr>
-                        <m:e>
-                          <m:r>
-                            <a:rPr lang="en-US" sz="1600" b="0" i="1" smtClean="0">
-                              <a:latin typeface="Cambria Math" panose="02040503050406030204" pitchFamily="18" charset="0"/>
-                            </a:rPr>
-                            <m:t>𝑘</m:t>
-                          </m:r>
-                        </m:e>
-                        <m:sub>
-                          <m:r>
-                            <a:rPr lang="en-US" sz="1600" b="0" i="1" smtClean="0">
-                              <a:latin typeface="Cambria Math" panose="02040503050406030204" pitchFamily="18" charset="0"/>
-                            </a:rPr>
-                            <m:t>𝐷</m:t>
-                          </m:r>
-                        </m:sub>
-                      </m:sSub>
-                    </m:oMath>
-                  </m:oMathPara>
-                </a14:m>
-                <a:endParaRPr lang="en-US" sz="1600" dirty="0"/>
-              </a:p>
-            </p:txBody>
-          </p:sp>
-        </mc:Choice>
-        <mc:Fallback xmlns="">
-          <p:sp>
-            <p:nvSpPr>
-              <p:cNvPr id="16" name="Rectangle 15">
-                <a:extLst>
-                  <a:ext uri="{FF2B5EF4-FFF2-40B4-BE49-F238E27FC236}">
-                    <a16:creationId xmlns:a16="http://schemas.microsoft.com/office/drawing/2014/main" id="{EB07E124-0FDA-3CAB-4CA3-029ADFFAAA0C}"/>
-                  </a:ext>
-                </a:extLst>
-              </p:cNvPr>
-              <p:cNvSpPr>
-                <a:spLocks noRot="1" noChangeAspect="1" noMove="1" noResize="1" noEditPoints="1" noAdjustHandles="1" noChangeArrowheads="1" noChangeShapeType="1" noTextEdit="1"/>
-              </p:cNvSpPr>
-              <p:nvPr/>
-            </p:nvSpPr>
-            <p:spPr>
-              <a:xfrm>
-                <a:off x="3038541" y="2281563"/>
-                <a:ext cx="760333" cy="700764"/>
-              </a:xfrm>
-              <a:prstGeom prst="rect">
-                <a:avLst/>
-              </a:prstGeom>
-              <a:blipFill>
-                <a:blip r:embed="rId7"/>
-                <a:stretch>
-                  <a:fillRect/>
-                </a:stretch>
-              </a:blipFill>
-              <a:ln>
-                <a:solidFill>
-                  <a:srgbClr val="FF0000"/>
-                </a:solidFill>
-              </a:ln>
-            </p:spPr>
-            <p:txBody>
-              <a:bodyPr/>
-              <a:lstStyle/>
-              <a:p>
-                <a:r>
-                  <a:rPr lang="en-US">
-                    <a:noFill/>
-                  </a:rPr>
-                  <a:t> </a:t>
-                </a:r>
-              </a:p>
-            </p:txBody>
-          </p:sp>
-        </mc:Fallback>
-      </mc:AlternateContent>
-      <p:pic>
-        <p:nvPicPr>
-          <p:cNvPr id="4" name="Picture 3">
-            <a:extLst>
-              <a:ext uri="{FF2B5EF4-FFF2-40B4-BE49-F238E27FC236}">
-                <a16:creationId xmlns:a16="http://schemas.microsoft.com/office/drawing/2014/main" id="{E1929481-AEEF-E212-89C8-40D8C7CF1FE1}"/>
-              </a:ext>
-            </a:extLst>
-          </p:cNvPr>
-          <p:cNvPicPr>
-            <a:picLocks noChangeAspect="1"/>
-          </p:cNvPicPr>
-          <p:nvPr/>
-        </p:nvPicPr>
-        <p:blipFill>
-          <a:blip r:embed="rId8"/>
-          <a:stretch>
-            <a:fillRect/>
-          </a:stretch>
-        </p:blipFill>
-        <p:spPr>
-          <a:xfrm>
-            <a:off x="5612942" y="401851"/>
-            <a:ext cx="3073858" cy="879045"/>
-          </a:xfrm>
-          <a:prstGeom prst="rect">
-            <a:avLst/>
-          </a:prstGeom>
-        </p:spPr>
-      </p:pic>
-    </p:spTree>
-    <p:extLst>
-      <p:ext uri="{BB962C8B-B14F-4D97-AF65-F5344CB8AC3E}">
-        <p14:creationId xmlns:p14="http://schemas.microsoft.com/office/powerpoint/2010/main" val="2576595843"/>
-      </p:ext>
-    </p:extLst>
-  </p:cSld>
-  <p:clrMapOvr>
-    <a:masterClrMapping/>
-  </p:clrMapOvr>
-  <p:timing>
-    <p:tnLst>
-      <p:par>
-        <p:cTn id="1" dur="indefinite" restart="never" nodeType="tmRoot">
-          <p:childTnLst>
-            <p:seq concurrent="1" nextAc="seek">
-              <p:cTn id="2" dur="indefinite" nodeType="mainSeq">
-                <p:childTnLst>
-                  <p:par>
-                    <p:cTn id="3" fill="hold">
-                      <p:stCondLst>
-                        <p:cond delay="indefinite"/>
-                      </p:stCondLst>
-                      <p:childTnLst>
-                        <p:par>
-                          <p:cTn id="4" fill="hold">
-                            <p:stCondLst>
-                              <p:cond delay="0"/>
-                            </p:stCondLst>
-                            <p:childTnLst>
-                              <p:par>
-                                <p:cTn id="5" presetID="1" presetClass="entr" presetSubtype="0" fill="hold" grpId="0" nodeType="clickEffect">
-                                  <p:stCondLst>
-                                    <p:cond delay="0"/>
-                                  </p:stCondLst>
-                                  <p:childTnLst>
-                                    <p:set>
-                                      <p:cBhvr>
-                                        <p:cTn id="6" dur="1" fill="hold">
-                                          <p:stCondLst>
-                                            <p:cond delay="0"/>
-                                          </p:stCondLst>
-                                        </p:cTn>
-                                        <p:tgtEl>
-                                          <p:spTgt spid="34"/>
-                                        </p:tgtEl>
-                                        <p:attrNameLst>
-                                          <p:attrName>style.visibility</p:attrName>
-                                        </p:attrNameLst>
-                                      </p:cBhvr>
-                                      <p:to>
-                                        <p:strVal val="visible"/>
-                                      </p:to>
-                                    </p:set>
-                                  </p:childTnLst>
-                                </p:cTn>
-                              </p:par>
-                            </p:childTnLst>
-                          </p:cTn>
-                        </p:par>
-                      </p:childTnLst>
-                    </p:cTn>
-                  </p:par>
-                  <p:par>
-                    <p:cTn id="7" fill="hold">
-                      <p:stCondLst>
-                        <p:cond delay="indefinite"/>
-                      </p:stCondLst>
-                      <p:childTnLst>
-                        <p:par>
-                          <p:cTn id="8" fill="hold">
-                            <p:stCondLst>
-                              <p:cond delay="0"/>
-                            </p:stCondLst>
-                            <p:childTnLst>
-                              <p:par>
-                                <p:cTn id="9" presetID="1" presetClass="entr" presetSubtype="0" fill="hold" grpId="0" nodeType="clickEffect">
-                                  <p:stCondLst>
-                                    <p:cond delay="0"/>
-                                  </p:stCondLst>
-                                  <p:childTnLst>
-                                    <p:set>
-                                      <p:cBhvr>
-                                        <p:cTn id="10" dur="1" fill="hold">
-                                          <p:stCondLst>
-                                            <p:cond delay="0"/>
-                                          </p:stCondLst>
-                                        </p:cTn>
-                                        <p:tgtEl>
-                                          <p:spTgt spid="35"/>
-                                        </p:tgtEl>
-                                        <p:attrNameLst>
-                                          <p:attrName>style.visibility</p:attrName>
-                                        </p:attrNameLst>
-                                      </p:cBhvr>
-                                      <p:to>
-                                        <p:strVal val="visible"/>
-                                      </p:to>
-                                    </p:set>
-                                  </p:childTnLst>
-                                </p:cTn>
-                              </p:par>
-                            </p:childTnLst>
-                          </p:cTn>
-                        </p:par>
-                      </p:childTnLst>
-                    </p:cTn>
-                  </p:par>
-                </p:childTnLst>
-              </p:cTn>
-              <p:prevCondLst>
-                <p:cond evt="onPrev" delay="0">
-                  <p:tgtEl>
-                    <p:sldTgt/>
-                  </p:tgtEl>
-                </p:cond>
-              </p:prevCondLst>
-              <p:nextCondLst>
-                <p:cond evt="onNext" delay="0">
-                  <p:tgtEl>
-                    <p:sldTgt/>
-                  </p:tgtEl>
-                </p:cond>
-              </p:nextCondLst>
-            </p:seq>
-          </p:childTnLst>
-        </p:cTn>
-      </p:par>
-    </p:tnLst>
-    <p:bldLst>
-      <p:bldP spid="34" grpId="0"/>
-      <p:bldP spid="35" grpId="0"/>
-    </p:bldLst>
-  </p:timing>
-</p:sld>
-</file>
-
 <file path=ppt/theme/theme1.xml><?xml version="1.0" encoding="utf-8"?>
 <a:theme xmlns:a="http://schemas.openxmlformats.org/drawingml/2006/main" name="Office Theme">
   <a:themeElements>

--- a/lectures/lecture_02-elements-of-closed-loop-systems/elements_of_closed_loop_systems.pptx
+++ b/lectures/lecture_02-elements-of-closed-loop-systems/elements_of_closed_loop_systems.pptx
@@ -10,16 +10,16 @@
   <p:sldIdLst>
     <p:sldId id="256" r:id="rId2"/>
     <p:sldId id="257" r:id="rId3"/>
-    <p:sldId id="523" r:id="rId4"/>
-    <p:sldId id="531" r:id="rId5"/>
-    <p:sldId id="532" r:id="rId6"/>
-    <p:sldId id="534" r:id="rId7"/>
-    <p:sldId id="524" r:id="rId8"/>
-    <p:sldId id="525" r:id="rId9"/>
-    <p:sldId id="526" r:id="rId10"/>
-    <p:sldId id="527" r:id="rId11"/>
-    <p:sldId id="528" r:id="rId12"/>
-    <p:sldId id="533" r:id="rId13"/>
+    <p:sldId id="535" r:id="rId4"/>
+    <p:sldId id="523" r:id="rId5"/>
+    <p:sldId id="531" r:id="rId6"/>
+    <p:sldId id="532" r:id="rId7"/>
+    <p:sldId id="534" r:id="rId8"/>
+    <p:sldId id="524" r:id="rId9"/>
+    <p:sldId id="525" r:id="rId10"/>
+    <p:sldId id="526" r:id="rId11"/>
+    <p:sldId id="527" r:id="rId12"/>
+    <p:sldId id="528" r:id="rId13"/>
     <p:sldId id="529" r:id="rId14"/>
   </p:sldIdLst>
   <p:sldSz cx="9144000" cy="6858000" type="screen4x3"/>
@@ -275,7 +275,7 @@
       </p15:sldGuideLst>
     </p:ext>
     <p:ext uri="http://customooxmlschemas.google.com/">
-      <go:slidesCustomData xmlns:go="http://customooxmlschemas.google.com/" xmlns:ahyp="http://schemas.microsoft.com/office/drawing/2018/hyperlinkcolor" xmlns:p15="http://schemas.microsoft.com/office/powerpoint/2012/main" xmlns:p14="http://schemas.microsoft.com/office/powerpoint/2010/main" xmlns:com="http://schemas.openxmlformats.org/drawingml/2006/compatibility" xmlns:pvml="urn:schemas-microsoft-com:office:powerpoint" xmlns:v="urn:schemas-microsoft-com:vml" xmlns:o="urn:schemas-microsoft-com:office:office" xmlns:dgm="http://schemas.openxmlformats.org/drawingml/2006/diagram" xmlns:c="http://schemas.openxmlformats.org/drawingml/2006/chart" xmlns:mv="urn:schemas-microsoft-com:mac:vml" xmlns:mc="http://schemas.openxmlformats.org/markup-compatibility/2006" xmlns="" r:id="rId43" roundtripDataSignature="AMtx7mgCuaoS/ao6GLJNkk1J/HieLCYVzQ=="/>
+      <go:slidesCustomData xmlns="" xmlns:mc="http://schemas.openxmlformats.org/markup-compatibility/2006" xmlns:mv="urn:schemas-microsoft-com:mac:vml" xmlns:c="http://schemas.openxmlformats.org/drawingml/2006/chart" xmlns:dgm="http://schemas.openxmlformats.org/drawingml/2006/diagram" xmlns:o="urn:schemas-microsoft-com:office:office" xmlns:v="urn:schemas-microsoft-com:vml" xmlns:pvml="urn:schemas-microsoft-com:office:powerpoint" xmlns:com="http://schemas.openxmlformats.org/drawingml/2006/compatibility" xmlns:p14="http://schemas.microsoft.com/office/powerpoint/2010/main" xmlns:p15="http://schemas.microsoft.com/office/powerpoint/2012/main" xmlns:ahyp="http://schemas.microsoft.com/office/drawing/2018/hyperlinkcolor" xmlns:go="http://customooxmlschemas.google.com/" r:id="rId43" roundtripDataSignature="AMtx7mgCuaoS/ao6GLJNkk1J/HieLCYVzQ=="/>
     </p:ext>
   </p:extLst>
 </p:presentation>
@@ -1790,10 +1790,7 @@
           <a:bodyPr/>
           <a:lstStyle/>
           <a:p>
-            <a:r>
-              <a:rPr lang="en-US" dirty="0"/>
-              <a:t>Why doesn’t a filter help with measurement noise? Verify transfer functions.</a:t>
-            </a:r>
+            <a:endParaRPr lang="en-US" dirty="0"/>
           </a:p>
         </p:txBody>
       </p:sp>
@@ -1804,7 +1801,7 @@
             <a:spLocks noGrp="1"/>
           </p:cNvSpPr>
           <p:nvPr>
-            <p:ph type="sldNum" sz="quarter" idx="5"/>
+            <p:ph type="sldNum" idx="12"/>
           </p:nvPr>
         </p:nvSpPr>
         <p:spPr/>
@@ -1812,24 +1809,43 @@
           <a:bodyPr/>
           <a:lstStyle/>
           <a:p>
-            <a:pPr>
-              <a:defRPr/>
+            <a:pPr marL="0" marR="0" lvl="0" indent="0" algn="r" rtl="0">
+              <a:spcBef>
+                <a:spcPts val="0"/>
+              </a:spcBef>
+              <a:spcAft>
+                <a:spcPts val="0"/>
+              </a:spcAft>
+              <a:buNone/>
             </a:pPr>
-            <a:fld id="{1E3608CA-DBCA-4E8F-8DAB-6E1AFAF19782}" type="slidenum">
-              <a:rPr lang="en-US" altLang="x-none" smtClean="0"/>
-              <a:pPr>
-                <a:defRPr/>
-              </a:pPr>
+            <a:fld id="{00000000-1234-1234-1234-123412341234}" type="slidenum">
+              <a:rPr lang="en-US" sz="1200" b="0" i="0" u="none" strike="noStrike" cap="none" smtClean="0">
+                <a:solidFill>
+                  <a:schemeClr val="dk1"/>
+                </a:solidFill>
+                <a:latin typeface="Arial"/>
+                <a:ea typeface="Arial"/>
+                <a:cs typeface="Arial"/>
+                <a:sym typeface="Arial"/>
+              </a:rPr>
               <a:t>3</a:t>
             </a:fld>
-            <a:endParaRPr lang="en-US" altLang="x-none"/>
+            <a:endParaRPr lang="en-US" sz="1200" b="0" i="0" u="none" strike="noStrike" cap="none">
+              <a:solidFill>
+                <a:schemeClr val="dk1"/>
+              </a:solidFill>
+              <a:latin typeface="Arial"/>
+              <a:ea typeface="Arial"/>
+              <a:cs typeface="Arial"/>
+              <a:sym typeface="Arial"/>
+            </a:endParaRPr>
           </a:p>
         </p:txBody>
       </p:sp>
     </p:spTree>
     <p:extLst>
       <p:ext uri="{BB962C8B-B14F-4D97-AF65-F5344CB8AC3E}">
-        <p14:creationId xmlns:p14="http://schemas.microsoft.com/office/powerpoint/2010/main" val="2764546569"/>
+        <p14:creationId xmlns:p14="http://schemas.microsoft.com/office/powerpoint/2010/main" val="1281004804"/>
       </p:ext>
     </p:extLst>
   </p:cSld>
@@ -1922,7 +1938,7 @@
     </p:spTree>
     <p:extLst>
       <p:ext uri="{BB962C8B-B14F-4D97-AF65-F5344CB8AC3E}">
-        <p14:creationId xmlns:p14="http://schemas.microsoft.com/office/powerpoint/2010/main" val="2485831436"/>
+        <p14:creationId xmlns:p14="http://schemas.microsoft.com/office/powerpoint/2010/main" val="2764546569"/>
       </p:ext>
     </p:extLst>
   </p:cSld>
@@ -2015,7 +2031,7 @@
     </p:spTree>
     <p:extLst>
       <p:ext uri="{BB962C8B-B14F-4D97-AF65-F5344CB8AC3E}">
-        <p14:creationId xmlns:p14="http://schemas.microsoft.com/office/powerpoint/2010/main" val="2365769814"/>
+        <p14:creationId xmlns:p14="http://schemas.microsoft.com/office/powerpoint/2010/main" val="2485831436"/>
       </p:ext>
     </p:extLst>
   </p:cSld>
@@ -2100,6 +2116,99 @@
                 <a:defRPr/>
               </a:pPr>
               <a:t>6</a:t>
+            </a:fld>
+            <a:endParaRPr lang="en-US" altLang="x-none"/>
+          </a:p>
+        </p:txBody>
+      </p:sp>
+    </p:spTree>
+    <p:extLst>
+      <p:ext uri="{BB962C8B-B14F-4D97-AF65-F5344CB8AC3E}">
+        <p14:creationId xmlns:p14="http://schemas.microsoft.com/office/powerpoint/2010/main" val="2365769814"/>
+      </p:ext>
+    </p:extLst>
+  </p:cSld>
+  <p:clrMapOvr>
+    <a:masterClrMapping/>
+  </p:clrMapOvr>
+</p:notes>
+</file>
+
+<file path=ppt/notesSlides/notesSlide7.xml><?xml version="1.0" encoding="utf-8"?>
+<p:notes xmlns:a="http://schemas.openxmlformats.org/drawingml/2006/main" xmlns:r="http://schemas.openxmlformats.org/officeDocument/2006/relationships" xmlns:p="http://schemas.openxmlformats.org/presentationml/2006/main">
+  <p:cSld>
+    <p:spTree>
+      <p:nvGrpSpPr>
+        <p:cNvPr id="1" name=""/>
+        <p:cNvGrpSpPr/>
+        <p:nvPr/>
+      </p:nvGrpSpPr>
+      <p:grpSpPr>
+        <a:xfrm>
+          <a:off x="0" y="0"/>
+          <a:ext cx="0" cy="0"/>
+          <a:chOff x="0" y="0"/>
+          <a:chExt cx="0" cy="0"/>
+        </a:xfrm>
+      </p:grpSpPr>
+      <p:sp>
+        <p:nvSpPr>
+          <p:cNvPr id="2" name="Slide Image Placeholder 1"/>
+          <p:cNvSpPr>
+            <a:spLocks noGrp="1" noRot="1" noChangeAspect="1"/>
+          </p:cNvSpPr>
+          <p:nvPr>
+            <p:ph type="sldImg"/>
+          </p:nvPr>
+        </p:nvSpPr>
+        <p:spPr/>
+      </p:sp>
+      <p:sp>
+        <p:nvSpPr>
+          <p:cNvPr id="3" name="Notes Placeholder 2"/>
+          <p:cNvSpPr>
+            <a:spLocks noGrp="1"/>
+          </p:cNvSpPr>
+          <p:nvPr>
+            <p:ph type="body" idx="1"/>
+          </p:nvPr>
+        </p:nvSpPr>
+        <p:spPr/>
+        <p:txBody>
+          <a:bodyPr/>
+          <a:lstStyle/>
+          <a:p>
+            <a:r>
+              <a:rPr lang="en-US" dirty="0"/>
+              <a:t>Why doesn’t a filter help with measurement noise? Verify transfer functions.</a:t>
+            </a:r>
+          </a:p>
+        </p:txBody>
+      </p:sp>
+      <p:sp>
+        <p:nvSpPr>
+          <p:cNvPr id="4" name="Slide Number Placeholder 3"/>
+          <p:cNvSpPr>
+            <a:spLocks noGrp="1"/>
+          </p:cNvSpPr>
+          <p:nvPr>
+            <p:ph type="sldNum" sz="quarter" idx="5"/>
+          </p:nvPr>
+        </p:nvSpPr>
+        <p:spPr/>
+        <p:txBody>
+          <a:bodyPr/>
+          <a:lstStyle/>
+          <a:p>
+            <a:pPr>
+              <a:defRPr/>
+            </a:pPr>
+            <a:fld id="{1E3608CA-DBCA-4E8F-8DAB-6E1AFAF19782}" type="slidenum">
+              <a:rPr lang="en-US" altLang="x-none" smtClean="0"/>
+              <a:pPr>
+                <a:defRPr/>
+              </a:pPr>
+              <a:t>7</a:t>
             </a:fld>
             <a:endParaRPr lang="en-US" altLang="x-none"/>
           </a:p>
@@ -12894,7 +13003,7 @@
             </a:pPr>
             <a:r>
               <a:rPr lang="en-US" dirty="0"/>
-              <a:t>January 8, 2024</a:t>
+              <a:t>January 8, 2025</a:t>
             </a:r>
             <a:endParaRPr dirty="0"/>
           </a:p>
@@ -12968,6 +13077,1475 @@
 </file>
 
 <file path=ppt/slides/slide10.xml><?xml version="1.0" encoding="utf-8"?>
+<p:sld xmlns:a="http://schemas.openxmlformats.org/drawingml/2006/main" xmlns:r="http://schemas.openxmlformats.org/officeDocument/2006/relationships" xmlns:p="http://schemas.openxmlformats.org/presentationml/2006/main">
+  <p:cSld>
+    <p:spTree>
+      <p:nvGrpSpPr>
+        <p:cNvPr id="1" name=""/>
+        <p:cNvGrpSpPr/>
+        <p:nvPr/>
+      </p:nvGrpSpPr>
+      <p:grpSpPr>
+        <a:xfrm>
+          <a:off x="0" y="0"/>
+          <a:ext cx="0" cy="0"/>
+          <a:chOff x="0" y="0"/>
+          <a:chExt cx="0" cy="0"/>
+        </a:xfrm>
+      </p:grpSpPr>
+      <p:sp>
+        <p:nvSpPr>
+          <p:cNvPr id="2" name="Title 1">
+            <a:extLst>
+              <a:ext uri="{FF2B5EF4-FFF2-40B4-BE49-F238E27FC236}">
+                <a16:creationId xmlns:a16="http://schemas.microsoft.com/office/drawing/2014/main" id="{6FCE01FA-EFC2-2165-29CA-F96D5D05C56F}"/>
+              </a:ext>
+            </a:extLst>
+          </p:cNvPr>
+          <p:cNvSpPr>
+            <a:spLocks noGrp="1"/>
+          </p:cNvSpPr>
+          <p:nvPr>
+            <p:ph type="title"/>
+          </p:nvPr>
+        </p:nvSpPr>
+        <p:spPr>
+          <a:xfrm>
+            <a:off x="457200" y="228600"/>
+            <a:ext cx="5470635" cy="838200"/>
+          </a:xfrm>
+        </p:spPr>
+        <p:txBody>
+          <a:bodyPr/>
+          <a:lstStyle/>
+          <a:p>
+            <a:r>
+              <a:rPr lang="en-US" dirty="0"/>
+              <a:t>Integral Control</a:t>
+            </a:r>
+          </a:p>
+        </p:txBody>
+      </p:sp>
+      <p:sp>
+        <p:nvSpPr>
+          <p:cNvPr id="3" name="Slide Number Placeholder 2">
+            <a:extLst>
+              <a:ext uri="{FF2B5EF4-FFF2-40B4-BE49-F238E27FC236}">
+                <a16:creationId xmlns:a16="http://schemas.microsoft.com/office/drawing/2014/main" id="{3767CEF4-628D-4B8C-0130-5B1E31C097A0}"/>
+              </a:ext>
+            </a:extLst>
+          </p:cNvPr>
+          <p:cNvSpPr>
+            <a:spLocks noGrp="1"/>
+          </p:cNvSpPr>
+          <p:nvPr>
+            <p:ph type="sldNum" idx="12"/>
+          </p:nvPr>
+        </p:nvSpPr>
+        <p:spPr/>
+        <p:txBody>
+          <a:bodyPr/>
+          <a:lstStyle/>
+          <a:p>
+            <a:pPr marL="0" lvl="0" indent="0" algn="l" rtl="0">
+              <a:spcBef>
+                <a:spcPts val="0"/>
+              </a:spcBef>
+              <a:spcAft>
+                <a:spcPts val="0"/>
+              </a:spcAft>
+              <a:buNone/>
+            </a:pPr>
+            <a:fld id="{00000000-1234-1234-1234-123412341234}" type="slidenum">
+              <a:rPr lang="en-US" smtClean="0"/>
+              <a:t>10</a:t>
+            </a:fld>
+            <a:endParaRPr lang="en-US"/>
+          </a:p>
+        </p:txBody>
+      </p:sp>
+      <mc:AlternateContent xmlns:mc="http://schemas.openxmlformats.org/markup-compatibility/2006" xmlns:a14="http://schemas.microsoft.com/office/drawing/2010/main">
+        <mc:Choice Requires="a14">
+          <p:sp>
+            <p:nvSpPr>
+              <p:cNvPr id="25" name="TextBox 24">
+                <a:extLst>
+                  <a:ext uri="{FF2B5EF4-FFF2-40B4-BE49-F238E27FC236}">
+                    <a16:creationId xmlns:a16="http://schemas.microsoft.com/office/drawing/2014/main" id="{FA4E9837-E0A1-9CF5-9C2A-63E09F187349}"/>
+                  </a:ext>
+                </a:extLst>
+              </p:cNvPr>
+              <p:cNvSpPr txBox="1"/>
+              <p:nvPr/>
+            </p:nvSpPr>
+            <p:spPr>
+              <a:xfrm>
+                <a:off x="1376274" y="981403"/>
+                <a:ext cx="2333878" cy="1005275"/>
+              </a:xfrm>
+              <a:prstGeom prst="rect">
+                <a:avLst/>
+              </a:prstGeom>
+              <a:noFill/>
+            </p:spPr>
+            <p:txBody>
+              <a:bodyPr wrap="square" lIns="0" tIns="0" rIns="0" bIns="0" rtlCol="0">
+                <a:spAutoFit/>
+              </a:bodyPr>
+              <a:lstStyle/>
+              <a:p>
+                <a:pPr/>
+                <a14:m>
+                  <m:oMathPara xmlns:m="http://schemas.openxmlformats.org/officeDocument/2006/math">
+                    <m:oMathParaPr>
+                      <m:jc m:val="centerGroup"/>
+                    </m:oMathParaPr>
+                    <m:oMath xmlns:m="http://schemas.openxmlformats.org/officeDocument/2006/math">
+                      <m:r>
+                        <a:rPr lang="en-US" sz="2000" b="0" i="1" smtClean="0">
+                          <a:latin typeface="Cambria Math" panose="02040503050406030204" pitchFamily="18" charset="0"/>
+                        </a:rPr>
+                        <m:t>𝑢</m:t>
+                      </m:r>
+                      <m:d>
+                        <m:dPr>
+                          <m:ctrlPr>
+                            <a:rPr lang="en-US" sz="2000" b="0" i="1" smtClean="0">
+                              <a:latin typeface="Cambria Math" panose="02040503050406030204" pitchFamily="18" charset="0"/>
+                            </a:rPr>
+                          </m:ctrlPr>
+                        </m:dPr>
+                        <m:e>
+                          <m:r>
+                            <a:rPr lang="en-US" sz="2000" b="0" i="1" smtClean="0">
+                              <a:latin typeface="Cambria Math" panose="02040503050406030204" pitchFamily="18" charset="0"/>
+                            </a:rPr>
+                            <m:t>𝑡</m:t>
+                          </m:r>
+                        </m:e>
+                      </m:d>
+                      <m:r>
+                        <a:rPr lang="en-US" sz="2000" b="0" i="1" smtClean="0">
+                          <a:latin typeface="Cambria Math" panose="02040503050406030204" pitchFamily="18" charset="0"/>
+                        </a:rPr>
+                        <m:t>=</m:t>
+                      </m:r>
+                      <m:d>
+                        <m:dPr>
+                          <m:ctrlPr>
+                            <a:rPr lang="en-US" sz="2000" b="0" i="1" smtClean="0">
+                              <a:latin typeface="Cambria Math" panose="02040503050406030204" pitchFamily="18" charset="0"/>
+                            </a:rPr>
+                          </m:ctrlPr>
+                        </m:dPr>
+                        <m:e>
+                          <m:nary>
+                            <m:naryPr>
+                              <m:ctrlPr>
+                                <a:rPr lang="en-US" sz="2000" i="1">
+                                  <a:latin typeface="Cambria Math" panose="02040503050406030204" pitchFamily="18" charset="0"/>
+                                </a:rPr>
+                              </m:ctrlPr>
+                            </m:naryPr>
+                            <m:sub>
+                              <m:r>
+                                <a:rPr lang="en-US" sz="2000" i="1">
+                                  <a:latin typeface="Cambria Math" panose="02040503050406030204" pitchFamily="18" charset="0"/>
+                                </a:rPr>
+                                <m:t>0</m:t>
+                              </m:r>
+                            </m:sub>
+                            <m:sup>
+                              <m:r>
+                                <a:rPr lang="en-US" sz="2000" i="1">
+                                  <a:latin typeface="Cambria Math" panose="02040503050406030204" pitchFamily="18" charset="0"/>
+                                </a:rPr>
+                                <m:t>𝑡</m:t>
+                              </m:r>
+                            </m:sup>
+                            <m:e>
+                              <m:r>
+                                <a:rPr lang="en-US" sz="2000" i="1">
+                                  <a:latin typeface="Cambria Math" panose="02040503050406030204" pitchFamily="18" charset="0"/>
+                                </a:rPr>
+                                <m:t>𝑒</m:t>
+                              </m:r>
+                              <m:r>
+                                <a:rPr lang="en-US" sz="2000" i="1">
+                                  <a:latin typeface="Cambria Math" panose="02040503050406030204" pitchFamily="18" charset="0"/>
+                                </a:rPr>
+                                <m:t>(</m:t>
+                              </m:r>
+                              <m:r>
+                                <a:rPr lang="en-US" sz="2000" i="1">
+                                  <a:latin typeface="Cambria Math" panose="02040503050406030204" pitchFamily="18" charset="0"/>
+                                </a:rPr>
+                                <m:t>𝑢</m:t>
+                              </m:r>
+                              <m:r>
+                                <a:rPr lang="en-US" sz="2000" i="1">
+                                  <a:latin typeface="Cambria Math" panose="02040503050406030204" pitchFamily="18" charset="0"/>
+                                </a:rPr>
+                                <m:t>)</m:t>
+                              </m:r>
+                            </m:e>
+                          </m:nary>
+                        </m:e>
+                      </m:d>
+                      <m:sSub>
+                        <m:sSubPr>
+                          <m:ctrlPr>
+                            <a:rPr lang="en-US" sz="2000" b="0" i="1" smtClean="0">
+                              <a:latin typeface="Cambria Math" panose="02040503050406030204" pitchFamily="18" charset="0"/>
+                            </a:rPr>
+                          </m:ctrlPr>
+                        </m:sSubPr>
+                        <m:e>
+                          <m:r>
+                            <a:rPr lang="en-US" sz="2000" b="0" i="1" smtClean="0">
+                              <a:latin typeface="Cambria Math" panose="02040503050406030204" pitchFamily="18" charset="0"/>
+                            </a:rPr>
+                            <m:t>𝑘</m:t>
+                          </m:r>
+                        </m:e>
+                        <m:sub>
+                          <m:r>
+                            <a:rPr lang="en-US" sz="2000" b="0" i="1" smtClean="0">
+                              <a:latin typeface="Cambria Math" panose="02040503050406030204" pitchFamily="18" charset="0"/>
+                            </a:rPr>
+                            <m:t>𝐼</m:t>
+                          </m:r>
+                        </m:sub>
+                      </m:sSub>
+                    </m:oMath>
+                  </m:oMathPara>
+                </a14:m>
+                <a:endParaRPr lang="en-US" sz="2000" b="0" i="1" dirty="0">
+                  <a:latin typeface="Cambria Math" panose="02040503050406030204" pitchFamily="18" charset="0"/>
+                </a:endParaRPr>
+              </a:p>
+              <a:p>
+                <a:endParaRPr lang="en-US" sz="2000" dirty="0"/>
+              </a:p>
+            </p:txBody>
+          </p:sp>
+        </mc:Choice>
+        <mc:Fallback xmlns="">
+          <p:sp>
+            <p:nvSpPr>
+              <p:cNvPr id="25" name="TextBox 24">
+                <a:extLst>
+                  <a:ext uri="{FF2B5EF4-FFF2-40B4-BE49-F238E27FC236}">
+                    <a16:creationId xmlns:a16="http://schemas.microsoft.com/office/drawing/2014/main" id="{FA4E9837-E0A1-9CF5-9C2A-63E09F187349}"/>
+                  </a:ext>
+                </a:extLst>
+              </p:cNvPr>
+              <p:cNvSpPr txBox="1">
+                <a:spLocks noRot="1" noChangeAspect="1" noMove="1" noResize="1" noEditPoints="1" noAdjustHandles="1" noChangeArrowheads="1" noChangeShapeType="1" noTextEdit="1"/>
+              </p:cNvSpPr>
+              <p:nvPr/>
+            </p:nvSpPr>
+            <p:spPr>
+              <a:xfrm>
+                <a:off x="1376274" y="981403"/>
+                <a:ext cx="2333878" cy="1005275"/>
+              </a:xfrm>
+              <a:prstGeom prst="rect">
+                <a:avLst/>
+              </a:prstGeom>
+              <a:blipFill>
+                <a:blip r:embed="rId2"/>
+                <a:stretch>
+                  <a:fillRect l="-2162" t="-125000" b="-153750"/>
+                </a:stretch>
+              </a:blipFill>
+            </p:spPr>
+            <p:txBody>
+              <a:bodyPr/>
+              <a:lstStyle/>
+              <a:p>
+                <a:r>
+                  <a:rPr lang="en-US">
+                    <a:noFill/>
+                  </a:rPr>
+                  <a:t> </a:t>
+                </a:r>
+              </a:p>
+            </p:txBody>
+          </p:sp>
+        </mc:Fallback>
+      </mc:AlternateContent>
+      <p:sp>
+        <p:nvSpPr>
+          <p:cNvPr id="33" name="TextBox 32">
+            <a:extLst>
+              <a:ext uri="{FF2B5EF4-FFF2-40B4-BE49-F238E27FC236}">
+                <a16:creationId xmlns:a16="http://schemas.microsoft.com/office/drawing/2014/main" id="{11B8E1E3-EE10-E785-657F-2A659626BDD6}"/>
+              </a:ext>
+            </a:extLst>
+          </p:cNvPr>
+          <p:cNvSpPr txBox="1"/>
+          <p:nvPr/>
+        </p:nvSpPr>
+        <p:spPr>
+          <a:xfrm>
+            <a:off x="1311024" y="3657600"/>
+            <a:ext cx="4810932" cy="400110"/>
+          </a:xfrm>
+          <a:prstGeom prst="rect">
+            <a:avLst/>
+          </a:prstGeom>
+          <a:noFill/>
+        </p:spPr>
+        <p:txBody>
+          <a:bodyPr wrap="none" rtlCol="0">
+            <a:spAutoFit/>
+          </a:bodyPr>
+          <a:lstStyle/>
+          <a:p>
+            <a:r>
+              <a:rPr lang="en-US" sz="2000" dirty="0"/>
+              <a:t>Considers entire history of control errors.</a:t>
+            </a:r>
+          </a:p>
+        </p:txBody>
+      </p:sp>
+      <p:sp>
+        <p:nvSpPr>
+          <p:cNvPr id="34" name="TextBox 33">
+            <a:extLst>
+              <a:ext uri="{FF2B5EF4-FFF2-40B4-BE49-F238E27FC236}">
+                <a16:creationId xmlns:a16="http://schemas.microsoft.com/office/drawing/2014/main" id="{8E5347DB-2067-BDB9-F735-7474A836F75C}"/>
+              </a:ext>
+            </a:extLst>
+          </p:cNvPr>
+          <p:cNvSpPr txBox="1"/>
+          <p:nvPr/>
+        </p:nvSpPr>
+        <p:spPr>
+          <a:xfrm>
+            <a:off x="1311024" y="4309477"/>
+            <a:ext cx="1552028" cy="707886"/>
+          </a:xfrm>
+          <a:prstGeom prst="rect">
+            <a:avLst/>
+          </a:prstGeom>
+          <a:noFill/>
+        </p:spPr>
+        <p:txBody>
+          <a:bodyPr wrap="none" rtlCol="0">
+            <a:spAutoFit/>
+          </a:bodyPr>
+          <a:lstStyle/>
+          <a:p>
+            <a:r>
+              <a:rPr lang="en-US" sz="2000" dirty="0"/>
+              <a:t>Appeal</a:t>
+            </a:r>
+          </a:p>
+          <a:p>
+            <a:r>
+              <a:rPr lang="en-US" sz="2000" dirty="0"/>
+              <a:t>    Unbiased</a:t>
+            </a:r>
+          </a:p>
+        </p:txBody>
+      </p:sp>
+      <p:sp>
+        <p:nvSpPr>
+          <p:cNvPr id="35" name="TextBox 34">
+            <a:extLst>
+              <a:ext uri="{FF2B5EF4-FFF2-40B4-BE49-F238E27FC236}">
+                <a16:creationId xmlns:a16="http://schemas.microsoft.com/office/drawing/2014/main" id="{27AF62F8-DC06-B5D1-77C2-76D1E7D24C2E}"/>
+              </a:ext>
+            </a:extLst>
+          </p:cNvPr>
+          <p:cNvSpPr txBox="1"/>
+          <p:nvPr/>
+        </p:nvSpPr>
+        <p:spPr>
+          <a:xfrm>
+            <a:off x="1311024" y="5269129"/>
+            <a:ext cx="2149948" cy="707886"/>
+          </a:xfrm>
+          <a:prstGeom prst="rect">
+            <a:avLst/>
+          </a:prstGeom>
+          <a:noFill/>
+        </p:spPr>
+        <p:txBody>
+          <a:bodyPr wrap="none" rtlCol="0">
+            <a:spAutoFit/>
+          </a:bodyPr>
+          <a:lstStyle/>
+          <a:p>
+            <a:r>
+              <a:rPr lang="en-US" sz="2000" dirty="0"/>
+              <a:t>Issues</a:t>
+            </a:r>
+          </a:p>
+          <a:p>
+            <a:r>
+              <a:rPr lang="en-US" sz="2000" dirty="0"/>
+              <a:t>    Slow response</a:t>
+            </a:r>
+          </a:p>
+        </p:txBody>
+      </p:sp>
+      <p:grpSp>
+        <p:nvGrpSpPr>
+          <p:cNvPr id="59" name="Group 58">
+            <a:extLst>
+              <a:ext uri="{FF2B5EF4-FFF2-40B4-BE49-F238E27FC236}">
+                <a16:creationId xmlns:a16="http://schemas.microsoft.com/office/drawing/2014/main" id="{6144FDB3-EB8B-E033-EADF-5DA5413DC00C}"/>
+              </a:ext>
+            </a:extLst>
+          </p:cNvPr>
+          <p:cNvGrpSpPr/>
+          <p:nvPr/>
+        </p:nvGrpSpPr>
+        <p:grpSpPr>
+          <a:xfrm>
+            <a:off x="1131489" y="2118725"/>
+            <a:ext cx="3747137" cy="1086223"/>
+            <a:chOff x="1131489" y="2118725"/>
+            <a:chExt cx="3747137" cy="1086223"/>
+          </a:xfrm>
+        </p:grpSpPr>
+        <mc:AlternateContent xmlns:mc="http://schemas.openxmlformats.org/markup-compatibility/2006" xmlns:a14="http://schemas.microsoft.com/office/drawing/2010/main">
+          <mc:Choice Requires="a14">
+            <p:sp>
+              <p:nvSpPr>
+                <p:cNvPr id="20" name="TextBox 19">
+                  <a:extLst>
+                    <a:ext uri="{FF2B5EF4-FFF2-40B4-BE49-F238E27FC236}">
+                      <a16:creationId xmlns:a16="http://schemas.microsoft.com/office/drawing/2014/main" id="{AA25BD7F-1E8A-AD4A-0F5B-D1F94C81E0BB}"/>
+                    </a:ext>
+                  </a:extLst>
+                </p:cNvPr>
+                <p:cNvSpPr txBox="1"/>
+                <p:nvPr/>
+              </p:nvSpPr>
+              <p:spPr>
+                <a:xfrm>
+                  <a:off x="3681500" y="2476255"/>
+                  <a:ext cx="361125" cy="331437"/>
+                </a:xfrm>
+                <a:prstGeom prst="rect">
+                  <a:avLst/>
+                </a:prstGeom>
+                <a:noFill/>
+              </p:spPr>
+              <p:txBody>
+                <a:bodyPr wrap="none" lIns="0" tIns="0" rIns="0" bIns="0" rtlCol="0">
+                  <a:spAutoFit/>
+                </a:bodyPr>
+                <a:lstStyle/>
+                <a:p>
+                  <a:pPr/>
+                  <a14:m>
+                    <m:oMathPara xmlns:m="http://schemas.openxmlformats.org/officeDocument/2006/math">
+                      <m:oMathParaPr>
+                        <m:jc m:val="centerGroup"/>
+                      </m:oMathParaPr>
+                      <m:oMath xmlns:m="http://schemas.openxmlformats.org/officeDocument/2006/math">
+                        <m:sSub>
+                          <m:sSubPr>
+                            <m:ctrlPr>
+                              <a:rPr lang="en-US" sz="2000" b="0" i="1" smtClean="0">
+                                <a:solidFill>
+                                  <a:schemeClr val="bg1"/>
+                                </a:solidFill>
+                                <a:latin typeface="Cambria Math" panose="02040503050406030204" pitchFamily="18" charset="0"/>
+                              </a:rPr>
+                            </m:ctrlPr>
+                          </m:sSubPr>
+                          <m:e>
+                            <m:r>
+                              <a:rPr lang="en-US" sz="2000" b="0" i="1" smtClean="0">
+                                <a:solidFill>
+                                  <a:schemeClr val="bg1"/>
+                                </a:solidFill>
+                                <a:latin typeface="Cambria Math" panose="02040503050406030204" pitchFamily="18" charset="0"/>
+                              </a:rPr>
+                              <m:t>𝐾</m:t>
+                            </m:r>
+                          </m:e>
+                          <m:sub>
+                            <m:r>
+                              <a:rPr lang="en-US" sz="2000" b="0" i="1" smtClean="0">
+                                <a:solidFill>
+                                  <a:schemeClr val="bg1"/>
+                                </a:solidFill>
+                                <a:latin typeface="Cambria Math" panose="02040503050406030204" pitchFamily="18" charset="0"/>
+                              </a:rPr>
+                              <m:t>𝑝</m:t>
+                            </m:r>
+                          </m:sub>
+                        </m:sSub>
+                      </m:oMath>
+                    </m:oMathPara>
+                  </a14:m>
+                  <a:endParaRPr lang="en-US" dirty="0">
+                    <a:solidFill>
+                      <a:schemeClr val="bg1"/>
+                    </a:solidFill>
+                  </a:endParaRPr>
+                </a:p>
+              </p:txBody>
+            </p:sp>
+          </mc:Choice>
+          <mc:Fallback xmlns="">
+            <p:sp>
+              <p:nvSpPr>
+                <p:cNvPr id="20" name="TextBox 19">
+                  <a:extLst>
+                    <a:ext uri="{FF2B5EF4-FFF2-40B4-BE49-F238E27FC236}">
+                      <a16:creationId xmlns:a16="http://schemas.microsoft.com/office/drawing/2014/main" id="{AA25BD7F-1E8A-AD4A-0F5B-D1F94C81E0BB}"/>
+                    </a:ext>
+                  </a:extLst>
+                </p:cNvPr>
+                <p:cNvSpPr txBox="1">
+                  <a:spLocks noRot="1" noChangeAspect="1" noMove="1" noResize="1" noEditPoints="1" noAdjustHandles="1" noChangeArrowheads="1" noChangeShapeType="1" noTextEdit="1"/>
+                </p:cNvSpPr>
+                <p:nvPr/>
+              </p:nvSpPr>
+              <p:spPr>
+                <a:xfrm>
+                  <a:off x="3681500" y="2476255"/>
+                  <a:ext cx="361125" cy="331437"/>
+                </a:xfrm>
+                <a:prstGeom prst="rect">
+                  <a:avLst/>
+                </a:prstGeom>
+                <a:blipFill>
+                  <a:blip r:embed="rId3"/>
+                  <a:stretch>
+                    <a:fillRect l="-10000" r="-3333" b="-17857"/>
+                  </a:stretch>
+                </a:blipFill>
+              </p:spPr>
+              <p:txBody>
+                <a:bodyPr/>
+                <a:lstStyle/>
+                <a:p>
+                  <a:r>
+                    <a:rPr lang="en-US">
+                      <a:noFill/>
+                    </a:rPr>
+                    <a:t> </a:t>
+                  </a:r>
+                </a:p>
+              </p:txBody>
+            </p:sp>
+          </mc:Fallback>
+        </mc:AlternateContent>
+        <p:cxnSp>
+          <p:nvCxnSpPr>
+            <p:cNvPr id="21" name="Straight Arrow Connector 20">
+              <a:extLst>
+                <a:ext uri="{FF2B5EF4-FFF2-40B4-BE49-F238E27FC236}">
+                  <a16:creationId xmlns:a16="http://schemas.microsoft.com/office/drawing/2014/main" id="{1CF41F21-CE22-12A3-C652-A7028CDEC5DE}"/>
+                </a:ext>
+              </a:extLst>
+            </p:cNvPr>
+            <p:cNvCxnSpPr>
+              <a:cxnSpLocks/>
+            </p:cNvCxnSpPr>
+            <p:nvPr/>
+          </p:nvCxnSpPr>
+          <p:spPr>
+            <a:xfrm flipV="1">
+              <a:off x="2797561" y="2684804"/>
+              <a:ext cx="389660" cy="8371"/>
+            </a:xfrm>
+            <a:prstGeom prst="straightConnector1">
+              <a:avLst/>
+            </a:prstGeom>
+            <a:ln>
+              <a:solidFill>
+                <a:srgbClr val="FF0000"/>
+              </a:solidFill>
+              <a:tailEnd type="triangle" w="lg" len="lg"/>
+            </a:ln>
+            <a:effectLst>
+              <a:outerShdw dist="20000" sx="1000" sy="1000" rotWithShape="0">
+                <a:srgbClr val="000000"/>
+              </a:outerShdw>
+            </a:effectLst>
+          </p:spPr>
+          <p:style>
+            <a:lnRef idx="2">
+              <a:schemeClr val="accent1"/>
+            </a:lnRef>
+            <a:fillRef idx="0">
+              <a:schemeClr val="accent1"/>
+            </a:fillRef>
+            <a:effectRef idx="1">
+              <a:schemeClr val="accent1"/>
+            </a:effectRef>
+            <a:fontRef idx="minor">
+              <a:schemeClr val="tx1"/>
+            </a:fontRef>
+          </p:style>
+        </p:cxnSp>
+        <p:cxnSp>
+          <p:nvCxnSpPr>
+            <p:cNvPr id="23" name="Straight Arrow Connector 22">
+              <a:extLst>
+                <a:ext uri="{FF2B5EF4-FFF2-40B4-BE49-F238E27FC236}">
+                  <a16:creationId xmlns:a16="http://schemas.microsoft.com/office/drawing/2014/main" id="{445E002E-32B4-64AE-D7E0-4D607BE221AB}"/>
+                </a:ext>
+              </a:extLst>
+            </p:cNvPr>
+            <p:cNvCxnSpPr>
+              <a:cxnSpLocks/>
+            </p:cNvCxnSpPr>
+            <p:nvPr/>
+          </p:nvCxnSpPr>
+          <p:spPr>
+            <a:xfrm>
+              <a:off x="4175877" y="2652483"/>
+              <a:ext cx="390817" cy="0"/>
+            </a:xfrm>
+            <a:prstGeom prst="straightConnector1">
+              <a:avLst/>
+            </a:prstGeom>
+            <a:ln>
+              <a:tailEnd type="triangle" w="lg" len="lg"/>
+            </a:ln>
+            <a:effectLst>
+              <a:outerShdw dist="20000" sx="1000" sy="1000" rotWithShape="0">
+                <a:srgbClr val="000000"/>
+              </a:outerShdw>
+            </a:effectLst>
+          </p:spPr>
+          <p:style>
+            <a:lnRef idx="2">
+              <a:schemeClr val="accent1"/>
+            </a:lnRef>
+            <a:fillRef idx="0">
+              <a:schemeClr val="accent1"/>
+            </a:fillRef>
+            <a:effectRef idx="1">
+              <a:schemeClr val="accent1"/>
+            </a:effectRef>
+            <a:fontRef idx="minor">
+              <a:schemeClr val="tx1"/>
+            </a:fontRef>
+          </p:style>
+        </p:cxnSp>
+        <mc:AlternateContent xmlns:mc="http://schemas.openxmlformats.org/markup-compatibility/2006" xmlns:a14="http://schemas.microsoft.com/office/drawing/2010/main">
+          <mc:Choice Requires="a14">
+            <p:sp>
+              <p:nvSpPr>
+                <p:cNvPr id="24" name="Rectangle 23">
+                  <a:extLst>
+                    <a:ext uri="{FF2B5EF4-FFF2-40B4-BE49-F238E27FC236}">
+                      <a16:creationId xmlns:a16="http://schemas.microsoft.com/office/drawing/2014/main" id="{07F96676-273D-77AB-F8C6-0BEEC80C975F}"/>
+                    </a:ext>
+                  </a:extLst>
+                </p:cNvPr>
+                <p:cNvSpPr/>
+                <p:nvPr/>
+              </p:nvSpPr>
+              <p:spPr>
+                <a:xfrm>
+                  <a:off x="4150542" y="2118725"/>
+                  <a:ext cx="728084" cy="400110"/>
+                </a:xfrm>
+                <a:prstGeom prst="rect">
+                  <a:avLst/>
+                </a:prstGeom>
+              </p:spPr>
+              <p:txBody>
+                <a:bodyPr wrap="none">
+                  <a:spAutoFit/>
+                </a:bodyPr>
+                <a:lstStyle/>
+                <a:p>
+                  <a:pPr/>
+                  <a14:m>
+                    <m:oMathPara xmlns:m="http://schemas.openxmlformats.org/officeDocument/2006/math">
+                      <m:oMathParaPr>
+                        <m:jc m:val="centerGroup"/>
+                      </m:oMathParaPr>
+                      <m:oMath xmlns:m="http://schemas.openxmlformats.org/officeDocument/2006/math">
+                        <m:r>
+                          <a:rPr lang="en-US" sz="2000" b="0" i="1" smtClean="0">
+                            <a:solidFill>
+                              <a:schemeClr val="tx1"/>
+                            </a:solidFill>
+                            <a:latin typeface="Cambria Math" panose="02040503050406030204" pitchFamily="18" charset="0"/>
+                          </a:rPr>
+                          <m:t>𝑢</m:t>
+                        </m:r>
+                        <m:r>
+                          <a:rPr lang="en-US" sz="2000" b="0" i="1" smtClean="0">
+                            <a:solidFill>
+                              <a:schemeClr val="tx1"/>
+                            </a:solidFill>
+                            <a:latin typeface="Cambria Math" panose="02040503050406030204" pitchFamily="18" charset="0"/>
+                          </a:rPr>
+                          <m:t>(</m:t>
+                        </m:r>
+                        <m:r>
+                          <a:rPr lang="en-US" sz="2000" b="0" i="1" smtClean="0">
+                            <a:solidFill>
+                              <a:schemeClr val="tx1"/>
+                            </a:solidFill>
+                            <a:latin typeface="Cambria Math" panose="02040503050406030204" pitchFamily="18" charset="0"/>
+                          </a:rPr>
+                          <m:t>𝑡</m:t>
+                        </m:r>
+                        <m:r>
+                          <a:rPr lang="en-US" sz="2000" b="0" i="1" smtClean="0">
+                            <a:solidFill>
+                              <a:schemeClr val="tx1"/>
+                            </a:solidFill>
+                            <a:latin typeface="Cambria Math" panose="02040503050406030204" pitchFamily="18" charset="0"/>
+                          </a:rPr>
+                          <m:t>)</m:t>
+                        </m:r>
+                      </m:oMath>
+                    </m:oMathPara>
+                  </a14:m>
+                  <a:endParaRPr lang="en-US" sz="2000" dirty="0">
+                    <a:solidFill>
+                      <a:schemeClr val="tx1"/>
+                    </a:solidFill>
+                  </a:endParaRPr>
+                </a:p>
+              </p:txBody>
+            </p:sp>
+          </mc:Choice>
+          <mc:Fallback xmlns="">
+            <p:sp>
+              <p:nvSpPr>
+                <p:cNvPr id="24" name="Rectangle 23">
+                  <a:extLst>
+                    <a:ext uri="{FF2B5EF4-FFF2-40B4-BE49-F238E27FC236}">
+                      <a16:creationId xmlns:a16="http://schemas.microsoft.com/office/drawing/2014/main" id="{07F96676-273D-77AB-F8C6-0BEEC80C975F}"/>
+                    </a:ext>
+                  </a:extLst>
+                </p:cNvPr>
+                <p:cNvSpPr>
+                  <a:spLocks noRot="1" noChangeAspect="1" noMove="1" noResize="1" noEditPoints="1" noAdjustHandles="1" noChangeArrowheads="1" noChangeShapeType="1" noTextEdit="1"/>
+                </p:cNvSpPr>
+                <p:nvPr/>
+              </p:nvSpPr>
+              <p:spPr>
+                <a:xfrm>
+                  <a:off x="4150542" y="2118725"/>
+                  <a:ext cx="728084" cy="400110"/>
+                </a:xfrm>
+                <a:prstGeom prst="rect">
+                  <a:avLst/>
+                </a:prstGeom>
+                <a:blipFill>
+                  <a:blip r:embed="rId4"/>
+                  <a:stretch>
+                    <a:fillRect b="-12500"/>
+                  </a:stretch>
+                </a:blipFill>
+              </p:spPr>
+              <p:txBody>
+                <a:bodyPr/>
+                <a:lstStyle/>
+                <a:p>
+                  <a:r>
+                    <a:rPr lang="en-US">
+                      <a:noFill/>
+                    </a:rPr>
+                    <a:t> </a:t>
+                  </a:r>
+                </a:p>
+              </p:txBody>
+            </p:sp>
+          </mc:Fallback>
+        </mc:AlternateContent>
+        <p:cxnSp>
+          <p:nvCxnSpPr>
+            <p:cNvPr id="29" name="Straight Arrow Connector 28">
+              <a:extLst>
+                <a:ext uri="{FF2B5EF4-FFF2-40B4-BE49-F238E27FC236}">
+                  <a16:creationId xmlns:a16="http://schemas.microsoft.com/office/drawing/2014/main" id="{C6C6D602-552A-FF05-EA89-FC7A1192AFD8}"/>
+                </a:ext>
+              </a:extLst>
+            </p:cNvPr>
+            <p:cNvCxnSpPr>
+              <a:cxnSpLocks/>
+            </p:cNvCxnSpPr>
+            <p:nvPr/>
+          </p:nvCxnSpPr>
+          <p:spPr>
+            <a:xfrm flipV="1">
+              <a:off x="1375615" y="2725494"/>
+              <a:ext cx="389660" cy="8371"/>
+            </a:xfrm>
+            <a:prstGeom prst="straightConnector1">
+              <a:avLst/>
+            </a:prstGeom>
+            <a:ln>
+              <a:tailEnd type="triangle" w="lg" len="lg"/>
+            </a:ln>
+            <a:effectLst>
+              <a:outerShdw dist="20000" sx="1000" sy="1000" rotWithShape="0">
+                <a:srgbClr val="000000"/>
+              </a:outerShdw>
+            </a:effectLst>
+          </p:spPr>
+          <p:style>
+            <a:lnRef idx="2">
+              <a:schemeClr val="accent1"/>
+            </a:lnRef>
+            <a:fillRef idx="0">
+              <a:schemeClr val="accent1"/>
+            </a:fillRef>
+            <a:effectRef idx="1">
+              <a:schemeClr val="accent1"/>
+            </a:effectRef>
+            <a:fontRef idx="minor">
+              <a:schemeClr val="tx1"/>
+            </a:fontRef>
+          </p:style>
+        </p:cxnSp>
+        <mc:AlternateContent xmlns:mc="http://schemas.openxmlformats.org/markup-compatibility/2006" xmlns:a14="http://schemas.microsoft.com/office/drawing/2010/main">
+          <mc:Choice Requires="a14">
+            <p:sp>
+              <p:nvSpPr>
+                <p:cNvPr id="30" name="Rectangle 29">
+                  <a:extLst>
+                    <a:ext uri="{FF2B5EF4-FFF2-40B4-BE49-F238E27FC236}">
+                      <a16:creationId xmlns:a16="http://schemas.microsoft.com/office/drawing/2014/main" id="{3F8652C0-938D-08BB-2CBA-FCC573E44EE6}"/>
+                    </a:ext>
+                  </a:extLst>
+                </p:cNvPr>
+                <p:cNvSpPr/>
+                <p:nvPr/>
+              </p:nvSpPr>
+              <p:spPr>
+                <a:xfrm>
+                  <a:off x="1131489" y="2207293"/>
+                  <a:ext cx="706347" cy="400110"/>
+                </a:xfrm>
+                <a:prstGeom prst="rect">
+                  <a:avLst/>
+                </a:prstGeom>
+              </p:spPr>
+              <p:txBody>
+                <a:bodyPr wrap="none">
+                  <a:spAutoFit/>
+                </a:bodyPr>
+                <a:lstStyle/>
+                <a:p>
+                  <a:pPr/>
+                  <a14:m>
+                    <m:oMathPara xmlns:m="http://schemas.openxmlformats.org/officeDocument/2006/math">
+                      <m:oMathParaPr>
+                        <m:jc m:val="centerGroup"/>
+                      </m:oMathParaPr>
+                      <m:oMath xmlns:m="http://schemas.openxmlformats.org/officeDocument/2006/math">
+                        <m:r>
+                          <a:rPr lang="en-US" sz="2000" b="0" i="1" smtClean="0">
+                            <a:solidFill>
+                              <a:schemeClr val="tx1"/>
+                            </a:solidFill>
+                            <a:latin typeface="Cambria Math" panose="02040503050406030204" pitchFamily="18" charset="0"/>
+                          </a:rPr>
+                          <m:t>𝑒</m:t>
+                        </m:r>
+                        <m:r>
+                          <a:rPr lang="en-US" sz="2000" b="0" i="1" smtClean="0">
+                            <a:solidFill>
+                              <a:schemeClr val="tx1"/>
+                            </a:solidFill>
+                            <a:latin typeface="Cambria Math" panose="02040503050406030204" pitchFamily="18" charset="0"/>
+                          </a:rPr>
+                          <m:t>(</m:t>
+                        </m:r>
+                        <m:r>
+                          <a:rPr lang="en-US" sz="2000" b="0" i="1" smtClean="0">
+                            <a:solidFill>
+                              <a:schemeClr val="tx1"/>
+                            </a:solidFill>
+                            <a:latin typeface="Cambria Math" panose="02040503050406030204" pitchFamily="18" charset="0"/>
+                          </a:rPr>
+                          <m:t>𝑡</m:t>
+                        </m:r>
+                        <m:r>
+                          <a:rPr lang="en-US" sz="2000" b="0" i="1" smtClean="0">
+                            <a:solidFill>
+                              <a:schemeClr val="tx1"/>
+                            </a:solidFill>
+                            <a:latin typeface="Cambria Math" panose="02040503050406030204" pitchFamily="18" charset="0"/>
+                          </a:rPr>
+                          <m:t>)</m:t>
+                        </m:r>
+                      </m:oMath>
+                    </m:oMathPara>
+                  </a14:m>
+                  <a:endParaRPr lang="en-US" sz="2000" dirty="0">
+                    <a:solidFill>
+                      <a:schemeClr val="tx1"/>
+                    </a:solidFill>
+                  </a:endParaRPr>
+                </a:p>
+              </p:txBody>
+            </p:sp>
+          </mc:Choice>
+          <mc:Fallback xmlns="">
+            <p:sp>
+              <p:nvSpPr>
+                <p:cNvPr id="30" name="Rectangle 29">
+                  <a:extLst>
+                    <a:ext uri="{FF2B5EF4-FFF2-40B4-BE49-F238E27FC236}">
+                      <a16:creationId xmlns:a16="http://schemas.microsoft.com/office/drawing/2014/main" id="{3F8652C0-938D-08BB-2CBA-FCC573E44EE6}"/>
+                    </a:ext>
+                  </a:extLst>
+                </p:cNvPr>
+                <p:cNvSpPr>
+                  <a:spLocks noRot="1" noChangeAspect="1" noMove="1" noResize="1" noEditPoints="1" noAdjustHandles="1" noChangeArrowheads="1" noChangeShapeType="1" noTextEdit="1"/>
+                </p:cNvSpPr>
+                <p:nvPr/>
+              </p:nvSpPr>
+              <p:spPr>
+                <a:xfrm>
+                  <a:off x="1131489" y="2207293"/>
+                  <a:ext cx="706347" cy="400110"/>
+                </a:xfrm>
+                <a:prstGeom prst="rect">
+                  <a:avLst/>
+                </a:prstGeom>
+                <a:blipFill>
+                  <a:blip r:embed="rId5"/>
+                  <a:stretch>
+                    <a:fillRect b="-12121"/>
+                  </a:stretch>
+                </a:blipFill>
+              </p:spPr>
+              <p:txBody>
+                <a:bodyPr/>
+                <a:lstStyle/>
+                <a:p>
+                  <a:r>
+                    <a:rPr lang="en-US">
+                      <a:noFill/>
+                    </a:rPr>
+                    <a:t> </a:t>
+                  </a:r>
+                </a:p>
+              </p:txBody>
+            </p:sp>
+          </mc:Fallback>
+        </mc:AlternateContent>
+        <p:sp>
+          <p:nvSpPr>
+            <p:cNvPr id="36" name="Rectangle 35">
+              <a:extLst>
+                <a:ext uri="{FF2B5EF4-FFF2-40B4-BE49-F238E27FC236}">
+                  <a16:creationId xmlns:a16="http://schemas.microsoft.com/office/drawing/2014/main" id="{AB2E8A30-C686-58DF-4D14-C7A3037A0CAC}"/>
+                </a:ext>
+              </a:extLst>
+            </p:cNvPr>
+            <p:cNvSpPr/>
+            <p:nvPr/>
+          </p:nvSpPr>
+          <p:spPr>
+            <a:xfrm>
+              <a:off x="1807196" y="2167217"/>
+              <a:ext cx="2333879" cy="1037731"/>
+            </a:xfrm>
+            <a:prstGeom prst="rect">
+              <a:avLst/>
+            </a:prstGeom>
+            <a:noFill/>
+            <a:ln>
+              <a:solidFill>
+                <a:srgbClr val="FF0000"/>
+              </a:solidFill>
+              <a:prstDash val="dash"/>
+            </a:ln>
+          </p:spPr>
+          <p:style>
+            <a:lnRef idx="2">
+              <a:schemeClr val="accent1">
+                <a:shade val="50000"/>
+              </a:schemeClr>
+            </a:lnRef>
+            <a:fillRef idx="1">
+              <a:schemeClr val="accent1"/>
+            </a:fillRef>
+            <a:effectRef idx="0">
+              <a:schemeClr val="accent1"/>
+            </a:effectRef>
+            <a:fontRef idx="minor">
+              <a:schemeClr val="lt1"/>
+            </a:fontRef>
+          </p:style>
+          <p:txBody>
+            <a:bodyPr rtlCol="0" anchor="ctr"/>
+            <a:lstStyle/>
+            <a:p>
+              <a:pPr algn="ctr"/>
+              <a:endParaRPr lang="en-US"/>
+            </a:p>
+          </p:txBody>
+        </p:sp>
+        <mc:AlternateContent xmlns:mc="http://schemas.openxmlformats.org/markup-compatibility/2006" xmlns:a14="http://schemas.microsoft.com/office/drawing/2010/main">
+          <mc:Choice Requires="a14">
+            <p:sp>
+              <p:nvSpPr>
+                <p:cNvPr id="37" name="Rectangle 36">
+                  <a:extLst>
+                    <a:ext uri="{FF2B5EF4-FFF2-40B4-BE49-F238E27FC236}">
+                      <a16:creationId xmlns:a16="http://schemas.microsoft.com/office/drawing/2014/main" id="{7F60C3CF-2164-75D5-34FF-4C0DF56D6C25}"/>
+                    </a:ext>
+                  </a:extLst>
+                </p:cNvPr>
+                <p:cNvSpPr>
+                  <a:spLocks noChangeAspect="1"/>
+                </p:cNvSpPr>
+                <p:nvPr/>
+              </p:nvSpPr>
+              <p:spPr>
+                <a:xfrm>
+                  <a:off x="1989358" y="2351127"/>
+                  <a:ext cx="760333" cy="700764"/>
+                </a:xfrm>
+                <a:prstGeom prst="rect">
+                  <a:avLst/>
+                </a:prstGeom>
+                <a:solidFill>
+                  <a:srgbClr val="FF0000"/>
+                </a:solidFill>
+                <a:ln>
+                  <a:noFill/>
+                </a:ln>
+              </p:spPr>
+              <p:style>
+                <a:lnRef idx="1">
+                  <a:schemeClr val="accent1"/>
+                </a:lnRef>
+                <a:fillRef idx="3">
+                  <a:schemeClr val="accent1"/>
+                </a:fillRef>
+                <a:effectRef idx="2">
+                  <a:schemeClr val="accent1"/>
+                </a:effectRef>
+                <a:fontRef idx="minor">
+                  <a:schemeClr val="lt1"/>
+                </a:fontRef>
+              </p:style>
+              <p:txBody>
+                <a:bodyPr rtlCol="0" anchor="ctr"/>
+                <a:lstStyle/>
+                <a:p>
+                  <a:pPr algn="ctr"/>
+                  <a:endParaRPr lang="en-US" sz="1600" i="1" dirty="0">
+                    <a:latin typeface="Cambria Math" panose="02040503050406030204" pitchFamily="18" charset="0"/>
+                  </a:endParaRPr>
+                </a:p>
+                <a:p>
+                  <a:pPr algn="ctr"/>
+                  <a14:m>
+                    <m:oMathPara xmlns:m="http://schemas.openxmlformats.org/officeDocument/2006/math">
+                      <m:oMathParaPr>
+                        <m:jc m:val="centerGroup"/>
+                      </m:oMathParaPr>
+                      <m:oMath xmlns:m="http://schemas.openxmlformats.org/officeDocument/2006/math">
+                        <m:nary>
+                          <m:naryPr>
+                            <m:ctrlPr>
+                              <a:rPr lang="en-US" sz="1600" i="1" smtClean="0">
+                                <a:latin typeface="Cambria Math" panose="02040503050406030204" pitchFamily="18" charset="0"/>
+                              </a:rPr>
+                            </m:ctrlPr>
+                          </m:naryPr>
+                          <m:sub>
+                            <m:r>
+                              <a:rPr lang="en-US" sz="1600" i="1">
+                                <a:latin typeface="Cambria Math" panose="02040503050406030204" pitchFamily="18" charset="0"/>
+                              </a:rPr>
+                              <m:t>0</m:t>
+                            </m:r>
+                          </m:sub>
+                          <m:sup>
+                            <m:r>
+                              <a:rPr lang="en-US" sz="1600" i="1">
+                                <a:latin typeface="Cambria Math" panose="02040503050406030204" pitchFamily="18" charset="0"/>
+                              </a:rPr>
+                              <m:t>𝑡</m:t>
+                            </m:r>
+                          </m:sup>
+                          <m:e/>
+                        </m:nary>
+                      </m:oMath>
+                    </m:oMathPara>
+                  </a14:m>
+                  <a:endParaRPr lang="en-US" sz="1600" dirty="0"/>
+                </a:p>
+                <a:p>
+                  <a:pPr algn="ctr"/>
+                  <a:endParaRPr lang="en-US" sz="1600" dirty="0"/>
+                </a:p>
+              </p:txBody>
+            </p:sp>
+          </mc:Choice>
+          <mc:Fallback xmlns="">
+            <p:sp>
+              <p:nvSpPr>
+                <p:cNvPr id="37" name="Rectangle 36">
+                  <a:extLst>
+                    <a:ext uri="{FF2B5EF4-FFF2-40B4-BE49-F238E27FC236}">
+                      <a16:creationId xmlns:a16="http://schemas.microsoft.com/office/drawing/2014/main" id="{7F60C3CF-2164-75D5-34FF-4C0DF56D6C25}"/>
+                    </a:ext>
+                  </a:extLst>
+                </p:cNvPr>
+                <p:cNvSpPr>
+                  <a:spLocks noRot="1" noChangeAspect="1" noMove="1" noResize="1" noEditPoints="1" noAdjustHandles="1" noChangeArrowheads="1" noChangeShapeType="1" noTextEdit="1"/>
+                </p:cNvSpPr>
+                <p:nvPr/>
+              </p:nvSpPr>
+              <p:spPr>
+                <a:xfrm>
+                  <a:off x="1989358" y="2351127"/>
+                  <a:ext cx="760333" cy="700764"/>
+                </a:xfrm>
+                <a:prstGeom prst="rect">
+                  <a:avLst/>
+                </a:prstGeom>
+                <a:blipFill>
+                  <a:blip r:embed="rId6"/>
+                  <a:stretch>
+                    <a:fillRect/>
+                  </a:stretch>
+                </a:blipFill>
+                <a:ln>
+                  <a:noFill/>
+                </a:ln>
+              </p:spPr>
+              <p:txBody>
+                <a:bodyPr/>
+                <a:lstStyle/>
+                <a:p>
+                  <a:r>
+                    <a:rPr lang="en-US">
+                      <a:noFill/>
+                    </a:rPr>
+                    <a:t> </a:t>
+                  </a:r>
+                </a:p>
+              </p:txBody>
+            </p:sp>
+          </mc:Fallback>
+        </mc:AlternateContent>
+        <mc:AlternateContent xmlns:mc="http://schemas.openxmlformats.org/markup-compatibility/2006" xmlns:a14="http://schemas.microsoft.com/office/drawing/2010/main">
+          <mc:Choice Requires="a14">
+            <p:sp>
+              <p:nvSpPr>
+                <p:cNvPr id="39" name="Rectangle 38">
+                  <a:extLst>
+                    <a:ext uri="{FF2B5EF4-FFF2-40B4-BE49-F238E27FC236}">
+                      <a16:creationId xmlns:a16="http://schemas.microsoft.com/office/drawing/2014/main" id="{6B7A673E-AF7B-1723-0BA2-701807A282AE}"/>
+                    </a:ext>
+                  </a:extLst>
+                </p:cNvPr>
+                <p:cNvSpPr>
+                  <a:spLocks noChangeAspect="1"/>
+                </p:cNvSpPr>
+                <p:nvPr/>
+              </p:nvSpPr>
+              <p:spPr>
+                <a:xfrm>
+                  <a:off x="3217956" y="2342793"/>
+                  <a:ext cx="760333" cy="700764"/>
+                </a:xfrm>
+                <a:prstGeom prst="rect">
+                  <a:avLst/>
+                </a:prstGeom>
+                <a:solidFill>
+                  <a:srgbClr val="FF0000"/>
+                </a:solidFill>
+                <a:ln>
+                  <a:noFill/>
+                </a:ln>
+              </p:spPr>
+              <p:style>
+                <a:lnRef idx="1">
+                  <a:schemeClr val="accent1"/>
+                </a:lnRef>
+                <a:fillRef idx="3">
+                  <a:schemeClr val="accent1"/>
+                </a:fillRef>
+                <a:effectRef idx="2">
+                  <a:schemeClr val="accent1"/>
+                </a:effectRef>
+                <a:fontRef idx="minor">
+                  <a:schemeClr val="lt1"/>
+                </a:fontRef>
+              </p:style>
+              <p:txBody>
+                <a:bodyPr rtlCol="0" anchor="ctr"/>
+                <a:lstStyle/>
+                <a:p>
+                  <a:pPr algn="ctr"/>
+                  <a14:m>
+                    <m:oMathPara xmlns:m="http://schemas.openxmlformats.org/officeDocument/2006/math">
+                      <m:oMathParaPr>
+                        <m:jc m:val="centerGroup"/>
+                      </m:oMathParaPr>
+                      <m:oMath xmlns:m="http://schemas.openxmlformats.org/officeDocument/2006/math">
+                        <m:sSub>
+                          <m:sSubPr>
+                            <m:ctrlPr>
+                              <a:rPr lang="en-US" sz="1600" b="0" i="1" smtClean="0">
+                                <a:latin typeface="Cambria Math" panose="02040503050406030204" pitchFamily="18" charset="0"/>
+                              </a:rPr>
+                            </m:ctrlPr>
+                          </m:sSubPr>
+                          <m:e>
+                            <m:r>
+                              <a:rPr lang="en-US" sz="1600" b="0" i="1" smtClean="0">
+                                <a:latin typeface="Cambria Math" panose="02040503050406030204" pitchFamily="18" charset="0"/>
+                              </a:rPr>
+                              <m:t>𝑘</m:t>
+                            </m:r>
+                          </m:e>
+                          <m:sub>
+                            <m:r>
+                              <a:rPr lang="en-US" sz="1600" b="0" i="1" smtClean="0">
+                                <a:latin typeface="Cambria Math" panose="02040503050406030204" pitchFamily="18" charset="0"/>
+                              </a:rPr>
+                              <m:t>𝐼</m:t>
+                            </m:r>
+                          </m:sub>
+                        </m:sSub>
+                      </m:oMath>
+                    </m:oMathPara>
+                  </a14:m>
+                  <a:endParaRPr lang="en-US" sz="1600" dirty="0"/>
+                </a:p>
+              </p:txBody>
+            </p:sp>
+          </mc:Choice>
+          <mc:Fallback xmlns="">
+            <p:sp>
+              <p:nvSpPr>
+                <p:cNvPr id="39" name="Rectangle 38">
+                  <a:extLst>
+                    <a:ext uri="{FF2B5EF4-FFF2-40B4-BE49-F238E27FC236}">
+                      <a16:creationId xmlns:a16="http://schemas.microsoft.com/office/drawing/2014/main" id="{6B7A673E-AF7B-1723-0BA2-701807A282AE}"/>
+                    </a:ext>
+                  </a:extLst>
+                </p:cNvPr>
+                <p:cNvSpPr>
+                  <a:spLocks noRot="1" noChangeAspect="1" noMove="1" noResize="1" noEditPoints="1" noAdjustHandles="1" noChangeArrowheads="1" noChangeShapeType="1" noTextEdit="1"/>
+                </p:cNvSpPr>
+                <p:nvPr/>
+              </p:nvSpPr>
+              <p:spPr>
+                <a:xfrm>
+                  <a:off x="3217956" y="2342793"/>
+                  <a:ext cx="760333" cy="700764"/>
+                </a:xfrm>
+                <a:prstGeom prst="rect">
+                  <a:avLst/>
+                </a:prstGeom>
+                <a:blipFill>
+                  <a:blip r:embed="rId7"/>
+                  <a:stretch>
+                    <a:fillRect/>
+                  </a:stretch>
+                </a:blipFill>
+                <a:ln>
+                  <a:noFill/>
+                </a:ln>
+              </p:spPr>
+              <p:txBody>
+                <a:bodyPr/>
+                <a:lstStyle/>
+                <a:p>
+                  <a:r>
+                    <a:rPr lang="en-US">
+                      <a:noFill/>
+                    </a:rPr>
+                    <a:t> </a:t>
+                  </a:r>
+                </a:p>
+              </p:txBody>
+            </p:sp>
+          </mc:Fallback>
+        </mc:AlternateContent>
+      </p:grpSp>
+      <p:pic>
+        <p:nvPicPr>
+          <p:cNvPr id="4" name="Picture 3">
+            <a:extLst>
+              <a:ext uri="{FF2B5EF4-FFF2-40B4-BE49-F238E27FC236}">
+                <a16:creationId xmlns:a16="http://schemas.microsoft.com/office/drawing/2014/main" id="{B2494A8C-DEFC-04E4-5DCB-4889D875EE3F}"/>
+              </a:ext>
+            </a:extLst>
+          </p:cNvPr>
+          <p:cNvPicPr>
+            <a:picLocks noChangeAspect="1"/>
+          </p:cNvPicPr>
+          <p:nvPr/>
+        </p:nvPicPr>
+        <p:blipFill>
+          <a:blip r:embed="rId8"/>
+          <a:stretch>
+            <a:fillRect/>
+          </a:stretch>
+        </p:blipFill>
+        <p:spPr>
+          <a:xfrm>
+            <a:off x="5612942" y="401851"/>
+            <a:ext cx="3073858" cy="879045"/>
+          </a:xfrm>
+          <a:prstGeom prst="rect">
+            <a:avLst/>
+          </a:prstGeom>
+        </p:spPr>
+      </p:pic>
+    </p:spTree>
+    <p:extLst>
+      <p:ext uri="{BB962C8B-B14F-4D97-AF65-F5344CB8AC3E}">
+        <p14:creationId xmlns:p14="http://schemas.microsoft.com/office/powerpoint/2010/main" val="2532988815"/>
+      </p:ext>
+    </p:extLst>
+  </p:cSld>
+  <p:clrMapOvr>
+    <a:masterClrMapping/>
+  </p:clrMapOvr>
+  <p:timing>
+    <p:tnLst>
+      <p:par>
+        <p:cTn id="1" dur="indefinite" restart="never" nodeType="tmRoot">
+          <p:childTnLst>
+            <p:seq concurrent="1" nextAc="seek">
+              <p:cTn id="2" dur="indefinite" nodeType="mainSeq">
+                <p:childTnLst>
+                  <p:par>
+                    <p:cTn id="3" fill="hold">
+                      <p:stCondLst>
+                        <p:cond delay="indefinite"/>
+                      </p:stCondLst>
+                      <p:childTnLst>
+                        <p:par>
+                          <p:cTn id="4" fill="hold">
+                            <p:stCondLst>
+                              <p:cond delay="0"/>
+                            </p:stCondLst>
+                            <p:childTnLst>
+                              <p:par>
+                                <p:cTn id="5" presetID="1" presetClass="entr" presetSubtype="0" fill="hold" grpId="0" nodeType="clickEffect">
+                                  <p:stCondLst>
+                                    <p:cond delay="0"/>
+                                  </p:stCondLst>
+                                  <p:childTnLst>
+                                    <p:set>
+                                      <p:cBhvr>
+                                        <p:cTn id="6" dur="1" fill="hold">
+                                          <p:stCondLst>
+                                            <p:cond delay="0"/>
+                                          </p:stCondLst>
+                                        </p:cTn>
+                                        <p:tgtEl>
+                                          <p:spTgt spid="34"/>
+                                        </p:tgtEl>
+                                        <p:attrNameLst>
+                                          <p:attrName>style.visibility</p:attrName>
+                                        </p:attrNameLst>
+                                      </p:cBhvr>
+                                      <p:to>
+                                        <p:strVal val="visible"/>
+                                      </p:to>
+                                    </p:set>
+                                  </p:childTnLst>
+                                </p:cTn>
+                              </p:par>
+                            </p:childTnLst>
+                          </p:cTn>
+                        </p:par>
+                      </p:childTnLst>
+                    </p:cTn>
+                  </p:par>
+                  <p:par>
+                    <p:cTn id="7" fill="hold">
+                      <p:stCondLst>
+                        <p:cond delay="indefinite"/>
+                      </p:stCondLst>
+                      <p:childTnLst>
+                        <p:par>
+                          <p:cTn id="8" fill="hold">
+                            <p:stCondLst>
+                              <p:cond delay="0"/>
+                            </p:stCondLst>
+                            <p:childTnLst>
+                              <p:par>
+                                <p:cTn id="9" presetID="1" presetClass="entr" presetSubtype="0" fill="hold" grpId="0" nodeType="clickEffect">
+                                  <p:stCondLst>
+                                    <p:cond delay="0"/>
+                                  </p:stCondLst>
+                                  <p:childTnLst>
+                                    <p:set>
+                                      <p:cBhvr>
+                                        <p:cTn id="10" dur="1" fill="hold">
+                                          <p:stCondLst>
+                                            <p:cond delay="0"/>
+                                          </p:stCondLst>
+                                        </p:cTn>
+                                        <p:tgtEl>
+                                          <p:spTgt spid="35"/>
+                                        </p:tgtEl>
+                                        <p:attrNameLst>
+                                          <p:attrName>style.visibility</p:attrName>
+                                        </p:attrNameLst>
+                                      </p:cBhvr>
+                                      <p:to>
+                                        <p:strVal val="visible"/>
+                                      </p:to>
+                                    </p:set>
+                                  </p:childTnLst>
+                                </p:cTn>
+                              </p:par>
+                            </p:childTnLst>
+                          </p:cTn>
+                        </p:par>
+                      </p:childTnLst>
+                    </p:cTn>
+                  </p:par>
+                </p:childTnLst>
+              </p:cTn>
+              <p:prevCondLst>
+                <p:cond evt="onPrev" delay="0">
+                  <p:tgtEl>
+                    <p:sldTgt/>
+                  </p:tgtEl>
+                </p:cond>
+              </p:prevCondLst>
+              <p:nextCondLst>
+                <p:cond evt="onNext" delay="0">
+                  <p:tgtEl>
+                    <p:sldTgt/>
+                  </p:tgtEl>
+                </p:cond>
+              </p:nextCondLst>
+            </p:seq>
+          </p:childTnLst>
+        </p:cTn>
+      </p:par>
+    </p:tnLst>
+    <p:bldLst>
+      <p:bldP spid="34" grpId="0"/>
+      <p:bldP spid="35" grpId="0"/>
+    </p:bldLst>
+  </p:timing>
+</p:sld>
+</file>
+
+<file path=ppt/slides/slide11.xml><?xml version="1.0" encoding="utf-8"?>
 <p:sld xmlns:a="http://schemas.openxmlformats.org/drawingml/2006/main" xmlns:r="http://schemas.openxmlformats.org/officeDocument/2006/relationships" xmlns:p="http://schemas.openxmlformats.org/presentationml/2006/main">
   <p:cSld>
     <p:spTree>
@@ -13049,7 +14627,7 @@
             </a:pPr>
             <a:fld id="{00000000-1234-1234-1234-123412341234}" type="slidenum">
               <a:rPr lang="en-US" smtClean="0"/>
-              <a:t>10</a:t>
+              <a:t>11</a:t>
             </a:fld>
             <a:endParaRPr lang="en-US"/>
           </a:p>
@@ -14385,7 +15963,7 @@
 </p:sld>
 </file>
 
-<file path=ppt/slides/slide11.xml><?xml version="1.0" encoding="utf-8"?>
+<file path=ppt/slides/slide12.xml><?xml version="1.0" encoding="utf-8"?>
 <p:sld xmlns:a="http://schemas.openxmlformats.org/drawingml/2006/main" xmlns:r="http://schemas.openxmlformats.org/officeDocument/2006/relationships" xmlns:p="http://schemas.openxmlformats.org/presentationml/2006/main">
   <p:cSld>
     <p:spTree>
@@ -14467,7 +16045,7 @@
             </a:pPr>
             <a:fld id="{00000000-1234-1234-1234-123412341234}" type="slidenum">
               <a:rPr lang="en-US" smtClean="0"/>
-              <a:t>11</a:t>
+              <a:t>12</a:t>
             </a:fld>
             <a:endParaRPr lang="en-US"/>
           </a:p>
@@ -19310,2433 +20888,6 @@
 </p:sld>
 </file>
 
-<file path=ppt/slides/slide12.xml><?xml version="1.0" encoding="utf-8"?>
-<p:sld xmlns:a="http://schemas.openxmlformats.org/drawingml/2006/main" xmlns:r="http://schemas.openxmlformats.org/officeDocument/2006/relationships" xmlns:p="http://schemas.openxmlformats.org/presentationml/2006/main">
-  <p:cSld>
-    <p:spTree>
-      <p:nvGrpSpPr>
-        <p:cNvPr id="1" name="">
-          <a:extLst>
-            <a:ext uri="{FF2B5EF4-FFF2-40B4-BE49-F238E27FC236}">
-              <a16:creationId xmlns:a16="http://schemas.microsoft.com/office/drawing/2014/main" id="{977E6616-6DE5-D5B4-867C-DB18B304AF68}"/>
-            </a:ext>
-          </a:extLst>
-        </p:cNvPr>
-        <p:cNvGrpSpPr/>
-        <p:nvPr/>
-      </p:nvGrpSpPr>
-      <p:grpSpPr>
-        <a:xfrm>
-          <a:off x="0" y="0"/>
-          <a:ext cx="0" cy="0"/>
-          <a:chOff x="0" y="0"/>
-          <a:chExt cx="0" cy="0"/>
-        </a:xfrm>
-      </p:grpSpPr>
-      <p:sp>
-        <p:nvSpPr>
-          <p:cNvPr id="2" name="Title 1">
-            <a:extLst>
-              <a:ext uri="{FF2B5EF4-FFF2-40B4-BE49-F238E27FC236}">
-                <a16:creationId xmlns:a16="http://schemas.microsoft.com/office/drawing/2014/main" id="{EB434AB4-FAC6-B870-FC84-14B5D0F3CFEB}"/>
-              </a:ext>
-            </a:extLst>
-          </p:cNvPr>
-          <p:cNvSpPr>
-            <a:spLocks noGrp="1"/>
-          </p:cNvSpPr>
-          <p:nvPr>
-            <p:ph type="title"/>
-          </p:nvPr>
-        </p:nvSpPr>
-        <p:spPr>
-          <a:xfrm>
-            <a:off x="457200" y="228600"/>
-            <a:ext cx="4724400" cy="838200"/>
-          </a:xfrm>
-        </p:spPr>
-        <p:txBody>
-          <a:bodyPr/>
-          <a:lstStyle/>
-          <a:p>
-            <a:r>
-              <a:rPr lang="en-US" dirty="0"/>
-              <a:t>Common Controllers</a:t>
-            </a:r>
-          </a:p>
-        </p:txBody>
-      </p:sp>
-      <p:sp>
-        <p:nvSpPr>
-          <p:cNvPr id="3" name="Slide Number Placeholder 2">
-            <a:extLst>
-              <a:ext uri="{FF2B5EF4-FFF2-40B4-BE49-F238E27FC236}">
-                <a16:creationId xmlns:a16="http://schemas.microsoft.com/office/drawing/2014/main" id="{97A65CF7-786C-9AA2-FEC4-ADA334BEBC42}"/>
-              </a:ext>
-            </a:extLst>
-          </p:cNvPr>
-          <p:cNvSpPr>
-            <a:spLocks noGrp="1"/>
-          </p:cNvSpPr>
-          <p:nvPr>
-            <p:ph type="sldNum" idx="12"/>
-          </p:nvPr>
-        </p:nvSpPr>
-        <p:spPr/>
-        <p:txBody>
-          <a:bodyPr/>
-          <a:lstStyle/>
-          <a:p>
-            <a:pPr marL="0" lvl="0" indent="0" algn="l" rtl="0">
-              <a:spcBef>
-                <a:spcPts val="0"/>
-              </a:spcBef>
-              <a:spcAft>
-                <a:spcPts val="0"/>
-              </a:spcAft>
-              <a:buNone/>
-            </a:pPr>
-            <a:fld id="{00000000-1234-1234-1234-123412341234}" type="slidenum">
-              <a:rPr lang="en-US" smtClean="0"/>
-              <a:t>12</a:t>
-            </a:fld>
-            <a:endParaRPr lang="en-US"/>
-          </a:p>
-        </p:txBody>
-      </p:sp>
-      <mc:AlternateContent xmlns:mc="http://schemas.openxmlformats.org/markup-compatibility/2006" xmlns:a14="http://schemas.microsoft.com/office/drawing/2010/main">
-        <mc:Choice Requires="a14">
-          <p:sp>
-            <p:nvSpPr>
-              <p:cNvPr id="54" name="TextBox 53">
-                <a:extLst>
-                  <a:ext uri="{FF2B5EF4-FFF2-40B4-BE49-F238E27FC236}">
-                    <a16:creationId xmlns:a16="http://schemas.microsoft.com/office/drawing/2014/main" id="{17F86CEB-F539-DDAF-C775-84F74955A643}"/>
-                  </a:ext>
-                </a:extLst>
-              </p:cNvPr>
-              <p:cNvSpPr txBox="1"/>
-              <p:nvPr/>
-            </p:nvSpPr>
-            <p:spPr>
-              <a:xfrm>
-                <a:off x="3745931" y="3087090"/>
-                <a:ext cx="361125" cy="331437"/>
-              </a:xfrm>
-              <a:prstGeom prst="rect">
-                <a:avLst/>
-              </a:prstGeom>
-              <a:noFill/>
-            </p:spPr>
-            <p:txBody>
-              <a:bodyPr wrap="none" lIns="0" tIns="0" rIns="0" bIns="0" rtlCol="0">
-                <a:spAutoFit/>
-              </a:bodyPr>
-              <a:lstStyle/>
-              <a:p>
-                <a:pPr/>
-                <a14:m>
-                  <m:oMathPara xmlns:m="http://schemas.openxmlformats.org/officeDocument/2006/math">
-                    <m:oMathParaPr>
-                      <m:jc m:val="centerGroup"/>
-                    </m:oMathParaPr>
-                    <m:oMath xmlns:m="http://schemas.openxmlformats.org/officeDocument/2006/math">
-                      <m:sSub>
-                        <m:sSubPr>
-                          <m:ctrlPr>
-                            <a:rPr lang="en-US" sz="2000" b="0" i="1" smtClean="0">
-                              <a:solidFill>
-                                <a:schemeClr val="bg1"/>
-                              </a:solidFill>
-                              <a:latin typeface="Cambria Math" panose="02040503050406030204" pitchFamily="18" charset="0"/>
-                            </a:rPr>
-                          </m:ctrlPr>
-                        </m:sSubPr>
-                        <m:e>
-                          <m:r>
-                            <a:rPr lang="en-US" sz="2000" b="0" i="1" smtClean="0">
-                              <a:solidFill>
-                                <a:schemeClr val="bg1"/>
-                              </a:solidFill>
-                              <a:latin typeface="Cambria Math" panose="02040503050406030204" pitchFamily="18" charset="0"/>
-                            </a:rPr>
-                            <m:t>𝐾</m:t>
-                          </m:r>
-                        </m:e>
-                        <m:sub>
-                          <m:r>
-                            <a:rPr lang="en-US" sz="2000" b="0" i="1" smtClean="0">
-                              <a:solidFill>
-                                <a:schemeClr val="bg1"/>
-                              </a:solidFill>
-                              <a:latin typeface="Cambria Math" panose="02040503050406030204" pitchFamily="18" charset="0"/>
-                            </a:rPr>
-                            <m:t>𝑝</m:t>
-                          </m:r>
-                        </m:sub>
-                      </m:sSub>
-                    </m:oMath>
-                  </m:oMathPara>
-                </a14:m>
-                <a:endParaRPr lang="en-US" dirty="0">
-                  <a:solidFill>
-                    <a:schemeClr val="bg1"/>
-                  </a:solidFill>
-                </a:endParaRPr>
-              </a:p>
-            </p:txBody>
-          </p:sp>
-        </mc:Choice>
-        <mc:Fallback xmlns="">
-          <p:sp>
-            <p:nvSpPr>
-              <p:cNvPr id="54" name="TextBox 53">
-                <a:extLst>
-                  <a:ext uri="{FF2B5EF4-FFF2-40B4-BE49-F238E27FC236}">
-                    <a16:creationId xmlns:a16="http://schemas.microsoft.com/office/drawing/2014/main" id="{17F86CEB-F539-DDAF-C775-84F74955A643}"/>
-                  </a:ext>
-                </a:extLst>
-              </p:cNvPr>
-              <p:cNvSpPr txBox="1">
-                <a:spLocks noRot="1" noChangeAspect="1" noMove="1" noResize="1" noEditPoints="1" noAdjustHandles="1" noChangeArrowheads="1" noChangeShapeType="1" noTextEdit="1"/>
-              </p:cNvSpPr>
-              <p:nvPr/>
-            </p:nvSpPr>
-            <p:spPr>
-              <a:xfrm>
-                <a:off x="3745931" y="3087090"/>
-                <a:ext cx="361125" cy="331437"/>
-              </a:xfrm>
-              <a:prstGeom prst="rect">
-                <a:avLst/>
-              </a:prstGeom>
-              <a:blipFill>
-                <a:blip r:embed="rId2"/>
-                <a:stretch>
-                  <a:fillRect l="-13333" r="-3333" b="-17857"/>
-                </a:stretch>
-              </a:blipFill>
-            </p:spPr>
-            <p:txBody>
-              <a:bodyPr/>
-              <a:lstStyle/>
-              <a:p>
-                <a:r>
-                  <a:rPr lang="en-US">
-                    <a:noFill/>
-                  </a:rPr>
-                  <a:t> </a:t>
-                </a:r>
-              </a:p>
-            </p:txBody>
-          </p:sp>
-        </mc:Fallback>
-      </mc:AlternateContent>
-      <p:cxnSp>
-        <p:nvCxnSpPr>
-          <p:cNvPr id="55" name="Straight Arrow Connector 54">
-            <a:extLst>
-              <a:ext uri="{FF2B5EF4-FFF2-40B4-BE49-F238E27FC236}">
-                <a16:creationId xmlns:a16="http://schemas.microsoft.com/office/drawing/2014/main" id="{82F9F1B0-303C-FC65-7C5B-559222571DD3}"/>
-              </a:ext>
-            </a:extLst>
-          </p:cNvPr>
-          <p:cNvCxnSpPr>
-            <a:cxnSpLocks/>
-            <a:stCxn id="58" idx="3"/>
-            <a:endCxn id="59" idx="1"/>
-          </p:cNvCxnSpPr>
-          <p:nvPr/>
-        </p:nvCxnSpPr>
-        <p:spPr>
-          <a:xfrm flipV="1">
-            <a:off x="2814122" y="3304010"/>
-            <a:ext cx="468265" cy="8334"/>
-          </a:xfrm>
-          <a:prstGeom prst="straightConnector1">
-            <a:avLst/>
-          </a:prstGeom>
-          <a:ln>
-            <a:solidFill>
-              <a:srgbClr val="FF0000"/>
-            </a:solidFill>
-            <a:tailEnd type="triangle" w="lg" len="lg"/>
-          </a:ln>
-          <a:effectLst>
-            <a:outerShdw dist="20000" sx="1000" sy="1000" rotWithShape="0">
-              <a:srgbClr val="000000"/>
-            </a:outerShdw>
-          </a:effectLst>
-        </p:spPr>
-        <p:style>
-          <a:lnRef idx="2">
-            <a:schemeClr val="accent1"/>
-          </a:lnRef>
-          <a:fillRef idx="0">
-            <a:schemeClr val="accent1"/>
-          </a:fillRef>
-          <a:effectRef idx="1">
-            <a:schemeClr val="accent1"/>
-          </a:effectRef>
-          <a:fontRef idx="minor">
-            <a:schemeClr val="tx1"/>
-          </a:fontRef>
-        </p:style>
-      </p:cxnSp>
-      <mc:AlternateContent xmlns:mc="http://schemas.openxmlformats.org/markup-compatibility/2006" xmlns:a14="http://schemas.microsoft.com/office/drawing/2010/main">
-        <mc:Choice Requires="a14">
-          <p:sp>
-            <p:nvSpPr>
-              <p:cNvPr id="56" name="Rectangle 55">
-                <a:extLst>
-                  <a:ext uri="{FF2B5EF4-FFF2-40B4-BE49-F238E27FC236}">
-                    <a16:creationId xmlns:a16="http://schemas.microsoft.com/office/drawing/2014/main" id="{EA55C27E-87FF-76A8-DA58-1917EF6C333F}"/>
-                  </a:ext>
-                </a:extLst>
-              </p:cNvPr>
-              <p:cNvSpPr/>
-              <p:nvPr/>
-            </p:nvSpPr>
-            <p:spPr>
-              <a:xfrm>
-                <a:off x="655113" y="2619666"/>
-                <a:ext cx="706347" cy="400110"/>
-              </a:xfrm>
-              <a:prstGeom prst="rect">
-                <a:avLst/>
-              </a:prstGeom>
-            </p:spPr>
-            <p:txBody>
-              <a:bodyPr wrap="none">
-                <a:spAutoFit/>
-              </a:bodyPr>
-              <a:lstStyle/>
-              <a:p>
-                <a:pPr/>
-                <a14:m>
-                  <m:oMathPara xmlns:m="http://schemas.openxmlformats.org/officeDocument/2006/math">
-                    <m:oMathParaPr>
-                      <m:jc m:val="centerGroup"/>
-                    </m:oMathParaPr>
-                    <m:oMath xmlns:m="http://schemas.openxmlformats.org/officeDocument/2006/math">
-                      <m:r>
-                        <a:rPr lang="en-US" sz="2000" b="0" i="1" smtClean="0">
-                          <a:solidFill>
-                            <a:schemeClr val="tx1"/>
-                          </a:solidFill>
-                          <a:latin typeface="Cambria Math" panose="02040503050406030204" pitchFamily="18" charset="0"/>
-                        </a:rPr>
-                        <m:t>𝑒</m:t>
-                      </m:r>
-                      <m:r>
-                        <a:rPr lang="en-US" sz="2000" b="0" i="1" smtClean="0">
-                          <a:solidFill>
-                            <a:schemeClr val="tx1"/>
-                          </a:solidFill>
-                          <a:latin typeface="Cambria Math" panose="02040503050406030204" pitchFamily="18" charset="0"/>
-                        </a:rPr>
-                        <m:t>(</m:t>
-                      </m:r>
-                      <m:r>
-                        <a:rPr lang="en-US" sz="2000" b="0" i="1" smtClean="0">
-                          <a:solidFill>
-                            <a:schemeClr val="tx1"/>
-                          </a:solidFill>
-                          <a:latin typeface="Cambria Math" panose="02040503050406030204" pitchFamily="18" charset="0"/>
-                        </a:rPr>
-                        <m:t>𝑡</m:t>
-                      </m:r>
-                      <m:r>
-                        <a:rPr lang="en-US" sz="2000" b="0" i="1" smtClean="0">
-                          <a:solidFill>
-                            <a:schemeClr val="tx1"/>
-                          </a:solidFill>
-                          <a:latin typeface="Cambria Math" panose="02040503050406030204" pitchFamily="18" charset="0"/>
-                        </a:rPr>
-                        <m:t>)</m:t>
-                      </m:r>
-                    </m:oMath>
-                  </m:oMathPara>
-                </a14:m>
-                <a:endParaRPr lang="en-US" sz="2000" dirty="0">
-                  <a:solidFill>
-                    <a:schemeClr val="tx1"/>
-                  </a:solidFill>
-                </a:endParaRPr>
-              </a:p>
-            </p:txBody>
-          </p:sp>
-        </mc:Choice>
-        <mc:Fallback xmlns="">
-          <p:sp>
-            <p:nvSpPr>
-              <p:cNvPr id="56" name="Rectangle 55">
-                <a:extLst>
-                  <a:ext uri="{FF2B5EF4-FFF2-40B4-BE49-F238E27FC236}">
-                    <a16:creationId xmlns:a16="http://schemas.microsoft.com/office/drawing/2014/main" id="{EA55C27E-87FF-76A8-DA58-1917EF6C333F}"/>
-                  </a:ext>
-                </a:extLst>
-              </p:cNvPr>
-              <p:cNvSpPr>
-                <a:spLocks noRot="1" noChangeAspect="1" noMove="1" noResize="1" noEditPoints="1" noAdjustHandles="1" noChangeArrowheads="1" noChangeShapeType="1" noTextEdit="1"/>
-              </p:cNvSpPr>
-              <p:nvPr/>
-            </p:nvSpPr>
-            <p:spPr>
-              <a:xfrm>
-                <a:off x="655113" y="2619666"/>
-                <a:ext cx="706347" cy="400110"/>
-              </a:xfrm>
-              <a:prstGeom prst="rect">
-                <a:avLst/>
-              </a:prstGeom>
-              <a:blipFill>
-                <a:blip r:embed="rId3"/>
-                <a:stretch>
-                  <a:fillRect b="-12500"/>
-                </a:stretch>
-              </a:blipFill>
-            </p:spPr>
-            <p:txBody>
-              <a:bodyPr/>
-              <a:lstStyle/>
-              <a:p>
-                <a:r>
-                  <a:rPr lang="en-US">
-                    <a:noFill/>
-                  </a:rPr>
-                  <a:t> </a:t>
-                </a:r>
-              </a:p>
-            </p:txBody>
-          </p:sp>
-        </mc:Fallback>
-      </mc:AlternateContent>
-      <p:sp>
-        <p:nvSpPr>
-          <p:cNvPr id="57" name="Rectangle 56">
-            <a:extLst>
-              <a:ext uri="{FF2B5EF4-FFF2-40B4-BE49-F238E27FC236}">
-                <a16:creationId xmlns:a16="http://schemas.microsoft.com/office/drawing/2014/main" id="{68D233B5-3E28-4B31-90EE-BCC5DC9EE2D8}"/>
-              </a:ext>
-            </a:extLst>
-          </p:cNvPr>
-          <p:cNvSpPr/>
-          <p:nvPr/>
-        </p:nvSpPr>
-        <p:spPr>
-          <a:xfrm>
-            <a:off x="1459416" y="1866625"/>
-            <a:ext cx="3506423" cy="2936595"/>
-          </a:xfrm>
-          <a:prstGeom prst="rect">
-            <a:avLst/>
-          </a:prstGeom>
-          <a:noFill/>
-          <a:ln>
-            <a:solidFill>
-              <a:srgbClr val="0070C0"/>
-            </a:solidFill>
-            <a:prstDash val="dash"/>
-          </a:ln>
-        </p:spPr>
-        <p:style>
-          <a:lnRef idx="2">
-            <a:schemeClr val="accent1">
-              <a:shade val="50000"/>
-            </a:schemeClr>
-          </a:lnRef>
-          <a:fillRef idx="1">
-            <a:schemeClr val="accent1"/>
-          </a:fillRef>
-          <a:effectRef idx="0">
-            <a:schemeClr val="accent1"/>
-          </a:effectRef>
-          <a:fontRef idx="minor">
-            <a:schemeClr val="lt1"/>
-          </a:fontRef>
-        </p:style>
-        <p:txBody>
-          <a:bodyPr rtlCol="0" anchor="ctr"/>
-          <a:lstStyle/>
-          <a:p>
-            <a:pPr algn="ctr"/>
-            <a:endParaRPr lang="en-US"/>
-          </a:p>
-        </p:txBody>
-      </p:sp>
-      <mc:AlternateContent xmlns:mc="http://schemas.openxmlformats.org/markup-compatibility/2006" xmlns:a14="http://schemas.microsoft.com/office/drawing/2010/main">
-        <mc:Choice Requires="a14">
-          <p:sp>
-            <p:nvSpPr>
-              <p:cNvPr id="58" name="Rectangle 57">
-                <a:extLst>
-                  <a:ext uri="{FF2B5EF4-FFF2-40B4-BE49-F238E27FC236}">
-                    <a16:creationId xmlns:a16="http://schemas.microsoft.com/office/drawing/2014/main" id="{E489DADC-BFD8-9B84-0665-EAD2CAA0E564}"/>
-                  </a:ext>
-                </a:extLst>
-              </p:cNvPr>
-              <p:cNvSpPr>
-                <a:spLocks noChangeAspect="1"/>
-              </p:cNvSpPr>
-              <p:nvPr/>
-            </p:nvSpPr>
-            <p:spPr>
-              <a:xfrm>
-                <a:off x="2053789" y="2961962"/>
-                <a:ext cx="760333" cy="700764"/>
-              </a:xfrm>
-              <a:prstGeom prst="rect">
-                <a:avLst/>
-              </a:prstGeom>
-              <a:solidFill>
-                <a:srgbClr val="FF0000"/>
-              </a:solidFill>
-              <a:ln>
-                <a:solidFill>
-                  <a:srgbClr val="FF0000"/>
-                </a:solidFill>
-              </a:ln>
-            </p:spPr>
-            <p:style>
-              <a:lnRef idx="1">
-                <a:schemeClr val="accent1"/>
-              </a:lnRef>
-              <a:fillRef idx="3">
-                <a:schemeClr val="accent1"/>
-              </a:fillRef>
-              <a:effectRef idx="2">
-                <a:schemeClr val="accent1"/>
-              </a:effectRef>
-              <a:fontRef idx="minor">
-                <a:schemeClr val="lt1"/>
-              </a:fontRef>
-            </p:style>
-            <p:txBody>
-              <a:bodyPr rtlCol="0" anchor="ctr"/>
-              <a:lstStyle/>
-              <a:p>
-                <a:pPr algn="ctr"/>
-                <a:endParaRPr lang="en-US" sz="1600" i="1" dirty="0">
-                  <a:latin typeface="Cambria Math" panose="02040503050406030204" pitchFamily="18" charset="0"/>
-                </a:endParaRPr>
-              </a:p>
-              <a:p>
-                <a:pPr algn="ctr"/>
-                <a14:m>
-                  <m:oMathPara xmlns:m="http://schemas.openxmlformats.org/officeDocument/2006/math">
-                    <m:oMathParaPr>
-                      <m:jc m:val="centerGroup"/>
-                    </m:oMathParaPr>
-                    <m:oMath xmlns:m="http://schemas.openxmlformats.org/officeDocument/2006/math">
-                      <m:nary>
-                        <m:naryPr>
-                          <m:ctrlPr>
-                            <a:rPr lang="en-US" sz="1600" i="1" smtClean="0">
-                              <a:latin typeface="Cambria Math" panose="02040503050406030204" pitchFamily="18" charset="0"/>
-                            </a:rPr>
-                          </m:ctrlPr>
-                        </m:naryPr>
-                        <m:sub>
-                          <m:r>
-                            <a:rPr lang="en-US" sz="1600" i="1">
-                              <a:latin typeface="Cambria Math" panose="02040503050406030204" pitchFamily="18" charset="0"/>
-                            </a:rPr>
-                            <m:t>0</m:t>
-                          </m:r>
-                        </m:sub>
-                        <m:sup>
-                          <m:r>
-                            <a:rPr lang="en-US" sz="1600" i="1">
-                              <a:latin typeface="Cambria Math" panose="02040503050406030204" pitchFamily="18" charset="0"/>
-                            </a:rPr>
-                            <m:t>𝑡</m:t>
-                          </m:r>
-                        </m:sup>
-                        <m:e/>
-                      </m:nary>
-                    </m:oMath>
-                  </m:oMathPara>
-                </a14:m>
-                <a:endParaRPr lang="en-US" sz="1600" dirty="0"/>
-              </a:p>
-              <a:p>
-                <a:pPr algn="ctr"/>
-                <a:endParaRPr lang="en-US" sz="1600" dirty="0"/>
-              </a:p>
-            </p:txBody>
-          </p:sp>
-        </mc:Choice>
-        <mc:Fallback xmlns="">
-          <p:sp>
-            <p:nvSpPr>
-              <p:cNvPr id="58" name="Rectangle 57">
-                <a:extLst>
-                  <a:ext uri="{FF2B5EF4-FFF2-40B4-BE49-F238E27FC236}">
-                    <a16:creationId xmlns:a16="http://schemas.microsoft.com/office/drawing/2014/main" id="{E489DADC-BFD8-9B84-0665-EAD2CAA0E564}"/>
-                  </a:ext>
-                </a:extLst>
-              </p:cNvPr>
-              <p:cNvSpPr>
-                <a:spLocks noRot="1" noChangeAspect="1" noMove="1" noResize="1" noEditPoints="1" noAdjustHandles="1" noChangeArrowheads="1" noChangeShapeType="1" noTextEdit="1"/>
-              </p:cNvSpPr>
-              <p:nvPr/>
-            </p:nvSpPr>
-            <p:spPr>
-              <a:xfrm>
-                <a:off x="2053789" y="2961962"/>
-                <a:ext cx="760333" cy="700764"/>
-              </a:xfrm>
-              <a:prstGeom prst="rect">
-                <a:avLst/>
-              </a:prstGeom>
-              <a:blipFill>
-                <a:blip r:embed="rId4"/>
-                <a:stretch>
-                  <a:fillRect/>
-                </a:stretch>
-              </a:blipFill>
-              <a:ln>
-                <a:solidFill>
-                  <a:srgbClr val="FF0000"/>
-                </a:solidFill>
-              </a:ln>
-            </p:spPr>
-            <p:txBody>
-              <a:bodyPr/>
-              <a:lstStyle/>
-              <a:p>
-                <a:r>
-                  <a:rPr lang="en-US">
-                    <a:noFill/>
-                  </a:rPr>
-                  <a:t> </a:t>
-                </a:r>
-              </a:p>
-            </p:txBody>
-          </p:sp>
-        </mc:Fallback>
-      </mc:AlternateContent>
-      <mc:AlternateContent xmlns:mc="http://schemas.openxmlformats.org/markup-compatibility/2006" xmlns:a14="http://schemas.microsoft.com/office/drawing/2010/main">
-        <mc:Choice Requires="a14">
-          <p:sp>
-            <p:nvSpPr>
-              <p:cNvPr id="59" name="Rectangle 58">
-                <a:extLst>
-                  <a:ext uri="{FF2B5EF4-FFF2-40B4-BE49-F238E27FC236}">
-                    <a16:creationId xmlns:a16="http://schemas.microsoft.com/office/drawing/2014/main" id="{E1F977BB-0B41-46B9-7A6B-7405431B6873}"/>
-                  </a:ext>
-                </a:extLst>
-              </p:cNvPr>
-              <p:cNvSpPr>
-                <a:spLocks noChangeAspect="1"/>
-              </p:cNvSpPr>
-              <p:nvPr/>
-            </p:nvSpPr>
-            <p:spPr>
-              <a:xfrm>
-                <a:off x="3282387" y="2953628"/>
-                <a:ext cx="760333" cy="700764"/>
-              </a:xfrm>
-              <a:prstGeom prst="rect">
-                <a:avLst/>
-              </a:prstGeom>
-              <a:solidFill>
-                <a:srgbClr val="FF0000"/>
-              </a:solidFill>
-              <a:ln>
-                <a:solidFill>
-                  <a:srgbClr val="FF0000"/>
-                </a:solidFill>
-              </a:ln>
-            </p:spPr>
-            <p:style>
-              <a:lnRef idx="1">
-                <a:schemeClr val="accent1"/>
-              </a:lnRef>
-              <a:fillRef idx="3">
-                <a:schemeClr val="accent1"/>
-              </a:fillRef>
-              <a:effectRef idx="2">
-                <a:schemeClr val="accent1"/>
-              </a:effectRef>
-              <a:fontRef idx="minor">
-                <a:schemeClr val="lt1"/>
-              </a:fontRef>
-            </p:style>
-            <p:txBody>
-              <a:bodyPr rtlCol="0" anchor="ctr"/>
-              <a:lstStyle/>
-              <a:p>
-                <a:pPr algn="ctr"/>
-                <a14:m>
-                  <m:oMathPara xmlns:m="http://schemas.openxmlformats.org/officeDocument/2006/math">
-                    <m:oMathParaPr>
-                      <m:jc m:val="centerGroup"/>
-                    </m:oMathParaPr>
-                    <m:oMath xmlns:m="http://schemas.openxmlformats.org/officeDocument/2006/math">
-                      <m:sSub>
-                        <m:sSubPr>
-                          <m:ctrlPr>
-                            <a:rPr lang="en-US" sz="1600" b="0" i="1" smtClean="0">
-                              <a:latin typeface="Cambria Math" panose="02040503050406030204" pitchFamily="18" charset="0"/>
-                            </a:rPr>
-                          </m:ctrlPr>
-                        </m:sSubPr>
-                        <m:e>
-                          <m:r>
-                            <a:rPr lang="en-US" sz="1600" b="0" i="1" smtClean="0">
-                              <a:latin typeface="Cambria Math" panose="02040503050406030204" pitchFamily="18" charset="0"/>
-                            </a:rPr>
-                            <m:t>𝑘</m:t>
-                          </m:r>
-                        </m:e>
-                        <m:sub>
-                          <m:r>
-                            <a:rPr lang="en-US" sz="1600" b="0" i="1" smtClean="0">
-                              <a:latin typeface="Cambria Math" panose="02040503050406030204" pitchFamily="18" charset="0"/>
-                            </a:rPr>
-                            <m:t>𝐼</m:t>
-                          </m:r>
-                        </m:sub>
-                      </m:sSub>
-                    </m:oMath>
-                  </m:oMathPara>
-                </a14:m>
-                <a:endParaRPr lang="en-US" sz="1600" dirty="0"/>
-              </a:p>
-            </p:txBody>
-          </p:sp>
-        </mc:Choice>
-        <mc:Fallback xmlns="">
-          <p:sp>
-            <p:nvSpPr>
-              <p:cNvPr id="59" name="Rectangle 58">
-                <a:extLst>
-                  <a:ext uri="{FF2B5EF4-FFF2-40B4-BE49-F238E27FC236}">
-                    <a16:creationId xmlns:a16="http://schemas.microsoft.com/office/drawing/2014/main" id="{E1F977BB-0B41-46B9-7A6B-7405431B6873}"/>
-                  </a:ext>
-                </a:extLst>
-              </p:cNvPr>
-              <p:cNvSpPr>
-                <a:spLocks noRot="1" noChangeAspect="1" noMove="1" noResize="1" noEditPoints="1" noAdjustHandles="1" noChangeArrowheads="1" noChangeShapeType="1" noTextEdit="1"/>
-              </p:cNvSpPr>
-              <p:nvPr/>
-            </p:nvSpPr>
-            <p:spPr>
-              <a:xfrm>
-                <a:off x="3282387" y="2953628"/>
-                <a:ext cx="760333" cy="700764"/>
-              </a:xfrm>
-              <a:prstGeom prst="rect">
-                <a:avLst/>
-              </a:prstGeom>
-              <a:blipFill>
-                <a:blip r:embed="rId5"/>
-                <a:stretch>
-                  <a:fillRect/>
-                </a:stretch>
-              </a:blipFill>
-              <a:ln>
-                <a:solidFill>
-                  <a:srgbClr val="FF0000"/>
-                </a:solidFill>
-              </a:ln>
-            </p:spPr>
-            <p:txBody>
-              <a:bodyPr/>
-              <a:lstStyle/>
-              <a:p>
-                <a:r>
-                  <a:rPr lang="en-US">
-                    <a:noFill/>
-                  </a:rPr>
-                  <a:t> </a:t>
-                </a:r>
-              </a:p>
-            </p:txBody>
-          </p:sp>
-        </mc:Fallback>
-      </mc:AlternateContent>
-      <p:sp>
-        <p:nvSpPr>
-          <p:cNvPr id="60" name="Rectangle 59">
-            <a:extLst>
-              <a:ext uri="{FF2B5EF4-FFF2-40B4-BE49-F238E27FC236}">
-                <a16:creationId xmlns:a16="http://schemas.microsoft.com/office/drawing/2014/main" id="{6B7F90CF-C7CC-9AC3-9D99-1572DF4CE6AA}"/>
-              </a:ext>
-            </a:extLst>
-          </p:cNvPr>
-          <p:cNvSpPr>
-            <a:spLocks noChangeAspect="1"/>
-          </p:cNvSpPr>
-          <p:nvPr/>
-        </p:nvSpPr>
-        <p:spPr>
-          <a:xfrm>
-            <a:off x="2570932" y="1991276"/>
-            <a:ext cx="760333" cy="700764"/>
-          </a:xfrm>
-          <a:prstGeom prst="rect">
-            <a:avLst/>
-          </a:prstGeom>
-          <a:solidFill>
-            <a:srgbClr val="FF0000"/>
-          </a:solidFill>
-          <a:ln>
-            <a:solidFill>
-              <a:srgbClr val="FF0000"/>
-            </a:solidFill>
-          </a:ln>
-        </p:spPr>
-        <p:style>
-          <a:lnRef idx="1">
-            <a:schemeClr val="accent1"/>
-          </a:lnRef>
-          <a:fillRef idx="3">
-            <a:schemeClr val="accent1"/>
-          </a:fillRef>
-          <a:effectRef idx="2">
-            <a:schemeClr val="accent1"/>
-          </a:effectRef>
-          <a:fontRef idx="minor">
-            <a:schemeClr val="lt1"/>
-          </a:fontRef>
-        </p:style>
-        <p:txBody>
-          <a:bodyPr rtlCol="0" anchor="ctr"/>
-          <a:lstStyle/>
-          <a:p>
-            <a:pPr algn="ctr"/>
-            <a:endParaRPr lang="en-US" sz="1600" dirty="0"/>
-          </a:p>
-        </p:txBody>
-      </p:sp>
-      <mc:AlternateContent xmlns:mc="http://schemas.openxmlformats.org/markup-compatibility/2006" xmlns:a14="http://schemas.microsoft.com/office/drawing/2010/main">
-        <mc:Choice Requires="a14">
-          <p:sp>
-            <p:nvSpPr>
-              <p:cNvPr id="61" name="TextBox 60">
-                <a:extLst>
-                  <a:ext uri="{FF2B5EF4-FFF2-40B4-BE49-F238E27FC236}">
-                    <a16:creationId xmlns:a16="http://schemas.microsoft.com/office/drawing/2014/main" id="{EF4B63DD-CBC6-2867-2D3D-D63C6D47F9A7}"/>
-                  </a:ext>
-                </a:extLst>
-              </p:cNvPr>
-              <p:cNvSpPr txBox="1"/>
-              <p:nvPr/>
-            </p:nvSpPr>
-            <p:spPr>
-              <a:xfrm>
-                <a:off x="2801975" y="2163267"/>
-                <a:ext cx="348429" cy="307777"/>
-              </a:xfrm>
-              <a:prstGeom prst="rect">
-                <a:avLst/>
-              </a:prstGeom>
-              <a:noFill/>
-            </p:spPr>
-            <p:txBody>
-              <a:bodyPr wrap="none" lIns="0" tIns="0" rIns="0" bIns="0" rtlCol="0">
-                <a:spAutoFit/>
-              </a:bodyPr>
-              <a:lstStyle/>
-              <a:p>
-                <a:pPr/>
-                <a14:m>
-                  <m:oMathPara xmlns:m="http://schemas.openxmlformats.org/officeDocument/2006/math">
-                    <m:oMathParaPr>
-                      <m:jc m:val="centerGroup"/>
-                    </m:oMathParaPr>
-                    <m:oMath xmlns:m="http://schemas.openxmlformats.org/officeDocument/2006/math">
-                      <m:sSub>
-                        <m:sSubPr>
-                          <m:ctrlPr>
-                            <a:rPr lang="en-US" sz="2000" b="0" i="1" smtClean="0">
-                              <a:solidFill>
-                                <a:schemeClr val="bg1"/>
-                              </a:solidFill>
-                              <a:latin typeface="Cambria Math" panose="02040503050406030204" pitchFamily="18" charset="0"/>
-                            </a:rPr>
-                          </m:ctrlPr>
-                        </m:sSubPr>
-                        <m:e>
-                          <m:r>
-                            <a:rPr lang="en-US" sz="2000" b="0" i="1" smtClean="0">
-                              <a:solidFill>
-                                <a:schemeClr val="bg1"/>
-                              </a:solidFill>
-                              <a:latin typeface="Cambria Math" panose="02040503050406030204" pitchFamily="18" charset="0"/>
-                            </a:rPr>
-                            <m:t>𝑘</m:t>
-                          </m:r>
-                        </m:e>
-                        <m:sub>
-                          <m:r>
-                            <a:rPr lang="en-US" sz="2000" b="0" i="1" smtClean="0">
-                              <a:solidFill>
-                                <a:schemeClr val="bg1"/>
-                              </a:solidFill>
-                              <a:latin typeface="Cambria Math" panose="02040503050406030204" pitchFamily="18" charset="0"/>
-                            </a:rPr>
-                            <m:t>𝑃</m:t>
-                          </m:r>
-                        </m:sub>
-                      </m:sSub>
-                    </m:oMath>
-                  </m:oMathPara>
-                </a14:m>
-                <a:endParaRPr lang="en-US" dirty="0">
-                  <a:solidFill>
-                    <a:schemeClr val="bg1"/>
-                  </a:solidFill>
-                </a:endParaRPr>
-              </a:p>
-            </p:txBody>
-          </p:sp>
-        </mc:Choice>
-        <mc:Fallback xmlns="">
-          <p:sp>
-            <p:nvSpPr>
-              <p:cNvPr id="61" name="TextBox 60">
-                <a:extLst>
-                  <a:ext uri="{FF2B5EF4-FFF2-40B4-BE49-F238E27FC236}">
-                    <a16:creationId xmlns:a16="http://schemas.microsoft.com/office/drawing/2014/main" id="{EF4B63DD-CBC6-2867-2D3D-D63C6D47F9A7}"/>
-                  </a:ext>
-                </a:extLst>
-              </p:cNvPr>
-              <p:cNvSpPr txBox="1">
-                <a:spLocks noRot="1" noChangeAspect="1" noMove="1" noResize="1" noEditPoints="1" noAdjustHandles="1" noChangeArrowheads="1" noChangeShapeType="1" noTextEdit="1"/>
-              </p:cNvSpPr>
-              <p:nvPr/>
-            </p:nvSpPr>
-            <p:spPr>
-              <a:xfrm>
-                <a:off x="2801975" y="2163267"/>
-                <a:ext cx="348429" cy="307777"/>
-              </a:xfrm>
-              <a:prstGeom prst="rect">
-                <a:avLst/>
-              </a:prstGeom>
-              <a:blipFill>
-                <a:blip r:embed="rId6"/>
-                <a:stretch>
-                  <a:fillRect l="-13793" b="-16000"/>
-                </a:stretch>
-              </a:blipFill>
-            </p:spPr>
-            <p:txBody>
-              <a:bodyPr/>
-              <a:lstStyle/>
-              <a:p>
-                <a:r>
-                  <a:rPr lang="en-US">
-                    <a:noFill/>
-                  </a:rPr>
-                  <a:t> </a:t>
-                </a:r>
-              </a:p>
-            </p:txBody>
-          </p:sp>
-        </mc:Fallback>
-      </mc:AlternateContent>
-      <p:sp>
-        <p:nvSpPr>
-          <p:cNvPr id="62" name="Oval 61">
-            <a:extLst>
-              <a:ext uri="{FF2B5EF4-FFF2-40B4-BE49-F238E27FC236}">
-                <a16:creationId xmlns:a16="http://schemas.microsoft.com/office/drawing/2014/main" id="{3CC11991-2D88-E34E-95F9-5D2733FDF385}"/>
-              </a:ext>
-            </a:extLst>
-          </p:cNvPr>
-          <p:cNvSpPr/>
-          <p:nvPr/>
-        </p:nvSpPr>
-        <p:spPr>
-          <a:xfrm>
-            <a:off x="4541898" y="3145750"/>
-            <a:ext cx="301841" cy="301840"/>
-          </a:xfrm>
-          <a:prstGeom prst="ellipse">
-            <a:avLst/>
-          </a:prstGeom>
-          <a:solidFill>
-            <a:srgbClr val="FF0000"/>
-          </a:solidFill>
-          <a:ln>
-            <a:solidFill>
-              <a:srgbClr val="FF0000"/>
-            </a:solidFill>
-          </a:ln>
-        </p:spPr>
-        <p:style>
-          <a:lnRef idx="1">
-            <a:schemeClr val="accent1"/>
-          </a:lnRef>
-          <a:fillRef idx="3">
-            <a:schemeClr val="accent1"/>
-          </a:fillRef>
-          <a:effectRef idx="2">
-            <a:schemeClr val="accent1"/>
-          </a:effectRef>
-          <a:fontRef idx="minor">
-            <a:schemeClr val="lt1"/>
-          </a:fontRef>
-        </p:style>
-        <p:txBody>
-          <a:bodyPr rtlCol="0" anchor="ctr"/>
-          <a:lstStyle/>
-          <a:p>
-            <a:pPr algn="ctr"/>
-            <a:r>
-              <a:rPr lang="en-US" dirty="0"/>
-              <a:t>+</a:t>
-            </a:r>
-          </a:p>
-        </p:txBody>
-      </p:sp>
-      <p:cxnSp>
-        <p:nvCxnSpPr>
-          <p:cNvPr id="63" name="Elbow Connector 62">
-            <a:extLst>
-              <a:ext uri="{FF2B5EF4-FFF2-40B4-BE49-F238E27FC236}">
-                <a16:creationId xmlns:a16="http://schemas.microsoft.com/office/drawing/2014/main" id="{1ABFE3B9-5945-A3C2-427D-BB9A71EEE7F9}"/>
-              </a:ext>
-            </a:extLst>
-          </p:cNvPr>
-          <p:cNvCxnSpPr>
-            <a:cxnSpLocks/>
-            <a:stCxn id="59" idx="3"/>
-            <a:endCxn id="62" idx="2"/>
-          </p:cNvCxnSpPr>
-          <p:nvPr/>
-        </p:nvCxnSpPr>
-        <p:spPr>
-          <a:xfrm flipV="1">
-            <a:off x="4042720" y="3296670"/>
-            <a:ext cx="499178" cy="7340"/>
-          </a:xfrm>
-          <a:prstGeom prst="bentConnector3">
-            <a:avLst>
-              <a:gd name="adj1" fmla="val 50000"/>
-            </a:avLst>
-          </a:prstGeom>
-          <a:ln w="28575">
-            <a:solidFill>
-              <a:srgbClr val="FF0000"/>
-            </a:solidFill>
-            <a:tailEnd type="triangle"/>
-          </a:ln>
-        </p:spPr>
-        <p:style>
-          <a:lnRef idx="1">
-            <a:schemeClr val="accent1"/>
-          </a:lnRef>
-          <a:fillRef idx="0">
-            <a:schemeClr val="accent1"/>
-          </a:fillRef>
-          <a:effectRef idx="0">
-            <a:schemeClr val="accent1"/>
-          </a:effectRef>
-          <a:fontRef idx="minor">
-            <a:schemeClr val="tx1"/>
-          </a:fontRef>
-        </p:style>
-      </p:cxnSp>
-      <p:cxnSp>
-        <p:nvCxnSpPr>
-          <p:cNvPr id="64" name="Elbow Connector 63">
-            <a:extLst>
-              <a:ext uri="{FF2B5EF4-FFF2-40B4-BE49-F238E27FC236}">
-                <a16:creationId xmlns:a16="http://schemas.microsoft.com/office/drawing/2014/main" id="{C5786AE1-CC78-AAED-28AE-2CAFFAEB60F5}"/>
-              </a:ext>
-            </a:extLst>
-          </p:cNvPr>
-          <p:cNvCxnSpPr>
-            <a:stCxn id="56" idx="3"/>
-            <a:endCxn id="58" idx="1"/>
-          </p:cNvCxnSpPr>
-          <p:nvPr/>
-        </p:nvCxnSpPr>
-        <p:spPr>
-          <a:xfrm>
-            <a:off x="1361460" y="2819721"/>
-            <a:ext cx="692329" cy="492623"/>
-          </a:xfrm>
-          <a:prstGeom prst="bentConnector3">
-            <a:avLst/>
-          </a:prstGeom>
-          <a:ln w="28575">
-            <a:solidFill>
-              <a:srgbClr val="FF0000"/>
-            </a:solidFill>
-            <a:tailEnd type="triangle"/>
-          </a:ln>
-        </p:spPr>
-        <p:style>
-          <a:lnRef idx="1">
-            <a:schemeClr val="accent1"/>
-          </a:lnRef>
-          <a:fillRef idx="0">
-            <a:schemeClr val="accent1"/>
-          </a:fillRef>
-          <a:effectRef idx="0">
-            <a:schemeClr val="accent1"/>
-          </a:effectRef>
-          <a:fontRef idx="minor">
-            <a:schemeClr val="tx1"/>
-          </a:fontRef>
-        </p:style>
-      </p:cxnSp>
-      <p:cxnSp>
-        <p:nvCxnSpPr>
-          <p:cNvPr id="65" name="Elbow Connector 64">
-            <a:extLst>
-              <a:ext uri="{FF2B5EF4-FFF2-40B4-BE49-F238E27FC236}">
-                <a16:creationId xmlns:a16="http://schemas.microsoft.com/office/drawing/2014/main" id="{F3FADDCE-623D-8CD3-7D0A-38735D3A16D7}"/>
-              </a:ext>
-            </a:extLst>
-          </p:cNvPr>
-          <p:cNvCxnSpPr>
-            <a:cxnSpLocks/>
-            <a:stCxn id="56" idx="3"/>
-            <a:endCxn id="60" idx="1"/>
-          </p:cNvCxnSpPr>
-          <p:nvPr/>
-        </p:nvCxnSpPr>
-        <p:spPr>
-          <a:xfrm flipV="1">
-            <a:off x="1361460" y="2341658"/>
-            <a:ext cx="1209472" cy="478063"/>
-          </a:xfrm>
-          <a:prstGeom prst="bentConnector3">
-            <a:avLst>
-              <a:gd name="adj1" fmla="val 50000"/>
-            </a:avLst>
-          </a:prstGeom>
-          <a:ln w="28575">
-            <a:solidFill>
-              <a:srgbClr val="FF0000"/>
-            </a:solidFill>
-            <a:tailEnd type="triangle"/>
-          </a:ln>
-        </p:spPr>
-        <p:style>
-          <a:lnRef idx="1">
-            <a:schemeClr val="accent1"/>
-          </a:lnRef>
-          <a:fillRef idx="0">
-            <a:schemeClr val="accent1"/>
-          </a:fillRef>
-          <a:effectRef idx="0">
-            <a:schemeClr val="accent1"/>
-          </a:effectRef>
-          <a:fontRef idx="minor">
-            <a:schemeClr val="tx1"/>
-          </a:fontRef>
-        </p:style>
-      </p:cxnSp>
-      <p:cxnSp>
-        <p:nvCxnSpPr>
-          <p:cNvPr id="66" name="Elbow Connector 65">
-            <a:extLst>
-              <a:ext uri="{FF2B5EF4-FFF2-40B4-BE49-F238E27FC236}">
-                <a16:creationId xmlns:a16="http://schemas.microsoft.com/office/drawing/2014/main" id="{8278B84C-2239-6F15-C3E8-617511F365BB}"/>
-              </a:ext>
-            </a:extLst>
-          </p:cNvPr>
-          <p:cNvCxnSpPr>
-            <a:cxnSpLocks/>
-            <a:stCxn id="60" idx="3"/>
-            <a:endCxn id="62" idx="0"/>
-          </p:cNvCxnSpPr>
-          <p:nvPr/>
-        </p:nvCxnSpPr>
-        <p:spPr>
-          <a:xfrm>
-            <a:off x="3331265" y="2341658"/>
-            <a:ext cx="1361554" cy="804092"/>
-          </a:xfrm>
-          <a:prstGeom prst="bentConnector2">
-            <a:avLst/>
-          </a:prstGeom>
-          <a:ln w="28575">
-            <a:solidFill>
-              <a:srgbClr val="FF0000"/>
-            </a:solidFill>
-            <a:tailEnd type="triangle"/>
-          </a:ln>
-        </p:spPr>
-        <p:style>
-          <a:lnRef idx="1">
-            <a:schemeClr val="accent1"/>
-          </a:lnRef>
-          <a:fillRef idx="0">
-            <a:schemeClr val="accent1"/>
-          </a:fillRef>
-          <a:effectRef idx="0">
-            <a:schemeClr val="accent1"/>
-          </a:effectRef>
-          <a:fontRef idx="minor">
-            <a:schemeClr val="tx1"/>
-          </a:fontRef>
-        </p:style>
-      </p:cxnSp>
-      <p:cxnSp>
-        <p:nvCxnSpPr>
-          <p:cNvPr id="67" name="Straight Arrow Connector 66">
-            <a:extLst>
-              <a:ext uri="{FF2B5EF4-FFF2-40B4-BE49-F238E27FC236}">
-                <a16:creationId xmlns:a16="http://schemas.microsoft.com/office/drawing/2014/main" id="{187D52D4-B9DD-C23D-A6B2-BB79B6C74CB0}"/>
-              </a:ext>
-            </a:extLst>
-          </p:cNvPr>
-          <p:cNvCxnSpPr>
-            <a:cxnSpLocks/>
-          </p:cNvCxnSpPr>
-          <p:nvPr/>
-        </p:nvCxnSpPr>
-        <p:spPr>
-          <a:xfrm>
-            <a:off x="4879083" y="3282167"/>
-            <a:ext cx="484101" cy="0"/>
-          </a:xfrm>
-          <a:prstGeom prst="straightConnector1">
-            <a:avLst/>
-          </a:prstGeom>
-          <a:ln>
-            <a:tailEnd type="triangle" w="lg" len="lg"/>
-          </a:ln>
-          <a:effectLst>
-            <a:outerShdw dist="20000" sx="1000" sy="1000" rotWithShape="0">
-              <a:srgbClr val="000000"/>
-            </a:outerShdw>
-          </a:effectLst>
-        </p:spPr>
-        <p:style>
-          <a:lnRef idx="2">
-            <a:schemeClr val="accent1"/>
-          </a:lnRef>
-          <a:fillRef idx="0">
-            <a:schemeClr val="accent1"/>
-          </a:fillRef>
-          <a:effectRef idx="1">
-            <a:schemeClr val="accent1"/>
-          </a:effectRef>
-          <a:fontRef idx="minor">
-            <a:schemeClr val="tx1"/>
-          </a:fontRef>
-        </p:style>
-      </p:cxnSp>
-      <mc:AlternateContent xmlns:mc="http://schemas.openxmlformats.org/markup-compatibility/2006" xmlns:a14="http://schemas.microsoft.com/office/drawing/2010/main">
-        <mc:Choice Requires="a14">
-          <p:sp>
-            <p:nvSpPr>
-              <p:cNvPr id="68" name="TextBox 67">
-                <a:extLst>
-                  <a:ext uri="{FF2B5EF4-FFF2-40B4-BE49-F238E27FC236}">
-                    <a16:creationId xmlns:a16="http://schemas.microsoft.com/office/drawing/2014/main" id="{113EF1E0-1E94-8FFB-588F-5D1360A9BD8E}"/>
-                  </a:ext>
-                </a:extLst>
-              </p:cNvPr>
-              <p:cNvSpPr txBox="1"/>
-              <p:nvPr/>
-            </p:nvSpPr>
-            <p:spPr>
-              <a:xfrm>
-                <a:off x="5030975" y="2865887"/>
-                <a:ext cx="362607" cy="400110"/>
-              </a:xfrm>
-              <a:prstGeom prst="rect">
-                <a:avLst/>
-              </a:prstGeom>
-              <a:noFill/>
-            </p:spPr>
-            <p:txBody>
-              <a:bodyPr wrap="square">
-                <a:spAutoFit/>
-              </a:bodyPr>
-              <a:lstStyle/>
-              <a:p>
-                <a:pPr/>
-                <a14:m>
-                  <m:oMathPara xmlns:m="http://schemas.openxmlformats.org/officeDocument/2006/math">
-                    <m:oMathParaPr>
-                      <m:jc m:val="centerGroup"/>
-                    </m:oMathParaPr>
-                    <m:oMath xmlns:m="http://schemas.openxmlformats.org/officeDocument/2006/math">
-                      <m:r>
-                        <a:rPr lang="en-US" sz="2000" b="0" i="1" smtClean="0">
-                          <a:solidFill>
-                            <a:schemeClr val="tx1"/>
-                          </a:solidFill>
-                          <a:latin typeface="Cambria Math" panose="02040503050406030204" pitchFamily="18" charset="0"/>
-                        </a:rPr>
-                        <m:t>𝑢</m:t>
-                      </m:r>
-                      <m:r>
-                        <a:rPr lang="en-US" sz="2000" b="0" i="1" smtClean="0">
-                          <a:solidFill>
-                            <a:schemeClr val="tx1"/>
-                          </a:solidFill>
-                          <a:latin typeface="Cambria Math" panose="02040503050406030204" pitchFamily="18" charset="0"/>
-                        </a:rPr>
-                        <m:t>(</m:t>
-                      </m:r>
-                      <m:r>
-                        <a:rPr lang="en-US" sz="2000" b="0" i="1" smtClean="0">
-                          <a:solidFill>
-                            <a:schemeClr val="tx1"/>
-                          </a:solidFill>
-                          <a:latin typeface="Cambria Math" panose="02040503050406030204" pitchFamily="18" charset="0"/>
-                        </a:rPr>
-                        <m:t>𝑡</m:t>
-                      </m:r>
-                      <m:r>
-                        <a:rPr lang="en-US" sz="2000" b="0" i="1" smtClean="0">
-                          <a:solidFill>
-                            <a:schemeClr val="tx1"/>
-                          </a:solidFill>
-                          <a:latin typeface="Cambria Math" panose="02040503050406030204" pitchFamily="18" charset="0"/>
-                        </a:rPr>
-                        <m:t>)</m:t>
-                      </m:r>
-                    </m:oMath>
-                  </m:oMathPara>
-                </a14:m>
-                <a:endParaRPr lang="en-US" sz="2000" dirty="0">
-                  <a:solidFill>
-                    <a:schemeClr val="tx1"/>
-                  </a:solidFill>
-                </a:endParaRPr>
-              </a:p>
-            </p:txBody>
-          </p:sp>
-        </mc:Choice>
-        <mc:Fallback xmlns="">
-          <p:sp>
-            <p:nvSpPr>
-              <p:cNvPr id="68" name="TextBox 67">
-                <a:extLst>
-                  <a:ext uri="{FF2B5EF4-FFF2-40B4-BE49-F238E27FC236}">
-                    <a16:creationId xmlns:a16="http://schemas.microsoft.com/office/drawing/2014/main" id="{113EF1E0-1E94-8FFB-588F-5D1360A9BD8E}"/>
-                  </a:ext>
-                </a:extLst>
-              </p:cNvPr>
-              <p:cNvSpPr txBox="1">
-                <a:spLocks noRot="1" noChangeAspect="1" noMove="1" noResize="1" noEditPoints="1" noAdjustHandles="1" noChangeArrowheads="1" noChangeShapeType="1" noTextEdit="1"/>
-              </p:cNvSpPr>
-              <p:nvPr/>
-            </p:nvSpPr>
-            <p:spPr>
-              <a:xfrm>
-                <a:off x="5030975" y="2865887"/>
-                <a:ext cx="362607" cy="400110"/>
-              </a:xfrm>
-              <a:prstGeom prst="rect">
-                <a:avLst/>
-              </a:prstGeom>
-              <a:blipFill>
-                <a:blip r:embed="rId7"/>
-                <a:stretch>
-                  <a:fillRect r="-86207" b="-12121"/>
-                </a:stretch>
-              </a:blipFill>
-            </p:spPr>
-            <p:txBody>
-              <a:bodyPr/>
-              <a:lstStyle/>
-              <a:p>
-                <a:r>
-                  <a:rPr lang="en-US">
-                    <a:noFill/>
-                  </a:rPr>
-                  <a:t> </a:t>
-                </a:r>
-              </a:p>
-            </p:txBody>
-          </p:sp>
-        </mc:Fallback>
-      </mc:AlternateContent>
-      <p:cxnSp>
-        <p:nvCxnSpPr>
-          <p:cNvPr id="69" name="Straight Arrow Connector 68">
-            <a:extLst>
-              <a:ext uri="{FF2B5EF4-FFF2-40B4-BE49-F238E27FC236}">
-                <a16:creationId xmlns:a16="http://schemas.microsoft.com/office/drawing/2014/main" id="{36701D65-F552-C3CE-32CB-BE8EF021F471}"/>
-              </a:ext>
-            </a:extLst>
-          </p:cNvPr>
-          <p:cNvCxnSpPr>
-            <a:cxnSpLocks/>
-            <a:stCxn id="70" idx="3"/>
-            <a:endCxn id="71" idx="1"/>
-          </p:cNvCxnSpPr>
-          <p:nvPr/>
-        </p:nvCxnSpPr>
-        <p:spPr>
-          <a:xfrm flipV="1">
-            <a:off x="2871932" y="4328763"/>
-            <a:ext cx="468265" cy="8334"/>
-          </a:xfrm>
-          <a:prstGeom prst="straightConnector1">
-            <a:avLst/>
-          </a:prstGeom>
-          <a:ln>
-            <a:solidFill>
-              <a:srgbClr val="FF0000"/>
-            </a:solidFill>
-            <a:tailEnd type="triangle" w="lg" len="lg"/>
-          </a:ln>
-          <a:effectLst>
-            <a:outerShdw dist="20000" sx="1000" sy="1000" rotWithShape="0">
-              <a:srgbClr val="000000"/>
-            </a:outerShdw>
-          </a:effectLst>
-        </p:spPr>
-        <p:style>
-          <a:lnRef idx="2">
-            <a:schemeClr val="accent1"/>
-          </a:lnRef>
-          <a:fillRef idx="0">
-            <a:schemeClr val="accent1"/>
-          </a:fillRef>
-          <a:effectRef idx="1">
-            <a:schemeClr val="accent1"/>
-          </a:effectRef>
-          <a:fontRef idx="minor">
-            <a:schemeClr val="tx1"/>
-          </a:fontRef>
-        </p:style>
-      </p:cxnSp>
-      <mc:AlternateContent xmlns:mc="http://schemas.openxmlformats.org/markup-compatibility/2006" xmlns:a14="http://schemas.microsoft.com/office/drawing/2010/main">
-        <mc:Choice Requires="a14">
-          <p:sp>
-            <p:nvSpPr>
-              <p:cNvPr id="70" name="Rectangle 69">
-                <a:extLst>
-                  <a:ext uri="{FF2B5EF4-FFF2-40B4-BE49-F238E27FC236}">
-                    <a16:creationId xmlns:a16="http://schemas.microsoft.com/office/drawing/2014/main" id="{06F5E8A3-BF25-9246-0196-83DAD5ECD3B6}"/>
-                  </a:ext>
-                </a:extLst>
-              </p:cNvPr>
-              <p:cNvSpPr>
-                <a:spLocks noChangeAspect="1"/>
-              </p:cNvSpPr>
-              <p:nvPr/>
-            </p:nvSpPr>
-            <p:spPr>
-              <a:xfrm>
-                <a:off x="2111599" y="3986715"/>
-                <a:ext cx="760333" cy="700764"/>
-              </a:xfrm>
-              <a:prstGeom prst="rect">
-                <a:avLst/>
-              </a:prstGeom>
-              <a:solidFill>
-                <a:srgbClr val="FF0000"/>
-              </a:solidFill>
-              <a:ln>
-                <a:solidFill>
-                  <a:srgbClr val="FF0000"/>
-                </a:solidFill>
-              </a:ln>
-            </p:spPr>
-            <p:style>
-              <a:lnRef idx="1">
-                <a:schemeClr val="accent1"/>
-              </a:lnRef>
-              <a:fillRef idx="3">
-                <a:schemeClr val="accent1"/>
-              </a:fillRef>
-              <a:effectRef idx="2">
-                <a:schemeClr val="accent1"/>
-              </a:effectRef>
-              <a:fontRef idx="minor">
-                <a:schemeClr val="lt1"/>
-              </a:fontRef>
-            </p:style>
-            <p:txBody>
-              <a:bodyPr rtlCol="0" anchor="ctr"/>
-              <a:lstStyle/>
-              <a:p>
-                <a:pPr algn="ctr"/>
-                <a:endParaRPr lang="en-US" sz="1600" i="1" dirty="0">
-                  <a:latin typeface="Cambria Math" panose="02040503050406030204" pitchFamily="18" charset="0"/>
-                </a:endParaRPr>
-              </a:p>
-              <a:p>
-                <a:pPr algn="ctr"/>
-                <a14:m>
-                  <m:oMathPara xmlns:m="http://schemas.openxmlformats.org/officeDocument/2006/math">
-                    <m:oMathParaPr>
-                      <m:jc m:val="centerGroup"/>
-                    </m:oMathParaPr>
-                    <m:oMath xmlns:m="http://schemas.openxmlformats.org/officeDocument/2006/math">
-                      <m:f>
-                        <m:fPr>
-                          <m:ctrlPr>
-                            <a:rPr lang="en-US" sz="1600" b="0" i="1" smtClean="0">
-                              <a:latin typeface="Cambria Math" panose="02040503050406030204" pitchFamily="18" charset="0"/>
-                            </a:rPr>
-                          </m:ctrlPr>
-                        </m:fPr>
-                        <m:num>
-                          <m:r>
-                            <a:rPr lang="en-US" sz="1600" b="0" i="1" smtClean="0">
-                              <a:latin typeface="Cambria Math" panose="02040503050406030204" pitchFamily="18" charset="0"/>
-                            </a:rPr>
-                            <m:t>𝑑</m:t>
-                          </m:r>
-                        </m:num>
-                        <m:den>
-                          <m:r>
-                            <a:rPr lang="en-US" sz="1600" b="0" i="1" smtClean="0">
-                              <a:latin typeface="Cambria Math" panose="02040503050406030204" pitchFamily="18" charset="0"/>
-                            </a:rPr>
-                            <m:t>𝑑𝑡</m:t>
-                          </m:r>
-                        </m:den>
-                      </m:f>
-                    </m:oMath>
-                  </m:oMathPara>
-                </a14:m>
-                <a:endParaRPr lang="en-US" sz="1600" dirty="0"/>
-              </a:p>
-              <a:p>
-                <a:pPr algn="ctr"/>
-                <a:endParaRPr lang="en-US" sz="1600" dirty="0"/>
-              </a:p>
-            </p:txBody>
-          </p:sp>
-        </mc:Choice>
-        <mc:Fallback xmlns="">
-          <p:sp>
-            <p:nvSpPr>
-              <p:cNvPr id="70" name="Rectangle 69">
-                <a:extLst>
-                  <a:ext uri="{FF2B5EF4-FFF2-40B4-BE49-F238E27FC236}">
-                    <a16:creationId xmlns:a16="http://schemas.microsoft.com/office/drawing/2014/main" id="{06F5E8A3-BF25-9246-0196-83DAD5ECD3B6}"/>
-                  </a:ext>
-                </a:extLst>
-              </p:cNvPr>
-              <p:cNvSpPr>
-                <a:spLocks noRot="1" noChangeAspect="1" noMove="1" noResize="1" noEditPoints="1" noAdjustHandles="1" noChangeArrowheads="1" noChangeShapeType="1" noTextEdit="1"/>
-              </p:cNvSpPr>
-              <p:nvPr/>
-            </p:nvSpPr>
-            <p:spPr>
-              <a:xfrm>
-                <a:off x="2111599" y="3986715"/>
-                <a:ext cx="760333" cy="700764"/>
-              </a:xfrm>
-              <a:prstGeom prst="rect">
-                <a:avLst/>
-              </a:prstGeom>
-              <a:blipFill>
-                <a:blip r:embed="rId8"/>
-                <a:stretch>
-                  <a:fillRect/>
-                </a:stretch>
-              </a:blipFill>
-              <a:ln>
-                <a:solidFill>
-                  <a:srgbClr val="FF0000"/>
-                </a:solidFill>
-              </a:ln>
-            </p:spPr>
-            <p:txBody>
-              <a:bodyPr/>
-              <a:lstStyle/>
-              <a:p>
-                <a:r>
-                  <a:rPr lang="en-US">
-                    <a:noFill/>
-                  </a:rPr>
-                  <a:t> </a:t>
-                </a:r>
-              </a:p>
-            </p:txBody>
-          </p:sp>
-        </mc:Fallback>
-      </mc:AlternateContent>
-      <mc:AlternateContent xmlns:mc="http://schemas.openxmlformats.org/markup-compatibility/2006" xmlns:a14="http://schemas.microsoft.com/office/drawing/2010/main">
-        <mc:Choice Requires="a14">
-          <p:sp>
-            <p:nvSpPr>
-              <p:cNvPr id="71" name="Rectangle 70">
-                <a:extLst>
-                  <a:ext uri="{FF2B5EF4-FFF2-40B4-BE49-F238E27FC236}">
-                    <a16:creationId xmlns:a16="http://schemas.microsoft.com/office/drawing/2014/main" id="{8DE02844-C259-2A07-59A3-976BA365331B}"/>
-                  </a:ext>
-                </a:extLst>
-              </p:cNvPr>
-              <p:cNvSpPr>
-                <a:spLocks noChangeAspect="1"/>
-              </p:cNvSpPr>
-              <p:nvPr/>
-            </p:nvSpPr>
-            <p:spPr>
-              <a:xfrm>
-                <a:off x="3340197" y="3978381"/>
-                <a:ext cx="760333" cy="700764"/>
-              </a:xfrm>
-              <a:prstGeom prst="rect">
-                <a:avLst/>
-              </a:prstGeom>
-              <a:solidFill>
-                <a:srgbClr val="FF0000"/>
-              </a:solidFill>
-              <a:ln>
-                <a:solidFill>
-                  <a:srgbClr val="FF0000"/>
-                </a:solidFill>
-              </a:ln>
-            </p:spPr>
-            <p:style>
-              <a:lnRef idx="1">
-                <a:schemeClr val="accent1"/>
-              </a:lnRef>
-              <a:fillRef idx="3">
-                <a:schemeClr val="accent1"/>
-              </a:fillRef>
-              <a:effectRef idx="2">
-                <a:schemeClr val="accent1"/>
-              </a:effectRef>
-              <a:fontRef idx="minor">
-                <a:schemeClr val="lt1"/>
-              </a:fontRef>
-            </p:style>
-            <p:txBody>
-              <a:bodyPr rtlCol="0" anchor="ctr"/>
-              <a:lstStyle/>
-              <a:p>
-                <a:pPr algn="ctr"/>
-                <a14:m>
-                  <m:oMathPara xmlns:m="http://schemas.openxmlformats.org/officeDocument/2006/math">
-                    <m:oMathParaPr>
-                      <m:jc m:val="centerGroup"/>
-                    </m:oMathParaPr>
-                    <m:oMath xmlns:m="http://schemas.openxmlformats.org/officeDocument/2006/math">
-                      <m:sSub>
-                        <m:sSubPr>
-                          <m:ctrlPr>
-                            <a:rPr lang="en-US" sz="1600" b="0" i="1" smtClean="0">
-                              <a:latin typeface="Cambria Math" panose="02040503050406030204" pitchFamily="18" charset="0"/>
-                            </a:rPr>
-                          </m:ctrlPr>
-                        </m:sSubPr>
-                        <m:e>
-                          <m:r>
-                            <a:rPr lang="en-US" sz="1600" b="0" i="1" smtClean="0">
-                              <a:latin typeface="Cambria Math" panose="02040503050406030204" pitchFamily="18" charset="0"/>
-                            </a:rPr>
-                            <m:t>𝑘</m:t>
-                          </m:r>
-                        </m:e>
-                        <m:sub>
-                          <m:r>
-                            <a:rPr lang="en-US" sz="1600" b="0" i="1" smtClean="0">
-                              <a:latin typeface="Cambria Math" panose="02040503050406030204" pitchFamily="18" charset="0"/>
-                            </a:rPr>
-                            <m:t>𝐷</m:t>
-                          </m:r>
-                        </m:sub>
-                      </m:sSub>
-                    </m:oMath>
-                  </m:oMathPara>
-                </a14:m>
-                <a:endParaRPr lang="en-US" sz="1600" dirty="0"/>
-              </a:p>
-            </p:txBody>
-          </p:sp>
-        </mc:Choice>
-        <mc:Fallback xmlns="">
-          <p:sp>
-            <p:nvSpPr>
-              <p:cNvPr id="71" name="Rectangle 70">
-                <a:extLst>
-                  <a:ext uri="{FF2B5EF4-FFF2-40B4-BE49-F238E27FC236}">
-                    <a16:creationId xmlns:a16="http://schemas.microsoft.com/office/drawing/2014/main" id="{8DE02844-C259-2A07-59A3-976BA365331B}"/>
-                  </a:ext>
-                </a:extLst>
-              </p:cNvPr>
-              <p:cNvSpPr>
-                <a:spLocks noRot="1" noChangeAspect="1" noMove="1" noResize="1" noEditPoints="1" noAdjustHandles="1" noChangeArrowheads="1" noChangeShapeType="1" noTextEdit="1"/>
-              </p:cNvSpPr>
-              <p:nvPr/>
-            </p:nvSpPr>
-            <p:spPr>
-              <a:xfrm>
-                <a:off x="3340197" y="3978381"/>
-                <a:ext cx="760333" cy="700764"/>
-              </a:xfrm>
-              <a:prstGeom prst="rect">
-                <a:avLst/>
-              </a:prstGeom>
-              <a:blipFill>
-                <a:blip r:embed="rId9"/>
-                <a:stretch>
-                  <a:fillRect/>
-                </a:stretch>
-              </a:blipFill>
-              <a:ln>
-                <a:solidFill>
-                  <a:srgbClr val="FF0000"/>
-                </a:solidFill>
-              </a:ln>
-            </p:spPr>
-            <p:txBody>
-              <a:bodyPr/>
-              <a:lstStyle/>
-              <a:p>
-                <a:r>
-                  <a:rPr lang="en-US">
-                    <a:noFill/>
-                  </a:rPr>
-                  <a:t> </a:t>
-                </a:r>
-              </a:p>
-            </p:txBody>
-          </p:sp>
-        </mc:Fallback>
-      </mc:AlternateContent>
-      <p:cxnSp>
-        <p:nvCxnSpPr>
-          <p:cNvPr id="72" name="Elbow Connector 71">
-            <a:extLst>
-              <a:ext uri="{FF2B5EF4-FFF2-40B4-BE49-F238E27FC236}">
-                <a16:creationId xmlns:a16="http://schemas.microsoft.com/office/drawing/2014/main" id="{5B36B23A-A9DC-A7D5-6494-0F8C9189B28C}"/>
-              </a:ext>
-            </a:extLst>
-          </p:cNvPr>
-          <p:cNvCxnSpPr>
-            <a:cxnSpLocks/>
-            <a:stCxn id="71" idx="3"/>
-            <a:endCxn id="62" idx="4"/>
-          </p:cNvCxnSpPr>
-          <p:nvPr/>
-        </p:nvCxnSpPr>
-        <p:spPr>
-          <a:xfrm flipV="1">
-            <a:off x="4100530" y="3447590"/>
-            <a:ext cx="592289" cy="881173"/>
-          </a:xfrm>
-          <a:prstGeom prst="bentConnector2">
-            <a:avLst/>
-          </a:prstGeom>
-          <a:ln w="28575">
-            <a:solidFill>
-              <a:srgbClr val="FF0000"/>
-            </a:solidFill>
-            <a:tailEnd type="triangle"/>
-          </a:ln>
-        </p:spPr>
-        <p:style>
-          <a:lnRef idx="1">
-            <a:schemeClr val="accent1"/>
-          </a:lnRef>
-          <a:fillRef idx="0">
-            <a:schemeClr val="accent1"/>
-          </a:fillRef>
-          <a:effectRef idx="0">
-            <a:schemeClr val="accent1"/>
-          </a:effectRef>
-          <a:fontRef idx="minor">
-            <a:schemeClr val="tx1"/>
-          </a:fontRef>
-        </p:style>
-      </p:cxnSp>
-      <p:cxnSp>
-        <p:nvCxnSpPr>
-          <p:cNvPr id="73" name="Elbow Connector 72">
-            <a:extLst>
-              <a:ext uri="{FF2B5EF4-FFF2-40B4-BE49-F238E27FC236}">
-                <a16:creationId xmlns:a16="http://schemas.microsoft.com/office/drawing/2014/main" id="{640B7AA1-A09E-E9BD-95B7-9E871DA81814}"/>
-              </a:ext>
-            </a:extLst>
-          </p:cNvPr>
-          <p:cNvCxnSpPr>
-            <a:cxnSpLocks/>
-            <a:stCxn id="56" idx="3"/>
-            <a:endCxn id="70" idx="1"/>
-          </p:cNvCxnSpPr>
-          <p:nvPr/>
-        </p:nvCxnSpPr>
-        <p:spPr>
-          <a:xfrm>
-            <a:off x="1361460" y="2819721"/>
-            <a:ext cx="750139" cy="1517376"/>
-          </a:xfrm>
-          <a:prstGeom prst="bentConnector3">
-            <a:avLst/>
-          </a:prstGeom>
-          <a:ln w="28575">
-            <a:solidFill>
-              <a:srgbClr val="FF0000"/>
-            </a:solidFill>
-            <a:tailEnd type="triangle"/>
-          </a:ln>
-        </p:spPr>
-        <p:style>
-          <a:lnRef idx="1">
-            <a:schemeClr val="accent1"/>
-          </a:lnRef>
-          <a:fillRef idx="0">
-            <a:schemeClr val="accent1"/>
-          </a:fillRef>
-          <a:effectRef idx="0">
-            <a:schemeClr val="accent1"/>
-          </a:effectRef>
-          <a:fontRef idx="minor">
-            <a:schemeClr val="tx1"/>
-          </a:fontRef>
-        </p:style>
-      </p:cxnSp>
-      <p:pic>
-        <p:nvPicPr>
-          <p:cNvPr id="4" name="Picture 3">
-            <a:extLst>
-              <a:ext uri="{FF2B5EF4-FFF2-40B4-BE49-F238E27FC236}">
-                <a16:creationId xmlns:a16="http://schemas.microsoft.com/office/drawing/2014/main" id="{6E23892D-DCE9-5E20-7145-CCB1B62E09BD}"/>
-              </a:ext>
-            </a:extLst>
-          </p:cNvPr>
-          <p:cNvPicPr>
-            <a:picLocks noChangeAspect="1"/>
-          </p:cNvPicPr>
-          <p:nvPr/>
-        </p:nvPicPr>
-        <p:blipFill>
-          <a:blip r:embed="rId10"/>
-          <a:stretch>
-            <a:fillRect/>
-          </a:stretch>
-        </p:blipFill>
-        <p:spPr>
-          <a:xfrm>
-            <a:off x="5612942" y="265216"/>
-            <a:ext cx="3073858" cy="879045"/>
-          </a:xfrm>
-          <a:prstGeom prst="rect">
-            <a:avLst/>
-          </a:prstGeom>
-        </p:spPr>
-      </p:pic>
-    </p:spTree>
-    <p:extLst>
-      <p:ext uri="{BB962C8B-B14F-4D97-AF65-F5344CB8AC3E}">
-        <p14:creationId xmlns:p14="http://schemas.microsoft.com/office/powerpoint/2010/main" val="2753274633"/>
-      </p:ext>
-    </p:extLst>
-  </p:cSld>
-  <p:clrMapOvr>
-    <a:masterClrMapping/>
-  </p:clrMapOvr>
-  <p:timing>
-    <p:tnLst>
-      <p:par>
-        <p:cTn id="1" dur="indefinite" restart="never" nodeType="tmRoot">
-          <p:childTnLst>
-            <p:seq concurrent="1" nextAc="seek">
-              <p:cTn id="2" dur="indefinite" nodeType="mainSeq">
-                <p:childTnLst>
-                  <p:par>
-                    <p:cTn id="3" fill="hold">
-                      <p:stCondLst>
-                        <p:cond delay="indefinite"/>
-                      </p:stCondLst>
-                      <p:childTnLst>
-                        <p:par>
-                          <p:cTn id="4" fill="hold">
-                            <p:stCondLst>
-                              <p:cond delay="0"/>
-                            </p:stCondLst>
-                            <p:childTnLst>
-                              <p:par>
-                                <p:cTn id="5" presetID="1" presetClass="entr" presetSubtype="0" fill="hold" grpId="0" nodeType="clickEffect">
-                                  <p:stCondLst>
-                                    <p:cond delay="0"/>
-                                  </p:stCondLst>
-                                  <p:childTnLst>
-                                    <p:set>
-                                      <p:cBhvr>
-                                        <p:cTn id="6" dur="1" fill="hold">
-                                          <p:stCondLst>
-                                            <p:cond delay="0"/>
-                                          </p:stCondLst>
-                                        </p:cTn>
-                                        <p:tgtEl>
-                                          <p:spTgt spid="54"/>
-                                        </p:tgtEl>
-                                        <p:attrNameLst>
-                                          <p:attrName>style.visibility</p:attrName>
-                                        </p:attrNameLst>
-                                      </p:cBhvr>
-                                      <p:to>
-                                        <p:strVal val="visible"/>
-                                      </p:to>
-                                    </p:set>
-                                  </p:childTnLst>
-                                </p:cTn>
-                              </p:par>
-                              <p:par>
-                                <p:cTn id="7" presetID="1" presetClass="entr" presetSubtype="0" fill="hold" nodeType="withEffect">
-                                  <p:stCondLst>
-                                    <p:cond delay="0"/>
-                                  </p:stCondLst>
-                                  <p:childTnLst>
-                                    <p:set>
-                                      <p:cBhvr>
-                                        <p:cTn id="8" dur="1" fill="hold">
-                                          <p:stCondLst>
-                                            <p:cond delay="0"/>
-                                          </p:stCondLst>
-                                        </p:cTn>
-                                        <p:tgtEl>
-                                          <p:spTgt spid="55"/>
-                                        </p:tgtEl>
-                                        <p:attrNameLst>
-                                          <p:attrName>style.visibility</p:attrName>
-                                        </p:attrNameLst>
-                                      </p:cBhvr>
-                                      <p:to>
-                                        <p:strVal val="visible"/>
-                                      </p:to>
-                                    </p:set>
-                                  </p:childTnLst>
-                                </p:cTn>
-                              </p:par>
-                              <p:par>
-                                <p:cTn id="9" presetID="1" presetClass="entr" presetSubtype="0" fill="hold" grpId="0" nodeType="withEffect">
-                                  <p:stCondLst>
-                                    <p:cond delay="0"/>
-                                  </p:stCondLst>
-                                  <p:childTnLst>
-                                    <p:set>
-                                      <p:cBhvr>
-                                        <p:cTn id="10" dur="1" fill="hold">
-                                          <p:stCondLst>
-                                            <p:cond delay="0"/>
-                                          </p:stCondLst>
-                                        </p:cTn>
-                                        <p:tgtEl>
-                                          <p:spTgt spid="56"/>
-                                        </p:tgtEl>
-                                        <p:attrNameLst>
-                                          <p:attrName>style.visibility</p:attrName>
-                                        </p:attrNameLst>
-                                      </p:cBhvr>
-                                      <p:to>
-                                        <p:strVal val="visible"/>
-                                      </p:to>
-                                    </p:set>
-                                  </p:childTnLst>
-                                </p:cTn>
-                              </p:par>
-                              <p:par>
-                                <p:cTn id="11" presetID="1" presetClass="entr" presetSubtype="0" fill="hold" grpId="0" nodeType="withEffect">
-                                  <p:stCondLst>
-                                    <p:cond delay="0"/>
-                                  </p:stCondLst>
-                                  <p:childTnLst>
-                                    <p:set>
-                                      <p:cBhvr>
-                                        <p:cTn id="12" dur="1" fill="hold">
-                                          <p:stCondLst>
-                                            <p:cond delay="0"/>
-                                          </p:stCondLst>
-                                        </p:cTn>
-                                        <p:tgtEl>
-                                          <p:spTgt spid="57"/>
-                                        </p:tgtEl>
-                                        <p:attrNameLst>
-                                          <p:attrName>style.visibility</p:attrName>
-                                        </p:attrNameLst>
-                                      </p:cBhvr>
-                                      <p:to>
-                                        <p:strVal val="visible"/>
-                                      </p:to>
-                                    </p:set>
-                                  </p:childTnLst>
-                                </p:cTn>
-                              </p:par>
-                              <p:par>
-                                <p:cTn id="13" presetID="1" presetClass="entr" presetSubtype="0" fill="hold" grpId="0" nodeType="withEffect">
-                                  <p:stCondLst>
-                                    <p:cond delay="0"/>
-                                  </p:stCondLst>
-                                  <p:childTnLst>
-                                    <p:set>
-                                      <p:cBhvr>
-                                        <p:cTn id="14" dur="1" fill="hold">
-                                          <p:stCondLst>
-                                            <p:cond delay="0"/>
-                                          </p:stCondLst>
-                                        </p:cTn>
-                                        <p:tgtEl>
-                                          <p:spTgt spid="58"/>
-                                        </p:tgtEl>
-                                        <p:attrNameLst>
-                                          <p:attrName>style.visibility</p:attrName>
-                                        </p:attrNameLst>
-                                      </p:cBhvr>
-                                      <p:to>
-                                        <p:strVal val="visible"/>
-                                      </p:to>
-                                    </p:set>
-                                  </p:childTnLst>
-                                </p:cTn>
-                              </p:par>
-                              <p:par>
-                                <p:cTn id="15" presetID="1" presetClass="entr" presetSubtype="0" fill="hold" grpId="0" nodeType="withEffect">
-                                  <p:stCondLst>
-                                    <p:cond delay="0"/>
-                                  </p:stCondLst>
-                                  <p:childTnLst>
-                                    <p:set>
-                                      <p:cBhvr>
-                                        <p:cTn id="16" dur="1" fill="hold">
-                                          <p:stCondLst>
-                                            <p:cond delay="0"/>
-                                          </p:stCondLst>
-                                        </p:cTn>
-                                        <p:tgtEl>
-                                          <p:spTgt spid="59"/>
-                                        </p:tgtEl>
-                                        <p:attrNameLst>
-                                          <p:attrName>style.visibility</p:attrName>
-                                        </p:attrNameLst>
-                                      </p:cBhvr>
-                                      <p:to>
-                                        <p:strVal val="visible"/>
-                                      </p:to>
-                                    </p:set>
-                                  </p:childTnLst>
-                                </p:cTn>
-                              </p:par>
-                              <p:par>
-                                <p:cTn id="17" presetID="1" presetClass="entr" presetSubtype="0" fill="hold" grpId="0" nodeType="withEffect">
-                                  <p:stCondLst>
-                                    <p:cond delay="0"/>
-                                  </p:stCondLst>
-                                  <p:childTnLst>
-                                    <p:set>
-                                      <p:cBhvr>
-                                        <p:cTn id="18" dur="1" fill="hold">
-                                          <p:stCondLst>
-                                            <p:cond delay="0"/>
-                                          </p:stCondLst>
-                                        </p:cTn>
-                                        <p:tgtEl>
-                                          <p:spTgt spid="60"/>
-                                        </p:tgtEl>
-                                        <p:attrNameLst>
-                                          <p:attrName>style.visibility</p:attrName>
-                                        </p:attrNameLst>
-                                      </p:cBhvr>
-                                      <p:to>
-                                        <p:strVal val="visible"/>
-                                      </p:to>
-                                    </p:set>
-                                  </p:childTnLst>
-                                </p:cTn>
-                              </p:par>
-                              <p:par>
-                                <p:cTn id="19" presetID="1" presetClass="entr" presetSubtype="0" fill="hold" grpId="0" nodeType="withEffect">
-                                  <p:stCondLst>
-                                    <p:cond delay="0"/>
-                                  </p:stCondLst>
-                                  <p:childTnLst>
-                                    <p:set>
-                                      <p:cBhvr>
-                                        <p:cTn id="20" dur="1" fill="hold">
-                                          <p:stCondLst>
-                                            <p:cond delay="0"/>
-                                          </p:stCondLst>
-                                        </p:cTn>
-                                        <p:tgtEl>
-                                          <p:spTgt spid="61"/>
-                                        </p:tgtEl>
-                                        <p:attrNameLst>
-                                          <p:attrName>style.visibility</p:attrName>
-                                        </p:attrNameLst>
-                                      </p:cBhvr>
-                                      <p:to>
-                                        <p:strVal val="visible"/>
-                                      </p:to>
-                                    </p:set>
-                                  </p:childTnLst>
-                                </p:cTn>
-                              </p:par>
-                              <p:par>
-                                <p:cTn id="21" presetID="1" presetClass="entr" presetSubtype="0" fill="hold" grpId="0" nodeType="withEffect">
-                                  <p:stCondLst>
-                                    <p:cond delay="0"/>
-                                  </p:stCondLst>
-                                  <p:childTnLst>
-                                    <p:set>
-                                      <p:cBhvr>
-                                        <p:cTn id="22" dur="1" fill="hold">
-                                          <p:stCondLst>
-                                            <p:cond delay="0"/>
-                                          </p:stCondLst>
-                                        </p:cTn>
-                                        <p:tgtEl>
-                                          <p:spTgt spid="62"/>
-                                        </p:tgtEl>
-                                        <p:attrNameLst>
-                                          <p:attrName>style.visibility</p:attrName>
-                                        </p:attrNameLst>
-                                      </p:cBhvr>
-                                      <p:to>
-                                        <p:strVal val="visible"/>
-                                      </p:to>
-                                    </p:set>
-                                  </p:childTnLst>
-                                </p:cTn>
-                              </p:par>
-                              <p:par>
-                                <p:cTn id="23" presetID="1" presetClass="entr" presetSubtype="0" fill="hold" nodeType="withEffect">
-                                  <p:stCondLst>
-                                    <p:cond delay="0"/>
-                                  </p:stCondLst>
-                                  <p:childTnLst>
-                                    <p:set>
-                                      <p:cBhvr>
-                                        <p:cTn id="24" dur="1" fill="hold">
-                                          <p:stCondLst>
-                                            <p:cond delay="0"/>
-                                          </p:stCondLst>
-                                        </p:cTn>
-                                        <p:tgtEl>
-                                          <p:spTgt spid="63"/>
-                                        </p:tgtEl>
-                                        <p:attrNameLst>
-                                          <p:attrName>style.visibility</p:attrName>
-                                        </p:attrNameLst>
-                                      </p:cBhvr>
-                                      <p:to>
-                                        <p:strVal val="visible"/>
-                                      </p:to>
-                                    </p:set>
-                                  </p:childTnLst>
-                                </p:cTn>
-                              </p:par>
-                              <p:par>
-                                <p:cTn id="25" presetID="1" presetClass="entr" presetSubtype="0" fill="hold" nodeType="withEffect">
-                                  <p:stCondLst>
-                                    <p:cond delay="0"/>
-                                  </p:stCondLst>
-                                  <p:childTnLst>
-                                    <p:set>
-                                      <p:cBhvr>
-                                        <p:cTn id="26" dur="1" fill="hold">
-                                          <p:stCondLst>
-                                            <p:cond delay="0"/>
-                                          </p:stCondLst>
-                                        </p:cTn>
-                                        <p:tgtEl>
-                                          <p:spTgt spid="64"/>
-                                        </p:tgtEl>
-                                        <p:attrNameLst>
-                                          <p:attrName>style.visibility</p:attrName>
-                                        </p:attrNameLst>
-                                      </p:cBhvr>
-                                      <p:to>
-                                        <p:strVal val="visible"/>
-                                      </p:to>
-                                    </p:set>
-                                  </p:childTnLst>
-                                </p:cTn>
-                              </p:par>
-                              <p:par>
-                                <p:cTn id="27" presetID="1" presetClass="entr" presetSubtype="0" fill="hold" nodeType="withEffect">
-                                  <p:stCondLst>
-                                    <p:cond delay="0"/>
-                                  </p:stCondLst>
-                                  <p:childTnLst>
-                                    <p:set>
-                                      <p:cBhvr>
-                                        <p:cTn id="28" dur="1" fill="hold">
-                                          <p:stCondLst>
-                                            <p:cond delay="0"/>
-                                          </p:stCondLst>
-                                        </p:cTn>
-                                        <p:tgtEl>
-                                          <p:spTgt spid="65"/>
-                                        </p:tgtEl>
-                                        <p:attrNameLst>
-                                          <p:attrName>style.visibility</p:attrName>
-                                        </p:attrNameLst>
-                                      </p:cBhvr>
-                                      <p:to>
-                                        <p:strVal val="visible"/>
-                                      </p:to>
-                                    </p:set>
-                                  </p:childTnLst>
-                                </p:cTn>
-                              </p:par>
-                              <p:par>
-                                <p:cTn id="29" presetID="1" presetClass="entr" presetSubtype="0" fill="hold" nodeType="withEffect">
-                                  <p:stCondLst>
-                                    <p:cond delay="0"/>
-                                  </p:stCondLst>
-                                  <p:childTnLst>
-                                    <p:set>
-                                      <p:cBhvr>
-                                        <p:cTn id="30" dur="1" fill="hold">
-                                          <p:stCondLst>
-                                            <p:cond delay="0"/>
-                                          </p:stCondLst>
-                                        </p:cTn>
-                                        <p:tgtEl>
-                                          <p:spTgt spid="66"/>
-                                        </p:tgtEl>
-                                        <p:attrNameLst>
-                                          <p:attrName>style.visibility</p:attrName>
-                                        </p:attrNameLst>
-                                      </p:cBhvr>
-                                      <p:to>
-                                        <p:strVal val="visible"/>
-                                      </p:to>
-                                    </p:set>
-                                  </p:childTnLst>
-                                </p:cTn>
-                              </p:par>
-                              <p:par>
-                                <p:cTn id="31" presetID="1" presetClass="entr" presetSubtype="0" fill="hold" nodeType="withEffect">
-                                  <p:stCondLst>
-                                    <p:cond delay="0"/>
-                                  </p:stCondLst>
-                                  <p:childTnLst>
-                                    <p:set>
-                                      <p:cBhvr>
-                                        <p:cTn id="32" dur="1" fill="hold">
-                                          <p:stCondLst>
-                                            <p:cond delay="0"/>
-                                          </p:stCondLst>
-                                        </p:cTn>
-                                        <p:tgtEl>
-                                          <p:spTgt spid="67"/>
-                                        </p:tgtEl>
-                                        <p:attrNameLst>
-                                          <p:attrName>style.visibility</p:attrName>
-                                        </p:attrNameLst>
-                                      </p:cBhvr>
-                                      <p:to>
-                                        <p:strVal val="visible"/>
-                                      </p:to>
-                                    </p:set>
-                                  </p:childTnLst>
-                                </p:cTn>
-                              </p:par>
-                              <p:par>
-                                <p:cTn id="33" presetID="1" presetClass="entr" presetSubtype="0" fill="hold" grpId="0" nodeType="withEffect">
-                                  <p:stCondLst>
-                                    <p:cond delay="0"/>
-                                  </p:stCondLst>
-                                  <p:childTnLst>
-                                    <p:set>
-                                      <p:cBhvr>
-                                        <p:cTn id="34" dur="1" fill="hold">
-                                          <p:stCondLst>
-                                            <p:cond delay="0"/>
-                                          </p:stCondLst>
-                                        </p:cTn>
-                                        <p:tgtEl>
-                                          <p:spTgt spid="68"/>
-                                        </p:tgtEl>
-                                        <p:attrNameLst>
-                                          <p:attrName>style.visibility</p:attrName>
-                                        </p:attrNameLst>
-                                      </p:cBhvr>
-                                      <p:to>
-                                        <p:strVal val="visible"/>
-                                      </p:to>
-                                    </p:set>
-                                  </p:childTnLst>
-                                </p:cTn>
-                              </p:par>
-                              <p:par>
-                                <p:cTn id="35" presetID="1" presetClass="entr" presetSubtype="0" fill="hold" nodeType="withEffect">
-                                  <p:stCondLst>
-                                    <p:cond delay="0"/>
-                                  </p:stCondLst>
-                                  <p:childTnLst>
-                                    <p:set>
-                                      <p:cBhvr>
-                                        <p:cTn id="36" dur="1" fill="hold">
-                                          <p:stCondLst>
-                                            <p:cond delay="0"/>
-                                          </p:stCondLst>
-                                        </p:cTn>
-                                        <p:tgtEl>
-                                          <p:spTgt spid="69"/>
-                                        </p:tgtEl>
-                                        <p:attrNameLst>
-                                          <p:attrName>style.visibility</p:attrName>
-                                        </p:attrNameLst>
-                                      </p:cBhvr>
-                                      <p:to>
-                                        <p:strVal val="visible"/>
-                                      </p:to>
-                                    </p:set>
-                                  </p:childTnLst>
-                                </p:cTn>
-                              </p:par>
-                              <p:par>
-                                <p:cTn id="37" presetID="1" presetClass="entr" presetSubtype="0" fill="hold" grpId="0" nodeType="withEffect">
-                                  <p:stCondLst>
-                                    <p:cond delay="0"/>
-                                  </p:stCondLst>
-                                  <p:childTnLst>
-                                    <p:set>
-                                      <p:cBhvr>
-                                        <p:cTn id="38" dur="1" fill="hold">
-                                          <p:stCondLst>
-                                            <p:cond delay="0"/>
-                                          </p:stCondLst>
-                                        </p:cTn>
-                                        <p:tgtEl>
-                                          <p:spTgt spid="70"/>
-                                        </p:tgtEl>
-                                        <p:attrNameLst>
-                                          <p:attrName>style.visibility</p:attrName>
-                                        </p:attrNameLst>
-                                      </p:cBhvr>
-                                      <p:to>
-                                        <p:strVal val="visible"/>
-                                      </p:to>
-                                    </p:set>
-                                  </p:childTnLst>
-                                </p:cTn>
-                              </p:par>
-                              <p:par>
-                                <p:cTn id="39" presetID="1" presetClass="entr" presetSubtype="0" fill="hold" grpId="0" nodeType="withEffect">
-                                  <p:stCondLst>
-                                    <p:cond delay="0"/>
-                                  </p:stCondLst>
-                                  <p:childTnLst>
-                                    <p:set>
-                                      <p:cBhvr>
-                                        <p:cTn id="40" dur="1" fill="hold">
-                                          <p:stCondLst>
-                                            <p:cond delay="0"/>
-                                          </p:stCondLst>
-                                        </p:cTn>
-                                        <p:tgtEl>
-                                          <p:spTgt spid="71"/>
-                                        </p:tgtEl>
-                                        <p:attrNameLst>
-                                          <p:attrName>style.visibility</p:attrName>
-                                        </p:attrNameLst>
-                                      </p:cBhvr>
-                                      <p:to>
-                                        <p:strVal val="visible"/>
-                                      </p:to>
-                                    </p:set>
-                                  </p:childTnLst>
-                                </p:cTn>
-                              </p:par>
-                              <p:par>
-                                <p:cTn id="41" presetID="1" presetClass="entr" presetSubtype="0" fill="hold" nodeType="withEffect">
-                                  <p:stCondLst>
-                                    <p:cond delay="0"/>
-                                  </p:stCondLst>
-                                  <p:childTnLst>
-                                    <p:set>
-                                      <p:cBhvr>
-                                        <p:cTn id="42" dur="1" fill="hold">
-                                          <p:stCondLst>
-                                            <p:cond delay="0"/>
-                                          </p:stCondLst>
-                                        </p:cTn>
-                                        <p:tgtEl>
-                                          <p:spTgt spid="72"/>
-                                        </p:tgtEl>
-                                        <p:attrNameLst>
-                                          <p:attrName>style.visibility</p:attrName>
-                                        </p:attrNameLst>
-                                      </p:cBhvr>
-                                      <p:to>
-                                        <p:strVal val="visible"/>
-                                      </p:to>
-                                    </p:set>
-                                  </p:childTnLst>
-                                </p:cTn>
-                              </p:par>
-                              <p:par>
-                                <p:cTn id="43" presetID="1" presetClass="entr" presetSubtype="0" fill="hold" nodeType="withEffect">
-                                  <p:stCondLst>
-                                    <p:cond delay="0"/>
-                                  </p:stCondLst>
-                                  <p:childTnLst>
-                                    <p:set>
-                                      <p:cBhvr>
-                                        <p:cTn id="44" dur="1" fill="hold">
-                                          <p:stCondLst>
-                                            <p:cond delay="0"/>
-                                          </p:stCondLst>
-                                        </p:cTn>
-                                        <p:tgtEl>
-                                          <p:spTgt spid="73"/>
-                                        </p:tgtEl>
-                                        <p:attrNameLst>
-                                          <p:attrName>style.visibility</p:attrName>
-                                        </p:attrNameLst>
-                                      </p:cBhvr>
-                                      <p:to>
-                                        <p:strVal val="visible"/>
-                                      </p:to>
-                                    </p:set>
-                                  </p:childTnLst>
-                                </p:cTn>
-                              </p:par>
-                            </p:childTnLst>
-                          </p:cTn>
-                        </p:par>
-                      </p:childTnLst>
-                    </p:cTn>
-                  </p:par>
-                </p:childTnLst>
-              </p:cTn>
-              <p:prevCondLst>
-                <p:cond evt="onPrev" delay="0">
-                  <p:tgtEl>
-                    <p:sldTgt/>
-                  </p:tgtEl>
-                </p:cond>
-              </p:prevCondLst>
-              <p:nextCondLst>
-                <p:cond evt="onNext" delay="0">
-                  <p:tgtEl>
-                    <p:sldTgt/>
-                  </p:tgtEl>
-                </p:cond>
-              </p:nextCondLst>
-            </p:seq>
-          </p:childTnLst>
-        </p:cTn>
-      </p:par>
-    </p:tnLst>
-    <p:bldLst>
-      <p:bldP spid="54" grpId="0"/>
-      <p:bldP spid="56" grpId="0"/>
-      <p:bldP spid="57" grpId="0" animBg="1"/>
-      <p:bldP spid="58" grpId="0" animBg="1"/>
-      <p:bldP spid="59" grpId="0" animBg="1"/>
-      <p:bldP spid="60" grpId="0" animBg="1"/>
-      <p:bldP spid="61" grpId="0"/>
-      <p:bldP spid="62" grpId="0" animBg="1"/>
-      <p:bldP spid="68" grpId="0"/>
-      <p:bldP spid="70" grpId="0" animBg="1"/>
-      <p:bldP spid="71" grpId="0" animBg="1"/>
-    </p:bldLst>
-  </p:timing>
-</p:sld>
-</file>
-
 <file path=ppt/slides/slide13.xml><?xml version="1.0" encoding="utf-8"?>
 <p:sld xmlns:a="http://schemas.openxmlformats.org/drawingml/2006/main" xmlns:r="http://schemas.openxmlformats.org/officeDocument/2006/relationships" xmlns:p="http://schemas.openxmlformats.org/presentationml/2006/main">
   <p:cSld>
@@ -22887,8 +22038,8 @@
           </a:p>
         </p:txBody>
       </p:sp>
-      <mc:AlternateContent xmlns:mc="http://schemas.openxmlformats.org/markup-compatibility/2006" xmlns:a14="http://schemas.microsoft.com/office/drawing/2010/main">
-        <mc:Choice Requires="a14">
+      <mc:AlternateContent xmlns:mc="http://schemas.openxmlformats.org/markup-compatibility/2006">
+        <mc:Choice xmlns:a14="http://schemas.microsoft.com/office/drawing/2010/main" Requires="a14">
           <p:sp>
             <p:nvSpPr>
               <p:cNvPr id="33" name="TextBox 32">
@@ -22904,7 +22055,7 @@
             <p:spPr>
               <a:xfrm>
                 <a:off x="415160" y="4174303"/>
-                <a:ext cx="1756956" cy="307777"/>
+                <a:ext cx="1766189" cy="307777"/>
               </a:xfrm>
               <a:prstGeom prst="rect">
                 <a:avLst/>
@@ -22938,7 +22089,7 @@
                             <a:rPr lang="en-US" sz="2000" b="0" i="1" smtClean="0">
                               <a:latin typeface="Cambria Math" panose="02040503050406030204" pitchFamily="18" charset="0"/>
                             </a:rPr>
-                            <m:t>𝑥</m:t>
+                            <m:t>𝑦</m:t>
                           </m:r>
                         </m:e>
                       </m:acc>
@@ -23030,7 +22181,7 @@
                         <a:rPr lang="en-US" sz="2000" b="0" i="1" smtClean="0">
                           <a:latin typeface="Cambria Math" panose="02040503050406030204" pitchFamily="18" charset="0"/>
                         </a:rPr>
-                        <m:t>𝑥</m:t>
+                        <m:t>𝑦</m:t>
                       </m:r>
                       <m:r>
                         <a:rPr lang="en-US" sz="2000" b="0" i="1" smtClean="0">
@@ -23046,7 +22197,7 @@
             </p:txBody>
           </p:sp>
         </mc:Choice>
-        <mc:Fallback xmlns="">
+        <mc:Fallback>
           <p:sp>
             <p:nvSpPr>
               <p:cNvPr id="33" name="TextBox 32">
@@ -23064,7 +22215,7 @@
             <p:spPr>
               <a:xfrm>
                 <a:off x="415160" y="4174303"/>
-                <a:ext cx="1756956" cy="307777"/>
+                <a:ext cx="1766189" cy="307777"/>
               </a:xfrm>
               <a:prstGeom prst="rect">
                 <a:avLst/>
@@ -23072,7 +22223,7 @@
               <a:blipFill>
                 <a:blip r:embed="rId4"/>
                 <a:stretch>
-                  <a:fillRect l="-1439" b="-20000"/>
+                  <a:fillRect l="-2143" b="-24000"/>
                 </a:stretch>
               </a:blipFill>
             </p:spPr>
@@ -23091,8 +22242,8 @@
           </p:sp>
         </mc:Fallback>
       </mc:AlternateContent>
-      <mc:AlternateContent xmlns:mc="http://schemas.openxmlformats.org/markup-compatibility/2006" xmlns:a14="http://schemas.microsoft.com/office/drawing/2010/main">
-        <mc:Choice Requires="a14">
+      <mc:AlternateContent xmlns:mc="http://schemas.openxmlformats.org/markup-compatibility/2006">
+        <mc:Choice xmlns:a14="http://schemas.microsoft.com/office/drawing/2010/main" Requires="a14">
           <p:sp>
             <p:nvSpPr>
               <p:cNvPr id="35" name="TextBox 34">
@@ -23190,7 +22341,7 @@
                             <a:rPr lang="en-US" sz="2000" b="0" i="1" smtClean="0">
                               <a:latin typeface="Cambria Math" panose="02040503050406030204" pitchFamily="18" charset="0"/>
                             </a:rPr>
-                            <m:t>𝑥</m:t>
+                            <m:t>𝑢</m:t>
                           </m:r>
                           <m:d>
                             <m:dPr>
@@ -23293,7 +22444,7 @@
             </p:txBody>
           </p:sp>
         </mc:Choice>
-        <mc:Fallback xmlns="">
+        <mc:Fallback>
           <p:sp>
             <p:nvSpPr>
               <p:cNvPr id="35" name="TextBox 34">
@@ -23709,114 +22860,6 @@
           </a:p>
         </p:txBody>
       </p:sp>
-      <mc:AlternateContent xmlns:mc="http://schemas.openxmlformats.org/markup-compatibility/2006" xmlns:a14="http://schemas.microsoft.com/office/drawing/2010/main">
-        <mc:Choice Requires="a14">
-          <p:sp>
-            <p:nvSpPr>
-              <p:cNvPr id="23" name="TextBox 22">
-                <a:extLst>
-                  <a:ext uri="{FF2B5EF4-FFF2-40B4-BE49-F238E27FC236}">
-                    <a16:creationId xmlns:a16="http://schemas.microsoft.com/office/drawing/2014/main" id="{4E0EB344-A860-4AE7-F39B-22171D0C4CBE}"/>
-                  </a:ext>
-                </a:extLst>
-              </p:cNvPr>
-              <p:cNvSpPr txBox="1"/>
-              <p:nvPr/>
-            </p:nvSpPr>
-            <p:spPr>
-              <a:xfrm>
-                <a:off x="447804" y="4546805"/>
-                <a:ext cx="698012" cy="307777"/>
-              </a:xfrm>
-              <a:prstGeom prst="rect">
-                <a:avLst/>
-              </a:prstGeom>
-              <a:noFill/>
-            </p:spPr>
-            <p:txBody>
-              <a:bodyPr wrap="none" lIns="0" tIns="0" rIns="0" bIns="0" rtlCol="0">
-                <a:spAutoFit/>
-              </a:bodyPr>
-              <a:lstStyle/>
-              <a:p>
-                <a:pPr/>
-                <a14:m>
-                  <m:oMathPara xmlns:m="http://schemas.openxmlformats.org/officeDocument/2006/math">
-                    <m:oMathParaPr>
-                      <m:jc m:val="centerGroup"/>
-                    </m:oMathParaPr>
-                    <m:oMath xmlns:m="http://schemas.openxmlformats.org/officeDocument/2006/math">
-                      <m:r>
-                        <a:rPr lang="en-US" sz="2000" b="0" i="1" smtClean="0">
-                          <a:latin typeface="Cambria Math" panose="02040503050406030204" pitchFamily="18" charset="0"/>
-                        </a:rPr>
-                        <m:t>𝑦</m:t>
-                      </m:r>
-                      <m:r>
-                        <a:rPr lang="en-US" sz="2000" b="0" i="1" smtClean="0">
-                          <a:latin typeface="Cambria Math" panose="02040503050406030204" pitchFamily="18" charset="0"/>
-                        </a:rPr>
-                        <m:t>=</m:t>
-                      </m:r>
-                      <m:r>
-                        <a:rPr lang="en-US" sz="2000" b="0" i="1" smtClean="0">
-                          <a:latin typeface="Cambria Math" panose="02040503050406030204" pitchFamily="18" charset="0"/>
-                        </a:rPr>
-                        <m:t>𝑥</m:t>
-                      </m:r>
-                    </m:oMath>
-                  </m:oMathPara>
-                </a14:m>
-                <a:endParaRPr lang="en-US" sz="2000" dirty="0"/>
-              </a:p>
-            </p:txBody>
-          </p:sp>
-        </mc:Choice>
-        <mc:Fallback xmlns="">
-          <p:sp>
-            <p:nvSpPr>
-              <p:cNvPr id="23" name="TextBox 22">
-                <a:extLst>
-                  <a:ext uri="{FF2B5EF4-FFF2-40B4-BE49-F238E27FC236}">
-                    <a16:creationId xmlns:a16="http://schemas.microsoft.com/office/drawing/2014/main" id="{4E0EB344-A860-4AE7-F39B-22171D0C4CBE}"/>
-                  </a:ext>
-                </a:extLst>
-              </p:cNvPr>
-              <p:cNvSpPr txBox="1">
-                <a:spLocks noRot="1" noChangeAspect="1" noMove="1" noResize="1" noEditPoints="1" noAdjustHandles="1" noChangeArrowheads="1" noChangeShapeType="1" noTextEdit="1"/>
-              </p:cNvSpPr>
-              <p:nvPr/>
-            </p:nvSpPr>
-            <p:spPr>
-              <a:xfrm>
-                <a:off x="447804" y="4546805"/>
-                <a:ext cx="698012" cy="307777"/>
-              </a:xfrm>
-              <a:prstGeom prst="rect">
-                <a:avLst/>
-              </a:prstGeom>
-              <a:blipFill>
-                <a:blip r:embed="rId9"/>
-                <a:stretch>
-                  <a:fillRect l="-7143" r="-1786" b="-20000"/>
-                </a:stretch>
-              </a:blipFill>
-            </p:spPr>
-            <p:txBody>
-              <a:bodyPr/>
-              <a:lstStyle/>
-              <a:p>
-                <a:r>
-                  <a:rPr lang="en-US">
-                    <a:noFill/>
-                  </a:rPr>
-                  <a:t> </a:t>
-                </a:r>
-              </a:p>
-            </p:txBody>
-          </p:sp>
-        </mc:Fallback>
-      </mc:AlternateContent>
     </p:spTree>
     <p:extLst>
       <p:ext uri="{BB962C8B-B14F-4D97-AF65-F5344CB8AC3E}">
@@ -24117,33 +23160,6 @@
                                   </p:childTnLst>
                                 </p:cTn>
                               </p:par>
-                              <p:par>
-                                <p:cTn id="27" presetID="1" presetClass="entr" presetSubtype="0" fill="hold" grpId="0" nodeType="withEffect">
-                                  <p:stCondLst>
-                                    <p:cond delay="0"/>
-                                  </p:stCondLst>
-                                  <p:childTnLst>
-                                    <p:set>
-                                      <p:cBhvr>
-                                        <p:cTn id="28" dur="1" fill="hold">
-                                          <p:stCondLst>
-                                            <p:cond delay="0"/>
-                                          </p:stCondLst>
-                                        </p:cTn>
-                                        <p:tgtEl>
-                                          <p:spTgt spid="23"/>
-                                        </p:tgtEl>
-                                        <p:attrNameLst>
-                                          <p:attrName>style.visibility</p:attrName>
-                                        </p:attrNameLst>
-                                      </p:cBhvr>
-                                      <p:to>
-                                        <p:strVal val="visible"/>
-                                      </p:to>
-                                    </p:set>
-                                  </p:childTnLst>
-                                </p:cTn>
-                              </p:par>
                             </p:childTnLst>
                           </p:cTn>
                         </p:par>
@@ -24179,7 +23195,6 @@
       <p:bldP spid="29" grpId="0"/>
       <p:bldP spid="30" grpId="0"/>
       <p:bldP spid="31" grpId="0" animBg="1"/>
-      <p:bldP spid="23" grpId="0"/>
     </p:bldLst>
   </p:timing>
 </p:sld>
@@ -24291,6 +23306,25 @@
               <a:buChar char="•"/>
             </a:pPr>
             <a:r>
+              <a:rPr lang="en-US"/>
+              <a:t>Terminology</a:t>
+            </a:r>
+          </a:p>
+          <a:p>
+            <a:pPr marL="342900" lvl="0" indent="-342900" algn="l" rtl="0">
+              <a:spcBef>
+                <a:spcPts val="0"/>
+              </a:spcBef>
+              <a:spcAft>
+                <a:spcPts val="0"/>
+              </a:spcAft>
+              <a:buClr>
+                <a:schemeClr val="dk1"/>
+              </a:buClr>
+              <a:buSzPts val="3200"/>
+              <a:buChar char="•"/>
+            </a:pPr>
+            <a:r>
               <a:rPr lang="en-US" dirty="0"/>
               <a:t>Controllers</a:t>
             </a:r>
@@ -24392,6 +23426,1901 @@
 </file>
 
 <file path=ppt/slides/slide3.xml><?xml version="1.0" encoding="utf-8"?>
+<p:sld xmlns:a="http://schemas.openxmlformats.org/drawingml/2006/main" xmlns:r="http://schemas.openxmlformats.org/officeDocument/2006/relationships" xmlns:p="http://schemas.openxmlformats.org/presentationml/2006/main">
+  <p:cSld>
+    <p:spTree>
+      <p:nvGrpSpPr>
+        <p:cNvPr id="1" name=""/>
+        <p:cNvGrpSpPr/>
+        <p:nvPr/>
+      </p:nvGrpSpPr>
+      <p:grpSpPr>
+        <a:xfrm>
+          <a:off x="0" y="0"/>
+          <a:ext cx="0" cy="0"/>
+          <a:chOff x="0" y="0"/>
+          <a:chExt cx="0" cy="0"/>
+        </a:xfrm>
+      </p:grpSpPr>
+      <p:sp>
+        <p:nvSpPr>
+          <p:cNvPr id="2" name="Title 1">
+            <a:extLst>
+              <a:ext uri="{FF2B5EF4-FFF2-40B4-BE49-F238E27FC236}">
+                <a16:creationId xmlns:a16="http://schemas.microsoft.com/office/drawing/2014/main" id="{1D926C88-9C49-EB1B-EE93-6861D5C9ED7E}"/>
+              </a:ext>
+            </a:extLst>
+          </p:cNvPr>
+          <p:cNvSpPr>
+            <a:spLocks noGrp="1"/>
+          </p:cNvSpPr>
+          <p:nvPr>
+            <p:ph type="title"/>
+          </p:nvPr>
+        </p:nvSpPr>
+        <p:spPr/>
+        <p:txBody>
+          <a:bodyPr/>
+          <a:lstStyle/>
+          <a:p>
+            <a:r>
+              <a:rPr lang="en-US" dirty="0"/>
+              <a:t>Signals &amp; Systems</a:t>
+            </a:r>
+          </a:p>
+        </p:txBody>
+      </p:sp>
+      <p:sp>
+        <p:nvSpPr>
+          <p:cNvPr id="3" name="Text Placeholder 2">
+            <a:extLst>
+              <a:ext uri="{FF2B5EF4-FFF2-40B4-BE49-F238E27FC236}">
+                <a16:creationId xmlns:a16="http://schemas.microsoft.com/office/drawing/2014/main" id="{CE7F2ADB-E2AE-ABC1-9D5A-955C810C1D48}"/>
+              </a:ext>
+            </a:extLst>
+          </p:cNvPr>
+          <p:cNvSpPr>
+            <a:spLocks noGrp="1"/>
+          </p:cNvSpPr>
+          <p:nvPr>
+            <p:ph type="body" idx="1"/>
+          </p:nvPr>
+        </p:nvSpPr>
+        <p:spPr/>
+        <p:txBody>
+          <a:bodyPr/>
+          <a:lstStyle/>
+          <a:p>
+            <a:r>
+              <a:rPr lang="en-US" dirty="0"/>
+              <a:t>Signal</a:t>
+            </a:r>
+          </a:p>
+          <a:p>
+            <a:pPr lvl="1"/>
+            <a:r>
+              <a:rPr lang="en-US" dirty="0"/>
+              <a:t>a time series</a:t>
+            </a:r>
+          </a:p>
+          <a:p>
+            <a:pPr marL="508000" lvl="1" indent="0">
+              <a:buNone/>
+            </a:pPr>
+            <a:endParaRPr lang="en-US" b="0" dirty="0"/>
+          </a:p>
+          <a:p>
+            <a:r>
+              <a:rPr lang="en-US" dirty="0"/>
+              <a:t>System</a:t>
+            </a:r>
+          </a:p>
+          <a:p>
+            <a:pPr lvl="1"/>
+            <a:r>
+              <a:rPr lang="en-US" dirty="0"/>
+              <a:t>Transforms one signal(s) into another signal(s)</a:t>
+            </a:r>
+          </a:p>
+          <a:p>
+            <a:pPr lvl="1"/>
+            <a:endParaRPr lang="en-US" dirty="0"/>
+          </a:p>
+        </p:txBody>
+      </p:sp>
+      <p:sp>
+        <p:nvSpPr>
+          <p:cNvPr id="4" name="Slide Number Placeholder 3">
+            <a:extLst>
+              <a:ext uri="{FF2B5EF4-FFF2-40B4-BE49-F238E27FC236}">
+                <a16:creationId xmlns:a16="http://schemas.microsoft.com/office/drawing/2014/main" id="{3DE74924-D723-C629-6A0A-0BD73CB53848}"/>
+              </a:ext>
+            </a:extLst>
+          </p:cNvPr>
+          <p:cNvSpPr>
+            <a:spLocks noGrp="1"/>
+          </p:cNvSpPr>
+          <p:nvPr>
+            <p:ph type="sldNum" idx="12"/>
+          </p:nvPr>
+        </p:nvSpPr>
+        <p:spPr/>
+        <p:txBody>
+          <a:bodyPr/>
+          <a:lstStyle/>
+          <a:p>
+            <a:pPr marL="0" lvl="0" indent="0" algn="l" rtl="0">
+              <a:spcBef>
+                <a:spcPts val="0"/>
+              </a:spcBef>
+              <a:spcAft>
+                <a:spcPts val="0"/>
+              </a:spcAft>
+              <a:buNone/>
+            </a:pPr>
+            <a:fld id="{00000000-1234-1234-1234-123412341234}" type="slidenum">
+              <a:rPr lang="en-US" smtClean="0"/>
+              <a:t>3</a:t>
+            </a:fld>
+            <a:endParaRPr lang="en-US"/>
+          </a:p>
+        </p:txBody>
+      </p:sp>
+      <mc:AlternateContent xmlns:mc="http://schemas.openxmlformats.org/markup-compatibility/2006" xmlns:a14="http://schemas.microsoft.com/office/drawing/2010/main">
+        <mc:Choice Requires="a14">
+          <p:graphicFrame>
+            <p:nvGraphicFramePr>
+              <p:cNvPr id="5" name="Table 5">
+                <a:extLst>
+                  <a:ext uri="{FF2B5EF4-FFF2-40B4-BE49-F238E27FC236}">
+                    <a16:creationId xmlns:a16="http://schemas.microsoft.com/office/drawing/2014/main" id="{ABAB0D5C-5520-2511-29F0-252F1D6F57EC}"/>
+                  </a:ext>
+                </a:extLst>
+              </p:cNvPr>
+              <p:cNvGraphicFramePr>
+                <a:graphicFrameLocks noGrp="1"/>
+              </p:cNvGraphicFramePr>
+              <p:nvPr/>
+            </p:nvGraphicFramePr>
+            <p:xfrm>
+              <a:off x="1114099" y="4194943"/>
+              <a:ext cx="1229710" cy="1854200"/>
+            </p:xfrm>
+            <a:graphic>
+              <a:graphicData uri="http://schemas.openxmlformats.org/drawingml/2006/table">
+                <a:tbl>
+                  <a:tblPr firstRow="1" bandRow="1">
+                    <a:tableStyleId>{5C22544A-7EE6-4342-B048-85BDC9FD1C3A}</a:tableStyleId>
+                  </a:tblPr>
+                  <a:tblGrid>
+                    <a:gridCol w="614855">
+                      <a:extLst>
+                        <a:ext uri="{9D8B030D-6E8A-4147-A177-3AD203B41FA5}">
+                          <a16:colId xmlns:a16="http://schemas.microsoft.com/office/drawing/2014/main" val="2589370719"/>
+                        </a:ext>
+                      </a:extLst>
+                    </a:gridCol>
+                    <a:gridCol w="614855">
+                      <a:extLst>
+                        <a:ext uri="{9D8B030D-6E8A-4147-A177-3AD203B41FA5}">
+                          <a16:colId xmlns:a16="http://schemas.microsoft.com/office/drawing/2014/main" val="2371693280"/>
+                        </a:ext>
+                      </a:extLst>
+                    </a:gridCol>
+                  </a:tblGrid>
+                  <a:tr h="370840">
+                    <a:tc>
+                      <a:txBody>
+                        <a:bodyPr/>
+                        <a:lstStyle/>
+                        <a:p>
+                          <a:pPr/>
+                          <a14:m>
+                            <m:oMathPara xmlns:m="http://schemas.openxmlformats.org/officeDocument/2006/math">
+                              <m:oMathParaPr>
+                                <m:jc m:val="centerGroup"/>
+                              </m:oMathParaPr>
+                              <m:oMath xmlns:m="http://schemas.openxmlformats.org/officeDocument/2006/math">
+                                <m:r>
+                                  <a:rPr lang="en-US" b="1" i="1" smtClean="0">
+                                    <a:latin typeface="Cambria Math" panose="02040503050406030204" pitchFamily="18" charset="0"/>
+                                  </a:rPr>
+                                  <m:t>𝒕</m:t>
+                                </m:r>
+                              </m:oMath>
+                            </m:oMathPara>
+                          </a14:m>
+                          <a:endParaRPr lang="en-US" dirty="0"/>
+                        </a:p>
+                      </a:txBody>
+                      <a:tcPr/>
+                    </a:tc>
+                    <a:tc>
+                      <a:txBody>
+                        <a:bodyPr/>
+                        <a:lstStyle/>
+                        <a:p>
+                          <a:pPr/>
+                          <a14:m>
+                            <m:oMathPara xmlns:m="http://schemas.openxmlformats.org/officeDocument/2006/math">
+                              <m:oMathParaPr>
+                                <m:jc m:val="centerGroup"/>
+                              </m:oMathParaPr>
+                              <m:oMath xmlns:m="http://schemas.openxmlformats.org/officeDocument/2006/math">
+                                <m:r>
+                                  <a:rPr lang="en-US" b="0" i="1" smtClean="0">
+                                    <a:latin typeface="Cambria Math" panose="02040503050406030204" pitchFamily="18" charset="0"/>
+                                  </a:rPr>
+                                  <m:t>𝑥</m:t>
+                                </m:r>
+                                <m:d>
+                                  <m:dPr>
+                                    <m:ctrlPr>
+                                      <a:rPr lang="en-US" b="0" i="1" smtClean="0">
+                                        <a:latin typeface="Cambria Math" panose="02040503050406030204" pitchFamily="18" charset="0"/>
+                                      </a:rPr>
+                                    </m:ctrlPr>
+                                  </m:dPr>
+                                  <m:e>
+                                    <m:r>
+                                      <a:rPr lang="en-US" b="0" i="1" smtClean="0">
+                                        <a:latin typeface="Cambria Math" panose="02040503050406030204" pitchFamily="18" charset="0"/>
+                                      </a:rPr>
+                                      <m:t>𝑡</m:t>
+                                    </m:r>
+                                  </m:e>
+                                </m:d>
+                              </m:oMath>
+                            </m:oMathPara>
+                          </a14:m>
+                          <a:endParaRPr lang="en-US" dirty="0"/>
+                        </a:p>
+                      </a:txBody>
+                      <a:tcPr/>
+                    </a:tc>
+                    <a:extLst>
+                      <a:ext uri="{0D108BD9-81ED-4DB2-BD59-A6C34878D82A}">
+                        <a16:rowId xmlns:a16="http://schemas.microsoft.com/office/drawing/2014/main" val="3128961767"/>
+                      </a:ext>
+                    </a:extLst>
+                  </a:tr>
+                  <a:tr h="370840">
+                    <a:tc>
+                      <a:txBody>
+                        <a:bodyPr/>
+                        <a:lstStyle/>
+                        <a:p>
+                          <a:r>
+                            <a:rPr lang="en-US" dirty="0"/>
+                            <a:t>1</a:t>
+                          </a:r>
+                        </a:p>
+                      </a:txBody>
+                      <a:tcPr/>
+                    </a:tc>
+                    <a:tc>
+                      <a:txBody>
+                        <a:bodyPr/>
+                        <a:lstStyle/>
+                        <a:p>
+                          <a:r>
+                            <a:rPr lang="en-US" dirty="0"/>
+                            <a:t>0.2</a:t>
+                          </a:r>
+                        </a:p>
+                      </a:txBody>
+                      <a:tcPr/>
+                    </a:tc>
+                    <a:extLst>
+                      <a:ext uri="{0D108BD9-81ED-4DB2-BD59-A6C34878D82A}">
+                        <a16:rowId xmlns:a16="http://schemas.microsoft.com/office/drawing/2014/main" val="3627390429"/>
+                      </a:ext>
+                    </a:extLst>
+                  </a:tr>
+                  <a:tr h="370840">
+                    <a:tc>
+                      <a:txBody>
+                        <a:bodyPr/>
+                        <a:lstStyle/>
+                        <a:p>
+                          <a:r>
+                            <a:rPr lang="en-US" dirty="0"/>
+                            <a:t>2</a:t>
+                          </a:r>
+                        </a:p>
+                      </a:txBody>
+                      <a:tcPr/>
+                    </a:tc>
+                    <a:tc>
+                      <a:txBody>
+                        <a:bodyPr/>
+                        <a:lstStyle/>
+                        <a:p>
+                          <a:r>
+                            <a:rPr lang="en-US" dirty="0"/>
+                            <a:t>0.4</a:t>
+                          </a:r>
+                        </a:p>
+                      </a:txBody>
+                      <a:tcPr/>
+                    </a:tc>
+                    <a:extLst>
+                      <a:ext uri="{0D108BD9-81ED-4DB2-BD59-A6C34878D82A}">
+                        <a16:rowId xmlns:a16="http://schemas.microsoft.com/office/drawing/2014/main" val="2894079772"/>
+                      </a:ext>
+                    </a:extLst>
+                  </a:tr>
+                  <a:tr h="370840">
+                    <a:tc>
+                      <a:txBody>
+                        <a:bodyPr/>
+                        <a:lstStyle/>
+                        <a:p>
+                          <a:r>
+                            <a:rPr lang="en-US" dirty="0"/>
+                            <a:t>3</a:t>
+                          </a:r>
+                        </a:p>
+                      </a:txBody>
+                      <a:tcPr/>
+                    </a:tc>
+                    <a:tc>
+                      <a:txBody>
+                        <a:bodyPr/>
+                        <a:lstStyle/>
+                        <a:p>
+                          <a:r>
+                            <a:rPr lang="en-US" dirty="0"/>
+                            <a:t>0.8</a:t>
+                          </a:r>
+                        </a:p>
+                      </a:txBody>
+                      <a:tcPr/>
+                    </a:tc>
+                    <a:extLst>
+                      <a:ext uri="{0D108BD9-81ED-4DB2-BD59-A6C34878D82A}">
+                        <a16:rowId xmlns:a16="http://schemas.microsoft.com/office/drawing/2014/main" val="495633359"/>
+                      </a:ext>
+                    </a:extLst>
+                  </a:tr>
+                  <a:tr h="370840">
+                    <a:tc>
+                      <a:txBody>
+                        <a:bodyPr/>
+                        <a:lstStyle/>
+                        <a:p>
+                          <a:r>
+                            <a:rPr lang="en-US" dirty="0"/>
+                            <a:t>4</a:t>
+                          </a:r>
+                        </a:p>
+                      </a:txBody>
+                      <a:tcPr/>
+                    </a:tc>
+                    <a:tc>
+                      <a:txBody>
+                        <a:bodyPr/>
+                        <a:lstStyle/>
+                        <a:p>
+                          <a:r>
+                            <a:rPr lang="en-US" dirty="0"/>
+                            <a:t>1.6</a:t>
+                          </a:r>
+                        </a:p>
+                      </a:txBody>
+                      <a:tcPr/>
+                    </a:tc>
+                    <a:extLst>
+                      <a:ext uri="{0D108BD9-81ED-4DB2-BD59-A6C34878D82A}">
+                        <a16:rowId xmlns:a16="http://schemas.microsoft.com/office/drawing/2014/main" val="2468792601"/>
+                      </a:ext>
+                    </a:extLst>
+                  </a:tr>
+                </a:tbl>
+              </a:graphicData>
+            </a:graphic>
+          </p:graphicFrame>
+        </mc:Choice>
+        <mc:Fallback xmlns="">
+          <p:graphicFrame>
+            <p:nvGraphicFramePr>
+              <p:cNvPr id="5" name="Table 5">
+                <a:extLst>
+                  <a:ext uri="{FF2B5EF4-FFF2-40B4-BE49-F238E27FC236}">
+                    <a16:creationId xmlns:a16="http://schemas.microsoft.com/office/drawing/2014/main" id="{ABAB0D5C-5520-2511-29F0-252F1D6F57EC}"/>
+                  </a:ext>
+                </a:extLst>
+              </p:cNvPr>
+              <p:cNvGraphicFramePr>
+                <a:graphicFrameLocks noGrp="1"/>
+              </p:cNvGraphicFramePr>
+              <p:nvPr>
+                <p:extLst>
+                  <p:ext uri="{D42A27DB-BD31-4B8C-83A1-F6EECF244321}">
+                    <p14:modId xmlns:p14="http://schemas.microsoft.com/office/powerpoint/2010/main" val="752421549"/>
+                  </p:ext>
+                </p:extLst>
+              </p:nvPr>
+            </p:nvGraphicFramePr>
+            <p:xfrm>
+              <a:off x="1114099" y="4194943"/>
+              <a:ext cx="1229710" cy="1854200"/>
+            </p:xfrm>
+            <a:graphic>
+              <a:graphicData uri="http://schemas.openxmlformats.org/drawingml/2006/table">
+                <a:tbl>
+                  <a:tblPr firstRow="1" bandRow="1">
+                    <a:tableStyleId>{5C22544A-7EE6-4342-B048-85BDC9FD1C3A}</a:tableStyleId>
+                  </a:tblPr>
+                  <a:tblGrid>
+                    <a:gridCol w="614855">
+                      <a:extLst>
+                        <a:ext uri="{9D8B030D-6E8A-4147-A177-3AD203B41FA5}">
+                          <a16:colId xmlns:a16="http://schemas.microsoft.com/office/drawing/2014/main" val="2589370719"/>
+                        </a:ext>
+                      </a:extLst>
+                    </a:gridCol>
+                    <a:gridCol w="614855">
+                      <a:extLst>
+                        <a:ext uri="{9D8B030D-6E8A-4147-A177-3AD203B41FA5}">
+                          <a16:colId xmlns:a16="http://schemas.microsoft.com/office/drawing/2014/main" val="2371693280"/>
+                        </a:ext>
+                      </a:extLst>
+                    </a:gridCol>
+                  </a:tblGrid>
+                  <a:tr h="370840">
+                    <a:tc>
+                      <a:txBody>
+                        <a:bodyPr/>
+                        <a:lstStyle/>
+                        <a:p>
+                          <a:endParaRPr lang="en-US"/>
+                        </a:p>
+                      </a:txBody>
+                      <a:tcPr>
+                        <a:blipFill>
+                          <a:blip r:embed="rId3"/>
+                          <a:stretch>
+                            <a:fillRect l="-2041" t="-3448" r="-104082" b="-410345"/>
+                          </a:stretch>
+                        </a:blipFill>
+                      </a:tcPr>
+                    </a:tc>
+                    <a:tc>
+                      <a:txBody>
+                        <a:bodyPr/>
+                        <a:lstStyle/>
+                        <a:p>
+                          <a:endParaRPr lang="en-US"/>
+                        </a:p>
+                      </a:txBody>
+                      <a:tcPr>
+                        <a:blipFill>
+                          <a:blip r:embed="rId3"/>
+                          <a:stretch>
+                            <a:fillRect l="-102041" t="-3448" r="-4082" b="-410345"/>
+                          </a:stretch>
+                        </a:blipFill>
+                      </a:tcPr>
+                    </a:tc>
+                    <a:extLst>
+                      <a:ext uri="{0D108BD9-81ED-4DB2-BD59-A6C34878D82A}">
+                        <a16:rowId xmlns:a16="http://schemas.microsoft.com/office/drawing/2014/main" val="3128961767"/>
+                      </a:ext>
+                    </a:extLst>
+                  </a:tr>
+                  <a:tr h="370840">
+                    <a:tc>
+                      <a:txBody>
+                        <a:bodyPr/>
+                        <a:lstStyle/>
+                        <a:p>
+                          <a:r>
+                            <a:rPr lang="en-US" dirty="0"/>
+                            <a:t>1</a:t>
+                          </a:r>
+                        </a:p>
+                      </a:txBody>
+                      <a:tcPr/>
+                    </a:tc>
+                    <a:tc>
+                      <a:txBody>
+                        <a:bodyPr/>
+                        <a:lstStyle/>
+                        <a:p>
+                          <a:r>
+                            <a:rPr lang="en-US" dirty="0"/>
+                            <a:t>0.2</a:t>
+                          </a:r>
+                        </a:p>
+                      </a:txBody>
+                      <a:tcPr/>
+                    </a:tc>
+                    <a:extLst>
+                      <a:ext uri="{0D108BD9-81ED-4DB2-BD59-A6C34878D82A}">
+                        <a16:rowId xmlns:a16="http://schemas.microsoft.com/office/drawing/2014/main" val="3627390429"/>
+                      </a:ext>
+                    </a:extLst>
+                  </a:tr>
+                  <a:tr h="370840">
+                    <a:tc>
+                      <a:txBody>
+                        <a:bodyPr/>
+                        <a:lstStyle/>
+                        <a:p>
+                          <a:r>
+                            <a:rPr lang="en-US" dirty="0"/>
+                            <a:t>2</a:t>
+                          </a:r>
+                        </a:p>
+                      </a:txBody>
+                      <a:tcPr/>
+                    </a:tc>
+                    <a:tc>
+                      <a:txBody>
+                        <a:bodyPr/>
+                        <a:lstStyle/>
+                        <a:p>
+                          <a:r>
+                            <a:rPr lang="en-US" dirty="0"/>
+                            <a:t>0.4</a:t>
+                          </a:r>
+                        </a:p>
+                      </a:txBody>
+                      <a:tcPr/>
+                    </a:tc>
+                    <a:extLst>
+                      <a:ext uri="{0D108BD9-81ED-4DB2-BD59-A6C34878D82A}">
+                        <a16:rowId xmlns:a16="http://schemas.microsoft.com/office/drawing/2014/main" val="2894079772"/>
+                      </a:ext>
+                    </a:extLst>
+                  </a:tr>
+                  <a:tr h="370840">
+                    <a:tc>
+                      <a:txBody>
+                        <a:bodyPr/>
+                        <a:lstStyle/>
+                        <a:p>
+                          <a:r>
+                            <a:rPr lang="en-US" dirty="0"/>
+                            <a:t>3</a:t>
+                          </a:r>
+                        </a:p>
+                      </a:txBody>
+                      <a:tcPr/>
+                    </a:tc>
+                    <a:tc>
+                      <a:txBody>
+                        <a:bodyPr/>
+                        <a:lstStyle/>
+                        <a:p>
+                          <a:r>
+                            <a:rPr lang="en-US" dirty="0"/>
+                            <a:t>0.8</a:t>
+                          </a:r>
+                        </a:p>
+                      </a:txBody>
+                      <a:tcPr/>
+                    </a:tc>
+                    <a:extLst>
+                      <a:ext uri="{0D108BD9-81ED-4DB2-BD59-A6C34878D82A}">
+                        <a16:rowId xmlns:a16="http://schemas.microsoft.com/office/drawing/2014/main" val="495633359"/>
+                      </a:ext>
+                    </a:extLst>
+                  </a:tr>
+                  <a:tr h="370840">
+                    <a:tc>
+                      <a:txBody>
+                        <a:bodyPr/>
+                        <a:lstStyle/>
+                        <a:p>
+                          <a:r>
+                            <a:rPr lang="en-US" dirty="0"/>
+                            <a:t>4</a:t>
+                          </a:r>
+                        </a:p>
+                      </a:txBody>
+                      <a:tcPr/>
+                    </a:tc>
+                    <a:tc>
+                      <a:txBody>
+                        <a:bodyPr/>
+                        <a:lstStyle/>
+                        <a:p>
+                          <a:r>
+                            <a:rPr lang="en-US" dirty="0"/>
+                            <a:t>1.6</a:t>
+                          </a:r>
+                        </a:p>
+                      </a:txBody>
+                      <a:tcPr/>
+                    </a:tc>
+                    <a:extLst>
+                      <a:ext uri="{0D108BD9-81ED-4DB2-BD59-A6C34878D82A}">
+                        <a16:rowId xmlns:a16="http://schemas.microsoft.com/office/drawing/2014/main" val="2468792601"/>
+                      </a:ext>
+                    </a:extLst>
+                  </a:tr>
+                </a:tbl>
+              </a:graphicData>
+            </a:graphic>
+          </p:graphicFrame>
+        </mc:Fallback>
+      </mc:AlternateContent>
+      <mc:AlternateContent xmlns:mc="http://schemas.openxmlformats.org/markup-compatibility/2006" xmlns:a14="http://schemas.microsoft.com/office/drawing/2010/main">
+        <mc:Choice Requires="a14">
+          <p:graphicFrame>
+            <p:nvGraphicFramePr>
+              <p:cNvPr id="8" name="Table 5">
+                <a:extLst>
+                  <a:ext uri="{FF2B5EF4-FFF2-40B4-BE49-F238E27FC236}">
+                    <a16:creationId xmlns:a16="http://schemas.microsoft.com/office/drawing/2014/main" id="{109E7B77-C11D-256C-4E73-010AFA80D5C4}"/>
+                  </a:ext>
+                </a:extLst>
+              </p:cNvPr>
+              <p:cNvGraphicFramePr>
+                <a:graphicFrameLocks noGrp="1"/>
+              </p:cNvGraphicFramePr>
+              <p:nvPr/>
+            </p:nvGraphicFramePr>
+            <p:xfrm>
+              <a:off x="6222121" y="4126189"/>
+              <a:ext cx="1229710" cy="1991709"/>
+            </p:xfrm>
+            <a:graphic>
+              <a:graphicData uri="http://schemas.openxmlformats.org/drawingml/2006/table">
+                <a:tbl>
+                  <a:tblPr firstRow="1" bandRow="1">
+                    <a:tableStyleId>{5C22544A-7EE6-4342-B048-85BDC9FD1C3A}</a:tableStyleId>
+                  </a:tblPr>
+                  <a:tblGrid>
+                    <a:gridCol w="614855">
+                      <a:extLst>
+                        <a:ext uri="{9D8B030D-6E8A-4147-A177-3AD203B41FA5}">
+                          <a16:colId xmlns:a16="http://schemas.microsoft.com/office/drawing/2014/main" val="2589370719"/>
+                        </a:ext>
+                      </a:extLst>
+                    </a:gridCol>
+                    <a:gridCol w="614855">
+                      <a:extLst>
+                        <a:ext uri="{9D8B030D-6E8A-4147-A177-3AD203B41FA5}">
+                          <a16:colId xmlns:a16="http://schemas.microsoft.com/office/drawing/2014/main" val="2371693280"/>
+                        </a:ext>
+                      </a:extLst>
+                    </a:gridCol>
+                  </a:tblGrid>
+                  <a:tr h="508349">
+                    <a:tc>
+                      <a:txBody>
+                        <a:bodyPr/>
+                        <a:lstStyle/>
+                        <a:p>
+                          <a:pPr/>
+                          <a14:m>
+                            <m:oMathPara xmlns:m="http://schemas.openxmlformats.org/officeDocument/2006/math">
+                              <m:oMathParaPr>
+                                <m:jc m:val="centerGroup"/>
+                              </m:oMathParaPr>
+                              <m:oMath xmlns:m="http://schemas.openxmlformats.org/officeDocument/2006/math">
+                                <m:r>
+                                  <a:rPr lang="en-US" b="1" i="1" smtClean="0">
+                                    <a:latin typeface="Cambria Math" panose="02040503050406030204" pitchFamily="18" charset="0"/>
+                                  </a:rPr>
+                                  <m:t>𝒕</m:t>
+                                </m:r>
+                              </m:oMath>
+                            </m:oMathPara>
+                          </a14:m>
+                          <a:endParaRPr lang="en-US" dirty="0"/>
+                        </a:p>
+                      </a:txBody>
+                      <a:tcPr/>
+                    </a:tc>
+                    <a:tc>
+                      <a:txBody>
+                        <a:bodyPr/>
+                        <a:lstStyle/>
+                        <a:p>
+                          <a:r>
+                            <a:rPr lang="en-US" b="0" dirty="0"/>
+                            <a:t>y</a:t>
+                          </a:r>
+                          <a14:m>
+                            <m:oMath xmlns:m="http://schemas.openxmlformats.org/officeDocument/2006/math">
+                              <m:d>
+                                <m:dPr>
+                                  <m:ctrlPr>
+                                    <a:rPr lang="en-US" b="0" i="1" smtClean="0">
+                                      <a:latin typeface="Cambria Math" panose="02040503050406030204" pitchFamily="18" charset="0"/>
+                                    </a:rPr>
+                                  </m:ctrlPr>
+                                </m:dPr>
+                                <m:e>
+                                  <m:r>
+                                    <a:rPr lang="en-US" b="0" i="1" smtClean="0">
+                                      <a:latin typeface="Cambria Math" panose="02040503050406030204" pitchFamily="18" charset="0"/>
+                                    </a:rPr>
+                                    <m:t>𝑡</m:t>
+                                  </m:r>
+                                </m:e>
+                              </m:d>
+                            </m:oMath>
+                          </a14:m>
+                          <a:endParaRPr lang="en-US" dirty="0"/>
+                        </a:p>
+                      </a:txBody>
+                      <a:tcPr/>
+                    </a:tc>
+                    <a:extLst>
+                      <a:ext uri="{0D108BD9-81ED-4DB2-BD59-A6C34878D82A}">
+                        <a16:rowId xmlns:a16="http://schemas.microsoft.com/office/drawing/2014/main" val="3128961767"/>
+                      </a:ext>
+                    </a:extLst>
+                  </a:tr>
+                  <a:tr h="370840">
+                    <a:tc>
+                      <a:txBody>
+                        <a:bodyPr/>
+                        <a:lstStyle/>
+                        <a:p>
+                          <a:r>
+                            <a:rPr lang="en-US" dirty="0"/>
+                            <a:t>1</a:t>
+                          </a:r>
+                        </a:p>
+                      </a:txBody>
+                      <a:tcPr/>
+                    </a:tc>
+                    <a:tc>
+                      <a:txBody>
+                        <a:bodyPr/>
+                        <a:lstStyle/>
+                        <a:p>
+                          <a:r>
+                            <a:rPr lang="en-US" dirty="0"/>
+                            <a:t>0.2</a:t>
+                          </a:r>
+                        </a:p>
+                      </a:txBody>
+                      <a:tcPr/>
+                    </a:tc>
+                    <a:extLst>
+                      <a:ext uri="{0D108BD9-81ED-4DB2-BD59-A6C34878D82A}">
+                        <a16:rowId xmlns:a16="http://schemas.microsoft.com/office/drawing/2014/main" val="3627390429"/>
+                      </a:ext>
+                    </a:extLst>
+                  </a:tr>
+                  <a:tr h="370840">
+                    <a:tc>
+                      <a:txBody>
+                        <a:bodyPr/>
+                        <a:lstStyle/>
+                        <a:p>
+                          <a:r>
+                            <a:rPr lang="en-US" dirty="0"/>
+                            <a:t>2</a:t>
+                          </a:r>
+                        </a:p>
+                      </a:txBody>
+                      <a:tcPr/>
+                    </a:tc>
+                    <a:tc>
+                      <a:txBody>
+                        <a:bodyPr/>
+                        <a:lstStyle/>
+                        <a:p>
+                          <a:r>
+                            <a:rPr lang="en-US" dirty="0"/>
+                            <a:t>0.6</a:t>
+                          </a:r>
+                        </a:p>
+                      </a:txBody>
+                      <a:tcPr/>
+                    </a:tc>
+                    <a:extLst>
+                      <a:ext uri="{0D108BD9-81ED-4DB2-BD59-A6C34878D82A}">
+                        <a16:rowId xmlns:a16="http://schemas.microsoft.com/office/drawing/2014/main" val="2894079772"/>
+                      </a:ext>
+                    </a:extLst>
+                  </a:tr>
+                  <a:tr h="370840">
+                    <a:tc>
+                      <a:txBody>
+                        <a:bodyPr/>
+                        <a:lstStyle/>
+                        <a:p>
+                          <a:r>
+                            <a:rPr lang="en-US" dirty="0"/>
+                            <a:t>3</a:t>
+                          </a:r>
+                        </a:p>
+                      </a:txBody>
+                      <a:tcPr/>
+                    </a:tc>
+                    <a:tc>
+                      <a:txBody>
+                        <a:bodyPr/>
+                        <a:lstStyle/>
+                        <a:p>
+                          <a:r>
+                            <a:rPr lang="en-US" dirty="0"/>
+                            <a:t>1.2</a:t>
+                          </a:r>
+                        </a:p>
+                      </a:txBody>
+                      <a:tcPr/>
+                    </a:tc>
+                    <a:extLst>
+                      <a:ext uri="{0D108BD9-81ED-4DB2-BD59-A6C34878D82A}">
+                        <a16:rowId xmlns:a16="http://schemas.microsoft.com/office/drawing/2014/main" val="495633359"/>
+                      </a:ext>
+                    </a:extLst>
+                  </a:tr>
+                  <a:tr h="370840">
+                    <a:tc>
+                      <a:txBody>
+                        <a:bodyPr/>
+                        <a:lstStyle/>
+                        <a:p>
+                          <a:r>
+                            <a:rPr lang="en-US" dirty="0"/>
+                            <a:t>4</a:t>
+                          </a:r>
+                        </a:p>
+                      </a:txBody>
+                      <a:tcPr/>
+                    </a:tc>
+                    <a:tc>
+                      <a:txBody>
+                        <a:bodyPr/>
+                        <a:lstStyle/>
+                        <a:p>
+                          <a:r>
+                            <a:rPr lang="en-US" dirty="0"/>
+                            <a:t>2.4</a:t>
+                          </a:r>
+                        </a:p>
+                      </a:txBody>
+                      <a:tcPr/>
+                    </a:tc>
+                    <a:extLst>
+                      <a:ext uri="{0D108BD9-81ED-4DB2-BD59-A6C34878D82A}">
+                        <a16:rowId xmlns:a16="http://schemas.microsoft.com/office/drawing/2014/main" val="2468792601"/>
+                      </a:ext>
+                    </a:extLst>
+                  </a:tr>
+                </a:tbl>
+              </a:graphicData>
+            </a:graphic>
+          </p:graphicFrame>
+        </mc:Choice>
+        <mc:Fallback xmlns="">
+          <p:graphicFrame>
+            <p:nvGraphicFramePr>
+              <p:cNvPr id="8" name="Table 5">
+                <a:extLst>
+                  <a:ext uri="{FF2B5EF4-FFF2-40B4-BE49-F238E27FC236}">
+                    <a16:creationId xmlns:a16="http://schemas.microsoft.com/office/drawing/2014/main" id="{109E7B77-C11D-256C-4E73-010AFA80D5C4}"/>
+                  </a:ext>
+                </a:extLst>
+              </p:cNvPr>
+              <p:cNvGraphicFramePr>
+                <a:graphicFrameLocks noGrp="1"/>
+              </p:cNvGraphicFramePr>
+              <p:nvPr>
+                <p:extLst>
+                  <p:ext uri="{D42A27DB-BD31-4B8C-83A1-F6EECF244321}">
+                    <p14:modId xmlns:p14="http://schemas.microsoft.com/office/powerpoint/2010/main" val="915243076"/>
+                  </p:ext>
+                </p:extLst>
+              </p:nvPr>
+            </p:nvGraphicFramePr>
+            <p:xfrm>
+              <a:off x="6222121" y="4126189"/>
+              <a:ext cx="1229710" cy="1991709"/>
+            </p:xfrm>
+            <a:graphic>
+              <a:graphicData uri="http://schemas.openxmlformats.org/drawingml/2006/table">
+                <a:tbl>
+                  <a:tblPr firstRow="1" bandRow="1">
+                    <a:tableStyleId>{5C22544A-7EE6-4342-B048-85BDC9FD1C3A}</a:tableStyleId>
+                  </a:tblPr>
+                  <a:tblGrid>
+                    <a:gridCol w="614855">
+                      <a:extLst>
+                        <a:ext uri="{9D8B030D-6E8A-4147-A177-3AD203B41FA5}">
+                          <a16:colId xmlns:a16="http://schemas.microsoft.com/office/drawing/2014/main" val="2589370719"/>
+                        </a:ext>
+                      </a:extLst>
+                    </a:gridCol>
+                    <a:gridCol w="614855">
+                      <a:extLst>
+                        <a:ext uri="{9D8B030D-6E8A-4147-A177-3AD203B41FA5}">
+                          <a16:colId xmlns:a16="http://schemas.microsoft.com/office/drawing/2014/main" val="2371693280"/>
+                        </a:ext>
+                      </a:extLst>
+                    </a:gridCol>
+                  </a:tblGrid>
+                  <a:tr h="508349">
+                    <a:tc>
+                      <a:txBody>
+                        <a:bodyPr/>
+                        <a:lstStyle/>
+                        <a:p>
+                          <a:endParaRPr lang="en-US"/>
+                        </a:p>
+                      </a:txBody>
+                      <a:tcPr>
+                        <a:blipFill>
+                          <a:blip r:embed="rId4"/>
+                          <a:stretch>
+                            <a:fillRect r="-104082" b="-297500"/>
+                          </a:stretch>
+                        </a:blipFill>
+                      </a:tcPr>
+                    </a:tc>
+                    <a:tc>
+                      <a:txBody>
+                        <a:bodyPr/>
+                        <a:lstStyle/>
+                        <a:p>
+                          <a:endParaRPr lang="en-US"/>
+                        </a:p>
+                      </a:txBody>
+                      <a:tcPr>
+                        <a:blipFill>
+                          <a:blip r:embed="rId4"/>
+                          <a:stretch>
+                            <a:fillRect l="-100000" r="-4082" b="-297500"/>
+                          </a:stretch>
+                        </a:blipFill>
+                      </a:tcPr>
+                    </a:tc>
+                    <a:extLst>
+                      <a:ext uri="{0D108BD9-81ED-4DB2-BD59-A6C34878D82A}">
+                        <a16:rowId xmlns:a16="http://schemas.microsoft.com/office/drawing/2014/main" val="3128961767"/>
+                      </a:ext>
+                    </a:extLst>
+                  </a:tr>
+                  <a:tr h="370840">
+                    <a:tc>
+                      <a:txBody>
+                        <a:bodyPr/>
+                        <a:lstStyle/>
+                        <a:p>
+                          <a:r>
+                            <a:rPr lang="en-US" dirty="0"/>
+                            <a:t>1</a:t>
+                          </a:r>
+                        </a:p>
+                      </a:txBody>
+                      <a:tcPr/>
+                    </a:tc>
+                    <a:tc>
+                      <a:txBody>
+                        <a:bodyPr/>
+                        <a:lstStyle/>
+                        <a:p>
+                          <a:r>
+                            <a:rPr lang="en-US" dirty="0"/>
+                            <a:t>0.2</a:t>
+                          </a:r>
+                        </a:p>
+                      </a:txBody>
+                      <a:tcPr/>
+                    </a:tc>
+                    <a:extLst>
+                      <a:ext uri="{0D108BD9-81ED-4DB2-BD59-A6C34878D82A}">
+                        <a16:rowId xmlns:a16="http://schemas.microsoft.com/office/drawing/2014/main" val="3627390429"/>
+                      </a:ext>
+                    </a:extLst>
+                  </a:tr>
+                  <a:tr h="370840">
+                    <a:tc>
+                      <a:txBody>
+                        <a:bodyPr/>
+                        <a:lstStyle/>
+                        <a:p>
+                          <a:r>
+                            <a:rPr lang="en-US" dirty="0"/>
+                            <a:t>2</a:t>
+                          </a:r>
+                        </a:p>
+                      </a:txBody>
+                      <a:tcPr/>
+                    </a:tc>
+                    <a:tc>
+                      <a:txBody>
+                        <a:bodyPr/>
+                        <a:lstStyle/>
+                        <a:p>
+                          <a:r>
+                            <a:rPr lang="en-US" dirty="0"/>
+                            <a:t>0.6</a:t>
+                          </a:r>
+                        </a:p>
+                      </a:txBody>
+                      <a:tcPr/>
+                    </a:tc>
+                    <a:extLst>
+                      <a:ext uri="{0D108BD9-81ED-4DB2-BD59-A6C34878D82A}">
+                        <a16:rowId xmlns:a16="http://schemas.microsoft.com/office/drawing/2014/main" val="2894079772"/>
+                      </a:ext>
+                    </a:extLst>
+                  </a:tr>
+                  <a:tr h="370840">
+                    <a:tc>
+                      <a:txBody>
+                        <a:bodyPr/>
+                        <a:lstStyle/>
+                        <a:p>
+                          <a:r>
+                            <a:rPr lang="en-US" dirty="0"/>
+                            <a:t>3</a:t>
+                          </a:r>
+                        </a:p>
+                      </a:txBody>
+                      <a:tcPr/>
+                    </a:tc>
+                    <a:tc>
+                      <a:txBody>
+                        <a:bodyPr/>
+                        <a:lstStyle/>
+                        <a:p>
+                          <a:r>
+                            <a:rPr lang="en-US" dirty="0"/>
+                            <a:t>1.2</a:t>
+                          </a:r>
+                        </a:p>
+                      </a:txBody>
+                      <a:tcPr/>
+                    </a:tc>
+                    <a:extLst>
+                      <a:ext uri="{0D108BD9-81ED-4DB2-BD59-A6C34878D82A}">
+                        <a16:rowId xmlns:a16="http://schemas.microsoft.com/office/drawing/2014/main" val="495633359"/>
+                      </a:ext>
+                    </a:extLst>
+                  </a:tr>
+                  <a:tr h="370840">
+                    <a:tc>
+                      <a:txBody>
+                        <a:bodyPr/>
+                        <a:lstStyle/>
+                        <a:p>
+                          <a:r>
+                            <a:rPr lang="en-US" dirty="0"/>
+                            <a:t>4</a:t>
+                          </a:r>
+                        </a:p>
+                      </a:txBody>
+                      <a:tcPr/>
+                    </a:tc>
+                    <a:tc>
+                      <a:txBody>
+                        <a:bodyPr/>
+                        <a:lstStyle/>
+                        <a:p>
+                          <a:r>
+                            <a:rPr lang="en-US" dirty="0"/>
+                            <a:t>2.4</a:t>
+                          </a:r>
+                        </a:p>
+                      </a:txBody>
+                      <a:tcPr/>
+                    </a:tc>
+                    <a:extLst>
+                      <a:ext uri="{0D108BD9-81ED-4DB2-BD59-A6C34878D82A}">
+                        <a16:rowId xmlns:a16="http://schemas.microsoft.com/office/drawing/2014/main" val="2468792601"/>
+                      </a:ext>
+                    </a:extLst>
+                  </a:tr>
+                </a:tbl>
+              </a:graphicData>
+            </a:graphic>
+          </p:graphicFrame>
+        </mc:Fallback>
+      </mc:AlternateContent>
+      <p:sp>
+        <p:nvSpPr>
+          <p:cNvPr id="10" name="Rectangle 9">
+            <a:extLst>
+              <a:ext uri="{FF2B5EF4-FFF2-40B4-BE49-F238E27FC236}">
+                <a16:creationId xmlns:a16="http://schemas.microsoft.com/office/drawing/2014/main" id="{57B2A04B-E80A-7D73-95CA-644A1AEDB3D0}"/>
+              </a:ext>
+            </a:extLst>
+          </p:cNvPr>
+          <p:cNvSpPr>
+            <a:spLocks noChangeAspect="1"/>
+          </p:cNvSpPr>
+          <p:nvPr/>
+        </p:nvSpPr>
+        <p:spPr>
+          <a:xfrm>
+            <a:off x="2854969" y="4804569"/>
+            <a:ext cx="2831128" cy="634949"/>
+          </a:xfrm>
+          <a:prstGeom prst="rect">
+            <a:avLst/>
+          </a:prstGeom>
+        </p:spPr>
+        <p:style>
+          <a:lnRef idx="1">
+            <a:schemeClr val="accent1"/>
+          </a:lnRef>
+          <a:fillRef idx="3">
+            <a:schemeClr val="accent1"/>
+          </a:fillRef>
+          <a:effectRef idx="2">
+            <a:schemeClr val="accent1"/>
+          </a:effectRef>
+          <a:fontRef idx="minor">
+            <a:schemeClr val="lt1"/>
+          </a:fontRef>
+        </p:style>
+        <p:txBody>
+          <a:bodyPr rtlCol="0" anchor="ctr"/>
+          <a:lstStyle/>
+          <a:p>
+            <a:pPr algn="ctr"/>
+            <a:endParaRPr lang="en-US" sz="1600" dirty="0"/>
+          </a:p>
+        </p:txBody>
+      </p:sp>
+      <mc:AlternateContent xmlns:mc="http://schemas.openxmlformats.org/markup-compatibility/2006" xmlns:a14="http://schemas.microsoft.com/office/drawing/2010/main">
+        <mc:Choice Requires="a14">
+          <p:sp>
+            <p:nvSpPr>
+              <p:cNvPr id="11" name="TextBox 10">
+                <a:extLst>
+                  <a:ext uri="{FF2B5EF4-FFF2-40B4-BE49-F238E27FC236}">
+                    <a16:creationId xmlns:a16="http://schemas.microsoft.com/office/drawing/2014/main" id="{FCBD4563-A161-2F03-6AB9-6B54B713AC87}"/>
+                  </a:ext>
+                </a:extLst>
+              </p:cNvPr>
+              <p:cNvSpPr txBox="1"/>
+              <p:nvPr/>
+            </p:nvSpPr>
+            <p:spPr>
+              <a:xfrm>
+                <a:off x="2982353" y="4968155"/>
+                <a:ext cx="2556597" cy="307777"/>
+              </a:xfrm>
+              <a:prstGeom prst="rect">
+                <a:avLst/>
+              </a:prstGeom>
+              <a:noFill/>
+            </p:spPr>
+            <p:txBody>
+              <a:bodyPr wrap="none" lIns="0" tIns="0" rIns="0" bIns="0" rtlCol="0">
+                <a:spAutoFit/>
+              </a:bodyPr>
+              <a:lstStyle/>
+              <a:p>
+                <a:pPr/>
+                <a14:m>
+                  <m:oMathPara xmlns:m="http://schemas.openxmlformats.org/officeDocument/2006/math">
+                    <m:oMathParaPr>
+                      <m:jc m:val="centerGroup"/>
+                    </m:oMathParaPr>
+                    <m:oMath xmlns:m="http://schemas.openxmlformats.org/officeDocument/2006/math">
+                      <m:r>
+                        <a:rPr lang="en-US" sz="2000" b="0" i="1" smtClean="0">
+                          <a:latin typeface="Cambria Math" panose="02040503050406030204" pitchFamily="18" charset="0"/>
+                        </a:rPr>
+                        <m:t>𝑦</m:t>
+                      </m:r>
+                      <m:d>
+                        <m:dPr>
+                          <m:ctrlPr>
+                            <a:rPr lang="en-US" sz="2000" b="0" i="1" smtClean="0">
+                              <a:latin typeface="Cambria Math" panose="02040503050406030204" pitchFamily="18" charset="0"/>
+                            </a:rPr>
+                          </m:ctrlPr>
+                        </m:dPr>
+                        <m:e>
+                          <m:r>
+                            <a:rPr lang="en-US" sz="2000" b="0" i="1" smtClean="0">
+                              <a:latin typeface="Cambria Math" panose="02040503050406030204" pitchFamily="18" charset="0"/>
+                            </a:rPr>
+                            <m:t>𝑡</m:t>
+                          </m:r>
+                        </m:e>
+                      </m:d>
+                      <m:r>
+                        <a:rPr lang="en-US" sz="2000" b="0" i="1" smtClean="0">
+                          <a:latin typeface="Cambria Math" panose="02040503050406030204" pitchFamily="18" charset="0"/>
+                        </a:rPr>
+                        <m:t>=</m:t>
+                      </m:r>
+                      <m:r>
+                        <a:rPr lang="en-US" sz="2000" b="0" i="1" smtClean="0">
+                          <a:latin typeface="Cambria Math" panose="02040503050406030204" pitchFamily="18" charset="0"/>
+                        </a:rPr>
+                        <m:t>𝑥</m:t>
+                      </m:r>
+                      <m:d>
+                        <m:dPr>
+                          <m:ctrlPr>
+                            <a:rPr lang="en-US" sz="2000" b="0" i="1" smtClean="0">
+                              <a:latin typeface="Cambria Math" panose="02040503050406030204" pitchFamily="18" charset="0"/>
+                            </a:rPr>
+                          </m:ctrlPr>
+                        </m:dPr>
+                        <m:e>
+                          <m:r>
+                            <a:rPr lang="en-US" sz="2000" b="0" i="1" smtClean="0">
+                              <a:latin typeface="Cambria Math" panose="02040503050406030204" pitchFamily="18" charset="0"/>
+                            </a:rPr>
+                            <m:t>𝑡</m:t>
+                          </m:r>
+                        </m:e>
+                      </m:d>
+                      <m:r>
+                        <a:rPr lang="en-US" sz="2000" b="0" i="1" smtClean="0">
+                          <a:latin typeface="Cambria Math" panose="02040503050406030204" pitchFamily="18" charset="0"/>
+                        </a:rPr>
+                        <m:t>+</m:t>
+                      </m:r>
+                      <m:r>
+                        <a:rPr lang="en-US" sz="2000" b="0" i="1" smtClean="0">
+                          <a:latin typeface="Cambria Math" panose="02040503050406030204" pitchFamily="18" charset="0"/>
+                        </a:rPr>
+                        <m:t>𝑥</m:t>
+                      </m:r>
+                      <m:r>
+                        <a:rPr lang="en-US" sz="2000" b="0" i="1" smtClean="0">
+                          <a:latin typeface="Cambria Math" panose="02040503050406030204" pitchFamily="18" charset="0"/>
+                        </a:rPr>
+                        <m:t>(</m:t>
+                      </m:r>
+                      <m:r>
+                        <a:rPr lang="en-US" sz="2000" b="0" i="1" smtClean="0">
+                          <a:latin typeface="Cambria Math" panose="02040503050406030204" pitchFamily="18" charset="0"/>
+                        </a:rPr>
+                        <m:t>𝑡</m:t>
+                      </m:r>
+                      <m:r>
+                        <a:rPr lang="en-US" sz="2000" b="0" i="1" smtClean="0">
+                          <a:latin typeface="Cambria Math" panose="02040503050406030204" pitchFamily="18" charset="0"/>
+                        </a:rPr>
+                        <m:t>−1)</m:t>
+                      </m:r>
+                    </m:oMath>
+                  </m:oMathPara>
+                </a14:m>
+                <a:endParaRPr lang="en-US" sz="2000" dirty="0"/>
+              </a:p>
+            </p:txBody>
+          </p:sp>
+        </mc:Choice>
+        <mc:Fallback xmlns="">
+          <p:sp>
+            <p:nvSpPr>
+              <p:cNvPr id="11" name="TextBox 10">
+                <a:extLst>
+                  <a:ext uri="{FF2B5EF4-FFF2-40B4-BE49-F238E27FC236}">
+                    <a16:creationId xmlns:a16="http://schemas.microsoft.com/office/drawing/2014/main" id="{FCBD4563-A161-2F03-6AB9-6B54B713AC87}"/>
+                  </a:ext>
+                </a:extLst>
+              </p:cNvPr>
+              <p:cNvSpPr txBox="1">
+                <a:spLocks noRot="1" noChangeAspect="1" noMove="1" noResize="1" noEditPoints="1" noAdjustHandles="1" noChangeArrowheads="1" noChangeShapeType="1" noTextEdit="1"/>
+              </p:cNvSpPr>
+              <p:nvPr/>
+            </p:nvSpPr>
+            <p:spPr>
+              <a:xfrm>
+                <a:off x="2982353" y="4968155"/>
+                <a:ext cx="2556597" cy="307777"/>
+              </a:xfrm>
+              <a:prstGeom prst="rect">
+                <a:avLst/>
+              </a:prstGeom>
+              <a:blipFill>
+                <a:blip r:embed="rId5"/>
+                <a:stretch>
+                  <a:fillRect l="-1478" r="-2463" b="-32000"/>
+                </a:stretch>
+              </a:blipFill>
+            </p:spPr>
+            <p:txBody>
+              <a:bodyPr/>
+              <a:lstStyle/>
+              <a:p>
+                <a:r>
+                  <a:rPr lang="en-US">
+                    <a:noFill/>
+                  </a:rPr>
+                  <a:t> </a:t>
+                </a:r>
+              </a:p>
+            </p:txBody>
+          </p:sp>
+        </mc:Fallback>
+      </mc:AlternateContent>
+      <p:cxnSp>
+        <p:nvCxnSpPr>
+          <p:cNvPr id="13" name="Straight Arrow Connector 12">
+            <a:extLst>
+              <a:ext uri="{FF2B5EF4-FFF2-40B4-BE49-F238E27FC236}">
+                <a16:creationId xmlns:a16="http://schemas.microsoft.com/office/drawing/2014/main" id="{5E485F07-FF62-0BD1-1B94-B1513A3C6A38}"/>
+              </a:ext>
+            </a:extLst>
+          </p:cNvPr>
+          <p:cNvCxnSpPr>
+            <a:cxnSpLocks/>
+          </p:cNvCxnSpPr>
+          <p:nvPr/>
+        </p:nvCxnSpPr>
+        <p:spPr>
+          <a:xfrm>
+            <a:off x="2343809" y="5116802"/>
+            <a:ext cx="511160" cy="1"/>
+          </a:xfrm>
+          <a:prstGeom prst="straightConnector1">
+            <a:avLst/>
+          </a:prstGeom>
+          <a:ln w="28575">
+            <a:solidFill>
+              <a:schemeClr val="accent1"/>
+            </a:solidFill>
+            <a:tailEnd type="triangle"/>
+          </a:ln>
+        </p:spPr>
+        <p:style>
+          <a:lnRef idx="1">
+            <a:schemeClr val="accent1"/>
+          </a:lnRef>
+          <a:fillRef idx="0">
+            <a:schemeClr val="accent1"/>
+          </a:fillRef>
+          <a:effectRef idx="0">
+            <a:schemeClr val="accent1"/>
+          </a:effectRef>
+          <a:fontRef idx="minor">
+            <a:schemeClr val="tx1"/>
+          </a:fontRef>
+        </p:style>
+      </p:cxnSp>
+      <p:cxnSp>
+        <p:nvCxnSpPr>
+          <p:cNvPr id="15" name="Straight Arrow Connector 14">
+            <a:extLst>
+              <a:ext uri="{FF2B5EF4-FFF2-40B4-BE49-F238E27FC236}">
+                <a16:creationId xmlns:a16="http://schemas.microsoft.com/office/drawing/2014/main" id="{F3F2885B-3C49-BD11-A23F-5542ED6239E8}"/>
+              </a:ext>
+            </a:extLst>
+          </p:cNvPr>
+          <p:cNvCxnSpPr>
+            <a:cxnSpLocks/>
+          </p:cNvCxnSpPr>
+          <p:nvPr/>
+        </p:nvCxnSpPr>
+        <p:spPr>
+          <a:xfrm flipV="1">
+            <a:off x="5686097" y="5119210"/>
+            <a:ext cx="536024" cy="1"/>
+          </a:xfrm>
+          <a:prstGeom prst="straightConnector1">
+            <a:avLst/>
+          </a:prstGeom>
+          <a:ln w="28575">
+            <a:solidFill>
+              <a:schemeClr val="accent1"/>
+            </a:solidFill>
+            <a:tailEnd type="triangle"/>
+          </a:ln>
+        </p:spPr>
+        <p:style>
+          <a:lnRef idx="1">
+            <a:schemeClr val="accent1"/>
+          </a:lnRef>
+          <a:fillRef idx="0">
+            <a:schemeClr val="accent1"/>
+          </a:fillRef>
+          <a:effectRef idx="0">
+            <a:schemeClr val="accent1"/>
+          </a:effectRef>
+          <a:fontRef idx="minor">
+            <a:schemeClr val="tx1"/>
+          </a:fontRef>
+        </p:style>
+      </p:cxnSp>
+      <mc:AlternateContent xmlns:mc="http://schemas.openxmlformats.org/markup-compatibility/2006" xmlns:a14="http://schemas.microsoft.com/office/drawing/2010/main">
+        <mc:Choice Requires="a14">
+          <p:graphicFrame>
+            <p:nvGraphicFramePr>
+              <p:cNvPr id="18" name="Table 5">
+                <a:extLst>
+                  <a:ext uri="{FF2B5EF4-FFF2-40B4-BE49-F238E27FC236}">
+                    <a16:creationId xmlns:a16="http://schemas.microsoft.com/office/drawing/2014/main" id="{7E0EA260-4F78-8D68-0246-942B78816DAC}"/>
+                  </a:ext>
+                </a:extLst>
+              </p:cNvPr>
+              <p:cNvGraphicFramePr>
+                <a:graphicFrameLocks noGrp="1"/>
+              </p:cNvGraphicFramePr>
+              <p:nvPr/>
+            </p:nvGraphicFramePr>
+            <p:xfrm>
+              <a:off x="4598268" y="1309863"/>
+              <a:ext cx="1229710" cy="1854200"/>
+            </p:xfrm>
+            <a:graphic>
+              <a:graphicData uri="http://schemas.openxmlformats.org/drawingml/2006/table">
+                <a:tbl>
+                  <a:tblPr firstRow="1" bandRow="1">
+                    <a:tableStyleId>{5C22544A-7EE6-4342-B048-85BDC9FD1C3A}</a:tableStyleId>
+                  </a:tblPr>
+                  <a:tblGrid>
+                    <a:gridCol w="614855">
+                      <a:extLst>
+                        <a:ext uri="{9D8B030D-6E8A-4147-A177-3AD203B41FA5}">
+                          <a16:colId xmlns:a16="http://schemas.microsoft.com/office/drawing/2014/main" val="2589370719"/>
+                        </a:ext>
+                      </a:extLst>
+                    </a:gridCol>
+                    <a:gridCol w="614855">
+                      <a:extLst>
+                        <a:ext uri="{9D8B030D-6E8A-4147-A177-3AD203B41FA5}">
+                          <a16:colId xmlns:a16="http://schemas.microsoft.com/office/drawing/2014/main" val="2371693280"/>
+                        </a:ext>
+                      </a:extLst>
+                    </a:gridCol>
+                  </a:tblGrid>
+                  <a:tr h="370840">
+                    <a:tc>
+                      <a:txBody>
+                        <a:bodyPr/>
+                        <a:lstStyle/>
+                        <a:p>
+                          <a:pPr/>
+                          <a14:m>
+                            <m:oMathPara xmlns:m="http://schemas.openxmlformats.org/officeDocument/2006/math">
+                              <m:oMathParaPr>
+                                <m:jc m:val="centerGroup"/>
+                              </m:oMathParaPr>
+                              <m:oMath xmlns:m="http://schemas.openxmlformats.org/officeDocument/2006/math">
+                                <m:r>
+                                  <a:rPr lang="en-US" b="1" i="1" smtClean="0">
+                                    <a:latin typeface="Cambria Math" panose="02040503050406030204" pitchFamily="18" charset="0"/>
+                                  </a:rPr>
+                                  <m:t>𝒕</m:t>
+                                </m:r>
+                              </m:oMath>
+                            </m:oMathPara>
+                          </a14:m>
+                          <a:endParaRPr lang="en-US" dirty="0"/>
+                        </a:p>
+                      </a:txBody>
+                      <a:tcPr/>
+                    </a:tc>
+                    <a:tc>
+                      <a:txBody>
+                        <a:bodyPr/>
+                        <a:lstStyle/>
+                        <a:p>
+                          <a:pPr/>
+                          <a14:m>
+                            <m:oMathPara xmlns:m="http://schemas.openxmlformats.org/officeDocument/2006/math">
+                              <m:oMathParaPr>
+                                <m:jc m:val="centerGroup"/>
+                              </m:oMathParaPr>
+                              <m:oMath xmlns:m="http://schemas.openxmlformats.org/officeDocument/2006/math">
+                                <m:r>
+                                  <a:rPr lang="en-US" b="0" i="1" smtClean="0">
+                                    <a:latin typeface="Cambria Math" panose="02040503050406030204" pitchFamily="18" charset="0"/>
+                                  </a:rPr>
+                                  <m:t>𝑥</m:t>
+                                </m:r>
+                                <m:d>
+                                  <m:dPr>
+                                    <m:ctrlPr>
+                                      <a:rPr lang="en-US" b="0" i="1" smtClean="0">
+                                        <a:latin typeface="Cambria Math" panose="02040503050406030204" pitchFamily="18" charset="0"/>
+                                      </a:rPr>
+                                    </m:ctrlPr>
+                                  </m:dPr>
+                                  <m:e>
+                                    <m:r>
+                                      <a:rPr lang="en-US" b="0" i="1" smtClean="0">
+                                        <a:latin typeface="Cambria Math" panose="02040503050406030204" pitchFamily="18" charset="0"/>
+                                      </a:rPr>
+                                      <m:t>𝑡</m:t>
+                                    </m:r>
+                                  </m:e>
+                                </m:d>
+                              </m:oMath>
+                            </m:oMathPara>
+                          </a14:m>
+                          <a:endParaRPr lang="en-US" dirty="0"/>
+                        </a:p>
+                      </a:txBody>
+                      <a:tcPr/>
+                    </a:tc>
+                    <a:extLst>
+                      <a:ext uri="{0D108BD9-81ED-4DB2-BD59-A6C34878D82A}">
+                        <a16:rowId xmlns:a16="http://schemas.microsoft.com/office/drawing/2014/main" val="3128961767"/>
+                      </a:ext>
+                    </a:extLst>
+                  </a:tr>
+                  <a:tr h="370840">
+                    <a:tc>
+                      <a:txBody>
+                        <a:bodyPr/>
+                        <a:lstStyle/>
+                        <a:p>
+                          <a:r>
+                            <a:rPr lang="en-US" dirty="0"/>
+                            <a:t>1</a:t>
+                          </a:r>
+                        </a:p>
+                      </a:txBody>
+                      <a:tcPr/>
+                    </a:tc>
+                    <a:tc>
+                      <a:txBody>
+                        <a:bodyPr/>
+                        <a:lstStyle/>
+                        <a:p>
+                          <a:r>
+                            <a:rPr lang="en-US" dirty="0"/>
+                            <a:t>0.2</a:t>
+                          </a:r>
+                        </a:p>
+                      </a:txBody>
+                      <a:tcPr/>
+                    </a:tc>
+                    <a:extLst>
+                      <a:ext uri="{0D108BD9-81ED-4DB2-BD59-A6C34878D82A}">
+                        <a16:rowId xmlns:a16="http://schemas.microsoft.com/office/drawing/2014/main" val="3627390429"/>
+                      </a:ext>
+                    </a:extLst>
+                  </a:tr>
+                  <a:tr h="370840">
+                    <a:tc>
+                      <a:txBody>
+                        <a:bodyPr/>
+                        <a:lstStyle/>
+                        <a:p>
+                          <a:r>
+                            <a:rPr lang="en-US" dirty="0"/>
+                            <a:t>2</a:t>
+                          </a:r>
+                        </a:p>
+                      </a:txBody>
+                      <a:tcPr/>
+                    </a:tc>
+                    <a:tc>
+                      <a:txBody>
+                        <a:bodyPr/>
+                        <a:lstStyle/>
+                        <a:p>
+                          <a:r>
+                            <a:rPr lang="en-US" dirty="0"/>
+                            <a:t>0.4</a:t>
+                          </a:r>
+                        </a:p>
+                      </a:txBody>
+                      <a:tcPr/>
+                    </a:tc>
+                    <a:extLst>
+                      <a:ext uri="{0D108BD9-81ED-4DB2-BD59-A6C34878D82A}">
+                        <a16:rowId xmlns:a16="http://schemas.microsoft.com/office/drawing/2014/main" val="2894079772"/>
+                      </a:ext>
+                    </a:extLst>
+                  </a:tr>
+                  <a:tr h="370840">
+                    <a:tc>
+                      <a:txBody>
+                        <a:bodyPr/>
+                        <a:lstStyle/>
+                        <a:p>
+                          <a:r>
+                            <a:rPr lang="en-US" dirty="0"/>
+                            <a:t>3</a:t>
+                          </a:r>
+                        </a:p>
+                      </a:txBody>
+                      <a:tcPr/>
+                    </a:tc>
+                    <a:tc>
+                      <a:txBody>
+                        <a:bodyPr/>
+                        <a:lstStyle/>
+                        <a:p>
+                          <a:r>
+                            <a:rPr lang="en-US" dirty="0"/>
+                            <a:t>0.8</a:t>
+                          </a:r>
+                        </a:p>
+                      </a:txBody>
+                      <a:tcPr/>
+                    </a:tc>
+                    <a:extLst>
+                      <a:ext uri="{0D108BD9-81ED-4DB2-BD59-A6C34878D82A}">
+                        <a16:rowId xmlns:a16="http://schemas.microsoft.com/office/drawing/2014/main" val="495633359"/>
+                      </a:ext>
+                    </a:extLst>
+                  </a:tr>
+                  <a:tr h="370840">
+                    <a:tc>
+                      <a:txBody>
+                        <a:bodyPr/>
+                        <a:lstStyle/>
+                        <a:p>
+                          <a:r>
+                            <a:rPr lang="en-US" dirty="0"/>
+                            <a:t>4</a:t>
+                          </a:r>
+                        </a:p>
+                      </a:txBody>
+                      <a:tcPr/>
+                    </a:tc>
+                    <a:tc>
+                      <a:txBody>
+                        <a:bodyPr/>
+                        <a:lstStyle/>
+                        <a:p>
+                          <a:r>
+                            <a:rPr lang="en-US" dirty="0"/>
+                            <a:t>1.6</a:t>
+                          </a:r>
+                        </a:p>
+                      </a:txBody>
+                      <a:tcPr/>
+                    </a:tc>
+                    <a:extLst>
+                      <a:ext uri="{0D108BD9-81ED-4DB2-BD59-A6C34878D82A}">
+                        <a16:rowId xmlns:a16="http://schemas.microsoft.com/office/drawing/2014/main" val="2468792601"/>
+                      </a:ext>
+                    </a:extLst>
+                  </a:tr>
+                </a:tbl>
+              </a:graphicData>
+            </a:graphic>
+          </p:graphicFrame>
+        </mc:Choice>
+        <mc:Fallback xmlns="">
+          <p:graphicFrame>
+            <p:nvGraphicFramePr>
+              <p:cNvPr id="18" name="Table 5">
+                <a:extLst>
+                  <a:ext uri="{FF2B5EF4-FFF2-40B4-BE49-F238E27FC236}">
+                    <a16:creationId xmlns:a16="http://schemas.microsoft.com/office/drawing/2014/main" id="{7E0EA260-4F78-8D68-0246-942B78816DAC}"/>
+                  </a:ext>
+                </a:extLst>
+              </p:cNvPr>
+              <p:cNvGraphicFramePr>
+                <a:graphicFrameLocks noGrp="1"/>
+              </p:cNvGraphicFramePr>
+              <p:nvPr>
+                <p:extLst>
+                  <p:ext uri="{D42A27DB-BD31-4B8C-83A1-F6EECF244321}">
+                    <p14:modId xmlns:p14="http://schemas.microsoft.com/office/powerpoint/2010/main" val="2693385819"/>
+                  </p:ext>
+                </p:extLst>
+              </p:nvPr>
+            </p:nvGraphicFramePr>
+            <p:xfrm>
+              <a:off x="4598268" y="1309863"/>
+              <a:ext cx="1229710" cy="1854200"/>
+            </p:xfrm>
+            <a:graphic>
+              <a:graphicData uri="http://schemas.openxmlformats.org/drawingml/2006/table">
+                <a:tbl>
+                  <a:tblPr firstRow="1" bandRow="1">
+                    <a:tableStyleId>{5C22544A-7EE6-4342-B048-85BDC9FD1C3A}</a:tableStyleId>
+                  </a:tblPr>
+                  <a:tblGrid>
+                    <a:gridCol w="614855">
+                      <a:extLst>
+                        <a:ext uri="{9D8B030D-6E8A-4147-A177-3AD203B41FA5}">
+                          <a16:colId xmlns:a16="http://schemas.microsoft.com/office/drawing/2014/main" val="2589370719"/>
+                        </a:ext>
+                      </a:extLst>
+                    </a:gridCol>
+                    <a:gridCol w="614855">
+                      <a:extLst>
+                        <a:ext uri="{9D8B030D-6E8A-4147-A177-3AD203B41FA5}">
+                          <a16:colId xmlns:a16="http://schemas.microsoft.com/office/drawing/2014/main" val="2371693280"/>
+                        </a:ext>
+                      </a:extLst>
+                    </a:gridCol>
+                  </a:tblGrid>
+                  <a:tr h="370840">
+                    <a:tc>
+                      <a:txBody>
+                        <a:bodyPr/>
+                        <a:lstStyle/>
+                        <a:p>
+                          <a:endParaRPr lang="en-US"/>
+                        </a:p>
+                      </a:txBody>
+                      <a:tcPr>
+                        <a:blipFill>
+                          <a:blip r:embed="rId6"/>
+                          <a:stretch>
+                            <a:fillRect l="-2041" t="-3448" r="-104082" b="-410345"/>
+                          </a:stretch>
+                        </a:blipFill>
+                      </a:tcPr>
+                    </a:tc>
+                    <a:tc>
+                      <a:txBody>
+                        <a:bodyPr/>
+                        <a:lstStyle/>
+                        <a:p>
+                          <a:endParaRPr lang="en-US"/>
+                        </a:p>
+                      </a:txBody>
+                      <a:tcPr>
+                        <a:blipFill>
+                          <a:blip r:embed="rId6"/>
+                          <a:stretch>
+                            <a:fillRect l="-104167" t="-3448" r="-6250" b="-410345"/>
+                          </a:stretch>
+                        </a:blipFill>
+                      </a:tcPr>
+                    </a:tc>
+                    <a:extLst>
+                      <a:ext uri="{0D108BD9-81ED-4DB2-BD59-A6C34878D82A}">
+                        <a16:rowId xmlns:a16="http://schemas.microsoft.com/office/drawing/2014/main" val="3128961767"/>
+                      </a:ext>
+                    </a:extLst>
+                  </a:tr>
+                  <a:tr h="370840">
+                    <a:tc>
+                      <a:txBody>
+                        <a:bodyPr/>
+                        <a:lstStyle/>
+                        <a:p>
+                          <a:r>
+                            <a:rPr lang="en-US" dirty="0"/>
+                            <a:t>1</a:t>
+                          </a:r>
+                        </a:p>
+                      </a:txBody>
+                      <a:tcPr/>
+                    </a:tc>
+                    <a:tc>
+                      <a:txBody>
+                        <a:bodyPr/>
+                        <a:lstStyle/>
+                        <a:p>
+                          <a:r>
+                            <a:rPr lang="en-US" dirty="0"/>
+                            <a:t>0.2</a:t>
+                          </a:r>
+                        </a:p>
+                      </a:txBody>
+                      <a:tcPr/>
+                    </a:tc>
+                    <a:extLst>
+                      <a:ext uri="{0D108BD9-81ED-4DB2-BD59-A6C34878D82A}">
+                        <a16:rowId xmlns:a16="http://schemas.microsoft.com/office/drawing/2014/main" val="3627390429"/>
+                      </a:ext>
+                    </a:extLst>
+                  </a:tr>
+                  <a:tr h="370840">
+                    <a:tc>
+                      <a:txBody>
+                        <a:bodyPr/>
+                        <a:lstStyle/>
+                        <a:p>
+                          <a:r>
+                            <a:rPr lang="en-US" dirty="0"/>
+                            <a:t>2</a:t>
+                          </a:r>
+                        </a:p>
+                      </a:txBody>
+                      <a:tcPr/>
+                    </a:tc>
+                    <a:tc>
+                      <a:txBody>
+                        <a:bodyPr/>
+                        <a:lstStyle/>
+                        <a:p>
+                          <a:r>
+                            <a:rPr lang="en-US" dirty="0"/>
+                            <a:t>0.4</a:t>
+                          </a:r>
+                        </a:p>
+                      </a:txBody>
+                      <a:tcPr/>
+                    </a:tc>
+                    <a:extLst>
+                      <a:ext uri="{0D108BD9-81ED-4DB2-BD59-A6C34878D82A}">
+                        <a16:rowId xmlns:a16="http://schemas.microsoft.com/office/drawing/2014/main" val="2894079772"/>
+                      </a:ext>
+                    </a:extLst>
+                  </a:tr>
+                  <a:tr h="370840">
+                    <a:tc>
+                      <a:txBody>
+                        <a:bodyPr/>
+                        <a:lstStyle/>
+                        <a:p>
+                          <a:r>
+                            <a:rPr lang="en-US" dirty="0"/>
+                            <a:t>3</a:t>
+                          </a:r>
+                        </a:p>
+                      </a:txBody>
+                      <a:tcPr/>
+                    </a:tc>
+                    <a:tc>
+                      <a:txBody>
+                        <a:bodyPr/>
+                        <a:lstStyle/>
+                        <a:p>
+                          <a:r>
+                            <a:rPr lang="en-US" dirty="0"/>
+                            <a:t>0.8</a:t>
+                          </a:r>
+                        </a:p>
+                      </a:txBody>
+                      <a:tcPr/>
+                    </a:tc>
+                    <a:extLst>
+                      <a:ext uri="{0D108BD9-81ED-4DB2-BD59-A6C34878D82A}">
+                        <a16:rowId xmlns:a16="http://schemas.microsoft.com/office/drawing/2014/main" val="495633359"/>
+                      </a:ext>
+                    </a:extLst>
+                  </a:tr>
+                  <a:tr h="370840">
+                    <a:tc>
+                      <a:txBody>
+                        <a:bodyPr/>
+                        <a:lstStyle/>
+                        <a:p>
+                          <a:r>
+                            <a:rPr lang="en-US" dirty="0"/>
+                            <a:t>4</a:t>
+                          </a:r>
+                        </a:p>
+                      </a:txBody>
+                      <a:tcPr/>
+                    </a:tc>
+                    <a:tc>
+                      <a:txBody>
+                        <a:bodyPr/>
+                        <a:lstStyle/>
+                        <a:p>
+                          <a:r>
+                            <a:rPr lang="en-US" dirty="0"/>
+                            <a:t>1.6</a:t>
+                          </a:r>
+                        </a:p>
+                      </a:txBody>
+                      <a:tcPr/>
+                    </a:tc>
+                    <a:extLst>
+                      <a:ext uri="{0D108BD9-81ED-4DB2-BD59-A6C34878D82A}">
+                        <a16:rowId xmlns:a16="http://schemas.microsoft.com/office/drawing/2014/main" val="2468792601"/>
+                      </a:ext>
+                    </a:extLst>
+                  </a:tr>
+                </a:tbl>
+              </a:graphicData>
+            </a:graphic>
+          </p:graphicFrame>
+        </mc:Fallback>
+      </mc:AlternateContent>
+    </p:spTree>
+    <p:extLst>
+      <p:ext uri="{BB962C8B-B14F-4D97-AF65-F5344CB8AC3E}">
+        <p14:creationId xmlns:p14="http://schemas.microsoft.com/office/powerpoint/2010/main" val="214519291"/>
+      </p:ext>
+    </p:extLst>
+  </p:cSld>
+  <p:clrMapOvr>
+    <a:masterClrMapping/>
+  </p:clrMapOvr>
+</p:sld>
+</file>
+
+<file path=ppt/slides/slide4.xml><?xml version="1.0" encoding="utf-8"?>
 <p:sld xmlns:a="http://schemas.openxmlformats.org/drawingml/2006/main" xmlns:r="http://schemas.openxmlformats.org/officeDocument/2006/relationships" xmlns:p="http://schemas.openxmlformats.org/presentationml/2006/main">
   <p:cSld>
     <p:spTree>
@@ -24465,7 +25394,7 @@
               <a:pPr>
                 <a:defRPr/>
               </a:pPr>
-              <a:t>3</a:t>
+              <a:t>4</a:t>
             </a:fld>
             <a:endParaRPr lang="en-US" altLang="x-none"/>
           </a:p>
@@ -27636,7 +28565,7 @@
 </p:sld>
 </file>
 
-<file path=ppt/slides/slide4.xml><?xml version="1.0" encoding="utf-8"?>
+<file path=ppt/slides/slide5.xml><?xml version="1.0" encoding="utf-8"?>
 <p:sld xmlns:a="http://schemas.openxmlformats.org/drawingml/2006/main" xmlns:r="http://schemas.openxmlformats.org/officeDocument/2006/relationships" xmlns:p="http://schemas.openxmlformats.org/presentationml/2006/main">
   <p:cSld>
     <p:spTree>
@@ -27714,7 +28643,7 @@
               <a:pPr>
                 <a:defRPr/>
               </a:pPr>
-              <a:t>4</a:t>
+              <a:t>5</a:t>
             </a:fld>
             <a:endParaRPr lang="en-US" altLang="x-none"/>
           </a:p>
@@ -30039,7 +30968,7 @@
 </p:sld>
 </file>
 
-<file path=ppt/slides/slide5.xml><?xml version="1.0" encoding="utf-8"?>
+<file path=ppt/slides/slide6.xml><?xml version="1.0" encoding="utf-8"?>
 <p:sld xmlns:a="http://schemas.openxmlformats.org/drawingml/2006/main" xmlns:r="http://schemas.openxmlformats.org/officeDocument/2006/relationships" xmlns:p="http://schemas.openxmlformats.org/presentationml/2006/main">
   <p:cSld>
     <p:spTree>
@@ -30117,7 +31046,7 @@
               <a:pPr>
                 <a:defRPr/>
               </a:pPr>
-              <a:t>5</a:t>
+              <a:t>6</a:t>
             </a:fld>
             <a:endParaRPr lang="en-US" altLang="x-none"/>
           </a:p>
@@ -32446,7 +33375,7 @@
 </p:sld>
 </file>
 
-<file path=ppt/slides/slide6.xml><?xml version="1.0" encoding="utf-8"?>
+<file path=ppt/slides/slide7.xml><?xml version="1.0" encoding="utf-8"?>
 <p:sld xmlns:a="http://schemas.openxmlformats.org/drawingml/2006/main" xmlns:r="http://schemas.openxmlformats.org/officeDocument/2006/relationships" xmlns:p="http://schemas.openxmlformats.org/presentationml/2006/main">
   <p:cSld>
     <p:spTree>
@@ -32524,7 +33453,7 @@
               <a:pPr>
                 <a:defRPr/>
               </a:pPr>
-              <a:t>6</a:t>
+              <a:t>7</a:t>
             </a:fld>
             <a:endParaRPr lang="en-US" altLang="x-none"/>
           </a:p>
@@ -32960,8 +33889,8 @@
           </p:sp>
         </mc:Fallback>
       </mc:AlternateContent>
-      <mc:AlternateContent xmlns:mc="http://schemas.openxmlformats.org/markup-compatibility/2006">
-        <mc:Choice xmlns:a14="http://schemas.microsoft.com/office/drawing/2010/main" Requires="a14">
+      <mc:AlternateContent xmlns:mc="http://schemas.openxmlformats.org/markup-compatibility/2006" xmlns:a14="http://schemas.microsoft.com/office/drawing/2010/main">
+        <mc:Choice Requires="a14">
           <p:sp>
             <p:nvSpPr>
               <p:cNvPr id="27" name="Rectangle 26">
@@ -33024,6 +33953,7 @@
                           <a:solidFill>
                             <a:schemeClr val="bg1"/>
                           </a:solidFill>
+                          <a:latin typeface="Cambria Math" panose="02040503050406030204" pitchFamily="18" charset="0"/>
                         </a:rPr>
                         <m:t>Filter</m:t>
                       </m:r>
@@ -33039,7 +33969,7 @@
             </p:txBody>
           </p:sp>
         </mc:Choice>
-        <mc:Fallback>
+        <mc:Fallback xmlns="">
           <p:sp>
             <p:nvSpPr>
               <p:cNvPr id="27" name="Rectangle 26">
@@ -33202,8 +34132,8 @@
             </a:p>
           </p:txBody>
         </p:sp>
-        <mc:AlternateContent xmlns:mc="http://schemas.openxmlformats.org/markup-compatibility/2006">
-          <mc:Choice xmlns:a14="http://schemas.microsoft.com/office/drawing/2010/main" Requires="a14">
+        <mc:AlternateContent xmlns:mc="http://schemas.openxmlformats.org/markup-compatibility/2006" xmlns:a14="http://schemas.microsoft.com/office/drawing/2010/main">
+          <mc:Choice Requires="a14">
             <p:sp>
               <p:nvSpPr>
                 <p:cNvPr id="12" name="Rectangle 11">
@@ -33259,7 +34189,7 @@
               </p:txBody>
             </p:sp>
           </mc:Choice>
-          <mc:Fallback>
+          <mc:Fallback xmlns="">
             <p:sp>
               <p:nvSpPr>
                 <p:cNvPr id="12" name="Rectangle 11">
@@ -33443,7 +34373,7 @@
 </p:sld>
 </file>
 
-<file path=ppt/slides/slide7.xml><?xml version="1.0" encoding="utf-8"?>
+<file path=ppt/slides/slide8.xml><?xml version="1.0" encoding="utf-8"?>
 <p:sld xmlns:a="http://schemas.openxmlformats.org/drawingml/2006/main" xmlns:r="http://schemas.openxmlformats.org/officeDocument/2006/relationships" xmlns:p="http://schemas.openxmlformats.org/presentationml/2006/main">
   <p:cSld>
     <p:spTree>
@@ -33525,7 +34455,7 @@
             </a:pPr>
             <a:fld id="{00000000-1234-1234-1234-123412341234}" type="slidenum">
               <a:rPr lang="en-US" smtClean="0"/>
-              <a:t>7</a:t>
+              <a:t>8</a:t>
             </a:fld>
             <a:endParaRPr lang="en-US"/>
           </a:p>
@@ -35071,7 +36001,7 @@
 </p:sld>
 </file>
 
-<file path=ppt/slides/slide8.xml><?xml version="1.0" encoding="utf-8"?>
+<file path=ppt/slides/slide9.xml><?xml version="1.0" encoding="utf-8"?>
 <p:sld xmlns:a="http://schemas.openxmlformats.org/drawingml/2006/main" xmlns:r="http://schemas.openxmlformats.org/officeDocument/2006/relationships" xmlns:p="http://schemas.openxmlformats.org/presentationml/2006/main">
   <p:cSld>
     <p:spTree>
@@ -35153,7 +36083,7 @@
             </a:pPr>
             <a:fld id="{00000000-1234-1234-1234-123412341234}" type="slidenum">
               <a:rPr lang="en-US" smtClean="0"/>
-              <a:t>8</a:t>
+              <a:t>9</a:t>
             </a:fld>
             <a:endParaRPr lang="en-US"/>
           </a:p>
@@ -36149,1475 +37079,6 @@
 </p:sld>
 </file>
 
-<file path=ppt/slides/slide9.xml><?xml version="1.0" encoding="utf-8"?>
-<p:sld xmlns:a="http://schemas.openxmlformats.org/drawingml/2006/main" xmlns:r="http://schemas.openxmlformats.org/officeDocument/2006/relationships" xmlns:p="http://schemas.openxmlformats.org/presentationml/2006/main">
-  <p:cSld>
-    <p:spTree>
-      <p:nvGrpSpPr>
-        <p:cNvPr id="1" name=""/>
-        <p:cNvGrpSpPr/>
-        <p:nvPr/>
-      </p:nvGrpSpPr>
-      <p:grpSpPr>
-        <a:xfrm>
-          <a:off x="0" y="0"/>
-          <a:ext cx="0" cy="0"/>
-          <a:chOff x="0" y="0"/>
-          <a:chExt cx="0" cy="0"/>
-        </a:xfrm>
-      </p:grpSpPr>
-      <p:sp>
-        <p:nvSpPr>
-          <p:cNvPr id="2" name="Title 1">
-            <a:extLst>
-              <a:ext uri="{FF2B5EF4-FFF2-40B4-BE49-F238E27FC236}">
-                <a16:creationId xmlns:a16="http://schemas.microsoft.com/office/drawing/2014/main" id="{6FCE01FA-EFC2-2165-29CA-F96D5D05C56F}"/>
-              </a:ext>
-            </a:extLst>
-          </p:cNvPr>
-          <p:cNvSpPr>
-            <a:spLocks noGrp="1"/>
-          </p:cNvSpPr>
-          <p:nvPr>
-            <p:ph type="title"/>
-          </p:nvPr>
-        </p:nvSpPr>
-        <p:spPr>
-          <a:xfrm>
-            <a:off x="457200" y="228600"/>
-            <a:ext cx="5470635" cy="838200"/>
-          </a:xfrm>
-        </p:spPr>
-        <p:txBody>
-          <a:bodyPr/>
-          <a:lstStyle/>
-          <a:p>
-            <a:r>
-              <a:rPr lang="en-US" dirty="0"/>
-              <a:t>Integral Control</a:t>
-            </a:r>
-          </a:p>
-        </p:txBody>
-      </p:sp>
-      <p:sp>
-        <p:nvSpPr>
-          <p:cNvPr id="3" name="Slide Number Placeholder 2">
-            <a:extLst>
-              <a:ext uri="{FF2B5EF4-FFF2-40B4-BE49-F238E27FC236}">
-                <a16:creationId xmlns:a16="http://schemas.microsoft.com/office/drawing/2014/main" id="{3767CEF4-628D-4B8C-0130-5B1E31C097A0}"/>
-              </a:ext>
-            </a:extLst>
-          </p:cNvPr>
-          <p:cNvSpPr>
-            <a:spLocks noGrp="1"/>
-          </p:cNvSpPr>
-          <p:nvPr>
-            <p:ph type="sldNum" idx="12"/>
-          </p:nvPr>
-        </p:nvSpPr>
-        <p:spPr/>
-        <p:txBody>
-          <a:bodyPr/>
-          <a:lstStyle/>
-          <a:p>
-            <a:pPr marL="0" lvl="0" indent="0" algn="l" rtl="0">
-              <a:spcBef>
-                <a:spcPts val="0"/>
-              </a:spcBef>
-              <a:spcAft>
-                <a:spcPts val="0"/>
-              </a:spcAft>
-              <a:buNone/>
-            </a:pPr>
-            <a:fld id="{00000000-1234-1234-1234-123412341234}" type="slidenum">
-              <a:rPr lang="en-US" smtClean="0"/>
-              <a:t>9</a:t>
-            </a:fld>
-            <a:endParaRPr lang="en-US"/>
-          </a:p>
-        </p:txBody>
-      </p:sp>
-      <mc:AlternateContent xmlns:mc="http://schemas.openxmlformats.org/markup-compatibility/2006" xmlns:a14="http://schemas.microsoft.com/office/drawing/2010/main">
-        <mc:Choice Requires="a14">
-          <p:sp>
-            <p:nvSpPr>
-              <p:cNvPr id="25" name="TextBox 24">
-                <a:extLst>
-                  <a:ext uri="{FF2B5EF4-FFF2-40B4-BE49-F238E27FC236}">
-                    <a16:creationId xmlns:a16="http://schemas.microsoft.com/office/drawing/2014/main" id="{FA4E9837-E0A1-9CF5-9C2A-63E09F187349}"/>
-                  </a:ext>
-                </a:extLst>
-              </p:cNvPr>
-              <p:cNvSpPr txBox="1"/>
-              <p:nvPr/>
-            </p:nvSpPr>
-            <p:spPr>
-              <a:xfrm>
-                <a:off x="1376274" y="981403"/>
-                <a:ext cx="2333878" cy="1005275"/>
-              </a:xfrm>
-              <a:prstGeom prst="rect">
-                <a:avLst/>
-              </a:prstGeom>
-              <a:noFill/>
-            </p:spPr>
-            <p:txBody>
-              <a:bodyPr wrap="square" lIns="0" tIns="0" rIns="0" bIns="0" rtlCol="0">
-                <a:spAutoFit/>
-              </a:bodyPr>
-              <a:lstStyle/>
-              <a:p>
-                <a:pPr/>
-                <a14:m>
-                  <m:oMathPara xmlns:m="http://schemas.openxmlformats.org/officeDocument/2006/math">
-                    <m:oMathParaPr>
-                      <m:jc m:val="centerGroup"/>
-                    </m:oMathParaPr>
-                    <m:oMath xmlns:m="http://schemas.openxmlformats.org/officeDocument/2006/math">
-                      <m:r>
-                        <a:rPr lang="en-US" sz="2000" b="0" i="1" smtClean="0">
-                          <a:latin typeface="Cambria Math" panose="02040503050406030204" pitchFamily="18" charset="0"/>
-                        </a:rPr>
-                        <m:t>𝑢</m:t>
-                      </m:r>
-                      <m:d>
-                        <m:dPr>
-                          <m:ctrlPr>
-                            <a:rPr lang="en-US" sz="2000" b="0" i="1" smtClean="0">
-                              <a:latin typeface="Cambria Math" panose="02040503050406030204" pitchFamily="18" charset="0"/>
-                            </a:rPr>
-                          </m:ctrlPr>
-                        </m:dPr>
-                        <m:e>
-                          <m:r>
-                            <a:rPr lang="en-US" sz="2000" b="0" i="1" smtClean="0">
-                              <a:latin typeface="Cambria Math" panose="02040503050406030204" pitchFamily="18" charset="0"/>
-                            </a:rPr>
-                            <m:t>𝑡</m:t>
-                          </m:r>
-                        </m:e>
-                      </m:d>
-                      <m:r>
-                        <a:rPr lang="en-US" sz="2000" b="0" i="1" smtClean="0">
-                          <a:latin typeface="Cambria Math" panose="02040503050406030204" pitchFamily="18" charset="0"/>
-                        </a:rPr>
-                        <m:t>=</m:t>
-                      </m:r>
-                      <m:d>
-                        <m:dPr>
-                          <m:ctrlPr>
-                            <a:rPr lang="en-US" sz="2000" b="0" i="1" smtClean="0">
-                              <a:latin typeface="Cambria Math" panose="02040503050406030204" pitchFamily="18" charset="0"/>
-                            </a:rPr>
-                          </m:ctrlPr>
-                        </m:dPr>
-                        <m:e>
-                          <m:nary>
-                            <m:naryPr>
-                              <m:ctrlPr>
-                                <a:rPr lang="en-US" sz="2000" i="1">
-                                  <a:latin typeface="Cambria Math" panose="02040503050406030204" pitchFamily="18" charset="0"/>
-                                </a:rPr>
-                              </m:ctrlPr>
-                            </m:naryPr>
-                            <m:sub>
-                              <m:r>
-                                <a:rPr lang="en-US" sz="2000" i="1">
-                                  <a:latin typeface="Cambria Math" panose="02040503050406030204" pitchFamily="18" charset="0"/>
-                                </a:rPr>
-                                <m:t>0</m:t>
-                              </m:r>
-                            </m:sub>
-                            <m:sup>
-                              <m:r>
-                                <a:rPr lang="en-US" sz="2000" i="1">
-                                  <a:latin typeface="Cambria Math" panose="02040503050406030204" pitchFamily="18" charset="0"/>
-                                </a:rPr>
-                                <m:t>𝑡</m:t>
-                              </m:r>
-                            </m:sup>
-                            <m:e>
-                              <m:r>
-                                <a:rPr lang="en-US" sz="2000" i="1">
-                                  <a:latin typeface="Cambria Math" panose="02040503050406030204" pitchFamily="18" charset="0"/>
-                                </a:rPr>
-                                <m:t>𝑒</m:t>
-                              </m:r>
-                              <m:r>
-                                <a:rPr lang="en-US" sz="2000" i="1">
-                                  <a:latin typeface="Cambria Math" panose="02040503050406030204" pitchFamily="18" charset="0"/>
-                                </a:rPr>
-                                <m:t>(</m:t>
-                              </m:r>
-                              <m:r>
-                                <a:rPr lang="en-US" sz="2000" i="1">
-                                  <a:latin typeface="Cambria Math" panose="02040503050406030204" pitchFamily="18" charset="0"/>
-                                </a:rPr>
-                                <m:t>𝑢</m:t>
-                              </m:r>
-                              <m:r>
-                                <a:rPr lang="en-US" sz="2000" i="1">
-                                  <a:latin typeface="Cambria Math" panose="02040503050406030204" pitchFamily="18" charset="0"/>
-                                </a:rPr>
-                                <m:t>)</m:t>
-                              </m:r>
-                            </m:e>
-                          </m:nary>
-                        </m:e>
-                      </m:d>
-                      <m:sSub>
-                        <m:sSubPr>
-                          <m:ctrlPr>
-                            <a:rPr lang="en-US" sz="2000" b="0" i="1" smtClean="0">
-                              <a:latin typeface="Cambria Math" panose="02040503050406030204" pitchFamily="18" charset="0"/>
-                            </a:rPr>
-                          </m:ctrlPr>
-                        </m:sSubPr>
-                        <m:e>
-                          <m:r>
-                            <a:rPr lang="en-US" sz="2000" b="0" i="1" smtClean="0">
-                              <a:latin typeface="Cambria Math" panose="02040503050406030204" pitchFamily="18" charset="0"/>
-                            </a:rPr>
-                            <m:t>𝑘</m:t>
-                          </m:r>
-                        </m:e>
-                        <m:sub>
-                          <m:r>
-                            <a:rPr lang="en-US" sz="2000" b="0" i="1" smtClean="0">
-                              <a:latin typeface="Cambria Math" panose="02040503050406030204" pitchFamily="18" charset="0"/>
-                            </a:rPr>
-                            <m:t>𝐼</m:t>
-                          </m:r>
-                        </m:sub>
-                      </m:sSub>
-                    </m:oMath>
-                  </m:oMathPara>
-                </a14:m>
-                <a:endParaRPr lang="en-US" sz="2000" b="0" i="1" dirty="0">
-                  <a:latin typeface="Cambria Math" panose="02040503050406030204" pitchFamily="18" charset="0"/>
-                </a:endParaRPr>
-              </a:p>
-              <a:p>
-                <a:endParaRPr lang="en-US" sz="2000" dirty="0"/>
-              </a:p>
-            </p:txBody>
-          </p:sp>
-        </mc:Choice>
-        <mc:Fallback xmlns="">
-          <p:sp>
-            <p:nvSpPr>
-              <p:cNvPr id="25" name="TextBox 24">
-                <a:extLst>
-                  <a:ext uri="{FF2B5EF4-FFF2-40B4-BE49-F238E27FC236}">
-                    <a16:creationId xmlns:a16="http://schemas.microsoft.com/office/drawing/2014/main" id="{FA4E9837-E0A1-9CF5-9C2A-63E09F187349}"/>
-                  </a:ext>
-                </a:extLst>
-              </p:cNvPr>
-              <p:cNvSpPr txBox="1">
-                <a:spLocks noRot="1" noChangeAspect="1" noMove="1" noResize="1" noEditPoints="1" noAdjustHandles="1" noChangeArrowheads="1" noChangeShapeType="1" noTextEdit="1"/>
-              </p:cNvSpPr>
-              <p:nvPr/>
-            </p:nvSpPr>
-            <p:spPr>
-              <a:xfrm>
-                <a:off x="1376274" y="981403"/>
-                <a:ext cx="2333878" cy="1005275"/>
-              </a:xfrm>
-              <a:prstGeom prst="rect">
-                <a:avLst/>
-              </a:prstGeom>
-              <a:blipFill>
-                <a:blip r:embed="rId2"/>
-                <a:stretch>
-                  <a:fillRect l="-2162" t="-125000" b="-153750"/>
-                </a:stretch>
-              </a:blipFill>
-            </p:spPr>
-            <p:txBody>
-              <a:bodyPr/>
-              <a:lstStyle/>
-              <a:p>
-                <a:r>
-                  <a:rPr lang="en-US">
-                    <a:noFill/>
-                  </a:rPr>
-                  <a:t> </a:t>
-                </a:r>
-              </a:p>
-            </p:txBody>
-          </p:sp>
-        </mc:Fallback>
-      </mc:AlternateContent>
-      <p:sp>
-        <p:nvSpPr>
-          <p:cNvPr id="33" name="TextBox 32">
-            <a:extLst>
-              <a:ext uri="{FF2B5EF4-FFF2-40B4-BE49-F238E27FC236}">
-                <a16:creationId xmlns:a16="http://schemas.microsoft.com/office/drawing/2014/main" id="{11B8E1E3-EE10-E785-657F-2A659626BDD6}"/>
-              </a:ext>
-            </a:extLst>
-          </p:cNvPr>
-          <p:cNvSpPr txBox="1"/>
-          <p:nvPr/>
-        </p:nvSpPr>
-        <p:spPr>
-          <a:xfrm>
-            <a:off x="1311024" y="3657600"/>
-            <a:ext cx="4810932" cy="400110"/>
-          </a:xfrm>
-          <a:prstGeom prst="rect">
-            <a:avLst/>
-          </a:prstGeom>
-          <a:noFill/>
-        </p:spPr>
-        <p:txBody>
-          <a:bodyPr wrap="none" rtlCol="0">
-            <a:spAutoFit/>
-          </a:bodyPr>
-          <a:lstStyle/>
-          <a:p>
-            <a:r>
-              <a:rPr lang="en-US" sz="2000" dirty="0"/>
-              <a:t>Considers entire history of control errors.</a:t>
-            </a:r>
-          </a:p>
-        </p:txBody>
-      </p:sp>
-      <p:sp>
-        <p:nvSpPr>
-          <p:cNvPr id="34" name="TextBox 33">
-            <a:extLst>
-              <a:ext uri="{FF2B5EF4-FFF2-40B4-BE49-F238E27FC236}">
-                <a16:creationId xmlns:a16="http://schemas.microsoft.com/office/drawing/2014/main" id="{8E5347DB-2067-BDB9-F735-7474A836F75C}"/>
-              </a:ext>
-            </a:extLst>
-          </p:cNvPr>
-          <p:cNvSpPr txBox="1"/>
-          <p:nvPr/>
-        </p:nvSpPr>
-        <p:spPr>
-          <a:xfrm>
-            <a:off x="1311024" y="4309477"/>
-            <a:ext cx="1552028" cy="707886"/>
-          </a:xfrm>
-          <a:prstGeom prst="rect">
-            <a:avLst/>
-          </a:prstGeom>
-          <a:noFill/>
-        </p:spPr>
-        <p:txBody>
-          <a:bodyPr wrap="none" rtlCol="0">
-            <a:spAutoFit/>
-          </a:bodyPr>
-          <a:lstStyle/>
-          <a:p>
-            <a:r>
-              <a:rPr lang="en-US" sz="2000" dirty="0"/>
-              <a:t>Appeal</a:t>
-            </a:r>
-          </a:p>
-          <a:p>
-            <a:r>
-              <a:rPr lang="en-US" sz="2000" dirty="0"/>
-              <a:t>    Unbiased</a:t>
-            </a:r>
-          </a:p>
-        </p:txBody>
-      </p:sp>
-      <p:sp>
-        <p:nvSpPr>
-          <p:cNvPr id="35" name="TextBox 34">
-            <a:extLst>
-              <a:ext uri="{FF2B5EF4-FFF2-40B4-BE49-F238E27FC236}">
-                <a16:creationId xmlns:a16="http://schemas.microsoft.com/office/drawing/2014/main" id="{27AF62F8-DC06-B5D1-77C2-76D1E7D24C2E}"/>
-              </a:ext>
-            </a:extLst>
-          </p:cNvPr>
-          <p:cNvSpPr txBox="1"/>
-          <p:nvPr/>
-        </p:nvSpPr>
-        <p:spPr>
-          <a:xfrm>
-            <a:off x="1311024" y="5269129"/>
-            <a:ext cx="2149948" cy="707886"/>
-          </a:xfrm>
-          <a:prstGeom prst="rect">
-            <a:avLst/>
-          </a:prstGeom>
-          <a:noFill/>
-        </p:spPr>
-        <p:txBody>
-          <a:bodyPr wrap="none" rtlCol="0">
-            <a:spAutoFit/>
-          </a:bodyPr>
-          <a:lstStyle/>
-          <a:p>
-            <a:r>
-              <a:rPr lang="en-US" sz="2000" dirty="0"/>
-              <a:t>Issues</a:t>
-            </a:r>
-          </a:p>
-          <a:p>
-            <a:r>
-              <a:rPr lang="en-US" sz="2000" dirty="0"/>
-              <a:t>    Slow response</a:t>
-            </a:r>
-          </a:p>
-        </p:txBody>
-      </p:sp>
-      <p:grpSp>
-        <p:nvGrpSpPr>
-          <p:cNvPr id="59" name="Group 58">
-            <a:extLst>
-              <a:ext uri="{FF2B5EF4-FFF2-40B4-BE49-F238E27FC236}">
-                <a16:creationId xmlns:a16="http://schemas.microsoft.com/office/drawing/2014/main" id="{6144FDB3-EB8B-E033-EADF-5DA5413DC00C}"/>
-              </a:ext>
-            </a:extLst>
-          </p:cNvPr>
-          <p:cNvGrpSpPr/>
-          <p:nvPr/>
-        </p:nvGrpSpPr>
-        <p:grpSpPr>
-          <a:xfrm>
-            <a:off x="1131489" y="2118725"/>
-            <a:ext cx="3747137" cy="1086223"/>
-            <a:chOff x="1131489" y="2118725"/>
-            <a:chExt cx="3747137" cy="1086223"/>
-          </a:xfrm>
-        </p:grpSpPr>
-        <mc:AlternateContent xmlns:mc="http://schemas.openxmlformats.org/markup-compatibility/2006" xmlns:a14="http://schemas.microsoft.com/office/drawing/2010/main">
-          <mc:Choice Requires="a14">
-            <p:sp>
-              <p:nvSpPr>
-                <p:cNvPr id="20" name="TextBox 19">
-                  <a:extLst>
-                    <a:ext uri="{FF2B5EF4-FFF2-40B4-BE49-F238E27FC236}">
-                      <a16:creationId xmlns:a16="http://schemas.microsoft.com/office/drawing/2014/main" id="{AA25BD7F-1E8A-AD4A-0F5B-D1F94C81E0BB}"/>
-                    </a:ext>
-                  </a:extLst>
-                </p:cNvPr>
-                <p:cNvSpPr txBox="1"/>
-                <p:nvPr/>
-              </p:nvSpPr>
-              <p:spPr>
-                <a:xfrm>
-                  <a:off x="3681500" y="2476255"/>
-                  <a:ext cx="361125" cy="331437"/>
-                </a:xfrm>
-                <a:prstGeom prst="rect">
-                  <a:avLst/>
-                </a:prstGeom>
-                <a:noFill/>
-              </p:spPr>
-              <p:txBody>
-                <a:bodyPr wrap="none" lIns="0" tIns="0" rIns="0" bIns="0" rtlCol="0">
-                  <a:spAutoFit/>
-                </a:bodyPr>
-                <a:lstStyle/>
-                <a:p>
-                  <a:pPr/>
-                  <a14:m>
-                    <m:oMathPara xmlns:m="http://schemas.openxmlformats.org/officeDocument/2006/math">
-                      <m:oMathParaPr>
-                        <m:jc m:val="centerGroup"/>
-                      </m:oMathParaPr>
-                      <m:oMath xmlns:m="http://schemas.openxmlformats.org/officeDocument/2006/math">
-                        <m:sSub>
-                          <m:sSubPr>
-                            <m:ctrlPr>
-                              <a:rPr lang="en-US" sz="2000" b="0" i="1" smtClean="0">
-                                <a:solidFill>
-                                  <a:schemeClr val="bg1"/>
-                                </a:solidFill>
-                                <a:latin typeface="Cambria Math" panose="02040503050406030204" pitchFamily="18" charset="0"/>
-                              </a:rPr>
-                            </m:ctrlPr>
-                          </m:sSubPr>
-                          <m:e>
-                            <m:r>
-                              <a:rPr lang="en-US" sz="2000" b="0" i="1" smtClean="0">
-                                <a:solidFill>
-                                  <a:schemeClr val="bg1"/>
-                                </a:solidFill>
-                                <a:latin typeface="Cambria Math" panose="02040503050406030204" pitchFamily="18" charset="0"/>
-                              </a:rPr>
-                              <m:t>𝐾</m:t>
-                            </m:r>
-                          </m:e>
-                          <m:sub>
-                            <m:r>
-                              <a:rPr lang="en-US" sz="2000" b="0" i="1" smtClean="0">
-                                <a:solidFill>
-                                  <a:schemeClr val="bg1"/>
-                                </a:solidFill>
-                                <a:latin typeface="Cambria Math" panose="02040503050406030204" pitchFamily="18" charset="0"/>
-                              </a:rPr>
-                              <m:t>𝑝</m:t>
-                            </m:r>
-                          </m:sub>
-                        </m:sSub>
-                      </m:oMath>
-                    </m:oMathPara>
-                  </a14:m>
-                  <a:endParaRPr lang="en-US" dirty="0">
-                    <a:solidFill>
-                      <a:schemeClr val="bg1"/>
-                    </a:solidFill>
-                  </a:endParaRPr>
-                </a:p>
-              </p:txBody>
-            </p:sp>
-          </mc:Choice>
-          <mc:Fallback xmlns="">
-            <p:sp>
-              <p:nvSpPr>
-                <p:cNvPr id="20" name="TextBox 19">
-                  <a:extLst>
-                    <a:ext uri="{FF2B5EF4-FFF2-40B4-BE49-F238E27FC236}">
-                      <a16:creationId xmlns:a16="http://schemas.microsoft.com/office/drawing/2014/main" id="{AA25BD7F-1E8A-AD4A-0F5B-D1F94C81E0BB}"/>
-                    </a:ext>
-                  </a:extLst>
-                </p:cNvPr>
-                <p:cNvSpPr txBox="1">
-                  <a:spLocks noRot="1" noChangeAspect="1" noMove="1" noResize="1" noEditPoints="1" noAdjustHandles="1" noChangeArrowheads="1" noChangeShapeType="1" noTextEdit="1"/>
-                </p:cNvSpPr>
-                <p:nvPr/>
-              </p:nvSpPr>
-              <p:spPr>
-                <a:xfrm>
-                  <a:off x="3681500" y="2476255"/>
-                  <a:ext cx="361125" cy="331437"/>
-                </a:xfrm>
-                <a:prstGeom prst="rect">
-                  <a:avLst/>
-                </a:prstGeom>
-                <a:blipFill>
-                  <a:blip r:embed="rId3"/>
-                  <a:stretch>
-                    <a:fillRect l="-10000" r="-3333" b="-17857"/>
-                  </a:stretch>
-                </a:blipFill>
-              </p:spPr>
-              <p:txBody>
-                <a:bodyPr/>
-                <a:lstStyle/>
-                <a:p>
-                  <a:r>
-                    <a:rPr lang="en-US">
-                      <a:noFill/>
-                    </a:rPr>
-                    <a:t> </a:t>
-                  </a:r>
-                </a:p>
-              </p:txBody>
-            </p:sp>
-          </mc:Fallback>
-        </mc:AlternateContent>
-        <p:cxnSp>
-          <p:nvCxnSpPr>
-            <p:cNvPr id="21" name="Straight Arrow Connector 20">
-              <a:extLst>
-                <a:ext uri="{FF2B5EF4-FFF2-40B4-BE49-F238E27FC236}">
-                  <a16:creationId xmlns:a16="http://schemas.microsoft.com/office/drawing/2014/main" id="{1CF41F21-CE22-12A3-C652-A7028CDEC5DE}"/>
-                </a:ext>
-              </a:extLst>
-            </p:cNvPr>
-            <p:cNvCxnSpPr>
-              <a:cxnSpLocks/>
-            </p:cNvCxnSpPr>
-            <p:nvPr/>
-          </p:nvCxnSpPr>
-          <p:spPr>
-            <a:xfrm flipV="1">
-              <a:off x="2797561" y="2684804"/>
-              <a:ext cx="389660" cy="8371"/>
-            </a:xfrm>
-            <a:prstGeom prst="straightConnector1">
-              <a:avLst/>
-            </a:prstGeom>
-            <a:ln>
-              <a:solidFill>
-                <a:srgbClr val="FF0000"/>
-              </a:solidFill>
-              <a:tailEnd type="triangle" w="lg" len="lg"/>
-            </a:ln>
-            <a:effectLst>
-              <a:outerShdw dist="20000" sx="1000" sy="1000" rotWithShape="0">
-                <a:srgbClr val="000000"/>
-              </a:outerShdw>
-            </a:effectLst>
-          </p:spPr>
-          <p:style>
-            <a:lnRef idx="2">
-              <a:schemeClr val="accent1"/>
-            </a:lnRef>
-            <a:fillRef idx="0">
-              <a:schemeClr val="accent1"/>
-            </a:fillRef>
-            <a:effectRef idx="1">
-              <a:schemeClr val="accent1"/>
-            </a:effectRef>
-            <a:fontRef idx="minor">
-              <a:schemeClr val="tx1"/>
-            </a:fontRef>
-          </p:style>
-        </p:cxnSp>
-        <p:cxnSp>
-          <p:nvCxnSpPr>
-            <p:cNvPr id="23" name="Straight Arrow Connector 22">
-              <a:extLst>
-                <a:ext uri="{FF2B5EF4-FFF2-40B4-BE49-F238E27FC236}">
-                  <a16:creationId xmlns:a16="http://schemas.microsoft.com/office/drawing/2014/main" id="{445E002E-32B4-64AE-D7E0-4D607BE221AB}"/>
-                </a:ext>
-              </a:extLst>
-            </p:cNvPr>
-            <p:cNvCxnSpPr>
-              <a:cxnSpLocks/>
-            </p:cNvCxnSpPr>
-            <p:nvPr/>
-          </p:nvCxnSpPr>
-          <p:spPr>
-            <a:xfrm>
-              <a:off x="4175877" y="2652483"/>
-              <a:ext cx="390817" cy="0"/>
-            </a:xfrm>
-            <a:prstGeom prst="straightConnector1">
-              <a:avLst/>
-            </a:prstGeom>
-            <a:ln>
-              <a:tailEnd type="triangle" w="lg" len="lg"/>
-            </a:ln>
-            <a:effectLst>
-              <a:outerShdw dist="20000" sx="1000" sy="1000" rotWithShape="0">
-                <a:srgbClr val="000000"/>
-              </a:outerShdw>
-            </a:effectLst>
-          </p:spPr>
-          <p:style>
-            <a:lnRef idx="2">
-              <a:schemeClr val="accent1"/>
-            </a:lnRef>
-            <a:fillRef idx="0">
-              <a:schemeClr val="accent1"/>
-            </a:fillRef>
-            <a:effectRef idx="1">
-              <a:schemeClr val="accent1"/>
-            </a:effectRef>
-            <a:fontRef idx="minor">
-              <a:schemeClr val="tx1"/>
-            </a:fontRef>
-          </p:style>
-        </p:cxnSp>
-        <mc:AlternateContent xmlns:mc="http://schemas.openxmlformats.org/markup-compatibility/2006" xmlns:a14="http://schemas.microsoft.com/office/drawing/2010/main">
-          <mc:Choice Requires="a14">
-            <p:sp>
-              <p:nvSpPr>
-                <p:cNvPr id="24" name="Rectangle 23">
-                  <a:extLst>
-                    <a:ext uri="{FF2B5EF4-FFF2-40B4-BE49-F238E27FC236}">
-                      <a16:creationId xmlns:a16="http://schemas.microsoft.com/office/drawing/2014/main" id="{07F96676-273D-77AB-F8C6-0BEEC80C975F}"/>
-                    </a:ext>
-                  </a:extLst>
-                </p:cNvPr>
-                <p:cNvSpPr/>
-                <p:nvPr/>
-              </p:nvSpPr>
-              <p:spPr>
-                <a:xfrm>
-                  <a:off x="4150542" y="2118725"/>
-                  <a:ext cx="728084" cy="400110"/>
-                </a:xfrm>
-                <a:prstGeom prst="rect">
-                  <a:avLst/>
-                </a:prstGeom>
-              </p:spPr>
-              <p:txBody>
-                <a:bodyPr wrap="none">
-                  <a:spAutoFit/>
-                </a:bodyPr>
-                <a:lstStyle/>
-                <a:p>
-                  <a:pPr/>
-                  <a14:m>
-                    <m:oMathPara xmlns:m="http://schemas.openxmlformats.org/officeDocument/2006/math">
-                      <m:oMathParaPr>
-                        <m:jc m:val="centerGroup"/>
-                      </m:oMathParaPr>
-                      <m:oMath xmlns:m="http://schemas.openxmlformats.org/officeDocument/2006/math">
-                        <m:r>
-                          <a:rPr lang="en-US" sz="2000" b="0" i="1" smtClean="0">
-                            <a:solidFill>
-                              <a:schemeClr val="tx1"/>
-                            </a:solidFill>
-                            <a:latin typeface="Cambria Math" panose="02040503050406030204" pitchFamily="18" charset="0"/>
-                          </a:rPr>
-                          <m:t>𝑢</m:t>
-                        </m:r>
-                        <m:r>
-                          <a:rPr lang="en-US" sz="2000" b="0" i="1" smtClean="0">
-                            <a:solidFill>
-                              <a:schemeClr val="tx1"/>
-                            </a:solidFill>
-                            <a:latin typeface="Cambria Math" panose="02040503050406030204" pitchFamily="18" charset="0"/>
-                          </a:rPr>
-                          <m:t>(</m:t>
-                        </m:r>
-                        <m:r>
-                          <a:rPr lang="en-US" sz="2000" b="0" i="1" smtClean="0">
-                            <a:solidFill>
-                              <a:schemeClr val="tx1"/>
-                            </a:solidFill>
-                            <a:latin typeface="Cambria Math" panose="02040503050406030204" pitchFamily="18" charset="0"/>
-                          </a:rPr>
-                          <m:t>𝑡</m:t>
-                        </m:r>
-                        <m:r>
-                          <a:rPr lang="en-US" sz="2000" b="0" i="1" smtClean="0">
-                            <a:solidFill>
-                              <a:schemeClr val="tx1"/>
-                            </a:solidFill>
-                            <a:latin typeface="Cambria Math" panose="02040503050406030204" pitchFamily="18" charset="0"/>
-                          </a:rPr>
-                          <m:t>)</m:t>
-                        </m:r>
-                      </m:oMath>
-                    </m:oMathPara>
-                  </a14:m>
-                  <a:endParaRPr lang="en-US" sz="2000" dirty="0">
-                    <a:solidFill>
-                      <a:schemeClr val="tx1"/>
-                    </a:solidFill>
-                  </a:endParaRPr>
-                </a:p>
-              </p:txBody>
-            </p:sp>
-          </mc:Choice>
-          <mc:Fallback xmlns="">
-            <p:sp>
-              <p:nvSpPr>
-                <p:cNvPr id="24" name="Rectangle 23">
-                  <a:extLst>
-                    <a:ext uri="{FF2B5EF4-FFF2-40B4-BE49-F238E27FC236}">
-                      <a16:creationId xmlns:a16="http://schemas.microsoft.com/office/drawing/2014/main" id="{07F96676-273D-77AB-F8C6-0BEEC80C975F}"/>
-                    </a:ext>
-                  </a:extLst>
-                </p:cNvPr>
-                <p:cNvSpPr>
-                  <a:spLocks noRot="1" noChangeAspect="1" noMove="1" noResize="1" noEditPoints="1" noAdjustHandles="1" noChangeArrowheads="1" noChangeShapeType="1" noTextEdit="1"/>
-                </p:cNvSpPr>
-                <p:nvPr/>
-              </p:nvSpPr>
-              <p:spPr>
-                <a:xfrm>
-                  <a:off x="4150542" y="2118725"/>
-                  <a:ext cx="728084" cy="400110"/>
-                </a:xfrm>
-                <a:prstGeom prst="rect">
-                  <a:avLst/>
-                </a:prstGeom>
-                <a:blipFill>
-                  <a:blip r:embed="rId4"/>
-                  <a:stretch>
-                    <a:fillRect b="-12500"/>
-                  </a:stretch>
-                </a:blipFill>
-              </p:spPr>
-              <p:txBody>
-                <a:bodyPr/>
-                <a:lstStyle/>
-                <a:p>
-                  <a:r>
-                    <a:rPr lang="en-US">
-                      <a:noFill/>
-                    </a:rPr>
-                    <a:t> </a:t>
-                  </a:r>
-                </a:p>
-              </p:txBody>
-            </p:sp>
-          </mc:Fallback>
-        </mc:AlternateContent>
-        <p:cxnSp>
-          <p:nvCxnSpPr>
-            <p:cNvPr id="29" name="Straight Arrow Connector 28">
-              <a:extLst>
-                <a:ext uri="{FF2B5EF4-FFF2-40B4-BE49-F238E27FC236}">
-                  <a16:creationId xmlns:a16="http://schemas.microsoft.com/office/drawing/2014/main" id="{C6C6D602-552A-FF05-EA89-FC7A1192AFD8}"/>
-                </a:ext>
-              </a:extLst>
-            </p:cNvPr>
-            <p:cNvCxnSpPr>
-              <a:cxnSpLocks/>
-            </p:cNvCxnSpPr>
-            <p:nvPr/>
-          </p:nvCxnSpPr>
-          <p:spPr>
-            <a:xfrm flipV="1">
-              <a:off x="1375615" y="2725494"/>
-              <a:ext cx="389660" cy="8371"/>
-            </a:xfrm>
-            <a:prstGeom prst="straightConnector1">
-              <a:avLst/>
-            </a:prstGeom>
-            <a:ln>
-              <a:tailEnd type="triangle" w="lg" len="lg"/>
-            </a:ln>
-            <a:effectLst>
-              <a:outerShdw dist="20000" sx="1000" sy="1000" rotWithShape="0">
-                <a:srgbClr val="000000"/>
-              </a:outerShdw>
-            </a:effectLst>
-          </p:spPr>
-          <p:style>
-            <a:lnRef idx="2">
-              <a:schemeClr val="accent1"/>
-            </a:lnRef>
-            <a:fillRef idx="0">
-              <a:schemeClr val="accent1"/>
-            </a:fillRef>
-            <a:effectRef idx="1">
-              <a:schemeClr val="accent1"/>
-            </a:effectRef>
-            <a:fontRef idx="minor">
-              <a:schemeClr val="tx1"/>
-            </a:fontRef>
-          </p:style>
-        </p:cxnSp>
-        <mc:AlternateContent xmlns:mc="http://schemas.openxmlformats.org/markup-compatibility/2006" xmlns:a14="http://schemas.microsoft.com/office/drawing/2010/main">
-          <mc:Choice Requires="a14">
-            <p:sp>
-              <p:nvSpPr>
-                <p:cNvPr id="30" name="Rectangle 29">
-                  <a:extLst>
-                    <a:ext uri="{FF2B5EF4-FFF2-40B4-BE49-F238E27FC236}">
-                      <a16:creationId xmlns:a16="http://schemas.microsoft.com/office/drawing/2014/main" id="{3F8652C0-938D-08BB-2CBA-FCC573E44EE6}"/>
-                    </a:ext>
-                  </a:extLst>
-                </p:cNvPr>
-                <p:cNvSpPr/>
-                <p:nvPr/>
-              </p:nvSpPr>
-              <p:spPr>
-                <a:xfrm>
-                  <a:off x="1131489" y="2207293"/>
-                  <a:ext cx="706347" cy="400110"/>
-                </a:xfrm>
-                <a:prstGeom prst="rect">
-                  <a:avLst/>
-                </a:prstGeom>
-              </p:spPr>
-              <p:txBody>
-                <a:bodyPr wrap="none">
-                  <a:spAutoFit/>
-                </a:bodyPr>
-                <a:lstStyle/>
-                <a:p>
-                  <a:pPr/>
-                  <a14:m>
-                    <m:oMathPara xmlns:m="http://schemas.openxmlformats.org/officeDocument/2006/math">
-                      <m:oMathParaPr>
-                        <m:jc m:val="centerGroup"/>
-                      </m:oMathParaPr>
-                      <m:oMath xmlns:m="http://schemas.openxmlformats.org/officeDocument/2006/math">
-                        <m:r>
-                          <a:rPr lang="en-US" sz="2000" b="0" i="1" smtClean="0">
-                            <a:solidFill>
-                              <a:schemeClr val="tx1"/>
-                            </a:solidFill>
-                            <a:latin typeface="Cambria Math" panose="02040503050406030204" pitchFamily="18" charset="0"/>
-                          </a:rPr>
-                          <m:t>𝑒</m:t>
-                        </m:r>
-                        <m:r>
-                          <a:rPr lang="en-US" sz="2000" b="0" i="1" smtClean="0">
-                            <a:solidFill>
-                              <a:schemeClr val="tx1"/>
-                            </a:solidFill>
-                            <a:latin typeface="Cambria Math" panose="02040503050406030204" pitchFamily="18" charset="0"/>
-                          </a:rPr>
-                          <m:t>(</m:t>
-                        </m:r>
-                        <m:r>
-                          <a:rPr lang="en-US" sz="2000" b="0" i="1" smtClean="0">
-                            <a:solidFill>
-                              <a:schemeClr val="tx1"/>
-                            </a:solidFill>
-                            <a:latin typeface="Cambria Math" panose="02040503050406030204" pitchFamily="18" charset="0"/>
-                          </a:rPr>
-                          <m:t>𝑡</m:t>
-                        </m:r>
-                        <m:r>
-                          <a:rPr lang="en-US" sz="2000" b="0" i="1" smtClean="0">
-                            <a:solidFill>
-                              <a:schemeClr val="tx1"/>
-                            </a:solidFill>
-                            <a:latin typeface="Cambria Math" panose="02040503050406030204" pitchFamily="18" charset="0"/>
-                          </a:rPr>
-                          <m:t>)</m:t>
-                        </m:r>
-                      </m:oMath>
-                    </m:oMathPara>
-                  </a14:m>
-                  <a:endParaRPr lang="en-US" sz="2000" dirty="0">
-                    <a:solidFill>
-                      <a:schemeClr val="tx1"/>
-                    </a:solidFill>
-                  </a:endParaRPr>
-                </a:p>
-              </p:txBody>
-            </p:sp>
-          </mc:Choice>
-          <mc:Fallback xmlns="">
-            <p:sp>
-              <p:nvSpPr>
-                <p:cNvPr id="30" name="Rectangle 29">
-                  <a:extLst>
-                    <a:ext uri="{FF2B5EF4-FFF2-40B4-BE49-F238E27FC236}">
-                      <a16:creationId xmlns:a16="http://schemas.microsoft.com/office/drawing/2014/main" id="{3F8652C0-938D-08BB-2CBA-FCC573E44EE6}"/>
-                    </a:ext>
-                  </a:extLst>
-                </p:cNvPr>
-                <p:cNvSpPr>
-                  <a:spLocks noRot="1" noChangeAspect="1" noMove="1" noResize="1" noEditPoints="1" noAdjustHandles="1" noChangeArrowheads="1" noChangeShapeType="1" noTextEdit="1"/>
-                </p:cNvSpPr>
-                <p:nvPr/>
-              </p:nvSpPr>
-              <p:spPr>
-                <a:xfrm>
-                  <a:off x="1131489" y="2207293"/>
-                  <a:ext cx="706347" cy="400110"/>
-                </a:xfrm>
-                <a:prstGeom prst="rect">
-                  <a:avLst/>
-                </a:prstGeom>
-                <a:blipFill>
-                  <a:blip r:embed="rId5"/>
-                  <a:stretch>
-                    <a:fillRect b="-12121"/>
-                  </a:stretch>
-                </a:blipFill>
-              </p:spPr>
-              <p:txBody>
-                <a:bodyPr/>
-                <a:lstStyle/>
-                <a:p>
-                  <a:r>
-                    <a:rPr lang="en-US">
-                      <a:noFill/>
-                    </a:rPr>
-                    <a:t> </a:t>
-                  </a:r>
-                </a:p>
-              </p:txBody>
-            </p:sp>
-          </mc:Fallback>
-        </mc:AlternateContent>
-        <p:sp>
-          <p:nvSpPr>
-            <p:cNvPr id="36" name="Rectangle 35">
-              <a:extLst>
-                <a:ext uri="{FF2B5EF4-FFF2-40B4-BE49-F238E27FC236}">
-                  <a16:creationId xmlns:a16="http://schemas.microsoft.com/office/drawing/2014/main" id="{AB2E8A30-C686-58DF-4D14-C7A3037A0CAC}"/>
-                </a:ext>
-              </a:extLst>
-            </p:cNvPr>
-            <p:cNvSpPr/>
-            <p:nvPr/>
-          </p:nvSpPr>
-          <p:spPr>
-            <a:xfrm>
-              <a:off x="1807196" y="2167217"/>
-              <a:ext cx="2333879" cy="1037731"/>
-            </a:xfrm>
-            <a:prstGeom prst="rect">
-              <a:avLst/>
-            </a:prstGeom>
-            <a:noFill/>
-            <a:ln>
-              <a:solidFill>
-                <a:srgbClr val="FF0000"/>
-              </a:solidFill>
-              <a:prstDash val="dash"/>
-            </a:ln>
-          </p:spPr>
-          <p:style>
-            <a:lnRef idx="2">
-              <a:schemeClr val="accent1">
-                <a:shade val="50000"/>
-              </a:schemeClr>
-            </a:lnRef>
-            <a:fillRef idx="1">
-              <a:schemeClr val="accent1"/>
-            </a:fillRef>
-            <a:effectRef idx="0">
-              <a:schemeClr val="accent1"/>
-            </a:effectRef>
-            <a:fontRef idx="minor">
-              <a:schemeClr val="lt1"/>
-            </a:fontRef>
-          </p:style>
-          <p:txBody>
-            <a:bodyPr rtlCol="0" anchor="ctr"/>
-            <a:lstStyle/>
-            <a:p>
-              <a:pPr algn="ctr"/>
-              <a:endParaRPr lang="en-US"/>
-            </a:p>
-          </p:txBody>
-        </p:sp>
-        <mc:AlternateContent xmlns:mc="http://schemas.openxmlformats.org/markup-compatibility/2006" xmlns:a14="http://schemas.microsoft.com/office/drawing/2010/main">
-          <mc:Choice Requires="a14">
-            <p:sp>
-              <p:nvSpPr>
-                <p:cNvPr id="37" name="Rectangle 36">
-                  <a:extLst>
-                    <a:ext uri="{FF2B5EF4-FFF2-40B4-BE49-F238E27FC236}">
-                      <a16:creationId xmlns:a16="http://schemas.microsoft.com/office/drawing/2014/main" id="{7F60C3CF-2164-75D5-34FF-4C0DF56D6C25}"/>
-                    </a:ext>
-                  </a:extLst>
-                </p:cNvPr>
-                <p:cNvSpPr>
-                  <a:spLocks noChangeAspect="1"/>
-                </p:cNvSpPr>
-                <p:nvPr/>
-              </p:nvSpPr>
-              <p:spPr>
-                <a:xfrm>
-                  <a:off x="1989358" y="2351127"/>
-                  <a:ext cx="760333" cy="700764"/>
-                </a:xfrm>
-                <a:prstGeom prst="rect">
-                  <a:avLst/>
-                </a:prstGeom>
-                <a:solidFill>
-                  <a:srgbClr val="FF0000"/>
-                </a:solidFill>
-                <a:ln>
-                  <a:noFill/>
-                </a:ln>
-              </p:spPr>
-              <p:style>
-                <a:lnRef idx="1">
-                  <a:schemeClr val="accent1"/>
-                </a:lnRef>
-                <a:fillRef idx="3">
-                  <a:schemeClr val="accent1"/>
-                </a:fillRef>
-                <a:effectRef idx="2">
-                  <a:schemeClr val="accent1"/>
-                </a:effectRef>
-                <a:fontRef idx="minor">
-                  <a:schemeClr val="lt1"/>
-                </a:fontRef>
-              </p:style>
-              <p:txBody>
-                <a:bodyPr rtlCol="0" anchor="ctr"/>
-                <a:lstStyle/>
-                <a:p>
-                  <a:pPr algn="ctr"/>
-                  <a:endParaRPr lang="en-US" sz="1600" i="1" dirty="0">
-                    <a:latin typeface="Cambria Math" panose="02040503050406030204" pitchFamily="18" charset="0"/>
-                  </a:endParaRPr>
-                </a:p>
-                <a:p>
-                  <a:pPr algn="ctr"/>
-                  <a14:m>
-                    <m:oMathPara xmlns:m="http://schemas.openxmlformats.org/officeDocument/2006/math">
-                      <m:oMathParaPr>
-                        <m:jc m:val="centerGroup"/>
-                      </m:oMathParaPr>
-                      <m:oMath xmlns:m="http://schemas.openxmlformats.org/officeDocument/2006/math">
-                        <m:nary>
-                          <m:naryPr>
-                            <m:ctrlPr>
-                              <a:rPr lang="en-US" sz="1600" i="1" smtClean="0">
-                                <a:latin typeface="Cambria Math" panose="02040503050406030204" pitchFamily="18" charset="0"/>
-                              </a:rPr>
-                            </m:ctrlPr>
-                          </m:naryPr>
-                          <m:sub>
-                            <m:r>
-                              <a:rPr lang="en-US" sz="1600" i="1">
-                                <a:latin typeface="Cambria Math" panose="02040503050406030204" pitchFamily="18" charset="0"/>
-                              </a:rPr>
-                              <m:t>0</m:t>
-                            </m:r>
-                          </m:sub>
-                          <m:sup>
-                            <m:r>
-                              <a:rPr lang="en-US" sz="1600" i="1">
-                                <a:latin typeface="Cambria Math" panose="02040503050406030204" pitchFamily="18" charset="0"/>
-                              </a:rPr>
-                              <m:t>𝑡</m:t>
-                            </m:r>
-                          </m:sup>
-                          <m:e/>
-                        </m:nary>
-                      </m:oMath>
-                    </m:oMathPara>
-                  </a14:m>
-                  <a:endParaRPr lang="en-US" sz="1600" dirty="0"/>
-                </a:p>
-                <a:p>
-                  <a:pPr algn="ctr"/>
-                  <a:endParaRPr lang="en-US" sz="1600" dirty="0"/>
-                </a:p>
-              </p:txBody>
-            </p:sp>
-          </mc:Choice>
-          <mc:Fallback xmlns="">
-            <p:sp>
-              <p:nvSpPr>
-                <p:cNvPr id="37" name="Rectangle 36">
-                  <a:extLst>
-                    <a:ext uri="{FF2B5EF4-FFF2-40B4-BE49-F238E27FC236}">
-                      <a16:creationId xmlns:a16="http://schemas.microsoft.com/office/drawing/2014/main" id="{7F60C3CF-2164-75D5-34FF-4C0DF56D6C25}"/>
-                    </a:ext>
-                  </a:extLst>
-                </p:cNvPr>
-                <p:cNvSpPr>
-                  <a:spLocks noRot="1" noChangeAspect="1" noMove="1" noResize="1" noEditPoints="1" noAdjustHandles="1" noChangeArrowheads="1" noChangeShapeType="1" noTextEdit="1"/>
-                </p:cNvSpPr>
-                <p:nvPr/>
-              </p:nvSpPr>
-              <p:spPr>
-                <a:xfrm>
-                  <a:off x="1989358" y="2351127"/>
-                  <a:ext cx="760333" cy="700764"/>
-                </a:xfrm>
-                <a:prstGeom prst="rect">
-                  <a:avLst/>
-                </a:prstGeom>
-                <a:blipFill>
-                  <a:blip r:embed="rId6"/>
-                  <a:stretch>
-                    <a:fillRect/>
-                  </a:stretch>
-                </a:blipFill>
-                <a:ln>
-                  <a:noFill/>
-                </a:ln>
-              </p:spPr>
-              <p:txBody>
-                <a:bodyPr/>
-                <a:lstStyle/>
-                <a:p>
-                  <a:r>
-                    <a:rPr lang="en-US">
-                      <a:noFill/>
-                    </a:rPr>
-                    <a:t> </a:t>
-                  </a:r>
-                </a:p>
-              </p:txBody>
-            </p:sp>
-          </mc:Fallback>
-        </mc:AlternateContent>
-        <mc:AlternateContent xmlns:mc="http://schemas.openxmlformats.org/markup-compatibility/2006" xmlns:a14="http://schemas.microsoft.com/office/drawing/2010/main">
-          <mc:Choice Requires="a14">
-            <p:sp>
-              <p:nvSpPr>
-                <p:cNvPr id="39" name="Rectangle 38">
-                  <a:extLst>
-                    <a:ext uri="{FF2B5EF4-FFF2-40B4-BE49-F238E27FC236}">
-                      <a16:creationId xmlns:a16="http://schemas.microsoft.com/office/drawing/2014/main" id="{6B7A673E-AF7B-1723-0BA2-701807A282AE}"/>
-                    </a:ext>
-                  </a:extLst>
-                </p:cNvPr>
-                <p:cNvSpPr>
-                  <a:spLocks noChangeAspect="1"/>
-                </p:cNvSpPr>
-                <p:nvPr/>
-              </p:nvSpPr>
-              <p:spPr>
-                <a:xfrm>
-                  <a:off x="3217956" y="2342793"/>
-                  <a:ext cx="760333" cy="700764"/>
-                </a:xfrm>
-                <a:prstGeom prst="rect">
-                  <a:avLst/>
-                </a:prstGeom>
-                <a:solidFill>
-                  <a:srgbClr val="FF0000"/>
-                </a:solidFill>
-                <a:ln>
-                  <a:noFill/>
-                </a:ln>
-              </p:spPr>
-              <p:style>
-                <a:lnRef idx="1">
-                  <a:schemeClr val="accent1"/>
-                </a:lnRef>
-                <a:fillRef idx="3">
-                  <a:schemeClr val="accent1"/>
-                </a:fillRef>
-                <a:effectRef idx="2">
-                  <a:schemeClr val="accent1"/>
-                </a:effectRef>
-                <a:fontRef idx="minor">
-                  <a:schemeClr val="lt1"/>
-                </a:fontRef>
-              </p:style>
-              <p:txBody>
-                <a:bodyPr rtlCol="0" anchor="ctr"/>
-                <a:lstStyle/>
-                <a:p>
-                  <a:pPr algn="ctr"/>
-                  <a14:m>
-                    <m:oMathPara xmlns:m="http://schemas.openxmlformats.org/officeDocument/2006/math">
-                      <m:oMathParaPr>
-                        <m:jc m:val="centerGroup"/>
-                      </m:oMathParaPr>
-                      <m:oMath xmlns:m="http://schemas.openxmlformats.org/officeDocument/2006/math">
-                        <m:sSub>
-                          <m:sSubPr>
-                            <m:ctrlPr>
-                              <a:rPr lang="en-US" sz="1600" b="0" i="1" smtClean="0">
-                                <a:latin typeface="Cambria Math" panose="02040503050406030204" pitchFamily="18" charset="0"/>
-                              </a:rPr>
-                            </m:ctrlPr>
-                          </m:sSubPr>
-                          <m:e>
-                            <m:r>
-                              <a:rPr lang="en-US" sz="1600" b="0" i="1" smtClean="0">
-                                <a:latin typeface="Cambria Math" panose="02040503050406030204" pitchFamily="18" charset="0"/>
-                              </a:rPr>
-                              <m:t>𝑘</m:t>
-                            </m:r>
-                          </m:e>
-                          <m:sub>
-                            <m:r>
-                              <a:rPr lang="en-US" sz="1600" b="0" i="1" smtClean="0">
-                                <a:latin typeface="Cambria Math" panose="02040503050406030204" pitchFamily="18" charset="0"/>
-                              </a:rPr>
-                              <m:t>𝐼</m:t>
-                            </m:r>
-                          </m:sub>
-                        </m:sSub>
-                      </m:oMath>
-                    </m:oMathPara>
-                  </a14:m>
-                  <a:endParaRPr lang="en-US" sz="1600" dirty="0"/>
-                </a:p>
-              </p:txBody>
-            </p:sp>
-          </mc:Choice>
-          <mc:Fallback xmlns="">
-            <p:sp>
-              <p:nvSpPr>
-                <p:cNvPr id="39" name="Rectangle 38">
-                  <a:extLst>
-                    <a:ext uri="{FF2B5EF4-FFF2-40B4-BE49-F238E27FC236}">
-                      <a16:creationId xmlns:a16="http://schemas.microsoft.com/office/drawing/2014/main" id="{6B7A673E-AF7B-1723-0BA2-701807A282AE}"/>
-                    </a:ext>
-                  </a:extLst>
-                </p:cNvPr>
-                <p:cNvSpPr>
-                  <a:spLocks noRot="1" noChangeAspect="1" noMove="1" noResize="1" noEditPoints="1" noAdjustHandles="1" noChangeArrowheads="1" noChangeShapeType="1" noTextEdit="1"/>
-                </p:cNvSpPr>
-                <p:nvPr/>
-              </p:nvSpPr>
-              <p:spPr>
-                <a:xfrm>
-                  <a:off x="3217956" y="2342793"/>
-                  <a:ext cx="760333" cy="700764"/>
-                </a:xfrm>
-                <a:prstGeom prst="rect">
-                  <a:avLst/>
-                </a:prstGeom>
-                <a:blipFill>
-                  <a:blip r:embed="rId7"/>
-                  <a:stretch>
-                    <a:fillRect/>
-                  </a:stretch>
-                </a:blipFill>
-                <a:ln>
-                  <a:noFill/>
-                </a:ln>
-              </p:spPr>
-              <p:txBody>
-                <a:bodyPr/>
-                <a:lstStyle/>
-                <a:p>
-                  <a:r>
-                    <a:rPr lang="en-US">
-                      <a:noFill/>
-                    </a:rPr>
-                    <a:t> </a:t>
-                  </a:r>
-                </a:p>
-              </p:txBody>
-            </p:sp>
-          </mc:Fallback>
-        </mc:AlternateContent>
-      </p:grpSp>
-      <p:pic>
-        <p:nvPicPr>
-          <p:cNvPr id="4" name="Picture 3">
-            <a:extLst>
-              <a:ext uri="{FF2B5EF4-FFF2-40B4-BE49-F238E27FC236}">
-                <a16:creationId xmlns:a16="http://schemas.microsoft.com/office/drawing/2014/main" id="{B2494A8C-DEFC-04E4-5DCB-4889D875EE3F}"/>
-              </a:ext>
-            </a:extLst>
-          </p:cNvPr>
-          <p:cNvPicPr>
-            <a:picLocks noChangeAspect="1"/>
-          </p:cNvPicPr>
-          <p:nvPr/>
-        </p:nvPicPr>
-        <p:blipFill>
-          <a:blip r:embed="rId8"/>
-          <a:stretch>
-            <a:fillRect/>
-          </a:stretch>
-        </p:blipFill>
-        <p:spPr>
-          <a:xfrm>
-            <a:off x="5612942" y="401851"/>
-            <a:ext cx="3073858" cy="879045"/>
-          </a:xfrm>
-          <a:prstGeom prst="rect">
-            <a:avLst/>
-          </a:prstGeom>
-        </p:spPr>
-      </p:pic>
-    </p:spTree>
-    <p:extLst>
-      <p:ext uri="{BB962C8B-B14F-4D97-AF65-F5344CB8AC3E}">
-        <p14:creationId xmlns:p14="http://schemas.microsoft.com/office/powerpoint/2010/main" val="2532988815"/>
-      </p:ext>
-    </p:extLst>
-  </p:cSld>
-  <p:clrMapOvr>
-    <a:masterClrMapping/>
-  </p:clrMapOvr>
-  <p:timing>
-    <p:tnLst>
-      <p:par>
-        <p:cTn id="1" dur="indefinite" restart="never" nodeType="tmRoot">
-          <p:childTnLst>
-            <p:seq concurrent="1" nextAc="seek">
-              <p:cTn id="2" dur="indefinite" nodeType="mainSeq">
-                <p:childTnLst>
-                  <p:par>
-                    <p:cTn id="3" fill="hold">
-                      <p:stCondLst>
-                        <p:cond delay="indefinite"/>
-                      </p:stCondLst>
-                      <p:childTnLst>
-                        <p:par>
-                          <p:cTn id="4" fill="hold">
-                            <p:stCondLst>
-                              <p:cond delay="0"/>
-                            </p:stCondLst>
-                            <p:childTnLst>
-                              <p:par>
-                                <p:cTn id="5" presetID="1" presetClass="entr" presetSubtype="0" fill="hold" grpId="0" nodeType="clickEffect">
-                                  <p:stCondLst>
-                                    <p:cond delay="0"/>
-                                  </p:stCondLst>
-                                  <p:childTnLst>
-                                    <p:set>
-                                      <p:cBhvr>
-                                        <p:cTn id="6" dur="1" fill="hold">
-                                          <p:stCondLst>
-                                            <p:cond delay="0"/>
-                                          </p:stCondLst>
-                                        </p:cTn>
-                                        <p:tgtEl>
-                                          <p:spTgt spid="34"/>
-                                        </p:tgtEl>
-                                        <p:attrNameLst>
-                                          <p:attrName>style.visibility</p:attrName>
-                                        </p:attrNameLst>
-                                      </p:cBhvr>
-                                      <p:to>
-                                        <p:strVal val="visible"/>
-                                      </p:to>
-                                    </p:set>
-                                  </p:childTnLst>
-                                </p:cTn>
-                              </p:par>
-                            </p:childTnLst>
-                          </p:cTn>
-                        </p:par>
-                      </p:childTnLst>
-                    </p:cTn>
-                  </p:par>
-                  <p:par>
-                    <p:cTn id="7" fill="hold">
-                      <p:stCondLst>
-                        <p:cond delay="indefinite"/>
-                      </p:stCondLst>
-                      <p:childTnLst>
-                        <p:par>
-                          <p:cTn id="8" fill="hold">
-                            <p:stCondLst>
-                              <p:cond delay="0"/>
-                            </p:stCondLst>
-                            <p:childTnLst>
-                              <p:par>
-                                <p:cTn id="9" presetID="1" presetClass="entr" presetSubtype="0" fill="hold" grpId="0" nodeType="clickEffect">
-                                  <p:stCondLst>
-                                    <p:cond delay="0"/>
-                                  </p:stCondLst>
-                                  <p:childTnLst>
-                                    <p:set>
-                                      <p:cBhvr>
-                                        <p:cTn id="10" dur="1" fill="hold">
-                                          <p:stCondLst>
-                                            <p:cond delay="0"/>
-                                          </p:stCondLst>
-                                        </p:cTn>
-                                        <p:tgtEl>
-                                          <p:spTgt spid="35"/>
-                                        </p:tgtEl>
-                                        <p:attrNameLst>
-                                          <p:attrName>style.visibility</p:attrName>
-                                        </p:attrNameLst>
-                                      </p:cBhvr>
-                                      <p:to>
-                                        <p:strVal val="visible"/>
-                                      </p:to>
-                                    </p:set>
-                                  </p:childTnLst>
-                                </p:cTn>
-                              </p:par>
-                            </p:childTnLst>
-                          </p:cTn>
-                        </p:par>
-                      </p:childTnLst>
-                    </p:cTn>
-                  </p:par>
-                </p:childTnLst>
-              </p:cTn>
-              <p:prevCondLst>
-                <p:cond evt="onPrev" delay="0">
-                  <p:tgtEl>
-                    <p:sldTgt/>
-                  </p:tgtEl>
-                </p:cond>
-              </p:prevCondLst>
-              <p:nextCondLst>
-                <p:cond evt="onNext" delay="0">
-                  <p:tgtEl>
-                    <p:sldTgt/>
-                  </p:tgtEl>
-                </p:cond>
-              </p:nextCondLst>
-            </p:seq>
-          </p:childTnLst>
-        </p:cTn>
-      </p:par>
-    </p:tnLst>
-    <p:bldLst>
-      <p:bldP spid="34" grpId="0"/>
-      <p:bldP spid="35" grpId="0"/>
-    </p:bldLst>
-  </p:timing>
-</p:sld>
-</file>
-
 <file path=ppt/theme/theme1.xml><?xml version="1.0" encoding="utf-8"?>
 <a:theme xmlns:a="http://schemas.openxmlformats.org/drawingml/2006/main" name="Office Theme">
   <a:themeElements>
